--- a/Second Python Course.pptx
+++ b/Second Python Course.pptx
@@ -35227,10 +35227,66 @@
             </a:r>
           </a:p>
           <a:p>
+            <a:pPr lvl="1"/>
+            <a:r>
+              <a:rPr lang="en-US" dirty="0"/>
+              <a:t>https://</a:t>
+            </a:r>
+            <a:r>
+              <a:rPr lang="en-US" dirty="0" err="1"/>
+              <a:t>github.com</a:t>
+            </a:r>
+            <a:r>
+              <a:rPr lang="en-US" dirty="0"/>
+              <a:t>/siddbose97/</a:t>
+            </a:r>
+            <a:r>
+              <a:rPr lang="en-US" dirty="0" err="1"/>
+              <a:t>pythonWorkshop</a:t>
+            </a:r>
+            <a:r>
+              <a:rPr lang="en-US" dirty="0"/>
+              <a:t>/blob/master/</a:t>
+            </a:r>
+            <a:r>
+              <a:rPr lang="en-US" dirty="0" err="1"/>
+              <a:t>savings_calculator.py</a:t>
+            </a:r>
+            <a:endParaRPr lang="en-US" dirty="0"/>
+          </a:p>
+          <a:p>
             <a:r>
               <a:rPr lang="en-US" dirty="0"/>
               <a:t>You can find the code for my dummy bot at the following link as well (the API key is removed, so input your own!)</a:t>
             </a:r>
+          </a:p>
+          <a:p>
+            <a:pPr lvl="1"/>
+            <a:r>
+              <a:rPr lang="en-US" dirty="0"/>
+              <a:t>https://</a:t>
+            </a:r>
+            <a:r>
+              <a:rPr lang="en-US" dirty="0" err="1"/>
+              <a:t>github.com</a:t>
+            </a:r>
+            <a:r>
+              <a:rPr lang="en-US" dirty="0"/>
+              <a:t>/siddbose97/</a:t>
+            </a:r>
+            <a:r>
+              <a:rPr lang="en-US" dirty="0" err="1"/>
+              <a:t>Telegram_Workshop</a:t>
+            </a:r>
+            <a:r>
+              <a:rPr lang="en-US" dirty="0"/>
+              <a:t>/blob/master/</a:t>
+            </a:r>
+            <a:r>
+              <a:rPr lang="en-US" dirty="0" err="1"/>
+              <a:t>sandbox.py</a:t>
+            </a:r>
+            <a:endParaRPr lang="en-US" dirty="0"/>
           </a:p>
           <a:p>
             <a:pPr marL="0" indent="0">
@@ -35424,25 +35480,21 @@
             </a:r>
             <a:r>
               <a:rPr lang="en-US" dirty="0"/>
-              <a:t> or email </a:t>
-            </a:r>
-            <a:r>
-              <a:rPr lang="en-US"/>
-              <a:t>at </a:t>
-            </a:r>
-            <a:r>
-              <a:rPr lang="en-US">
+              <a:t> or email at </a:t>
+            </a:r>
+            <a:r>
+              <a:rPr lang="en-US" dirty="0">
                 <a:hlinkClick r:id="rId2"/>
               </a:rPr>
               <a:t>siddbose97@gmail.com</a:t>
             </a:r>
             <a:r>
-              <a:rPr lang="en-US"/>
+              <a:rPr lang="en-US" dirty="0"/>
               <a:t>!</a:t>
             </a:r>
           </a:p>
           <a:p>
-            <a:endParaRPr lang="en-US"/>
+            <a:endParaRPr lang="en-US" dirty="0"/>
           </a:p>
         </p:txBody>
       </p:sp>

--- a/Second Python Course.pptx
+++ b/Second Python Course.pptx
@@ -9,79 +9,72 @@
     <p:sldId id="257" r:id="rId3"/>
     <p:sldId id="259" r:id="rId4"/>
     <p:sldId id="260" r:id="rId5"/>
-    <p:sldId id="325" r:id="rId6"/>
-    <p:sldId id="330" r:id="rId7"/>
-    <p:sldId id="265" r:id="rId8"/>
-    <p:sldId id="333" r:id="rId9"/>
-    <p:sldId id="264" r:id="rId10"/>
-    <p:sldId id="331" r:id="rId11"/>
-    <p:sldId id="332" r:id="rId12"/>
-    <p:sldId id="337" r:id="rId13"/>
-    <p:sldId id="335" r:id="rId14"/>
-    <p:sldId id="336" r:id="rId15"/>
-    <p:sldId id="346" r:id="rId16"/>
-    <p:sldId id="338" r:id="rId17"/>
-    <p:sldId id="339" r:id="rId18"/>
-    <p:sldId id="280" r:id="rId19"/>
-    <p:sldId id="281" r:id="rId20"/>
-    <p:sldId id="340" r:id="rId21"/>
-    <p:sldId id="341" r:id="rId22"/>
-    <p:sldId id="328" r:id="rId23"/>
-    <p:sldId id="342" r:id="rId24"/>
-    <p:sldId id="343" r:id="rId25"/>
-    <p:sldId id="302" r:id="rId26"/>
-    <p:sldId id="344" r:id="rId27"/>
-    <p:sldId id="345" r:id="rId28"/>
-    <p:sldId id="308" r:id="rId29"/>
-    <p:sldId id="313" r:id="rId30"/>
-    <p:sldId id="317" r:id="rId31"/>
-    <p:sldId id="318" r:id="rId32"/>
-    <p:sldId id="347" r:id="rId33"/>
-    <p:sldId id="350" r:id="rId34"/>
-    <p:sldId id="352" r:id="rId35"/>
-    <p:sldId id="348" r:id="rId36"/>
-    <p:sldId id="349" r:id="rId37"/>
-    <p:sldId id="351" r:id="rId38"/>
-    <p:sldId id="353" r:id="rId39"/>
-    <p:sldId id="354" r:id="rId40"/>
-    <p:sldId id="356" r:id="rId41"/>
-    <p:sldId id="358" r:id="rId42"/>
-    <p:sldId id="355" r:id="rId43"/>
-    <p:sldId id="357" r:id="rId44"/>
-    <p:sldId id="359" r:id="rId45"/>
-    <p:sldId id="360" r:id="rId46"/>
-    <p:sldId id="361" r:id="rId47"/>
-    <p:sldId id="363" r:id="rId48"/>
-    <p:sldId id="362" r:id="rId49"/>
-    <p:sldId id="364" r:id="rId50"/>
-    <p:sldId id="365" r:id="rId51"/>
-    <p:sldId id="366" r:id="rId52"/>
-    <p:sldId id="367" r:id="rId53"/>
-    <p:sldId id="368" r:id="rId54"/>
-    <p:sldId id="369" r:id="rId55"/>
-    <p:sldId id="370" r:id="rId56"/>
-    <p:sldId id="371" r:id="rId57"/>
-    <p:sldId id="375" r:id="rId58"/>
-    <p:sldId id="376" r:id="rId59"/>
-    <p:sldId id="372" r:id="rId60"/>
-    <p:sldId id="374" r:id="rId61"/>
-    <p:sldId id="377" r:id="rId62"/>
-    <p:sldId id="378" r:id="rId63"/>
-    <p:sldId id="379" r:id="rId64"/>
-    <p:sldId id="380" r:id="rId65"/>
-    <p:sldId id="373" r:id="rId66"/>
-    <p:sldId id="381" r:id="rId67"/>
-    <p:sldId id="382" r:id="rId68"/>
-    <p:sldId id="383" r:id="rId69"/>
-    <p:sldId id="384" r:id="rId70"/>
-    <p:sldId id="385" r:id="rId71"/>
-    <p:sldId id="386" r:id="rId72"/>
-    <p:sldId id="387" r:id="rId73"/>
-    <p:sldId id="388" r:id="rId74"/>
-    <p:sldId id="389" r:id="rId75"/>
-    <p:sldId id="390" r:id="rId76"/>
-    <p:sldId id="391" r:id="rId77"/>
-    <p:sldId id="392" r:id="rId78"/>
+    <p:sldId id="331" r:id="rId6"/>
+    <p:sldId id="393" r:id="rId7"/>
+    <p:sldId id="394" r:id="rId8"/>
+    <p:sldId id="332" r:id="rId9"/>
+    <p:sldId id="337" r:id="rId10"/>
+    <p:sldId id="335" r:id="rId11"/>
+    <p:sldId id="336" r:id="rId12"/>
+    <p:sldId id="346" r:id="rId13"/>
+    <p:sldId id="338" r:id="rId14"/>
+    <p:sldId id="339" r:id="rId15"/>
+    <p:sldId id="280" r:id="rId16"/>
+    <p:sldId id="281" r:id="rId17"/>
+    <p:sldId id="340" r:id="rId18"/>
+    <p:sldId id="341" r:id="rId19"/>
+    <p:sldId id="328" r:id="rId20"/>
+    <p:sldId id="342" r:id="rId21"/>
+    <p:sldId id="343" r:id="rId22"/>
+    <p:sldId id="302" r:id="rId23"/>
+    <p:sldId id="344" r:id="rId24"/>
+    <p:sldId id="345" r:id="rId25"/>
+    <p:sldId id="308" r:id="rId26"/>
+    <p:sldId id="313" r:id="rId27"/>
+    <p:sldId id="317" r:id="rId28"/>
+    <p:sldId id="318" r:id="rId29"/>
+    <p:sldId id="347" r:id="rId30"/>
+    <p:sldId id="350" r:id="rId31"/>
+    <p:sldId id="352" r:id="rId32"/>
+    <p:sldId id="348" r:id="rId33"/>
+    <p:sldId id="349" r:id="rId34"/>
+    <p:sldId id="351" r:id="rId35"/>
+    <p:sldId id="353" r:id="rId36"/>
+    <p:sldId id="354" r:id="rId37"/>
+    <p:sldId id="356" r:id="rId38"/>
+    <p:sldId id="358" r:id="rId39"/>
+    <p:sldId id="355" r:id="rId40"/>
+    <p:sldId id="357" r:id="rId41"/>
+    <p:sldId id="359" r:id="rId42"/>
+    <p:sldId id="360" r:id="rId43"/>
+    <p:sldId id="361" r:id="rId44"/>
+    <p:sldId id="363" r:id="rId45"/>
+    <p:sldId id="362" r:id="rId46"/>
+    <p:sldId id="364" r:id="rId47"/>
+    <p:sldId id="365" r:id="rId48"/>
+    <p:sldId id="366" r:id="rId49"/>
+    <p:sldId id="367" r:id="rId50"/>
+    <p:sldId id="368" r:id="rId51"/>
+    <p:sldId id="369" r:id="rId52"/>
+    <p:sldId id="370" r:id="rId53"/>
+    <p:sldId id="371" r:id="rId54"/>
+    <p:sldId id="375" r:id="rId55"/>
+    <p:sldId id="376" r:id="rId56"/>
+    <p:sldId id="372" r:id="rId57"/>
+    <p:sldId id="374" r:id="rId58"/>
+    <p:sldId id="377" r:id="rId59"/>
+    <p:sldId id="378" r:id="rId60"/>
+    <p:sldId id="379" r:id="rId61"/>
+    <p:sldId id="380" r:id="rId62"/>
+    <p:sldId id="373" r:id="rId63"/>
+    <p:sldId id="381" r:id="rId64"/>
+    <p:sldId id="382" r:id="rId65"/>
+    <p:sldId id="383" r:id="rId66"/>
+    <p:sldId id="384" r:id="rId67"/>
+    <p:sldId id="385" r:id="rId68"/>
+    <p:sldId id="390" r:id="rId69"/>
+    <p:sldId id="391" r:id="rId70"/>
+    <p:sldId id="392" r:id="rId71"/>
   </p:sldIdLst>
   <p:sldSz cx="12192000" cy="6858000"/>
   <p:notesSz cx="6858000" cy="9144000"/>
@@ -5587,9 +5580,10 @@
         <a:lstStyle/>
         <a:p>
           <a:r>
-            <a:rPr lang="en-US" dirty="0"/>
-            <a:t>Ask for gender</a:t>
+            <a:rPr lang="en-US" dirty="0" err="1"/>
+            <a:t>ask_for_gender</a:t>
           </a:r>
+          <a:endParaRPr lang="en-US" dirty="0"/>
         </a:p>
       </dgm:t>
     </dgm:pt>
@@ -5623,9 +5617,10 @@
         <a:lstStyle/>
         <a:p>
           <a:r>
-            <a:rPr lang="en-US" dirty="0"/>
-            <a:t>Ask for age</a:t>
+            <a:rPr lang="en-US" dirty="0" err="1"/>
+            <a:t>ask_for_age</a:t>
           </a:r>
+          <a:endParaRPr lang="en-US" dirty="0"/>
         </a:p>
       </dgm:t>
     </dgm:pt>
@@ -5660,7 +5655,7 @@
         <a:p>
           <a:r>
             <a:rPr lang="en-US" dirty="0"/>
-            <a:t>Ask for name</a:t>
+            <a:t>/start (ask for name)</a:t>
           </a:r>
         </a:p>
       </dgm:t>
@@ -5695,9 +5690,10 @@
         <a:lstStyle/>
         <a:p>
           <a:r>
-            <a:rPr lang="en-US" dirty="0"/>
-            <a:t>Output information</a:t>
+            <a:rPr lang="en-US" dirty="0" err="1"/>
+            <a:t>Output_info</a:t>
           </a:r>
+          <a:endParaRPr lang="en-US" dirty="0"/>
         </a:p>
       </dgm:t>
     </dgm:pt>
@@ -5848,9 +5844,10 @@
         <a:lstStyle/>
         <a:p>
           <a:r>
-            <a:rPr lang="en-US" dirty="0"/>
-            <a:t>Ask for gender</a:t>
+            <a:rPr lang="en-US" dirty="0" err="1"/>
+            <a:t>ask_for_gender</a:t>
           </a:r>
+          <a:endParaRPr lang="en-US" dirty="0"/>
         </a:p>
       </dgm:t>
     </dgm:pt>
@@ -5884,9 +5881,10 @@
         <a:lstStyle/>
         <a:p>
           <a:r>
-            <a:rPr lang="en-US" dirty="0"/>
-            <a:t>Ask for age</a:t>
+            <a:rPr lang="en-US" dirty="0" err="1"/>
+            <a:t>ask_for_age</a:t>
           </a:r>
+          <a:endParaRPr lang="en-US" dirty="0"/>
         </a:p>
       </dgm:t>
     </dgm:pt>
@@ -5913,15 +5911,15 @@
       </dgm:t>
     </dgm:pt>
     <dgm:pt modelId="{9B6B28CE-FFA8-D94B-B935-DB0C6592A9A3}">
-      <dgm:prSet phldrT="[Text]" custT="1"/>
+      <dgm:prSet phldrT="[Text]"/>
       <dgm:spPr/>
       <dgm:t>
         <a:bodyPr/>
         <a:lstStyle/>
         <a:p>
           <a:r>
-            <a:rPr lang="en-US" sz="2000" dirty="0"/>
-            <a:t>Ask for name</a:t>
+            <a:rPr lang="en-US" dirty="0"/>
+            <a:t>/start (ask for name)</a:t>
           </a:r>
         </a:p>
       </dgm:t>
@@ -5956,9 +5954,10 @@
         <a:lstStyle/>
         <a:p>
           <a:r>
-            <a:rPr lang="en-US" dirty="0"/>
-            <a:t>Output information</a:t>
+            <a:rPr lang="en-US" dirty="0" err="1"/>
+            <a:t>Output_info</a:t>
           </a:r>
+          <a:endParaRPr lang="en-US" dirty="0"/>
         </a:p>
       </dgm:t>
     </dgm:pt>
@@ -5994,7 +5993,7 @@
       <dgm:spPr/>
     </dgm:pt>
     <dgm:pt modelId="{9D2671C0-63F0-A842-8764-87F94464C366}" type="pres">
-      <dgm:prSet presAssocID="{9B6B28CE-FFA8-D94B-B935-DB0C6592A9A3}" presName="node" presStyleLbl="node1" presStyleIdx="0" presStyleCnt="4">
+      <dgm:prSet presAssocID="{9B6B28CE-FFA8-D94B-B935-DB0C6592A9A3}" presName="node" presStyleLbl="node1" presStyleIdx="0" presStyleCnt="4" custScaleX="138013" custScaleY="186066">
         <dgm:presLayoutVars>
           <dgm:bulletEnabled val="1"/>
         </dgm:presLayoutVars>
@@ -6010,7 +6009,7 @@
       <dgm:spPr/>
     </dgm:pt>
     <dgm:pt modelId="{160BE009-C507-404D-AA73-58FAE3985C9D}" type="pres">
-      <dgm:prSet presAssocID="{FBE8DFEB-A79F-8848-B3A5-FF3992972150}" presName="node" presStyleLbl="node1" presStyleIdx="1" presStyleCnt="4" custScaleX="26061" custScaleY="43180">
+      <dgm:prSet presAssocID="{FBE8DFEB-A79F-8848-B3A5-FF3992972150}" presName="node" presStyleLbl="node1" presStyleIdx="1" presStyleCnt="4">
         <dgm:presLayoutVars>
           <dgm:bulletEnabled val="1"/>
         </dgm:presLayoutVars>
@@ -6026,7 +6025,7 @@
       <dgm:spPr/>
     </dgm:pt>
     <dgm:pt modelId="{0020F398-3DA3-9B47-B84A-85D395EC1A02}" type="pres">
-      <dgm:prSet presAssocID="{6A1A7351-DDAA-834C-B571-94B7F955905D}" presName="node" presStyleLbl="node1" presStyleIdx="2" presStyleCnt="4" custScaleX="50410" custScaleY="32829">
+      <dgm:prSet presAssocID="{6A1A7351-DDAA-834C-B571-94B7F955905D}" presName="node" presStyleLbl="node1" presStyleIdx="2" presStyleCnt="4">
         <dgm:presLayoutVars>
           <dgm:bulletEnabled val="1"/>
         </dgm:presLayoutVars>
@@ -6042,7 +6041,7 @@
       <dgm:spPr/>
     </dgm:pt>
     <dgm:pt modelId="{0A3803AD-9BD8-A748-A934-B26E0BD8BAE2}" type="pres">
-      <dgm:prSet presAssocID="{169F69B0-F6AE-9B4B-BC40-E72A8E9C90A1}" presName="node" presStyleLbl="node1" presStyleIdx="3" presStyleCnt="4" custScaleX="67132" custScaleY="30910">
+      <dgm:prSet presAssocID="{169F69B0-F6AE-9B4B-BC40-E72A8E9C90A1}" presName="node" presStyleLbl="node1" presStyleIdx="3" presStyleCnt="4">
         <dgm:presLayoutVars>
           <dgm:bulletEnabled val="1"/>
         </dgm:presLayoutVars>
@@ -6109,9 +6108,10 @@
         <a:lstStyle/>
         <a:p>
           <a:r>
-            <a:rPr lang="en-US" dirty="0"/>
-            <a:t>Ask for gender</a:t>
+            <a:rPr lang="en-US" dirty="0" err="1"/>
+            <a:t>ask_for_gender</a:t>
           </a:r>
+          <a:endParaRPr lang="en-US" dirty="0"/>
         </a:p>
       </dgm:t>
     </dgm:pt>
@@ -6138,16 +6138,17 @@
       </dgm:t>
     </dgm:pt>
     <dgm:pt modelId="{FBE8DFEB-A79F-8848-B3A5-FF3992972150}">
-      <dgm:prSet phldrT="[Text]" custT="1"/>
+      <dgm:prSet phldrT="[Text]"/>
       <dgm:spPr/>
       <dgm:t>
         <a:bodyPr/>
         <a:lstStyle/>
         <a:p>
           <a:r>
-            <a:rPr lang="en-US" sz="1800" dirty="0"/>
-            <a:t>Ask for age</a:t>
+            <a:rPr lang="en-US" dirty="0" err="1"/>
+            <a:t>ask_for_age</a:t>
           </a:r>
+          <a:endParaRPr lang="en-US" dirty="0"/>
         </a:p>
       </dgm:t>
     </dgm:pt>
@@ -6182,7 +6183,7 @@
         <a:p>
           <a:r>
             <a:rPr lang="en-US" dirty="0"/>
-            <a:t>Ask for name</a:t>
+            <a:t>/start (ask for name)</a:t>
           </a:r>
         </a:p>
       </dgm:t>
@@ -6217,9 +6218,10 @@
         <a:lstStyle/>
         <a:p>
           <a:r>
-            <a:rPr lang="en-US" dirty="0"/>
-            <a:t>Output information</a:t>
+            <a:rPr lang="en-US" dirty="0" err="1"/>
+            <a:t>Output_info</a:t>
           </a:r>
+          <a:endParaRPr lang="en-US" dirty="0"/>
         </a:p>
       </dgm:t>
     </dgm:pt>
@@ -6255,7 +6257,7 @@
       <dgm:spPr/>
     </dgm:pt>
     <dgm:pt modelId="{9D2671C0-63F0-A842-8764-87F94464C366}" type="pres">
-      <dgm:prSet presAssocID="{9B6B28CE-FFA8-D94B-B935-DB0C6592A9A3}" presName="node" presStyleLbl="node1" presStyleIdx="0" presStyleCnt="4" custScaleX="60745" custScaleY="37139">
+      <dgm:prSet presAssocID="{9B6B28CE-FFA8-D94B-B935-DB0C6592A9A3}" presName="node" presStyleLbl="node1" presStyleIdx="0" presStyleCnt="4">
         <dgm:presLayoutVars>
           <dgm:bulletEnabled val="1"/>
         </dgm:presLayoutVars>
@@ -6271,7 +6273,7 @@
       <dgm:spPr/>
     </dgm:pt>
     <dgm:pt modelId="{160BE009-C507-404D-AA73-58FAE3985C9D}" type="pres">
-      <dgm:prSet presAssocID="{FBE8DFEB-A79F-8848-B3A5-FF3992972150}" presName="node" presStyleLbl="node1" presStyleIdx="1" presStyleCnt="4">
+      <dgm:prSet presAssocID="{FBE8DFEB-A79F-8848-B3A5-FF3992972150}" presName="node" presStyleLbl="node1" presStyleIdx="1" presStyleCnt="4" custScaleX="131024" custScaleY="167703">
         <dgm:presLayoutVars>
           <dgm:bulletEnabled val="1"/>
         </dgm:presLayoutVars>
@@ -6287,7 +6289,7 @@
       <dgm:spPr/>
     </dgm:pt>
     <dgm:pt modelId="{0020F398-3DA3-9B47-B84A-85D395EC1A02}" type="pres">
-      <dgm:prSet presAssocID="{6A1A7351-DDAA-834C-B571-94B7F955905D}" presName="node" presStyleLbl="node1" presStyleIdx="2" presStyleCnt="4" custScaleX="32913" custScaleY="23724">
+      <dgm:prSet presAssocID="{6A1A7351-DDAA-834C-B571-94B7F955905D}" presName="node" presStyleLbl="node1" presStyleIdx="2" presStyleCnt="4">
         <dgm:presLayoutVars>
           <dgm:bulletEnabled val="1"/>
         </dgm:presLayoutVars>
@@ -6303,7 +6305,7 @@
       <dgm:spPr/>
     </dgm:pt>
     <dgm:pt modelId="{0A3803AD-9BD8-A748-A934-B26E0BD8BAE2}" type="pres">
-      <dgm:prSet presAssocID="{169F69B0-F6AE-9B4B-BC40-E72A8E9C90A1}" presName="node" presStyleLbl="node1" presStyleIdx="3" presStyleCnt="4" custScaleX="45579" custScaleY="26512">
+      <dgm:prSet presAssocID="{169F69B0-F6AE-9B4B-BC40-E72A8E9C90A1}" presName="node" presStyleLbl="node1" presStyleIdx="3" presStyleCnt="4">
         <dgm:presLayoutVars>
           <dgm:bulletEnabled val="1"/>
         </dgm:presLayoutVars>
@@ -6363,16 +6365,17 @@
       </dgm:t>
     </dgm:pt>
     <dgm:pt modelId="{6A1A7351-DDAA-834C-B571-94B7F955905D}">
-      <dgm:prSet phldrT="[Text]" custT="1"/>
+      <dgm:prSet phldrT="[Text]"/>
       <dgm:spPr/>
       <dgm:t>
         <a:bodyPr/>
         <a:lstStyle/>
         <a:p>
           <a:r>
-            <a:rPr lang="en-US" sz="2800" dirty="0"/>
-            <a:t>Ask for gender</a:t>
+            <a:rPr lang="en-US" dirty="0" err="1"/>
+            <a:t>ask_for_gender</a:t>
           </a:r>
+          <a:endParaRPr lang="en-US" dirty="0"/>
         </a:p>
       </dgm:t>
     </dgm:pt>
@@ -6406,9 +6409,10 @@
         <a:lstStyle/>
         <a:p>
           <a:r>
-            <a:rPr lang="en-US" dirty="0"/>
-            <a:t>Ask for age</a:t>
+            <a:rPr lang="en-US" dirty="0" err="1"/>
+            <a:t>ask_for_age</a:t>
           </a:r>
+          <a:endParaRPr lang="en-US" dirty="0"/>
         </a:p>
       </dgm:t>
     </dgm:pt>
@@ -6443,7 +6447,7 @@
         <a:p>
           <a:r>
             <a:rPr lang="en-US" dirty="0"/>
-            <a:t>Ask for name</a:t>
+            <a:t>/start (ask for name)</a:t>
           </a:r>
         </a:p>
       </dgm:t>
@@ -6478,9 +6482,10 @@
         <a:lstStyle/>
         <a:p>
           <a:r>
-            <a:rPr lang="en-US" dirty="0"/>
-            <a:t>Output information</a:t>
+            <a:rPr lang="en-US" dirty="0" err="1"/>
+            <a:t>Output_info</a:t>
           </a:r>
+          <a:endParaRPr lang="en-US" dirty="0"/>
         </a:p>
       </dgm:t>
     </dgm:pt>
@@ -6516,7 +6521,7 @@
       <dgm:spPr/>
     </dgm:pt>
     <dgm:pt modelId="{9D2671C0-63F0-A842-8764-87F94464C366}" type="pres">
-      <dgm:prSet presAssocID="{9B6B28CE-FFA8-D94B-B935-DB0C6592A9A3}" presName="node" presStyleLbl="node1" presStyleIdx="0" presStyleCnt="4" custScaleX="38526" custScaleY="60121">
+      <dgm:prSet presAssocID="{9B6B28CE-FFA8-D94B-B935-DB0C6592A9A3}" presName="node" presStyleLbl="node1" presStyleIdx="0" presStyleCnt="4">
         <dgm:presLayoutVars>
           <dgm:bulletEnabled val="1"/>
         </dgm:presLayoutVars>
@@ -6532,7 +6537,7 @@
       <dgm:spPr/>
     </dgm:pt>
     <dgm:pt modelId="{160BE009-C507-404D-AA73-58FAE3985C9D}" type="pres">
-      <dgm:prSet presAssocID="{FBE8DFEB-A79F-8848-B3A5-FF3992972150}" presName="node" presStyleLbl="node1" presStyleIdx="1" presStyleCnt="4" custScaleX="62539" custScaleY="30756">
+      <dgm:prSet presAssocID="{FBE8DFEB-A79F-8848-B3A5-FF3992972150}" presName="node" presStyleLbl="node1" presStyleIdx="1" presStyleCnt="4">
         <dgm:presLayoutVars>
           <dgm:bulletEnabled val="1"/>
         </dgm:presLayoutVars>
@@ -6548,7 +6553,7 @@
       <dgm:spPr/>
     </dgm:pt>
     <dgm:pt modelId="{0020F398-3DA3-9B47-B84A-85D395EC1A02}" type="pres">
-      <dgm:prSet presAssocID="{6A1A7351-DDAA-834C-B571-94B7F955905D}" presName="node" presStyleLbl="node1" presStyleIdx="2" presStyleCnt="4">
+      <dgm:prSet presAssocID="{6A1A7351-DDAA-834C-B571-94B7F955905D}" presName="node" presStyleLbl="node1" presStyleIdx="2" presStyleCnt="4" custScaleX="131830" custScaleY="184059">
         <dgm:presLayoutVars>
           <dgm:bulletEnabled val="1"/>
         </dgm:presLayoutVars>
@@ -6564,7 +6569,7 @@
       <dgm:spPr/>
     </dgm:pt>
     <dgm:pt modelId="{0A3803AD-9BD8-A748-A934-B26E0BD8BAE2}" type="pres">
-      <dgm:prSet presAssocID="{169F69B0-F6AE-9B4B-BC40-E72A8E9C90A1}" presName="node" presStyleLbl="node1" presStyleIdx="3" presStyleCnt="4" custScaleX="35666" custScaleY="45858">
+      <dgm:prSet presAssocID="{169F69B0-F6AE-9B4B-BC40-E72A8E9C90A1}" presName="node" presStyleLbl="node1" presStyleIdx="3" presStyleCnt="4">
         <dgm:presLayoutVars>
           <dgm:bulletEnabled val="1"/>
         </dgm:presLayoutVars>
@@ -6631,9 +6636,10 @@
         <a:lstStyle/>
         <a:p>
           <a:r>
-            <a:rPr lang="en-US" dirty="0"/>
-            <a:t>Ask for gender</a:t>
+            <a:rPr lang="en-US" dirty="0" err="1"/>
+            <a:t>ask_for_gender</a:t>
           </a:r>
+          <a:endParaRPr lang="en-US" dirty="0"/>
         </a:p>
       </dgm:t>
     </dgm:pt>
@@ -6667,9 +6673,10 @@
         <a:lstStyle/>
         <a:p>
           <a:r>
-            <a:rPr lang="en-US" dirty="0"/>
-            <a:t>Ask for age</a:t>
+            <a:rPr lang="en-US" dirty="0" err="1"/>
+            <a:t>ask_for_age</a:t>
           </a:r>
+          <a:endParaRPr lang="en-US" dirty="0"/>
         </a:p>
       </dgm:t>
     </dgm:pt>
@@ -6704,7 +6711,7 @@
         <a:p>
           <a:r>
             <a:rPr lang="en-US" dirty="0"/>
-            <a:t>Ask for name</a:t>
+            <a:t>/start (ask for name)</a:t>
           </a:r>
         </a:p>
       </dgm:t>
@@ -6739,9 +6746,10 @@
         <a:lstStyle/>
         <a:p>
           <a:r>
-            <a:rPr lang="en-US" dirty="0"/>
-            <a:t>Output information</a:t>
+            <a:rPr lang="en-US" dirty="0" err="1"/>
+            <a:t>Output_info</a:t>
           </a:r>
+          <a:endParaRPr lang="en-US" dirty="0"/>
         </a:p>
       </dgm:t>
     </dgm:pt>
@@ -6777,7 +6785,7 @@
       <dgm:spPr/>
     </dgm:pt>
     <dgm:pt modelId="{9D2671C0-63F0-A842-8764-87F94464C366}" type="pres">
-      <dgm:prSet presAssocID="{9B6B28CE-FFA8-D94B-B935-DB0C6592A9A3}" presName="node" presStyleLbl="node1" presStyleIdx="0" presStyleCnt="4" custScaleX="48024" custScaleY="44917">
+      <dgm:prSet presAssocID="{9B6B28CE-FFA8-D94B-B935-DB0C6592A9A3}" presName="node" presStyleLbl="node1" presStyleIdx="0" presStyleCnt="4">
         <dgm:presLayoutVars>
           <dgm:bulletEnabled val="1"/>
         </dgm:presLayoutVars>
@@ -6793,7 +6801,7 @@
       <dgm:spPr/>
     </dgm:pt>
     <dgm:pt modelId="{160BE009-C507-404D-AA73-58FAE3985C9D}" type="pres">
-      <dgm:prSet presAssocID="{FBE8DFEB-A79F-8848-B3A5-FF3992972150}" presName="node" presStyleLbl="node1" presStyleIdx="1" presStyleCnt="4" custScaleX="74714" custScaleY="36771">
+      <dgm:prSet presAssocID="{FBE8DFEB-A79F-8848-B3A5-FF3992972150}" presName="node" presStyleLbl="node1" presStyleIdx="1" presStyleCnt="4">
         <dgm:presLayoutVars>
           <dgm:bulletEnabled val="1"/>
         </dgm:presLayoutVars>
@@ -6809,7 +6817,7 @@
       <dgm:spPr/>
     </dgm:pt>
     <dgm:pt modelId="{0020F398-3DA3-9B47-B84A-85D395EC1A02}" type="pres">
-      <dgm:prSet presAssocID="{6A1A7351-DDAA-834C-B571-94B7F955905D}" presName="node" presStyleLbl="node1" presStyleIdx="2" presStyleCnt="4" custScaleX="72538" custScaleY="44939">
+      <dgm:prSet presAssocID="{6A1A7351-DDAA-834C-B571-94B7F955905D}" presName="node" presStyleLbl="node1" presStyleIdx="2" presStyleCnt="4">
         <dgm:presLayoutVars>
           <dgm:bulletEnabled val="1"/>
         </dgm:presLayoutVars>
@@ -6825,7 +6833,7 @@
       <dgm:spPr/>
     </dgm:pt>
     <dgm:pt modelId="{0A3803AD-9BD8-A748-A934-B26E0BD8BAE2}" type="pres">
-      <dgm:prSet presAssocID="{169F69B0-F6AE-9B4B-BC40-E72A8E9C90A1}" presName="node" presStyleLbl="node1" presStyleIdx="3" presStyleCnt="4">
+      <dgm:prSet presAssocID="{169F69B0-F6AE-9B4B-BC40-E72A8E9C90A1}" presName="node" presStyleLbl="node1" presStyleIdx="3" presStyleCnt="4" custScaleX="116565" custScaleY="169891">
         <dgm:presLayoutVars>
           <dgm:bulletEnabled val="1"/>
         </dgm:presLayoutVars>
@@ -6864,7 +6872,7 @@
   <dgm:whole/>
   <dgm:extLst>
     <a:ext uri="http://schemas.microsoft.com/office/drawing/2008/diagram">
-      <dsp:dataModelExt xmlns:dsp="http://schemas.microsoft.com/office/drawing/2008/diagram" relId="rId7" minVer="http://schemas.openxmlformats.org/drawingml/2006/diagram"/>
+      <dsp:dataModelExt xmlns:dsp="http://schemas.microsoft.com/office/drawing/2008/diagram" relId="rId6" minVer="http://schemas.openxmlformats.org/drawingml/2006/diagram"/>
     </a:ext>
   </dgm:extLst>
 </dgm:dataModel>
@@ -7296,12 +7304,12 @@
         </a:fontRef>
       </dsp:style>
       <dsp:txBody>
-        <a:bodyPr spcFirstLastPara="0" vert="horz" wrap="square" lIns="87630" tIns="87630" rIns="87630" bIns="87630" numCol="1" spcCol="1270" anchor="ctr" anchorCtr="0">
+        <a:bodyPr spcFirstLastPara="0" vert="horz" wrap="square" lIns="68580" tIns="68580" rIns="68580" bIns="68580" numCol="1" spcCol="1270" anchor="ctr" anchorCtr="0">
           <a:noAutofit/>
         </a:bodyPr>
         <a:lstStyle/>
         <a:p>
-          <a:pPr marL="0" lvl="0" indent="0" algn="ctr" defTabSz="1022350">
+          <a:pPr marL="0" lvl="0" indent="0" algn="ctr" defTabSz="800100">
             <a:lnSpc>
               <a:spcPct val="90000"/>
             </a:lnSpc>
@@ -7314,8 +7322,8 @@
             <a:buNone/>
           </a:pPr>
           <a:r>
-            <a:rPr lang="en-US" sz="2300" kern="1200" dirty="0"/>
-            <a:t>Ask for name</a:t>
+            <a:rPr lang="en-US" sz="1800" kern="1200" dirty="0"/>
+            <a:t>/start (ask for name)</a:t>
           </a:r>
         </a:p>
       </dsp:txBody>
@@ -7373,7 +7381,7 @@
         </a:bodyPr>
         <a:lstStyle/>
         <a:p>
-          <a:pPr marL="0" lvl="0" indent="0" algn="ctr" defTabSz="844550">
+          <a:pPr marL="0" lvl="0" indent="0" algn="ctr" defTabSz="622300">
             <a:lnSpc>
               <a:spcPct val="90000"/>
             </a:lnSpc>
@@ -7385,7 +7393,7 @@
             </a:spcAft>
             <a:buNone/>
           </a:pPr>
-          <a:endParaRPr lang="en-US" sz="1900" kern="1200"/>
+          <a:endParaRPr lang="en-US" sz="1400" kern="1200"/>
         </a:p>
       </dsp:txBody>
       <dsp:txXfrm>
@@ -7444,12 +7452,12 @@
         </a:fontRef>
       </dsp:style>
       <dsp:txBody>
-        <a:bodyPr spcFirstLastPara="0" vert="horz" wrap="square" lIns="87630" tIns="87630" rIns="87630" bIns="87630" numCol="1" spcCol="1270" anchor="ctr" anchorCtr="0">
+        <a:bodyPr spcFirstLastPara="0" vert="horz" wrap="square" lIns="68580" tIns="68580" rIns="68580" bIns="68580" numCol="1" spcCol="1270" anchor="ctr" anchorCtr="0">
           <a:noAutofit/>
         </a:bodyPr>
         <a:lstStyle/>
         <a:p>
-          <a:pPr marL="0" lvl="0" indent="0" algn="ctr" defTabSz="1022350">
+          <a:pPr marL="0" lvl="0" indent="0" algn="ctr" defTabSz="800100">
             <a:lnSpc>
               <a:spcPct val="90000"/>
             </a:lnSpc>
@@ -7462,9 +7470,10 @@
             <a:buNone/>
           </a:pPr>
           <a:r>
-            <a:rPr lang="en-US" sz="2300" kern="1200" dirty="0"/>
-            <a:t>Ask for age</a:t>
+            <a:rPr lang="en-US" sz="1800" kern="1200" dirty="0" err="1"/>
+            <a:t>ask_for_age</a:t>
           </a:r>
+          <a:endParaRPr lang="en-US" sz="1800" kern="1200" dirty="0"/>
         </a:p>
       </dsp:txBody>
       <dsp:txXfrm>
@@ -7521,7 +7530,7 @@
         </a:bodyPr>
         <a:lstStyle/>
         <a:p>
-          <a:pPr marL="0" lvl="0" indent="0" algn="ctr" defTabSz="844550">
+          <a:pPr marL="0" lvl="0" indent="0" algn="ctr" defTabSz="622300">
             <a:lnSpc>
               <a:spcPct val="90000"/>
             </a:lnSpc>
@@ -7533,7 +7542,7 @@
             </a:spcAft>
             <a:buNone/>
           </a:pPr>
-          <a:endParaRPr lang="en-US" sz="1900" kern="1200"/>
+          <a:endParaRPr lang="en-US" sz="1400" kern="1200"/>
         </a:p>
       </dsp:txBody>
       <dsp:txXfrm>
@@ -7592,12 +7601,12 @@
         </a:fontRef>
       </dsp:style>
       <dsp:txBody>
-        <a:bodyPr spcFirstLastPara="0" vert="horz" wrap="square" lIns="87630" tIns="87630" rIns="87630" bIns="87630" numCol="1" spcCol="1270" anchor="ctr" anchorCtr="0">
+        <a:bodyPr spcFirstLastPara="0" vert="horz" wrap="square" lIns="68580" tIns="68580" rIns="68580" bIns="68580" numCol="1" spcCol="1270" anchor="ctr" anchorCtr="0">
           <a:noAutofit/>
         </a:bodyPr>
         <a:lstStyle/>
         <a:p>
-          <a:pPr marL="0" lvl="0" indent="0" algn="ctr" defTabSz="1022350">
+          <a:pPr marL="0" lvl="0" indent="0" algn="ctr" defTabSz="800100">
             <a:lnSpc>
               <a:spcPct val="90000"/>
             </a:lnSpc>
@@ -7610,9 +7619,10 @@
             <a:buNone/>
           </a:pPr>
           <a:r>
-            <a:rPr lang="en-US" sz="2300" kern="1200" dirty="0"/>
-            <a:t>Ask for gender</a:t>
+            <a:rPr lang="en-US" sz="1800" kern="1200" dirty="0" err="1"/>
+            <a:t>ask_for_gender</a:t>
           </a:r>
+          <a:endParaRPr lang="en-US" sz="1800" kern="1200" dirty="0"/>
         </a:p>
       </dsp:txBody>
       <dsp:txXfrm>
@@ -7669,7 +7679,7 @@
         </a:bodyPr>
         <a:lstStyle/>
         <a:p>
-          <a:pPr marL="0" lvl="0" indent="0" algn="ctr" defTabSz="844550">
+          <a:pPr marL="0" lvl="0" indent="0" algn="ctr" defTabSz="622300">
             <a:lnSpc>
               <a:spcPct val="90000"/>
             </a:lnSpc>
@@ -7681,7 +7691,7 @@
             </a:spcAft>
             <a:buNone/>
           </a:pPr>
-          <a:endParaRPr lang="en-US" sz="1900" kern="1200"/>
+          <a:endParaRPr lang="en-US" sz="1400" kern="1200"/>
         </a:p>
       </dsp:txBody>
       <dsp:txXfrm>
@@ -7740,12 +7750,12 @@
         </a:fontRef>
       </dsp:style>
       <dsp:txBody>
-        <a:bodyPr spcFirstLastPara="0" vert="horz" wrap="square" lIns="87630" tIns="87630" rIns="87630" bIns="87630" numCol="1" spcCol="1270" anchor="ctr" anchorCtr="0">
+        <a:bodyPr spcFirstLastPara="0" vert="horz" wrap="square" lIns="68580" tIns="68580" rIns="68580" bIns="68580" numCol="1" spcCol="1270" anchor="ctr" anchorCtr="0">
           <a:noAutofit/>
         </a:bodyPr>
         <a:lstStyle/>
         <a:p>
-          <a:pPr marL="0" lvl="0" indent="0" algn="ctr" defTabSz="1022350">
+          <a:pPr marL="0" lvl="0" indent="0" algn="ctr" defTabSz="800100">
             <a:lnSpc>
               <a:spcPct val="90000"/>
             </a:lnSpc>
@@ -7758,9 +7768,10 @@
             <a:buNone/>
           </a:pPr>
           <a:r>
-            <a:rPr lang="en-US" sz="2300" kern="1200" dirty="0"/>
-            <a:t>Output information</a:t>
+            <a:rPr lang="en-US" sz="1800" kern="1200" dirty="0" err="1"/>
+            <a:t>Output_info</a:t>
           </a:r>
+          <a:endParaRPr lang="en-US" sz="1800" kern="1200" dirty="0"/>
         </a:p>
       </dsp:txBody>
       <dsp:txXfrm>
@@ -7787,8 +7798,1084 @@
       </dsp:nvSpPr>
       <dsp:spPr>
         <a:xfrm>
-          <a:off x="2230" y="208740"/>
-          <a:ext cx="2745003" cy="1724205"/>
+          <a:off x="224" y="72019"/>
+          <a:ext cx="2469565" cy="1997647"/>
+        </a:xfrm>
+        <a:prstGeom prst="roundRect">
+          <a:avLst>
+            <a:gd name="adj" fmla="val 10000"/>
+          </a:avLst>
+        </a:prstGeom>
+        <a:solidFill>
+          <a:schemeClr val="accent2">
+            <a:hueOff val="0"/>
+            <a:satOff val="0"/>
+            <a:lumOff val="0"/>
+            <a:alphaOff val="0"/>
+          </a:schemeClr>
+        </a:solidFill>
+        <a:ln w="19050" cap="rnd" cmpd="sng" algn="ctr">
+          <a:solidFill>
+            <a:schemeClr val="lt1">
+              <a:hueOff val="0"/>
+              <a:satOff val="0"/>
+              <a:lumOff val="0"/>
+              <a:alphaOff val="0"/>
+            </a:schemeClr>
+          </a:solidFill>
+          <a:prstDash val="solid"/>
+        </a:ln>
+        <a:effectLst/>
+      </dsp:spPr>
+      <dsp:style>
+        <a:lnRef idx="2">
+          <a:scrgbClr r="0" g="0" b="0"/>
+        </a:lnRef>
+        <a:fillRef idx="1">
+          <a:scrgbClr r="0" g="0" b="0"/>
+        </a:fillRef>
+        <a:effectRef idx="0">
+          <a:scrgbClr r="0" g="0" b="0"/>
+        </a:effectRef>
+        <a:fontRef idx="minor">
+          <a:schemeClr val="lt1"/>
+        </a:fontRef>
+      </dsp:style>
+      <dsp:txBody>
+        <a:bodyPr spcFirstLastPara="0" vert="horz" wrap="square" lIns="60960" tIns="60960" rIns="60960" bIns="60960" numCol="1" spcCol="1270" anchor="ctr" anchorCtr="0">
+          <a:noAutofit/>
+        </a:bodyPr>
+        <a:lstStyle/>
+        <a:p>
+          <a:pPr marL="0" lvl="0" indent="0" algn="ctr" defTabSz="711200">
+            <a:lnSpc>
+              <a:spcPct val="90000"/>
+            </a:lnSpc>
+            <a:spcBef>
+              <a:spcPct val="0"/>
+            </a:spcBef>
+            <a:spcAft>
+              <a:spcPct val="35000"/>
+            </a:spcAft>
+            <a:buNone/>
+          </a:pPr>
+          <a:r>
+            <a:rPr lang="en-US" sz="1600" kern="1200" dirty="0"/>
+            <a:t>/start (ask for name)</a:t>
+          </a:r>
+        </a:p>
+      </dsp:txBody>
+      <dsp:txXfrm>
+        <a:off x="58733" y="130528"/>
+        <a:ext cx="2352547" cy="1880629"/>
+      </dsp:txXfrm>
+    </dsp:sp>
+    <dsp:sp modelId="{AAEC9AFB-0AFC-E14F-982D-A5504328FF9E}">
+      <dsp:nvSpPr>
+        <dsp:cNvPr id="0" name=""/>
+        <dsp:cNvSpPr/>
+      </dsp:nvSpPr>
+      <dsp:spPr>
+        <a:xfrm>
+          <a:off x="2648727" y="848960"/>
+          <a:ext cx="379346" cy="443764"/>
+        </a:xfrm>
+        <a:prstGeom prst="rightArrow">
+          <a:avLst>
+            <a:gd name="adj1" fmla="val 60000"/>
+            <a:gd name="adj2" fmla="val 50000"/>
+          </a:avLst>
+        </a:prstGeom>
+        <a:solidFill>
+          <a:schemeClr val="accent2">
+            <a:hueOff val="0"/>
+            <a:satOff val="0"/>
+            <a:lumOff val="0"/>
+            <a:alphaOff val="0"/>
+          </a:schemeClr>
+        </a:solidFill>
+        <a:ln>
+          <a:noFill/>
+        </a:ln>
+        <a:effectLst/>
+      </dsp:spPr>
+      <dsp:style>
+        <a:lnRef idx="0">
+          <a:scrgbClr r="0" g="0" b="0"/>
+        </a:lnRef>
+        <a:fillRef idx="1">
+          <a:scrgbClr r="0" g="0" b="0"/>
+        </a:fillRef>
+        <a:effectRef idx="0">
+          <a:scrgbClr r="0" g="0" b="0"/>
+        </a:effectRef>
+        <a:fontRef idx="minor">
+          <a:schemeClr val="lt1"/>
+        </a:fontRef>
+      </dsp:style>
+      <dsp:txBody>
+        <a:bodyPr spcFirstLastPara="0" vert="horz" wrap="square" lIns="0" tIns="0" rIns="0" bIns="0" numCol="1" spcCol="1270" anchor="ctr" anchorCtr="0">
+          <a:noAutofit/>
+        </a:bodyPr>
+        <a:lstStyle/>
+        <a:p>
+          <a:pPr marL="0" lvl="0" indent="0" algn="ctr" defTabSz="577850">
+            <a:lnSpc>
+              <a:spcPct val="90000"/>
+            </a:lnSpc>
+            <a:spcBef>
+              <a:spcPct val="0"/>
+            </a:spcBef>
+            <a:spcAft>
+              <a:spcPct val="35000"/>
+            </a:spcAft>
+            <a:buNone/>
+          </a:pPr>
+          <a:endParaRPr lang="en-US" sz="1300" kern="1200"/>
+        </a:p>
+      </dsp:txBody>
+      <dsp:txXfrm>
+        <a:off x="2648727" y="937713"/>
+        <a:ext cx="265542" cy="266258"/>
+      </dsp:txXfrm>
+    </dsp:sp>
+    <dsp:sp modelId="{160BE009-C507-404D-AA73-58FAE3985C9D}">
+      <dsp:nvSpPr>
+        <dsp:cNvPr id="0" name=""/>
+        <dsp:cNvSpPr/>
+      </dsp:nvSpPr>
+      <dsp:spPr>
+        <a:xfrm>
+          <a:off x="3185539" y="534031"/>
+          <a:ext cx="1789371" cy="1073622"/>
+        </a:xfrm>
+        <a:prstGeom prst="roundRect">
+          <a:avLst>
+            <a:gd name="adj" fmla="val 10000"/>
+          </a:avLst>
+        </a:prstGeom>
+        <a:solidFill>
+          <a:schemeClr val="accent3">
+            <a:hueOff val="0"/>
+            <a:satOff val="0"/>
+            <a:lumOff val="0"/>
+            <a:alphaOff val="0"/>
+          </a:schemeClr>
+        </a:solidFill>
+        <a:ln w="19050" cap="rnd" cmpd="sng" algn="ctr">
+          <a:solidFill>
+            <a:schemeClr val="lt1">
+              <a:hueOff val="0"/>
+              <a:satOff val="0"/>
+              <a:lumOff val="0"/>
+              <a:alphaOff val="0"/>
+            </a:schemeClr>
+          </a:solidFill>
+          <a:prstDash val="solid"/>
+        </a:ln>
+        <a:effectLst/>
+      </dsp:spPr>
+      <dsp:style>
+        <a:lnRef idx="2">
+          <a:scrgbClr r="0" g="0" b="0"/>
+        </a:lnRef>
+        <a:fillRef idx="1">
+          <a:scrgbClr r="0" g="0" b="0"/>
+        </a:fillRef>
+        <a:effectRef idx="0">
+          <a:scrgbClr r="0" g="0" b="0"/>
+        </a:effectRef>
+        <a:fontRef idx="minor">
+          <a:schemeClr val="lt1"/>
+        </a:fontRef>
+      </dsp:style>
+      <dsp:txBody>
+        <a:bodyPr spcFirstLastPara="0" vert="horz" wrap="square" lIns="60960" tIns="60960" rIns="60960" bIns="60960" numCol="1" spcCol="1270" anchor="ctr" anchorCtr="0">
+          <a:noAutofit/>
+        </a:bodyPr>
+        <a:lstStyle/>
+        <a:p>
+          <a:pPr marL="0" lvl="0" indent="0" algn="ctr" defTabSz="711200">
+            <a:lnSpc>
+              <a:spcPct val="90000"/>
+            </a:lnSpc>
+            <a:spcBef>
+              <a:spcPct val="0"/>
+            </a:spcBef>
+            <a:spcAft>
+              <a:spcPct val="35000"/>
+            </a:spcAft>
+            <a:buNone/>
+          </a:pPr>
+          <a:r>
+            <a:rPr lang="en-US" sz="1600" kern="1200" dirty="0" err="1"/>
+            <a:t>ask_for_age</a:t>
+          </a:r>
+          <a:endParaRPr lang="en-US" sz="1600" kern="1200" dirty="0"/>
+        </a:p>
+      </dsp:txBody>
+      <dsp:txXfrm>
+        <a:off x="3216984" y="565476"/>
+        <a:ext cx="1726481" cy="1010732"/>
+      </dsp:txXfrm>
+    </dsp:sp>
+    <dsp:sp modelId="{4FCE103A-2097-DB49-A40B-BEAD1A81F66A}">
+      <dsp:nvSpPr>
+        <dsp:cNvPr id="0" name=""/>
+        <dsp:cNvSpPr/>
+      </dsp:nvSpPr>
+      <dsp:spPr>
+        <a:xfrm>
+          <a:off x="5153847" y="848960"/>
+          <a:ext cx="379346" cy="443764"/>
+        </a:xfrm>
+        <a:prstGeom prst="rightArrow">
+          <a:avLst>
+            <a:gd name="adj1" fmla="val 60000"/>
+            <a:gd name="adj2" fmla="val 50000"/>
+          </a:avLst>
+        </a:prstGeom>
+        <a:solidFill>
+          <a:schemeClr val="accent3">
+            <a:hueOff val="0"/>
+            <a:satOff val="0"/>
+            <a:lumOff val="0"/>
+            <a:alphaOff val="0"/>
+          </a:schemeClr>
+        </a:solidFill>
+        <a:ln>
+          <a:noFill/>
+        </a:ln>
+        <a:effectLst/>
+      </dsp:spPr>
+      <dsp:style>
+        <a:lnRef idx="0">
+          <a:scrgbClr r="0" g="0" b="0"/>
+        </a:lnRef>
+        <a:fillRef idx="1">
+          <a:scrgbClr r="0" g="0" b="0"/>
+        </a:fillRef>
+        <a:effectRef idx="0">
+          <a:scrgbClr r="0" g="0" b="0"/>
+        </a:effectRef>
+        <a:fontRef idx="minor">
+          <a:schemeClr val="lt1"/>
+        </a:fontRef>
+      </dsp:style>
+      <dsp:txBody>
+        <a:bodyPr spcFirstLastPara="0" vert="horz" wrap="square" lIns="0" tIns="0" rIns="0" bIns="0" numCol="1" spcCol="1270" anchor="ctr" anchorCtr="0">
+          <a:noAutofit/>
+        </a:bodyPr>
+        <a:lstStyle/>
+        <a:p>
+          <a:pPr marL="0" lvl="0" indent="0" algn="ctr" defTabSz="577850">
+            <a:lnSpc>
+              <a:spcPct val="90000"/>
+            </a:lnSpc>
+            <a:spcBef>
+              <a:spcPct val="0"/>
+            </a:spcBef>
+            <a:spcAft>
+              <a:spcPct val="35000"/>
+            </a:spcAft>
+            <a:buNone/>
+          </a:pPr>
+          <a:endParaRPr lang="en-US" sz="1300" kern="1200"/>
+        </a:p>
+      </dsp:txBody>
+      <dsp:txXfrm>
+        <a:off x="5153847" y="937713"/>
+        <a:ext cx="265542" cy="266258"/>
+      </dsp:txXfrm>
+    </dsp:sp>
+    <dsp:sp modelId="{0020F398-3DA3-9B47-B84A-85D395EC1A02}">
+      <dsp:nvSpPr>
+        <dsp:cNvPr id="0" name=""/>
+        <dsp:cNvSpPr/>
+      </dsp:nvSpPr>
+      <dsp:spPr>
+        <a:xfrm>
+          <a:off x="5690659" y="534031"/>
+          <a:ext cx="1789371" cy="1073622"/>
+        </a:xfrm>
+        <a:prstGeom prst="roundRect">
+          <a:avLst>
+            <a:gd name="adj" fmla="val 10000"/>
+          </a:avLst>
+        </a:prstGeom>
+        <a:solidFill>
+          <a:schemeClr val="accent4">
+            <a:hueOff val="0"/>
+            <a:satOff val="0"/>
+            <a:lumOff val="0"/>
+            <a:alphaOff val="0"/>
+          </a:schemeClr>
+        </a:solidFill>
+        <a:ln w="19050" cap="rnd" cmpd="sng" algn="ctr">
+          <a:solidFill>
+            <a:schemeClr val="lt1">
+              <a:hueOff val="0"/>
+              <a:satOff val="0"/>
+              <a:lumOff val="0"/>
+              <a:alphaOff val="0"/>
+            </a:schemeClr>
+          </a:solidFill>
+          <a:prstDash val="solid"/>
+        </a:ln>
+        <a:effectLst/>
+      </dsp:spPr>
+      <dsp:style>
+        <a:lnRef idx="2">
+          <a:scrgbClr r="0" g="0" b="0"/>
+        </a:lnRef>
+        <a:fillRef idx="1">
+          <a:scrgbClr r="0" g="0" b="0"/>
+        </a:fillRef>
+        <a:effectRef idx="0">
+          <a:scrgbClr r="0" g="0" b="0"/>
+        </a:effectRef>
+        <a:fontRef idx="minor">
+          <a:schemeClr val="lt1"/>
+        </a:fontRef>
+      </dsp:style>
+      <dsp:txBody>
+        <a:bodyPr spcFirstLastPara="0" vert="horz" wrap="square" lIns="60960" tIns="60960" rIns="60960" bIns="60960" numCol="1" spcCol="1270" anchor="ctr" anchorCtr="0">
+          <a:noAutofit/>
+        </a:bodyPr>
+        <a:lstStyle/>
+        <a:p>
+          <a:pPr marL="0" lvl="0" indent="0" algn="ctr" defTabSz="711200">
+            <a:lnSpc>
+              <a:spcPct val="90000"/>
+            </a:lnSpc>
+            <a:spcBef>
+              <a:spcPct val="0"/>
+            </a:spcBef>
+            <a:spcAft>
+              <a:spcPct val="35000"/>
+            </a:spcAft>
+            <a:buNone/>
+          </a:pPr>
+          <a:r>
+            <a:rPr lang="en-US" sz="1600" kern="1200" dirty="0" err="1"/>
+            <a:t>ask_for_gender</a:t>
+          </a:r>
+          <a:endParaRPr lang="en-US" sz="1600" kern="1200" dirty="0"/>
+        </a:p>
+      </dsp:txBody>
+      <dsp:txXfrm>
+        <a:off x="5722104" y="565476"/>
+        <a:ext cx="1726481" cy="1010732"/>
+      </dsp:txXfrm>
+    </dsp:sp>
+    <dsp:sp modelId="{3D66BE1A-7FE4-2840-A089-53967A2626F6}">
+      <dsp:nvSpPr>
+        <dsp:cNvPr id="0" name=""/>
+        <dsp:cNvSpPr/>
+      </dsp:nvSpPr>
+      <dsp:spPr>
+        <a:xfrm>
+          <a:off x="7658967" y="848960"/>
+          <a:ext cx="379346" cy="443764"/>
+        </a:xfrm>
+        <a:prstGeom prst="rightArrow">
+          <a:avLst>
+            <a:gd name="adj1" fmla="val 60000"/>
+            <a:gd name="adj2" fmla="val 50000"/>
+          </a:avLst>
+        </a:prstGeom>
+        <a:solidFill>
+          <a:schemeClr val="accent4">
+            <a:hueOff val="0"/>
+            <a:satOff val="0"/>
+            <a:lumOff val="0"/>
+            <a:alphaOff val="0"/>
+          </a:schemeClr>
+        </a:solidFill>
+        <a:ln>
+          <a:noFill/>
+        </a:ln>
+        <a:effectLst/>
+      </dsp:spPr>
+      <dsp:style>
+        <a:lnRef idx="0">
+          <a:scrgbClr r="0" g="0" b="0"/>
+        </a:lnRef>
+        <a:fillRef idx="1">
+          <a:scrgbClr r="0" g="0" b="0"/>
+        </a:fillRef>
+        <a:effectRef idx="0">
+          <a:scrgbClr r="0" g="0" b="0"/>
+        </a:effectRef>
+        <a:fontRef idx="minor">
+          <a:schemeClr val="lt1"/>
+        </a:fontRef>
+      </dsp:style>
+      <dsp:txBody>
+        <a:bodyPr spcFirstLastPara="0" vert="horz" wrap="square" lIns="0" tIns="0" rIns="0" bIns="0" numCol="1" spcCol="1270" anchor="ctr" anchorCtr="0">
+          <a:noAutofit/>
+        </a:bodyPr>
+        <a:lstStyle/>
+        <a:p>
+          <a:pPr marL="0" lvl="0" indent="0" algn="ctr" defTabSz="577850">
+            <a:lnSpc>
+              <a:spcPct val="90000"/>
+            </a:lnSpc>
+            <a:spcBef>
+              <a:spcPct val="0"/>
+            </a:spcBef>
+            <a:spcAft>
+              <a:spcPct val="35000"/>
+            </a:spcAft>
+            <a:buNone/>
+          </a:pPr>
+          <a:endParaRPr lang="en-US" sz="1300" kern="1200"/>
+        </a:p>
+      </dsp:txBody>
+      <dsp:txXfrm>
+        <a:off x="7658967" y="937713"/>
+        <a:ext cx="265542" cy="266258"/>
+      </dsp:txXfrm>
+    </dsp:sp>
+    <dsp:sp modelId="{0A3803AD-9BD8-A748-A934-B26E0BD8BAE2}">
+      <dsp:nvSpPr>
+        <dsp:cNvPr id="0" name=""/>
+        <dsp:cNvSpPr/>
+      </dsp:nvSpPr>
+      <dsp:spPr>
+        <a:xfrm>
+          <a:off x="8195779" y="534031"/>
+          <a:ext cx="1789371" cy="1073622"/>
+        </a:xfrm>
+        <a:prstGeom prst="roundRect">
+          <a:avLst>
+            <a:gd name="adj" fmla="val 10000"/>
+          </a:avLst>
+        </a:prstGeom>
+        <a:solidFill>
+          <a:schemeClr val="accent5">
+            <a:hueOff val="0"/>
+            <a:satOff val="0"/>
+            <a:lumOff val="0"/>
+            <a:alphaOff val="0"/>
+          </a:schemeClr>
+        </a:solidFill>
+        <a:ln w="19050" cap="rnd" cmpd="sng" algn="ctr">
+          <a:solidFill>
+            <a:schemeClr val="lt1">
+              <a:hueOff val="0"/>
+              <a:satOff val="0"/>
+              <a:lumOff val="0"/>
+              <a:alphaOff val="0"/>
+            </a:schemeClr>
+          </a:solidFill>
+          <a:prstDash val="solid"/>
+        </a:ln>
+        <a:effectLst/>
+      </dsp:spPr>
+      <dsp:style>
+        <a:lnRef idx="2">
+          <a:scrgbClr r="0" g="0" b="0"/>
+        </a:lnRef>
+        <a:fillRef idx="1">
+          <a:scrgbClr r="0" g="0" b="0"/>
+        </a:fillRef>
+        <a:effectRef idx="0">
+          <a:scrgbClr r="0" g="0" b="0"/>
+        </a:effectRef>
+        <a:fontRef idx="minor">
+          <a:schemeClr val="lt1"/>
+        </a:fontRef>
+      </dsp:style>
+      <dsp:txBody>
+        <a:bodyPr spcFirstLastPara="0" vert="horz" wrap="square" lIns="60960" tIns="60960" rIns="60960" bIns="60960" numCol="1" spcCol="1270" anchor="ctr" anchorCtr="0">
+          <a:noAutofit/>
+        </a:bodyPr>
+        <a:lstStyle/>
+        <a:p>
+          <a:pPr marL="0" lvl="0" indent="0" algn="ctr" defTabSz="711200">
+            <a:lnSpc>
+              <a:spcPct val="90000"/>
+            </a:lnSpc>
+            <a:spcBef>
+              <a:spcPct val="0"/>
+            </a:spcBef>
+            <a:spcAft>
+              <a:spcPct val="35000"/>
+            </a:spcAft>
+            <a:buNone/>
+          </a:pPr>
+          <a:r>
+            <a:rPr lang="en-US" sz="1600" kern="1200" dirty="0" err="1"/>
+            <a:t>Output_info</a:t>
+          </a:r>
+          <a:endParaRPr lang="en-US" sz="1600" kern="1200" dirty="0"/>
+        </a:p>
+      </dsp:txBody>
+      <dsp:txXfrm>
+        <a:off x="8227224" y="565476"/>
+        <a:ext cx="1726481" cy="1010732"/>
+      </dsp:txXfrm>
+    </dsp:sp>
+  </dsp:spTree>
+</dsp:drawing>
+</file>
+
+<file path=ppt/diagrams/drawing3.xml><?xml version="1.0" encoding="utf-8"?>
+<dsp:drawing xmlns:dgm="http://schemas.openxmlformats.org/drawingml/2006/diagram" xmlns:dsp="http://schemas.microsoft.com/office/drawing/2008/diagram" xmlns:a="http://schemas.openxmlformats.org/drawingml/2006/main">
+  <dsp:spTree>
+    <dsp:nvGrpSpPr>
+      <dsp:cNvPr id="0" name=""/>
+      <dsp:cNvGrpSpPr/>
+    </dsp:nvGrpSpPr>
+    <dsp:grpSpPr/>
+    <dsp:sp modelId="{9D2671C0-63F0-A842-8764-87F94464C366}">
+      <dsp:nvSpPr>
+        <dsp:cNvPr id="0" name=""/>
+        <dsp:cNvSpPr/>
+      </dsp:nvSpPr>
+      <dsp:spPr>
+        <a:xfrm>
+          <a:off x="5664" y="190365"/>
+          <a:ext cx="1427878" cy="856726"/>
+        </a:xfrm>
+        <a:prstGeom prst="roundRect">
+          <a:avLst>
+            <a:gd name="adj" fmla="val 10000"/>
+          </a:avLst>
+        </a:prstGeom>
+        <a:solidFill>
+          <a:schemeClr val="accent2">
+            <a:hueOff val="0"/>
+            <a:satOff val="0"/>
+            <a:lumOff val="0"/>
+            <a:alphaOff val="0"/>
+          </a:schemeClr>
+        </a:solidFill>
+        <a:ln w="19050" cap="rnd" cmpd="sng" algn="ctr">
+          <a:solidFill>
+            <a:schemeClr val="lt1">
+              <a:hueOff val="0"/>
+              <a:satOff val="0"/>
+              <a:lumOff val="0"/>
+              <a:alphaOff val="0"/>
+            </a:schemeClr>
+          </a:solidFill>
+          <a:prstDash val="solid"/>
+        </a:ln>
+        <a:effectLst/>
+      </dsp:spPr>
+      <dsp:style>
+        <a:lnRef idx="2">
+          <a:scrgbClr r="0" g="0" b="0"/>
+        </a:lnRef>
+        <a:fillRef idx="1">
+          <a:scrgbClr r="0" g="0" b="0"/>
+        </a:fillRef>
+        <a:effectRef idx="0">
+          <a:scrgbClr r="0" g="0" b="0"/>
+        </a:effectRef>
+        <a:fontRef idx="minor">
+          <a:schemeClr val="lt1"/>
+        </a:fontRef>
+      </dsp:style>
+      <dsp:txBody>
+        <a:bodyPr spcFirstLastPara="0" vert="horz" wrap="square" lIns="49530" tIns="49530" rIns="49530" bIns="49530" numCol="1" spcCol="1270" anchor="ctr" anchorCtr="0">
+          <a:noAutofit/>
+        </a:bodyPr>
+        <a:lstStyle/>
+        <a:p>
+          <a:pPr marL="0" lvl="0" indent="0" algn="ctr" defTabSz="577850">
+            <a:lnSpc>
+              <a:spcPct val="90000"/>
+            </a:lnSpc>
+            <a:spcBef>
+              <a:spcPct val="0"/>
+            </a:spcBef>
+            <a:spcAft>
+              <a:spcPct val="35000"/>
+            </a:spcAft>
+            <a:buNone/>
+          </a:pPr>
+          <a:r>
+            <a:rPr lang="en-US" sz="1300" kern="1200" dirty="0"/>
+            <a:t>/start (ask for name)</a:t>
+          </a:r>
+        </a:p>
+      </dsp:txBody>
+      <dsp:txXfrm>
+        <a:off x="30757" y="215458"/>
+        <a:ext cx="1377692" cy="806540"/>
+      </dsp:txXfrm>
+    </dsp:sp>
+    <dsp:sp modelId="{AAEC9AFB-0AFC-E14F-982D-A5504328FF9E}">
+      <dsp:nvSpPr>
+        <dsp:cNvPr id="0" name=""/>
+        <dsp:cNvSpPr/>
+      </dsp:nvSpPr>
+      <dsp:spPr>
+        <a:xfrm>
+          <a:off x="1576331" y="441671"/>
+          <a:ext cx="302710" cy="354113"/>
+        </a:xfrm>
+        <a:prstGeom prst="rightArrow">
+          <a:avLst>
+            <a:gd name="adj1" fmla="val 60000"/>
+            <a:gd name="adj2" fmla="val 50000"/>
+          </a:avLst>
+        </a:prstGeom>
+        <a:solidFill>
+          <a:schemeClr val="accent2">
+            <a:hueOff val="0"/>
+            <a:satOff val="0"/>
+            <a:lumOff val="0"/>
+            <a:alphaOff val="0"/>
+          </a:schemeClr>
+        </a:solidFill>
+        <a:ln>
+          <a:noFill/>
+        </a:ln>
+        <a:effectLst/>
+      </dsp:spPr>
+      <dsp:style>
+        <a:lnRef idx="0">
+          <a:scrgbClr r="0" g="0" b="0"/>
+        </a:lnRef>
+        <a:fillRef idx="1">
+          <a:scrgbClr r="0" g="0" b="0"/>
+        </a:fillRef>
+        <a:effectRef idx="0">
+          <a:scrgbClr r="0" g="0" b="0"/>
+        </a:effectRef>
+        <a:fontRef idx="minor">
+          <a:schemeClr val="lt1"/>
+        </a:fontRef>
+      </dsp:style>
+      <dsp:txBody>
+        <a:bodyPr spcFirstLastPara="0" vert="horz" wrap="square" lIns="0" tIns="0" rIns="0" bIns="0" numCol="1" spcCol="1270" anchor="ctr" anchorCtr="0">
+          <a:noAutofit/>
+        </a:bodyPr>
+        <a:lstStyle/>
+        <a:p>
+          <a:pPr marL="0" lvl="0" indent="0" algn="ctr" defTabSz="488950">
+            <a:lnSpc>
+              <a:spcPct val="90000"/>
+            </a:lnSpc>
+            <a:spcBef>
+              <a:spcPct val="0"/>
+            </a:spcBef>
+            <a:spcAft>
+              <a:spcPct val="35000"/>
+            </a:spcAft>
+            <a:buNone/>
+          </a:pPr>
+          <a:endParaRPr lang="en-US" sz="1100" kern="1200"/>
+        </a:p>
+      </dsp:txBody>
+      <dsp:txXfrm>
+        <a:off x="1576331" y="512494"/>
+        <a:ext cx="211897" cy="212467"/>
+      </dsp:txXfrm>
+    </dsp:sp>
+    <dsp:sp modelId="{160BE009-C507-404D-AA73-58FAE3985C9D}">
+      <dsp:nvSpPr>
+        <dsp:cNvPr id="0" name=""/>
+        <dsp:cNvSpPr/>
+      </dsp:nvSpPr>
+      <dsp:spPr>
+        <a:xfrm>
+          <a:off x="2004694" y="-99649"/>
+          <a:ext cx="1870863" cy="1436756"/>
+        </a:xfrm>
+        <a:prstGeom prst="roundRect">
+          <a:avLst>
+            <a:gd name="adj" fmla="val 10000"/>
+          </a:avLst>
+        </a:prstGeom>
+        <a:solidFill>
+          <a:schemeClr val="accent3">
+            <a:hueOff val="0"/>
+            <a:satOff val="0"/>
+            <a:lumOff val="0"/>
+            <a:alphaOff val="0"/>
+          </a:schemeClr>
+        </a:solidFill>
+        <a:ln w="19050" cap="rnd" cmpd="sng" algn="ctr">
+          <a:solidFill>
+            <a:schemeClr val="lt1">
+              <a:hueOff val="0"/>
+              <a:satOff val="0"/>
+              <a:lumOff val="0"/>
+              <a:alphaOff val="0"/>
+            </a:schemeClr>
+          </a:solidFill>
+          <a:prstDash val="solid"/>
+        </a:ln>
+        <a:effectLst/>
+      </dsp:spPr>
+      <dsp:style>
+        <a:lnRef idx="2">
+          <a:scrgbClr r="0" g="0" b="0"/>
+        </a:lnRef>
+        <a:fillRef idx="1">
+          <a:scrgbClr r="0" g="0" b="0"/>
+        </a:fillRef>
+        <a:effectRef idx="0">
+          <a:scrgbClr r="0" g="0" b="0"/>
+        </a:effectRef>
+        <a:fontRef idx="minor">
+          <a:schemeClr val="lt1"/>
+        </a:fontRef>
+      </dsp:style>
+      <dsp:txBody>
+        <a:bodyPr spcFirstLastPara="0" vert="horz" wrap="square" lIns="49530" tIns="49530" rIns="49530" bIns="49530" numCol="1" spcCol="1270" anchor="ctr" anchorCtr="0">
+          <a:noAutofit/>
+        </a:bodyPr>
+        <a:lstStyle/>
+        <a:p>
+          <a:pPr marL="0" lvl="0" indent="0" algn="ctr" defTabSz="577850">
+            <a:lnSpc>
+              <a:spcPct val="90000"/>
+            </a:lnSpc>
+            <a:spcBef>
+              <a:spcPct val="0"/>
+            </a:spcBef>
+            <a:spcAft>
+              <a:spcPct val="35000"/>
+            </a:spcAft>
+            <a:buNone/>
+          </a:pPr>
+          <a:r>
+            <a:rPr lang="en-US" sz="1300" kern="1200" dirty="0" err="1"/>
+            <a:t>ask_for_age</a:t>
+          </a:r>
+          <a:endParaRPr lang="en-US" sz="1300" kern="1200" dirty="0"/>
+        </a:p>
+      </dsp:txBody>
+      <dsp:txXfrm>
+        <a:off x="2046775" y="-57568"/>
+        <a:ext cx="1786701" cy="1352594"/>
+      </dsp:txXfrm>
+    </dsp:sp>
+    <dsp:sp modelId="{4FCE103A-2097-DB49-A40B-BEAD1A81F66A}">
+      <dsp:nvSpPr>
+        <dsp:cNvPr id="0" name=""/>
+        <dsp:cNvSpPr/>
+      </dsp:nvSpPr>
+      <dsp:spPr>
+        <a:xfrm>
+          <a:off x="4018345" y="441671"/>
+          <a:ext cx="302710" cy="354113"/>
+        </a:xfrm>
+        <a:prstGeom prst="rightArrow">
+          <a:avLst>
+            <a:gd name="adj1" fmla="val 60000"/>
+            <a:gd name="adj2" fmla="val 50000"/>
+          </a:avLst>
+        </a:prstGeom>
+        <a:solidFill>
+          <a:schemeClr val="accent3">
+            <a:hueOff val="0"/>
+            <a:satOff val="0"/>
+            <a:lumOff val="0"/>
+            <a:alphaOff val="0"/>
+          </a:schemeClr>
+        </a:solidFill>
+        <a:ln>
+          <a:noFill/>
+        </a:ln>
+        <a:effectLst/>
+      </dsp:spPr>
+      <dsp:style>
+        <a:lnRef idx="0">
+          <a:scrgbClr r="0" g="0" b="0"/>
+        </a:lnRef>
+        <a:fillRef idx="1">
+          <a:scrgbClr r="0" g="0" b="0"/>
+        </a:fillRef>
+        <a:effectRef idx="0">
+          <a:scrgbClr r="0" g="0" b="0"/>
+        </a:effectRef>
+        <a:fontRef idx="minor">
+          <a:schemeClr val="lt1"/>
+        </a:fontRef>
+      </dsp:style>
+      <dsp:txBody>
+        <a:bodyPr spcFirstLastPara="0" vert="horz" wrap="square" lIns="0" tIns="0" rIns="0" bIns="0" numCol="1" spcCol="1270" anchor="ctr" anchorCtr="0">
+          <a:noAutofit/>
+        </a:bodyPr>
+        <a:lstStyle/>
+        <a:p>
+          <a:pPr marL="0" lvl="0" indent="0" algn="ctr" defTabSz="488950">
+            <a:lnSpc>
+              <a:spcPct val="90000"/>
+            </a:lnSpc>
+            <a:spcBef>
+              <a:spcPct val="0"/>
+            </a:spcBef>
+            <a:spcAft>
+              <a:spcPct val="35000"/>
+            </a:spcAft>
+            <a:buNone/>
+          </a:pPr>
+          <a:endParaRPr lang="en-US" sz="1100" kern="1200"/>
+        </a:p>
+      </dsp:txBody>
+      <dsp:txXfrm>
+        <a:off x="4018345" y="512494"/>
+        <a:ext cx="211897" cy="212467"/>
+      </dsp:txXfrm>
+    </dsp:sp>
+    <dsp:sp modelId="{0020F398-3DA3-9B47-B84A-85D395EC1A02}">
+      <dsp:nvSpPr>
+        <dsp:cNvPr id="0" name=""/>
+        <dsp:cNvSpPr/>
+      </dsp:nvSpPr>
+      <dsp:spPr>
+        <a:xfrm>
+          <a:off x="4446709" y="190365"/>
+          <a:ext cx="1427878" cy="856726"/>
+        </a:xfrm>
+        <a:prstGeom prst="roundRect">
+          <a:avLst>
+            <a:gd name="adj" fmla="val 10000"/>
+          </a:avLst>
+        </a:prstGeom>
+        <a:solidFill>
+          <a:schemeClr val="accent4">
+            <a:hueOff val="0"/>
+            <a:satOff val="0"/>
+            <a:lumOff val="0"/>
+            <a:alphaOff val="0"/>
+          </a:schemeClr>
+        </a:solidFill>
+        <a:ln w="19050" cap="rnd" cmpd="sng" algn="ctr">
+          <a:solidFill>
+            <a:schemeClr val="lt1">
+              <a:hueOff val="0"/>
+              <a:satOff val="0"/>
+              <a:lumOff val="0"/>
+              <a:alphaOff val="0"/>
+            </a:schemeClr>
+          </a:solidFill>
+          <a:prstDash val="solid"/>
+        </a:ln>
+        <a:effectLst/>
+      </dsp:spPr>
+      <dsp:style>
+        <a:lnRef idx="2">
+          <a:scrgbClr r="0" g="0" b="0"/>
+        </a:lnRef>
+        <a:fillRef idx="1">
+          <a:scrgbClr r="0" g="0" b="0"/>
+        </a:fillRef>
+        <a:effectRef idx="0">
+          <a:scrgbClr r="0" g="0" b="0"/>
+        </a:effectRef>
+        <a:fontRef idx="minor">
+          <a:schemeClr val="lt1"/>
+        </a:fontRef>
+      </dsp:style>
+      <dsp:txBody>
+        <a:bodyPr spcFirstLastPara="0" vert="horz" wrap="square" lIns="49530" tIns="49530" rIns="49530" bIns="49530" numCol="1" spcCol="1270" anchor="ctr" anchorCtr="0">
+          <a:noAutofit/>
+        </a:bodyPr>
+        <a:lstStyle/>
+        <a:p>
+          <a:pPr marL="0" lvl="0" indent="0" algn="ctr" defTabSz="577850">
+            <a:lnSpc>
+              <a:spcPct val="90000"/>
+            </a:lnSpc>
+            <a:spcBef>
+              <a:spcPct val="0"/>
+            </a:spcBef>
+            <a:spcAft>
+              <a:spcPct val="35000"/>
+            </a:spcAft>
+            <a:buNone/>
+          </a:pPr>
+          <a:r>
+            <a:rPr lang="en-US" sz="1300" kern="1200" dirty="0" err="1"/>
+            <a:t>ask_for_gender</a:t>
+          </a:r>
+          <a:endParaRPr lang="en-US" sz="1300" kern="1200" dirty="0"/>
+        </a:p>
+      </dsp:txBody>
+      <dsp:txXfrm>
+        <a:off x="4471802" y="215458"/>
+        <a:ext cx="1377692" cy="806540"/>
+      </dsp:txXfrm>
+    </dsp:sp>
+    <dsp:sp modelId="{3D66BE1A-7FE4-2840-A089-53967A2626F6}">
+      <dsp:nvSpPr>
+        <dsp:cNvPr id="0" name=""/>
+        <dsp:cNvSpPr/>
+      </dsp:nvSpPr>
+      <dsp:spPr>
+        <a:xfrm>
+          <a:off x="6017375" y="441671"/>
+          <a:ext cx="302710" cy="354113"/>
+        </a:xfrm>
+        <a:prstGeom prst="rightArrow">
+          <a:avLst>
+            <a:gd name="adj1" fmla="val 60000"/>
+            <a:gd name="adj2" fmla="val 50000"/>
+          </a:avLst>
+        </a:prstGeom>
+        <a:solidFill>
+          <a:schemeClr val="accent4">
+            <a:hueOff val="0"/>
+            <a:satOff val="0"/>
+            <a:lumOff val="0"/>
+            <a:alphaOff val="0"/>
+          </a:schemeClr>
+        </a:solidFill>
+        <a:ln>
+          <a:noFill/>
+        </a:ln>
+        <a:effectLst/>
+      </dsp:spPr>
+      <dsp:style>
+        <a:lnRef idx="0">
+          <a:scrgbClr r="0" g="0" b="0"/>
+        </a:lnRef>
+        <a:fillRef idx="1">
+          <a:scrgbClr r="0" g="0" b="0"/>
+        </a:fillRef>
+        <a:effectRef idx="0">
+          <a:scrgbClr r="0" g="0" b="0"/>
+        </a:effectRef>
+        <a:fontRef idx="minor">
+          <a:schemeClr val="lt1"/>
+        </a:fontRef>
+      </dsp:style>
+      <dsp:txBody>
+        <a:bodyPr spcFirstLastPara="0" vert="horz" wrap="square" lIns="0" tIns="0" rIns="0" bIns="0" numCol="1" spcCol="1270" anchor="ctr" anchorCtr="0">
+          <a:noAutofit/>
+        </a:bodyPr>
+        <a:lstStyle/>
+        <a:p>
+          <a:pPr marL="0" lvl="0" indent="0" algn="ctr" defTabSz="488950">
+            <a:lnSpc>
+              <a:spcPct val="90000"/>
+            </a:lnSpc>
+            <a:spcBef>
+              <a:spcPct val="0"/>
+            </a:spcBef>
+            <a:spcAft>
+              <a:spcPct val="35000"/>
+            </a:spcAft>
+            <a:buNone/>
+          </a:pPr>
+          <a:endParaRPr lang="en-US" sz="1100" kern="1200"/>
+        </a:p>
+      </dsp:txBody>
+      <dsp:txXfrm>
+        <a:off x="6017375" y="512494"/>
+        <a:ext cx="211897" cy="212467"/>
+      </dsp:txXfrm>
+    </dsp:sp>
+    <dsp:sp modelId="{0A3803AD-9BD8-A748-A934-B26E0BD8BAE2}">
+      <dsp:nvSpPr>
+        <dsp:cNvPr id="0" name=""/>
+        <dsp:cNvSpPr/>
+      </dsp:nvSpPr>
+      <dsp:spPr>
+        <a:xfrm>
+          <a:off x="6445738" y="190365"/>
+          <a:ext cx="1427878" cy="856726"/>
+        </a:xfrm>
+        <a:prstGeom prst="roundRect">
+          <a:avLst>
+            <a:gd name="adj" fmla="val 10000"/>
+          </a:avLst>
+        </a:prstGeom>
+        <a:solidFill>
+          <a:schemeClr val="accent5">
+            <a:hueOff val="0"/>
+            <a:satOff val="0"/>
+            <a:lumOff val="0"/>
+            <a:alphaOff val="0"/>
+          </a:schemeClr>
+        </a:solidFill>
+        <a:ln w="19050" cap="rnd" cmpd="sng" algn="ctr">
+          <a:solidFill>
+            <a:schemeClr val="lt1">
+              <a:hueOff val="0"/>
+              <a:satOff val="0"/>
+              <a:lumOff val="0"/>
+              <a:alphaOff val="0"/>
+            </a:schemeClr>
+          </a:solidFill>
+          <a:prstDash val="solid"/>
+        </a:ln>
+        <a:effectLst/>
+      </dsp:spPr>
+      <dsp:style>
+        <a:lnRef idx="2">
+          <a:scrgbClr r="0" g="0" b="0"/>
+        </a:lnRef>
+        <a:fillRef idx="1">
+          <a:scrgbClr r="0" g="0" b="0"/>
+        </a:fillRef>
+        <a:effectRef idx="0">
+          <a:scrgbClr r="0" g="0" b="0"/>
+        </a:effectRef>
+        <a:fontRef idx="minor">
+          <a:schemeClr val="lt1"/>
+        </a:fontRef>
+      </dsp:style>
+      <dsp:txBody>
+        <a:bodyPr spcFirstLastPara="0" vert="horz" wrap="square" lIns="49530" tIns="49530" rIns="49530" bIns="49530" numCol="1" spcCol="1270" anchor="ctr" anchorCtr="0">
+          <a:noAutofit/>
+        </a:bodyPr>
+        <a:lstStyle/>
+        <a:p>
+          <a:pPr marL="0" lvl="0" indent="0" algn="ctr" defTabSz="577850">
+            <a:lnSpc>
+              <a:spcPct val="90000"/>
+            </a:lnSpc>
+            <a:spcBef>
+              <a:spcPct val="0"/>
+            </a:spcBef>
+            <a:spcAft>
+              <a:spcPct val="35000"/>
+            </a:spcAft>
+            <a:buNone/>
+          </a:pPr>
+          <a:r>
+            <a:rPr lang="en-US" sz="1300" kern="1200" dirty="0" err="1"/>
+            <a:t>Output_info</a:t>
+          </a:r>
+          <a:endParaRPr lang="en-US" sz="1300" kern="1200" dirty="0"/>
+        </a:p>
+      </dsp:txBody>
+      <dsp:txXfrm>
+        <a:off x="6470831" y="215458"/>
+        <a:ext cx="1377692" cy="806540"/>
+      </dsp:txXfrm>
+    </dsp:sp>
+  </dsp:spTree>
+</dsp:drawing>
+</file>
+
+<file path=ppt/diagrams/drawing4.xml><?xml version="1.0" encoding="utf-8"?>
+<dsp:drawing xmlns:dgm="http://schemas.openxmlformats.org/drawingml/2006/diagram" xmlns:dsp="http://schemas.microsoft.com/office/drawing/2008/diagram" xmlns:a="http://schemas.openxmlformats.org/drawingml/2006/main">
+  <dsp:spTree>
+    <dsp:nvGrpSpPr>
+      <dsp:cNvPr id="0" name=""/>
+      <dsp:cNvGrpSpPr/>
+    </dsp:nvGrpSpPr>
+    <dsp:grpSpPr/>
+    <dsp:sp modelId="{9D2671C0-63F0-A842-8764-87F94464C366}">
+      <dsp:nvSpPr>
+        <dsp:cNvPr id="0" name=""/>
+        <dsp:cNvSpPr/>
+      </dsp:nvSpPr>
+      <dsp:spPr>
+        <a:xfrm>
+          <a:off x="1732" y="528180"/>
+          <a:ext cx="1808874" cy="1085324"/>
         </a:xfrm>
         <a:prstGeom prst="roundRect">
           <a:avLst>
@@ -7850,13 +8937,13 @@
           </a:pPr>
           <a:r>
             <a:rPr lang="en-US" sz="2000" kern="1200" dirty="0"/>
-            <a:t>Ask for name</a:t>
+            <a:t>/start (ask for name)</a:t>
           </a:r>
         </a:p>
       </dsp:txBody>
       <dsp:txXfrm>
-        <a:off x="52730" y="259240"/>
-        <a:ext cx="2644003" cy="1623205"/>
+        <a:off x="33520" y="559968"/>
+        <a:ext cx="1745298" cy="1021748"/>
       </dsp:txXfrm>
     </dsp:sp>
     <dsp:sp modelId="{AAEC9AFB-0AFC-E14F-982D-A5504328FF9E}">
@@ -7866,8 +8953,8 @@
       </dsp:nvSpPr>
       <dsp:spPr>
         <a:xfrm>
-          <a:off x="3021734" y="730462"/>
-          <a:ext cx="581940" cy="680760"/>
+          <a:off x="1991494" y="846542"/>
+          <a:ext cx="383481" cy="448600"/>
         </a:xfrm>
         <a:prstGeom prst="rightArrow">
           <a:avLst>
@@ -7908,7 +8995,7 @@
         </a:bodyPr>
         <a:lstStyle/>
         <a:p>
-          <a:pPr marL="0" lvl="0" indent="0" algn="ctr" defTabSz="488950">
+          <a:pPr marL="0" lvl="0" indent="0" algn="ctr" defTabSz="711200">
             <a:lnSpc>
               <a:spcPct val="90000"/>
             </a:lnSpc>
@@ -7920,12 +9007,12 @@
             </a:spcAft>
             <a:buNone/>
           </a:pPr>
-          <a:endParaRPr lang="en-US" sz="1100" kern="1200"/>
+          <a:endParaRPr lang="en-US" sz="1600" kern="1200"/>
         </a:p>
       </dsp:txBody>
       <dsp:txXfrm>
-        <a:off x="3021734" y="866614"/>
-        <a:ext cx="407358" cy="408456"/>
+        <a:off x="1991494" y="936262"/>
+        <a:ext cx="268437" cy="269160"/>
       </dsp:txXfrm>
     </dsp:sp>
     <dsp:sp modelId="{160BE009-C507-404D-AA73-58FAE3985C9D}">
@@ -7935,8 +9022,8 @@
       </dsp:nvSpPr>
       <dsp:spPr>
         <a:xfrm>
-          <a:off x="3845235" y="698587"/>
-          <a:ext cx="715375" cy="744511"/>
+          <a:off x="2534156" y="528180"/>
+          <a:ext cx="1808874" cy="1085324"/>
         </a:xfrm>
         <a:prstGeom prst="roundRect">
           <a:avLst>
@@ -7979,12 +9066,12 @@
         </a:fontRef>
       </dsp:style>
       <dsp:txBody>
-        <a:bodyPr spcFirstLastPara="0" vert="horz" wrap="square" lIns="53340" tIns="53340" rIns="53340" bIns="53340" numCol="1" spcCol="1270" anchor="ctr" anchorCtr="0">
+        <a:bodyPr spcFirstLastPara="0" vert="horz" wrap="square" lIns="76200" tIns="76200" rIns="76200" bIns="76200" numCol="1" spcCol="1270" anchor="ctr" anchorCtr="0">
           <a:noAutofit/>
         </a:bodyPr>
         <a:lstStyle/>
         <a:p>
-          <a:pPr marL="0" lvl="0" indent="0" algn="ctr" defTabSz="622300">
+          <a:pPr marL="0" lvl="0" indent="0" algn="ctr" defTabSz="889000">
             <a:lnSpc>
               <a:spcPct val="90000"/>
             </a:lnSpc>
@@ -7997,14 +9084,15 @@
             <a:buNone/>
           </a:pPr>
           <a:r>
-            <a:rPr lang="en-US" sz="1400" kern="1200" dirty="0"/>
-            <a:t>Ask for age</a:t>
+            <a:rPr lang="en-US" sz="2000" kern="1200" dirty="0" err="1"/>
+            <a:t>ask_for_age</a:t>
           </a:r>
+          <a:endParaRPr lang="en-US" sz="2000" kern="1200" dirty="0"/>
         </a:p>
       </dsp:txBody>
       <dsp:txXfrm>
-        <a:off x="3866188" y="719540"/>
-        <a:ext cx="673469" cy="702605"/>
+        <a:off x="2565944" y="559968"/>
+        <a:ext cx="1745298" cy="1021748"/>
       </dsp:txXfrm>
     </dsp:sp>
     <dsp:sp modelId="{4FCE103A-2097-DB49-A40B-BEAD1A81F66A}">
@@ -8014,8 +9102,8 @@
       </dsp:nvSpPr>
       <dsp:spPr>
         <a:xfrm>
-          <a:off x="4835111" y="730462"/>
-          <a:ext cx="581940" cy="680760"/>
+          <a:off x="4523918" y="846542"/>
+          <a:ext cx="383481" cy="448600"/>
         </a:xfrm>
         <a:prstGeom prst="rightArrow">
           <a:avLst>
@@ -8056,7 +9144,7 @@
         </a:bodyPr>
         <a:lstStyle/>
         <a:p>
-          <a:pPr marL="0" lvl="0" indent="0" algn="ctr" defTabSz="488950">
+          <a:pPr marL="0" lvl="0" indent="0" algn="ctr" defTabSz="711200">
             <a:lnSpc>
               <a:spcPct val="90000"/>
             </a:lnSpc>
@@ -8068,12 +9156,12 @@
             </a:spcAft>
             <a:buNone/>
           </a:pPr>
-          <a:endParaRPr lang="en-US" sz="1100" kern="1200"/>
+          <a:endParaRPr lang="en-US" sz="1600" kern="1200"/>
         </a:p>
       </dsp:txBody>
       <dsp:txXfrm>
-        <a:off x="4835111" y="866614"/>
-        <a:ext cx="407358" cy="408456"/>
+        <a:off x="4523918" y="936262"/>
+        <a:ext cx="268437" cy="269160"/>
       </dsp:txXfrm>
     </dsp:sp>
     <dsp:sp modelId="{0020F398-3DA3-9B47-B84A-85D395EC1A02}">
@@ -8083,8 +9171,8 @@
       </dsp:nvSpPr>
       <dsp:spPr>
         <a:xfrm>
-          <a:off x="5658612" y="787823"/>
-          <a:ext cx="1383756" cy="566039"/>
+          <a:off x="5066580" y="72024"/>
+          <a:ext cx="2384638" cy="1997637"/>
         </a:xfrm>
         <a:prstGeom prst="roundRect">
           <a:avLst>
@@ -8127,12 +9215,12 @@
         </a:fontRef>
       </dsp:style>
       <dsp:txBody>
-        <a:bodyPr spcFirstLastPara="0" vert="horz" wrap="square" lIns="53340" tIns="53340" rIns="53340" bIns="53340" numCol="1" spcCol="1270" anchor="ctr" anchorCtr="0">
+        <a:bodyPr spcFirstLastPara="0" vert="horz" wrap="square" lIns="76200" tIns="76200" rIns="76200" bIns="76200" numCol="1" spcCol="1270" anchor="ctr" anchorCtr="0">
           <a:noAutofit/>
         </a:bodyPr>
         <a:lstStyle/>
         <a:p>
-          <a:pPr marL="0" lvl="0" indent="0" algn="ctr" defTabSz="622300">
+          <a:pPr marL="0" lvl="0" indent="0" algn="ctr" defTabSz="889000">
             <a:lnSpc>
               <a:spcPct val="90000"/>
             </a:lnSpc>
@@ -8145,14 +9233,15 @@
             <a:buNone/>
           </a:pPr>
           <a:r>
-            <a:rPr lang="en-US" sz="1400" kern="1200" dirty="0"/>
-            <a:t>Ask for gender</a:t>
+            <a:rPr lang="en-US" sz="2000" kern="1200" dirty="0" err="1"/>
+            <a:t>ask_for_gender</a:t>
           </a:r>
+          <a:endParaRPr lang="en-US" sz="2000" kern="1200" dirty="0"/>
         </a:p>
       </dsp:txBody>
       <dsp:txXfrm>
-        <a:off x="5675191" y="804402"/>
-        <a:ext cx="1350598" cy="532881"/>
+        <a:off x="5125089" y="130533"/>
+        <a:ext cx="2267620" cy="1880619"/>
       </dsp:txXfrm>
     </dsp:sp>
     <dsp:sp modelId="{3D66BE1A-7FE4-2840-A089-53967A2626F6}">
@@ -8162,8 +9251,8 @@
       </dsp:nvSpPr>
       <dsp:spPr>
         <a:xfrm>
-          <a:off x="7316868" y="730462"/>
-          <a:ext cx="581940" cy="680760"/>
+          <a:off x="7632106" y="846542"/>
+          <a:ext cx="383481" cy="448600"/>
         </a:xfrm>
         <a:prstGeom prst="rightArrow">
           <a:avLst>
@@ -8204,7 +9293,7 @@
         </a:bodyPr>
         <a:lstStyle/>
         <a:p>
-          <a:pPr marL="0" lvl="0" indent="0" algn="ctr" defTabSz="488950">
+          <a:pPr marL="0" lvl="0" indent="0" algn="ctr" defTabSz="711200">
             <a:lnSpc>
               <a:spcPct val="90000"/>
             </a:lnSpc>
@@ -8216,12 +9305,12 @@
             </a:spcAft>
             <a:buNone/>
           </a:pPr>
-          <a:endParaRPr lang="en-US" sz="1100" kern="1200"/>
+          <a:endParaRPr lang="en-US" sz="1600" kern="1200"/>
         </a:p>
       </dsp:txBody>
       <dsp:txXfrm>
-        <a:off x="7316868" y="866614"/>
-        <a:ext cx="407358" cy="408456"/>
+        <a:off x="7632106" y="936262"/>
+        <a:ext cx="268437" cy="269160"/>
       </dsp:txXfrm>
     </dsp:sp>
     <dsp:sp modelId="{0A3803AD-9BD8-A748-A934-B26E0BD8BAE2}">
@@ -8231,8 +9320,8 @@
       </dsp:nvSpPr>
       <dsp:spPr>
         <a:xfrm>
-          <a:off x="8140369" y="804367"/>
-          <a:ext cx="1842775" cy="532951"/>
+          <a:off x="8174769" y="528180"/>
+          <a:ext cx="1808874" cy="1085324"/>
         </a:xfrm>
         <a:prstGeom prst="roundRect">
           <a:avLst>
@@ -8275,12 +9364,12 @@
         </a:fontRef>
       </dsp:style>
       <dsp:txBody>
-        <a:bodyPr spcFirstLastPara="0" vert="horz" wrap="square" lIns="53340" tIns="53340" rIns="53340" bIns="53340" numCol="1" spcCol="1270" anchor="ctr" anchorCtr="0">
+        <a:bodyPr spcFirstLastPara="0" vert="horz" wrap="square" lIns="76200" tIns="76200" rIns="76200" bIns="76200" numCol="1" spcCol="1270" anchor="ctr" anchorCtr="0">
           <a:noAutofit/>
         </a:bodyPr>
         <a:lstStyle/>
         <a:p>
-          <a:pPr marL="0" lvl="0" indent="0" algn="ctr" defTabSz="622300">
+          <a:pPr marL="0" lvl="0" indent="0" algn="ctr" defTabSz="889000">
             <a:lnSpc>
               <a:spcPct val="90000"/>
             </a:lnSpc>
@@ -8293,1084 +9382,15 @@
             <a:buNone/>
           </a:pPr>
           <a:r>
-            <a:rPr lang="en-US" sz="1400" kern="1200" dirty="0"/>
-            <a:t>Output information</a:t>
+            <a:rPr lang="en-US" sz="2000" kern="1200" dirty="0" err="1"/>
+            <a:t>Output_info</a:t>
           </a:r>
+          <a:endParaRPr lang="en-US" sz="2000" kern="1200" dirty="0"/>
         </a:p>
       </dsp:txBody>
       <dsp:txXfrm>
-        <a:off x="8155979" y="819977"/>
-        <a:ext cx="1811555" cy="501731"/>
-      </dsp:txXfrm>
-    </dsp:sp>
-  </dsp:spTree>
-</dsp:drawing>
-</file>
-
-<file path=ppt/diagrams/drawing3.xml><?xml version="1.0" encoding="utf-8"?>
-<dsp:drawing xmlns:dgm="http://schemas.openxmlformats.org/drawingml/2006/diagram" xmlns:dsp="http://schemas.microsoft.com/office/drawing/2008/diagram" xmlns:a="http://schemas.openxmlformats.org/drawingml/2006/main">
-  <dsp:spTree>
-    <dsp:nvGrpSpPr>
-      <dsp:cNvPr id="0" name=""/>
-      <dsp:cNvGrpSpPr/>
-    </dsp:nvGrpSpPr>
-    <dsp:grpSpPr/>
-    <dsp:sp modelId="{9D2671C0-63F0-A842-8764-87F94464C366}">
-      <dsp:nvSpPr>
-        <dsp:cNvPr id="0" name=""/>
-        <dsp:cNvSpPr/>
-      </dsp:nvSpPr>
-      <dsp:spPr>
-        <a:xfrm>
-          <a:off x="3837" y="257880"/>
-          <a:ext cx="1130172" cy="434020"/>
-        </a:xfrm>
-        <a:prstGeom prst="roundRect">
-          <a:avLst>
-            <a:gd name="adj" fmla="val 10000"/>
-          </a:avLst>
-        </a:prstGeom>
-        <a:solidFill>
-          <a:schemeClr val="accent2">
-            <a:hueOff val="0"/>
-            <a:satOff val="0"/>
-            <a:lumOff val="0"/>
-            <a:alphaOff val="0"/>
-          </a:schemeClr>
-        </a:solidFill>
-        <a:ln w="19050" cap="rnd" cmpd="sng" algn="ctr">
-          <a:solidFill>
-            <a:schemeClr val="lt1">
-              <a:hueOff val="0"/>
-              <a:satOff val="0"/>
-              <a:lumOff val="0"/>
-              <a:alphaOff val="0"/>
-            </a:schemeClr>
-          </a:solidFill>
-          <a:prstDash val="solid"/>
-        </a:ln>
-        <a:effectLst/>
-      </dsp:spPr>
-      <dsp:style>
-        <a:lnRef idx="2">
-          <a:scrgbClr r="0" g="0" b="0"/>
-        </a:lnRef>
-        <a:fillRef idx="1">
-          <a:scrgbClr r="0" g="0" b="0"/>
-        </a:fillRef>
-        <a:effectRef idx="0">
-          <a:scrgbClr r="0" g="0" b="0"/>
-        </a:effectRef>
-        <a:fontRef idx="minor">
-          <a:schemeClr val="lt1"/>
-        </a:fontRef>
-      </dsp:style>
-      <dsp:txBody>
-        <a:bodyPr spcFirstLastPara="0" vert="horz" wrap="square" lIns="26670" tIns="26670" rIns="26670" bIns="26670" numCol="1" spcCol="1270" anchor="ctr" anchorCtr="0">
-          <a:noAutofit/>
-        </a:bodyPr>
-        <a:lstStyle/>
-        <a:p>
-          <a:pPr marL="0" lvl="0" indent="0" algn="ctr" defTabSz="311150">
-            <a:lnSpc>
-              <a:spcPct val="90000"/>
-            </a:lnSpc>
-            <a:spcBef>
-              <a:spcPct val="0"/>
-            </a:spcBef>
-            <a:spcAft>
-              <a:spcPct val="35000"/>
-            </a:spcAft>
-            <a:buNone/>
-          </a:pPr>
-          <a:r>
-            <a:rPr lang="en-US" sz="700" kern="1200" dirty="0"/>
-            <a:t>Ask for name</a:t>
-          </a:r>
-        </a:p>
-      </dsp:txBody>
-      <dsp:txXfrm>
-        <a:off x="16549" y="270592"/>
-        <a:ext cx="1104748" cy="408596"/>
-      </dsp:txXfrm>
-    </dsp:sp>
-    <dsp:sp modelId="{AAEC9AFB-0AFC-E14F-982D-A5504328FF9E}">
-      <dsp:nvSpPr>
-        <dsp:cNvPr id="0" name=""/>
-        <dsp:cNvSpPr/>
-      </dsp:nvSpPr>
-      <dsp:spPr>
-        <a:xfrm>
-          <a:off x="1320061" y="244186"/>
-          <a:ext cx="394430" cy="461408"/>
-        </a:xfrm>
-        <a:prstGeom prst="rightArrow">
-          <a:avLst>
-            <a:gd name="adj1" fmla="val 60000"/>
-            <a:gd name="adj2" fmla="val 50000"/>
-          </a:avLst>
-        </a:prstGeom>
-        <a:solidFill>
-          <a:schemeClr val="accent2">
-            <a:hueOff val="0"/>
-            <a:satOff val="0"/>
-            <a:lumOff val="0"/>
-            <a:alphaOff val="0"/>
-          </a:schemeClr>
-        </a:solidFill>
-        <a:ln>
-          <a:noFill/>
-        </a:ln>
-        <a:effectLst/>
-      </dsp:spPr>
-      <dsp:style>
-        <a:lnRef idx="0">
-          <a:scrgbClr r="0" g="0" b="0"/>
-        </a:lnRef>
-        <a:fillRef idx="1">
-          <a:scrgbClr r="0" g="0" b="0"/>
-        </a:fillRef>
-        <a:effectRef idx="0">
-          <a:scrgbClr r="0" g="0" b="0"/>
-        </a:effectRef>
-        <a:fontRef idx="minor">
-          <a:schemeClr val="lt1"/>
-        </a:fontRef>
-      </dsp:style>
-      <dsp:txBody>
-        <a:bodyPr spcFirstLastPara="0" vert="horz" wrap="square" lIns="0" tIns="0" rIns="0" bIns="0" numCol="1" spcCol="1270" anchor="ctr" anchorCtr="0">
-          <a:noAutofit/>
-        </a:bodyPr>
-        <a:lstStyle/>
-        <a:p>
-          <a:pPr marL="0" lvl="0" indent="0" algn="ctr" defTabSz="266700">
-            <a:lnSpc>
-              <a:spcPct val="90000"/>
-            </a:lnSpc>
-            <a:spcBef>
-              <a:spcPct val="0"/>
-            </a:spcBef>
-            <a:spcAft>
-              <a:spcPct val="35000"/>
-            </a:spcAft>
-            <a:buNone/>
-          </a:pPr>
-          <a:endParaRPr lang="en-US" sz="600" kern="1200"/>
-        </a:p>
-      </dsp:txBody>
-      <dsp:txXfrm>
-        <a:off x="1320061" y="336468"/>
-        <a:ext cx="276101" cy="276844"/>
-      </dsp:txXfrm>
-    </dsp:sp>
-    <dsp:sp modelId="{160BE009-C507-404D-AA73-58FAE3985C9D}">
-      <dsp:nvSpPr>
-        <dsp:cNvPr id="0" name=""/>
-        <dsp:cNvSpPr/>
-      </dsp:nvSpPr>
-      <dsp:spPr>
-        <a:xfrm>
-          <a:off x="1878217" y="-109428"/>
-          <a:ext cx="1860519" cy="1168638"/>
-        </a:xfrm>
-        <a:prstGeom prst="roundRect">
-          <a:avLst>
-            <a:gd name="adj" fmla="val 10000"/>
-          </a:avLst>
-        </a:prstGeom>
-        <a:solidFill>
-          <a:schemeClr val="accent3">
-            <a:hueOff val="0"/>
-            <a:satOff val="0"/>
-            <a:lumOff val="0"/>
-            <a:alphaOff val="0"/>
-          </a:schemeClr>
-        </a:solidFill>
-        <a:ln w="19050" cap="rnd" cmpd="sng" algn="ctr">
-          <a:solidFill>
-            <a:schemeClr val="lt1">
-              <a:hueOff val="0"/>
-              <a:satOff val="0"/>
-              <a:lumOff val="0"/>
-              <a:alphaOff val="0"/>
-            </a:schemeClr>
-          </a:solidFill>
-          <a:prstDash val="solid"/>
-        </a:ln>
-        <a:effectLst/>
-      </dsp:spPr>
-      <dsp:style>
-        <a:lnRef idx="2">
-          <a:scrgbClr r="0" g="0" b="0"/>
-        </a:lnRef>
-        <a:fillRef idx="1">
-          <a:scrgbClr r="0" g="0" b="0"/>
-        </a:fillRef>
-        <a:effectRef idx="0">
-          <a:scrgbClr r="0" g="0" b="0"/>
-        </a:effectRef>
-        <a:fontRef idx="minor">
-          <a:schemeClr val="lt1"/>
-        </a:fontRef>
-      </dsp:style>
-      <dsp:txBody>
-        <a:bodyPr spcFirstLastPara="0" vert="horz" wrap="square" lIns="68580" tIns="68580" rIns="68580" bIns="68580" numCol="1" spcCol="1270" anchor="ctr" anchorCtr="0">
-          <a:noAutofit/>
-        </a:bodyPr>
-        <a:lstStyle/>
-        <a:p>
-          <a:pPr marL="0" lvl="0" indent="0" algn="ctr" defTabSz="800100">
-            <a:lnSpc>
-              <a:spcPct val="90000"/>
-            </a:lnSpc>
-            <a:spcBef>
-              <a:spcPct val="0"/>
-            </a:spcBef>
-            <a:spcAft>
-              <a:spcPct val="35000"/>
-            </a:spcAft>
-            <a:buNone/>
-          </a:pPr>
-          <a:r>
-            <a:rPr lang="en-US" sz="1800" kern="1200" dirty="0"/>
-            <a:t>Ask for age</a:t>
-          </a:r>
-        </a:p>
-      </dsp:txBody>
-      <dsp:txXfrm>
-        <a:off x="1912445" y="-75200"/>
-        <a:ext cx="1792063" cy="1100182"/>
-      </dsp:txXfrm>
-    </dsp:sp>
-    <dsp:sp modelId="{4FCE103A-2097-DB49-A40B-BEAD1A81F66A}">
-      <dsp:nvSpPr>
-        <dsp:cNvPr id="0" name=""/>
-        <dsp:cNvSpPr/>
-      </dsp:nvSpPr>
-      <dsp:spPr>
-        <a:xfrm>
-          <a:off x="3924789" y="244186"/>
-          <a:ext cx="394430" cy="461408"/>
-        </a:xfrm>
-        <a:prstGeom prst="rightArrow">
-          <a:avLst>
-            <a:gd name="adj1" fmla="val 60000"/>
-            <a:gd name="adj2" fmla="val 50000"/>
-          </a:avLst>
-        </a:prstGeom>
-        <a:solidFill>
-          <a:schemeClr val="accent3">
-            <a:hueOff val="0"/>
-            <a:satOff val="0"/>
-            <a:lumOff val="0"/>
-            <a:alphaOff val="0"/>
-          </a:schemeClr>
-        </a:solidFill>
-        <a:ln>
-          <a:noFill/>
-        </a:ln>
-        <a:effectLst/>
-      </dsp:spPr>
-      <dsp:style>
-        <a:lnRef idx="0">
-          <a:scrgbClr r="0" g="0" b="0"/>
-        </a:lnRef>
-        <a:fillRef idx="1">
-          <a:scrgbClr r="0" g="0" b="0"/>
-        </a:fillRef>
-        <a:effectRef idx="0">
-          <a:scrgbClr r="0" g="0" b="0"/>
-        </a:effectRef>
-        <a:fontRef idx="minor">
-          <a:schemeClr val="lt1"/>
-        </a:fontRef>
-      </dsp:style>
-      <dsp:txBody>
-        <a:bodyPr spcFirstLastPara="0" vert="horz" wrap="square" lIns="0" tIns="0" rIns="0" bIns="0" numCol="1" spcCol="1270" anchor="ctr" anchorCtr="0">
-          <a:noAutofit/>
-        </a:bodyPr>
-        <a:lstStyle/>
-        <a:p>
-          <a:pPr marL="0" lvl="0" indent="0" algn="ctr" defTabSz="266700">
-            <a:lnSpc>
-              <a:spcPct val="90000"/>
-            </a:lnSpc>
-            <a:spcBef>
-              <a:spcPct val="0"/>
-            </a:spcBef>
-            <a:spcAft>
-              <a:spcPct val="35000"/>
-            </a:spcAft>
-            <a:buNone/>
-          </a:pPr>
-          <a:endParaRPr lang="en-US" sz="600" kern="1200"/>
-        </a:p>
-      </dsp:txBody>
-      <dsp:txXfrm>
-        <a:off x="3924789" y="336468"/>
-        <a:ext cx="276101" cy="276844"/>
-      </dsp:txXfrm>
-    </dsp:sp>
-    <dsp:sp modelId="{0020F398-3DA3-9B47-B84A-85D395EC1A02}">
-      <dsp:nvSpPr>
-        <dsp:cNvPr id="0" name=""/>
-        <dsp:cNvSpPr/>
-      </dsp:nvSpPr>
-      <dsp:spPr>
-        <a:xfrm>
-          <a:off x="4482945" y="336267"/>
-          <a:ext cx="612352" cy="277247"/>
-        </a:xfrm>
-        <a:prstGeom prst="roundRect">
-          <a:avLst>
-            <a:gd name="adj" fmla="val 10000"/>
-          </a:avLst>
-        </a:prstGeom>
-        <a:solidFill>
-          <a:schemeClr val="accent4">
-            <a:hueOff val="0"/>
-            <a:satOff val="0"/>
-            <a:lumOff val="0"/>
-            <a:alphaOff val="0"/>
-          </a:schemeClr>
-        </a:solidFill>
-        <a:ln w="19050" cap="rnd" cmpd="sng" algn="ctr">
-          <a:solidFill>
-            <a:schemeClr val="lt1">
-              <a:hueOff val="0"/>
-              <a:satOff val="0"/>
-              <a:lumOff val="0"/>
-              <a:alphaOff val="0"/>
-            </a:schemeClr>
-          </a:solidFill>
-          <a:prstDash val="solid"/>
-        </a:ln>
-        <a:effectLst/>
-      </dsp:spPr>
-      <dsp:style>
-        <a:lnRef idx="2">
-          <a:scrgbClr r="0" g="0" b="0"/>
-        </a:lnRef>
-        <a:fillRef idx="1">
-          <a:scrgbClr r="0" g="0" b="0"/>
-        </a:fillRef>
-        <a:effectRef idx="0">
-          <a:scrgbClr r="0" g="0" b="0"/>
-        </a:effectRef>
-        <a:fontRef idx="minor">
-          <a:schemeClr val="lt1"/>
-        </a:fontRef>
-      </dsp:style>
-      <dsp:txBody>
-        <a:bodyPr spcFirstLastPara="0" vert="horz" wrap="square" lIns="26670" tIns="26670" rIns="26670" bIns="26670" numCol="1" spcCol="1270" anchor="ctr" anchorCtr="0">
-          <a:noAutofit/>
-        </a:bodyPr>
-        <a:lstStyle/>
-        <a:p>
-          <a:pPr marL="0" lvl="0" indent="0" algn="ctr" defTabSz="311150">
-            <a:lnSpc>
-              <a:spcPct val="90000"/>
-            </a:lnSpc>
-            <a:spcBef>
-              <a:spcPct val="0"/>
-            </a:spcBef>
-            <a:spcAft>
-              <a:spcPct val="35000"/>
-            </a:spcAft>
-            <a:buNone/>
-          </a:pPr>
-          <a:r>
-            <a:rPr lang="en-US" sz="700" kern="1200" dirty="0"/>
-            <a:t>Ask for gender</a:t>
-          </a:r>
-        </a:p>
-      </dsp:txBody>
-      <dsp:txXfrm>
-        <a:off x="4491065" y="344387"/>
-        <a:ext cx="596112" cy="261007"/>
-      </dsp:txXfrm>
-    </dsp:sp>
-    <dsp:sp modelId="{3D66BE1A-7FE4-2840-A089-53967A2626F6}">
-      <dsp:nvSpPr>
-        <dsp:cNvPr id="0" name=""/>
-        <dsp:cNvSpPr/>
-      </dsp:nvSpPr>
-      <dsp:spPr>
-        <a:xfrm>
-          <a:off x="5281349" y="244186"/>
-          <a:ext cx="394430" cy="461408"/>
-        </a:xfrm>
-        <a:prstGeom prst="rightArrow">
-          <a:avLst>
-            <a:gd name="adj1" fmla="val 60000"/>
-            <a:gd name="adj2" fmla="val 50000"/>
-          </a:avLst>
-        </a:prstGeom>
-        <a:solidFill>
-          <a:schemeClr val="accent4">
-            <a:hueOff val="0"/>
-            <a:satOff val="0"/>
-            <a:lumOff val="0"/>
-            <a:alphaOff val="0"/>
-          </a:schemeClr>
-        </a:solidFill>
-        <a:ln>
-          <a:noFill/>
-        </a:ln>
-        <a:effectLst/>
-      </dsp:spPr>
-      <dsp:style>
-        <a:lnRef idx="0">
-          <a:scrgbClr r="0" g="0" b="0"/>
-        </a:lnRef>
-        <a:fillRef idx="1">
-          <a:scrgbClr r="0" g="0" b="0"/>
-        </a:fillRef>
-        <a:effectRef idx="0">
-          <a:scrgbClr r="0" g="0" b="0"/>
-        </a:effectRef>
-        <a:fontRef idx="minor">
-          <a:schemeClr val="lt1"/>
-        </a:fontRef>
-      </dsp:style>
-      <dsp:txBody>
-        <a:bodyPr spcFirstLastPara="0" vert="horz" wrap="square" lIns="0" tIns="0" rIns="0" bIns="0" numCol="1" spcCol="1270" anchor="ctr" anchorCtr="0">
-          <a:noAutofit/>
-        </a:bodyPr>
-        <a:lstStyle/>
-        <a:p>
-          <a:pPr marL="0" lvl="0" indent="0" algn="ctr" defTabSz="266700">
-            <a:lnSpc>
-              <a:spcPct val="90000"/>
-            </a:lnSpc>
-            <a:spcBef>
-              <a:spcPct val="0"/>
-            </a:spcBef>
-            <a:spcAft>
-              <a:spcPct val="35000"/>
-            </a:spcAft>
-            <a:buNone/>
-          </a:pPr>
-          <a:endParaRPr lang="en-US" sz="600" kern="1200"/>
-        </a:p>
-      </dsp:txBody>
-      <dsp:txXfrm>
-        <a:off x="5281349" y="336468"/>
-        <a:ext cx="276101" cy="276844"/>
-      </dsp:txXfrm>
-    </dsp:sp>
-    <dsp:sp modelId="{0A3803AD-9BD8-A748-A934-B26E0BD8BAE2}">
-      <dsp:nvSpPr>
-        <dsp:cNvPr id="0" name=""/>
-        <dsp:cNvSpPr/>
-      </dsp:nvSpPr>
-      <dsp:spPr>
-        <a:xfrm>
-          <a:off x="5839505" y="319976"/>
-          <a:ext cx="848006" cy="309829"/>
-        </a:xfrm>
-        <a:prstGeom prst="roundRect">
-          <a:avLst>
-            <a:gd name="adj" fmla="val 10000"/>
-          </a:avLst>
-        </a:prstGeom>
-        <a:solidFill>
-          <a:schemeClr val="accent5">
-            <a:hueOff val="0"/>
-            <a:satOff val="0"/>
-            <a:lumOff val="0"/>
-            <a:alphaOff val="0"/>
-          </a:schemeClr>
-        </a:solidFill>
-        <a:ln w="19050" cap="rnd" cmpd="sng" algn="ctr">
-          <a:solidFill>
-            <a:schemeClr val="lt1">
-              <a:hueOff val="0"/>
-              <a:satOff val="0"/>
-              <a:lumOff val="0"/>
-              <a:alphaOff val="0"/>
-            </a:schemeClr>
-          </a:solidFill>
-          <a:prstDash val="solid"/>
-        </a:ln>
-        <a:effectLst/>
-      </dsp:spPr>
-      <dsp:style>
-        <a:lnRef idx="2">
-          <a:scrgbClr r="0" g="0" b="0"/>
-        </a:lnRef>
-        <a:fillRef idx="1">
-          <a:scrgbClr r="0" g="0" b="0"/>
-        </a:fillRef>
-        <a:effectRef idx="0">
-          <a:scrgbClr r="0" g="0" b="0"/>
-        </a:effectRef>
-        <a:fontRef idx="minor">
-          <a:schemeClr val="lt1"/>
-        </a:fontRef>
-      </dsp:style>
-      <dsp:txBody>
-        <a:bodyPr spcFirstLastPara="0" vert="horz" wrap="square" lIns="26670" tIns="26670" rIns="26670" bIns="26670" numCol="1" spcCol="1270" anchor="ctr" anchorCtr="0">
-          <a:noAutofit/>
-        </a:bodyPr>
-        <a:lstStyle/>
-        <a:p>
-          <a:pPr marL="0" lvl="0" indent="0" algn="ctr" defTabSz="311150">
-            <a:lnSpc>
-              <a:spcPct val="90000"/>
-            </a:lnSpc>
-            <a:spcBef>
-              <a:spcPct val="0"/>
-            </a:spcBef>
-            <a:spcAft>
-              <a:spcPct val="35000"/>
-            </a:spcAft>
-            <a:buNone/>
-          </a:pPr>
-          <a:r>
-            <a:rPr lang="en-US" sz="700" kern="1200" dirty="0"/>
-            <a:t>Output information</a:t>
-          </a:r>
-        </a:p>
-      </dsp:txBody>
-      <dsp:txXfrm>
-        <a:off x="5848580" y="329051"/>
-        <a:ext cx="829856" cy="291679"/>
-      </dsp:txXfrm>
-    </dsp:sp>
-  </dsp:spTree>
-</dsp:drawing>
-</file>
-
-<file path=ppt/diagrams/drawing4.xml><?xml version="1.0" encoding="utf-8"?>
-<dsp:drawing xmlns:dgm="http://schemas.openxmlformats.org/drawingml/2006/diagram" xmlns:dsp="http://schemas.microsoft.com/office/drawing/2008/diagram" xmlns:a="http://schemas.openxmlformats.org/drawingml/2006/main">
-  <dsp:spTree>
-    <dsp:nvGrpSpPr>
-      <dsp:cNvPr id="0" name=""/>
-      <dsp:cNvGrpSpPr/>
-    </dsp:nvGrpSpPr>
-    <dsp:grpSpPr/>
-    <dsp:sp modelId="{9D2671C0-63F0-A842-8764-87F94464C366}">
-      <dsp:nvSpPr>
-        <dsp:cNvPr id="0" name=""/>
-        <dsp:cNvSpPr/>
-      </dsp:nvSpPr>
-      <dsp:spPr>
-        <a:xfrm>
-          <a:off x="887" y="566072"/>
-          <a:ext cx="1078202" cy="1009540"/>
-        </a:xfrm>
-        <a:prstGeom prst="roundRect">
-          <a:avLst>
-            <a:gd name="adj" fmla="val 10000"/>
-          </a:avLst>
-        </a:prstGeom>
-        <a:solidFill>
-          <a:schemeClr val="accent2">
-            <a:hueOff val="0"/>
-            <a:satOff val="0"/>
-            <a:lumOff val="0"/>
-            <a:alphaOff val="0"/>
-          </a:schemeClr>
-        </a:solidFill>
-        <a:ln w="19050" cap="rnd" cmpd="sng" algn="ctr">
-          <a:solidFill>
-            <a:schemeClr val="lt1">
-              <a:hueOff val="0"/>
-              <a:satOff val="0"/>
-              <a:lumOff val="0"/>
-              <a:alphaOff val="0"/>
-            </a:schemeClr>
-          </a:solidFill>
-          <a:prstDash val="solid"/>
-        </a:ln>
-        <a:effectLst/>
-      </dsp:spPr>
-      <dsp:style>
-        <a:lnRef idx="2">
-          <a:scrgbClr r="0" g="0" b="0"/>
-        </a:lnRef>
-        <a:fillRef idx="1">
-          <a:scrgbClr r="0" g="0" b="0"/>
-        </a:fillRef>
-        <a:effectRef idx="0">
-          <a:scrgbClr r="0" g="0" b="0"/>
-        </a:effectRef>
-        <a:fontRef idx="minor">
-          <a:schemeClr val="lt1"/>
-        </a:fontRef>
-      </dsp:style>
-      <dsp:txBody>
-        <a:bodyPr spcFirstLastPara="0" vert="horz" wrap="square" lIns="45720" tIns="45720" rIns="45720" bIns="45720" numCol="1" spcCol="1270" anchor="ctr" anchorCtr="0">
-          <a:noAutofit/>
-        </a:bodyPr>
-        <a:lstStyle/>
-        <a:p>
-          <a:pPr marL="0" lvl="0" indent="0" algn="ctr" defTabSz="533400">
-            <a:lnSpc>
-              <a:spcPct val="90000"/>
-            </a:lnSpc>
-            <a:spcBef>
-              <a:spcPct val="0"/>
-            </a:spcBef>
-            <a:spcAft>
-              <a:spcPct val="35000"/>
-            </a:spcAft>
-            <a:buNone/>
-          </a:pPr>
-          <a:r>
-            <a:rPr lang="en-US" sz="1200" kern="1200" dirty="0"/>
-            <a:t>Ask for name</a:t>
-          </a:r>
-        </a:p>
-      </dsp:txBody>
-      <dsp:txXfrm>
-        <a:off x="30455" y="595640"/>
-        <a:ext cx="1019066" cy="950404"/>
-      </dsp:txXfrm>
-    </dsp:sp>
-    <dsp:sp modelId="{AAEC9AFB-0AFC-E14F-982D-A5504328FF9E}">
-      <dsp:nvSpPr>
-        <dsp:cNvPr id="0" name=""/>
-        <dsp:cNvSpPr/>
-      </dsp:nvSpPr>
-      <dsp:spPr>
-        <a:xfrm>
-          <a:off x="1358953" y="723812"/>
-          <a:ext cx="593310" cy="694061"/>
-        </a:xfrm>
-        <a:prstGeom prst="rightArrow">
-          <a:avLst>
-            <a:gd name="adj1" fmla="val 60000"/>
-            <a:gd name="adj2" fmla="val 50000"/>
-          </a:avLst>
-        </a:prstGeom>
-        <a:solidFill>
-          <a:schemeClr val="accent2">
-            <a:hueOff val="0"/>
-            <a:satOff val="0"/>
-            <a:lumOff val="0"/>
-            <a:alphaOff val="0"/>
-          </a:schemeClr>
-        </a:solidFill>
-        <a:ln>
-          <a:noFill/>
-        </a:ln>
-        <a:effectLst/>
-      </dsp:spPr>
-      <dsp:style>
-        <a:lnRef idx="0">
-          <a:scrgbClr r="0" g="0" b="0"/>
-        </a:lnRef>
-        <a:fillRef idx="1">
-          <a:scrgbClr r="0" g="0" b="0"/>
-        </a:fillRef>
-        <a:effectRef idx="0">
-          <a:scrgbClr r="0" g="0" b="0"/>
-        </a:effectRef>
-        <a:fontRef idx="minor">
-          <a:schemeClr val="lt1"/>
-        </a:fontRef>
-      </dsp:style>
-      <dsp:txBody>
-        <a:bodyPr spcFirstLastPara="0" vert="horz" wrap="square" lIns="0" tIns="0" rIns="0" bIns="0" numCol="1" spcCol="1270" anchor="ctr" anchorCtr="0">
-          <a:noAutofit/>
-        </a:bodyPr>
-        <a:lstStyle/>
-        <a:p>
-          <a:pPr marL="0" lvl="0" indent="0" algn="ctr" defTabSz="444500">
-            <a:lnSpc>
-              <a:spcPct val="90000"/>
-            </a:lnSpc>
-            <a:spcBef>
-              <a:spcPct val="0"/>
-            </a:spcBef>
-            <a:spcAft>
-              <a:spcPct val="35000"/>
-            </a:spcAft>
-            <a:buNone/>
-          </a:pPr>
-          <a:endParaRPr lang="en-US" sz="1000" kern="1200"/>
-        </a:p>
-      </dsp:txBody>
-      <dsp:txXfrm>
-        <a:off x="1358953" y="862624"/>
-        <a:ext cx="415317" cy="416437"/>
-      </dsp:txXfrm>
-    </dsp:sp>
-    <dsp:sp modelId="{160BE009-C507-404D-AA73-58FAE3985C9D}">
-      <dsp:nvSpPr>
-        <dsp:cNvPr id="0" name=""/>
-        <dsp:cNvSpPr/>
-      </dsp:nvSpPr>
-      <dsp:spPr>
-        <a:xfrm>
-          <a:off x="2198544" y="812618"/>
-          <a:ext cx="1750238" cy="516449"/>
-        </a:xfrm>
-        <a:prstGeom prst="roundRect">
-          <a:avLst>
-            <a:gd name="adj" fmla="val 10000"/>
-          </a:avLst>
-        </a:prstGeom>
-        <a:solidFill>
-          <a:schemeClr val="accent3">
-            <a:hueOff val="0"/>
-            <a:satOff val="0"/>
-            <a:lumOff val="0"/>
-            <a:alphaOff val="0"/>
-          </a:schemeClr>
-        </a:solidFill>
-        <a:ln w="19050" cap="rnd" cmpd="sng" algn="ctr">
-          <a:solidFill>
-            <a:schemeClr val="lt1">
-              <a:hueOff val="0"/>
-              <a:satOff val="0"/>
-              <a:lumOff val="0"/>
-              <a:alphaOff val="0"/>
-            </a:schemeClr>
-          </a:solidFill>
-          <a:prstDash val="solid"/>
-        </a:ln>
-        <a:effectLst/>
-      </dsp:spPr>
-      <dsp:style>
-        <a:lnRef idx="2">
-          <a:scrgbClr r="0" g="0" b="0"/>
-        </a:lnRef>
-        <a:fillRef idx="1">
-          <a:scrgbClr r="0" g="0" b="0"/>
-        </a:fillRef>
-        <a:effectRef idx="0">
-          <a:scrgbClr r="0" g="0" b="0"/>
-        </a:effectRef>
-        <a:fontRef idx="minor">
-          <a:schemeClr val="lt1"/>
-        </a:fontRef>
-      </dsp:style>
-      <dsp:txBody>
-        <a:bodyPr spcFirstLastPara="0" vert="horz" wrap="square" lIns="45720" tIns="45720" rIns="45720" bIns="45720" numCol="1" spcCol="1270" anchor="ctr" anchorCtr="0">
-          <a:noAutofit/>
-        </a:bodyPr>
-        <a:lstStyle/>
-        <a:p>
-          <a:pPr marL="0" lvl="0" indent="0" algn="ctr" defTabSz="533400">
-            <a:lnSpc>
-              <a:spcPct val="90000"/>
-            </a:lnSpc>
-            <a:spcBef>
-              <a:spcPct val="0"/>
-            </a:spcBef>
-            <a:spcAft>
-              <a:spcPct val="35000"/>
-            </a:spcAft>
-            <a:buNone/>
-          </a:pPr>
-          <a:r>
-            <a:rPr lang="en-US" sz="1200" kern="1200" dirty="0"/>
-            <a:t>Ask for age</a:t>
-          </a:r>
-        </a:p>
-      </dsp:txBody>
-      <dsp:txXfrm>
-        <a:off x="2213670" y="827744"/>
-        <a:ext cx="1719986" cy="486197"/>
-      </dsp:txXfrm>
-    </dsp:sp>
-    <dsp:sp modelId="{4FCE103A-2097-DB49-A40B-BEAD1A81F66A}">
-      <dsp:nvSpPr>
-        <dsp:cNvPr id="0" name=""/>
-        <dsp:cNvSpPr/>
-      </dsp:nvSpPr>
-      <dsp:spPr>
-        <a:xfrm>
-          <a:off x="4228646" y="723812"/>
-          <a:ext cx="593310" cy="694061"/>
-        </a:xfrm>
-        <a:prstGeom prst="rightArrow">
-          <a:avLst>
-            <a:gd name="adj1" fmla="val 60000"/>
-            <a:gd name="adj2" fmla="val 50000"/>
-          </a:avLst>
-        </a:prstGeom>
-        <a:solidFill>
-          <a:schemeClr val="accent3">
-            <a:hueOff val="0"/>
-            <a:satOff val="0"/>
-            <a:lumOff val="0"/>
-            <a:alphaOff val="0"/>
-          </a:schemeClr>
-        </a:solidFill>
-        <a:ln>
-          <a:noFill/>
-        </a:ln>
-        <a:effectLst/>
-      </dsp:spPr>
-      <dsp:style>
-        <a:lnRef idx="0">
-          <a:scrgbClr r="0" g="0" b="0"/>
-        </a:lnRef>
-        <a:fillRef idx="1">
-          <a:scrgbClr r="0" g="0" b="0"/>
-        </a:fillRef>
-        <a:effectRef idx="0">
-          <a:scrgbClr r="0" g="0" b="0"/>
-        </a:effectRef>
-        <a:fontRef idx="minor">
-          <a:schemeClr val="lt1"/>
-        </a:fontRef>
-      </dsp:style>
-      <dsp:txBody>
-        <a:bodyPr spcFirstLastPara="0" vert="horz" wrap="square" lIns="0" tIns="0" rIns="0" bIns="0" numCol="1" spcCol="1270" anchor="ctr" anchorCtr="0">
-          <a:noAutofit/>
-        </a:bodyPr>
-        <a:lstStyle/>
-        <a:p>
-          <a:pPr marL="0" lvl="0" indent="0" algn="ctr" defTabSz="444500">
-            <a:lnSpc>
-              <a:spcPct val="90000"/>
-            </a:lnSpc>
-            <a:spcBef>
-              <a:spcPct val="0"/>
-            </a:spcBef>
-            <a:spcAft>
-              <a:spcPct val="35000"/>
-            </a:spcAft>
-            <a:buNone/>
-          </a:pPr>
-          <a:endParaRPr lang="en-US" sz="1000" kern="1200"/>
-        </a:p>
-      </dsp:txBody>
-      <dsp:txXfrm>
-        <a:off x="4228646" y="862624"/>
-        <a:ext cx="415317" cy="416437"/>
-      </dsp:txXfrm>
-    </dsp:sp>
-    <dsp:sp modelId="{0020F398-3DA3-9B47-B84A-85D395EC1A02}">
-      <dsp:nvSpPr>
-        <dsp:cNvPr id="0" name=""/>
-        <dsp:cNvSpPr/>
-      </dsp:nvSpPr>
-      <dsp:spPr>
-        <a:xfrm>
-          <a:off x="5068237" y="231252"/>
-          <a:ext cx="2798635" cy="1679181"/>
-        </a:xfrm>
-        <a:prstGeom prst="roundRect">
-          <a:avLst>
-            <a:gd name="adj" fmla="val 10000"/>
-          </a:avLst>
-        </a:prstGeom>
-        <a:solidFill>
-          <a:schemeClr val="accent4">
-            <a:hueOff val="0"/>
-            <a:satOff val="0"/>
-            <a:lumOff val="0"/>
-            <a:alphaOff val="0"/>
-          </a:schemeClr>
-        </a:solidFill>
-        <a:ln w="19050" cap="rnd" cmpd="sng" algn="ctr">
-          <a:solidFill>
-            <a:schemeClr val="lt1">
-              <a:hueOff val="0"/>
-              <a:satOff val="0"/>
-              <a:lumOff val="0"/>
-              <a:alphaOff val="0"/>
-            </a:schemeClr>
-          </a:solidFill>
-          <a:prstDash val="solid"/>
-        </a:ln>
-        <a:effectLst/>
-      </dsp:spPr>
-      <dsp:style>
-        <a:lnRef idx="2">
-          <a:scrgbClr r="0" g="0" b="0"/>
-        </a:lnRef>
-        <a:fillRef idx="1">
-          <a:scrgbClr r="0" g="0" b="0"/>
-        </a:fillRef>
-        <a:effectRef idx="0">
-          <a:scrgbClr r="0" g="0" b="0"/>
-        </a:effectRef>
-        <a:fontRef idx="minor">
-          <a:schemeClr val="lt1"/>
-        </a:fontRef>
-      </dsp:style>
-      <dsp:txBody>
-        <a:bodyPr spcFirstLastPara="0" vert="horz" wrap="square" lIns="106680" tIns="106680" rIns="106680" bIns="106680" numCol="1" spcCol="1270" anchor="ctr" anchorCtr="0">
-          <a:noAutofit/>
-        </a:bodyPr>
-        <a:lstStyle/>
-        <a:p>
-          <a:pPr marL="0" lvl="0" indent="0" algn="ctr" defTabSz="1244600">
-            <a:lnSpc>
-              <a:spcPct val="90000"/>
-            </a:lnSpc>
-            <a:spcBef>
-              <a:spcPct val="0"/>
-            </a:spcBef>
-            <a:spcAft>
-              <a:spcPct val="35000"/>
-            </a:spcAft>
-            <a:buNone/>
-          </a:pPr>
-          <a:r>
-            <a:rPr lang="en-US" sz="2800" kern="1200" dirty="0"/>
-            <a:t>Ask for gender</a:t>
-          </a:r>
-        </a:p>
-      </dsp:txBody>
-      <dsp:txXfrm>
-        <a:off x="5117419" y="280434"/>
-        <a:ext cx="2700271" cy="1580817"/>
-      </dsp:txXfrm>
-    </dsp:sp>
-    <dsp:sp modelId="{3D66BE1A-7FE4-2840-A089-53967A2626F6}">
-      <dsp:nvSpPr>
-        <dsp:cNvPr id="0" name=""/>
-        <dsp:cNvSpPr/>
-      </dsp:nvSpPr>
-      <dsp:spPr>
-        <a:xfrm>
-          <a:off x="8146736" y="723812"/>
-          <a:ext cx="593310" cy="694061"/>
-        </a:xfrm>
-        <a:prstGeom prst="rightArrow">
-          <a:avLst>
-            <a:gd name="adj1" fmla="val 60000"/>
-            <a:gd name="adj2" fmla="val 50000"/>
-          </a:avLst>
-        </a:prstGeom>
-        <a:solidFill>
-          <a:schemeClr val="accent4">
-            <a:hueOff val="0"/>
-            <a:satOff val="0"/>
-            <a:lumOff val="0"/>
-            <a:alphaOff val="0"/>
-          </a:schemeClr>
-        </a:solidFill>
-        <a:ln>
-          <a:noFill/>
-        </a:ln>
-        <a:effectLst/>
-      </dsp:spPr>
-      <dsp:style>
-        <a:lnRef idx="0">
-          <a:scrgbClr r="0" g="0" b="0"/>
-        </a:lnRef>
-        <a:fillRef idx="1">
-          <a:scrgbClr r="0" g="0" b="0"/>
-        </a:fillRef>
-        <a:effectRef idx="0">
-          <a:scrgbClr r="0" g="0" b="0"/>
-        </a:effectRef>
-        <a:fontRef idx="minor">
-          <a:schemeClr val="lt1"/>
-        </a:fontRef>
-      </dsp:style>
-      <dsp:txBody>
-        <a:bodyPr spcFirstLastPara="0" vert="horz" wrap="square" lIns="0" tIns="0" rIns="0" bIns="0" numCol="1" spcCol="1270" anchor="ctr" anchorCtr="0">
-          <a:noAutofit/>
-        </a:bodyPr>
-        <a:lstStyle/>
-        <a:p>
-          <a:pPr marL="0" lvl="0" indent="0" algn="ctr" defTabSz="444500">
-            <a:lnSpc>
-              <a:spcPct val="90000"/>
-            </a:lnSpc>
-            <a:spcBef>
-              <a:spcPct val="0"/>
-            </a:spcBef>
-            <a:spcAft>
-              <a:spcPct val="35000"/>
-            </a:spcAft>
-            <a:buNone/>
-          </a:pPr>
-          <a:endParaRPr lang="en-US" sz="1000" kern="1200"/>
-        </a:p>
-      </dsp:txBody>
-      <dsp:txXfrm>
-        <a:off x="8146736" y="862624"/>
-        <a:ext cx="415317" cy="416437"/>
-      </dsp:txXfrm>
-    </dsp:sp>
-    <dsp:sp modelId="{0A3803AD-9BD8-A748-A934-B26E0BD8BAE2}">
-      <dsp:nvSpPr>
-        <dsp:cNvPr id="0" name=""/>
-        <dsp:cNvSpPr/>
-      </dsp:nvSpPr>
-      <dsp:spPr>
-        <a:xfrm>
-          <a:off x="8986327" y="685823"/>
-          <a:ext cx="998161" cy="770039"/>
-        </a:xfrm>
-        <a:prstGeom prst="roundRect">
-          <a:avLst>
-            <a:gd name="adj" fmla="val 10000"/>
-          </a:avLst>
-        </a:prstGeom>
-        <a:solidFill>
-          <a:schemeClr val="accent5">
-            <a:hueOff val="0"/>
-            <a:satOff val="0"/>
-            <a:lumOff val="0"/>
-            <a:alphaOff val="0"/>
-          </a:schemeClr>
-        </a:solidFill>
-        <a:ln w="19050" cap="rnd" cmpd="sng" algn="ctr">
-          <a:solidFill>
-            <a:schemeClr val="lt1">
-              <a:hueOff val="0"/>
-              <a:satOff val="0"/>
-              <a:lumOff val="0"/>
-              <a:alphaOff val="0"/>
-            </a:schemeClr>
-          </a:solidFill>
-          <a:prstDash val="solid"/>
-        </a:ln>
-        <a:effectLst/>
-      </dsp:spPr>
-      <dsp:style>
-        <a:lnRef idx="2">
-          <a:scrgbClr r="0" g="0" b="0"/>
-        </a:lnRef>
-        <a:fillRef idx="1">
-          <a:scrgbClr r="0" g="0" b="0"/>
-        </a:fillRef>
-        <a:effectRef idx="0">
-          <a:scrgbClr r="0" g="0" b="0"/>
-        </a:effectRef>
-        <a:fontRef idx="minor">
-          <a:schemeClr val="lt1"/>
-        </a:fontRef>
-      </dsp:style>
-      <dsp:txBody>
-        <a:bodyPr spcFirstLastPara="0" vert="horz" wrap="square" lIns="45720" tIns="45720" rIns="45720" bIns="45720" numCol="1" spcCol="1270" anchor="ctr" anchorCtr="0">
-          <a:noAutofit/>
-        </a:bodyPr>
-        <a:lstStyle/>
-        <a:p>
-          <a:pPr marL="0" lvl="0" indent="0" algn="ctr" defTabSz="533400">
-            <a:lnSpc>
-              <a:spcPct val="90000"/>
-            </a:lnSpc>
-            <a:spcBef>
-              <a:spcPct val="0"/>
-            </a:spcBef>
-            <a:spcAft>
-              <a:spcPct val="35000"/>
-            </a:spcAft>
-            <a:buNone/>
-          </a:pPr>
-          <a:r>
-            <a:rPr lang="en-US" sz="1200" kern="1200" dirty="0"/>
-            <a:t>Output information</a:t>
-          </a:r>
-        </a:p>
-      </dsp:txBody>
-      <dsp:txXfrm>
-        <a:off x="9008881" y="708377"/>
-        <a:ext cx="953053" cy="724931"/>
+        <a:off x="8206557" y="559968"/>
+        <a:ext cx="1745298" cy="1021748"/>
       </dsp:txXfrm>
     </dsp:sp>
   </dsp:spTree>
@@ -9392,8 +9412,8 @@
       </dsp:nvSpPr>
       <dsp:spPr>
         <a:xfrm>
-          <a:off x="1680" y="746941"/>
-          <a:ext cx="1154355" cy="647803"/>
+          <a:off x="2448" y="512822"/>
+          <a:ext cx="1860068" cy="1116041"/>
         </a:xfrm>
         <a:prstGeom prst="roundRect">
           <a:avLst>
@@ -9455,13 +9475,13 @@
           </a:pPr>
           <a:r>
             <a:rPr lang="en-US" sz="1700" kern="1200" dirty="0"/>
-            <a:t>Ask for name</a:t>
+            <a:t>/start (ask for name)</a:t>
           </a:r>
         </a:p>
       </dsp:txBody>
       <dsp:txXfrm>
-        <a:off x="20654" y="765915"/>
-        <a:ext cx="1116407" cy="609855"/>
+        <a:off x="35136" y="545510"/>
+        <a:ext cx="1794692" cy="1050665"/>
       </dsp:txXfrm>
     </dsp:sp>
     <dsp:sp modelId="{AAEC9AFB-0AFC-E14F-982D-A5504328FF9E}">
@@ -9471,8 +9491,8 @@
       </dsp:nvSpPr>
       <dsp:spPr>
         <a:xfrm>
-          <a:off x="1396406" y="772783"/>
-          <a:ext cx="509585" cy="596119"/>
+          <a:off x="2048524" y="840194"/>
+          <a:ext cx="394334" cy="461297"/>
         </a:xfrm>
         <a:prstGeom prst="rightArrow">
           <a:avLst>
@@ -9529,8 +9549,8 @@
         </a:p>
       </dsp:txBody>
       <dsp:txXfrm>
-        <a:off x="1396406" y="892007"/>
-        <a:ext cx="356710" cy="357671"/>
+        <a:off x="2048524" y="932453"/>
+        <a:ext cx="276034" cy="276779"/>
       </dsp:txXfrm>
     </dsp:sp>
     <dsp:sp modelId="{160BE009-C507-404D-AA73-58FAE3985C9D}">
@@ -9540,8 +9560,8 @@
       </dsp:nvSpPr>
       <dsp:spPr>
         <a:xfrm>
-          <a:off x="2117518" y="805682"/>
-          <a:ext cx="1795905" cy="530320"/>
+          <a:off x="2606545" y="512822"/>
+          <a:ext cx="1860068" cy="1116041"/>
         </a:xfrm>
         <a:prstGeom prst="roundRect">
           <a:avLst>
@@ -9602,14 +9622,15 @@
             <a:buNone/>
           </a:pPr>
           <a:r>
-            <a:rPr lang="en-US" sz="1700" kern="1200" dirty="0"/>
-            <a:t>Ask for age</a:t>
+            <a:rPr lang="en-US" sz="1700" kern="1200" dirty="0" err="1"/>
+            <a:t>ask_for_age</a:t>
           </a:r>
+          <a:endParaRPr lang="en-US" sz="1700" kern="1200" dirty="0"/>
         </a:p>
       </dsp:txBody>
       <dsp:txXfrm>
-        <a:off x="2133051" y="821215"/>
-        <a:ext cx="1764839" cy="499254"/>
+        <a:off x="2639233" y="545510"/>
+        <a:ext cx="1794692" cy="1050665"/>
       </dsp:txXfrm>
     </dsp:sp>
     <dsp:sp modelId="{4FCE103A-2097-DB49-A40B-BEAD1A81F66A}">
@@ -9619,8 +9640,8 @@
       </dsp:nvSpPr>
       <dsp:spPr>
         <a:xfrm>
-          <a:off x="4153794" y="772783"/>
-          <a:ext cx="509585" cy="596119"/>
+          <a:off x="4652620" y="840194"/>
+          <a:ext cx="394334" cy="461297"/>
         </a:xfrm>
         <a:prstGeom prst="rightArrow">
           <a:avLst>
@@ -9677,8 +9698,8 @@
         </a:p>
       </dsp:txBody>
       <dsp:txXfrm>
-        <a:off x="4153794" y="892007"/>
-        <a:ext cx="356710" cy="357671"/>
+        <a:off x="4652620" y="932453"/>
+        <a:ext cx="276034" cy="276779"/>
       </dsp:txXfrm>
     </dsp:sp>
     <dsp:sp modelId="{0020F398-3DA3-9B47-B84A-85D395EC1A02}">
@@ -9688,8 +9709,8 @@
       </dsp:nvSpPr>
       <dsp:spPr>
         <a:xfrm>
-          <a:off x="4874906" y="746782"/>
-          <a:ext cx="1743600" cy="648120"/>
+          <a:off x="5210641" y="512822"/>
+          <a:ext cx="1860068" cy="1116041"/>
         </a:xfrm>
         <a:prstGeom prst="roundRect">
           <a:avLst>
@@ -9750,14 +9771,15 @@
             <a:buNone/>
           </a:pPr>
           <a:r>
-            <a:rPr lang="en-US" sz="1700" kern="1200" dirty="0"/>
-            <a:t>Ask for gender</a:t>
+            <a:rPr lang="en-US" sz="1700" kern="1200" dirty="0" err="1"/>
+            <a:t>ask_for_gender</a:t>
           </a:r>
+          <a:endParaRPr lang="en-US" sz="1700" kern="1200" dirty="0"/>
         </a:p>
       </dsp:txBody>
       <dsp:txXfrm>
-        <a:off x="4893889" y="765765"/>
-        <a:ext cx="1705634" cy="610154"/>
+        <a:off x="5243329" y="545510"/>
+        <a:ext cx="1794692" cy="1050665"/>
       </dsp:txXfrm>
     </dsp:sp>
     <dsp:sp modelId="{3D66BE1A-7FE4-2840-A089-53967A2626F6}">
@@ -9767,8 +9789,8 @@
       </dsp:nvSpPr>
       <dsp:spPr>
         <a:xfrm>
-          <a:off x="6858877" y="772783"/>
-          <a:ext cx="509585" cy="596119"/>
+          <a:off x="7256717" y="840194"/>
+          <a:ext cx="394334" cy="461297"/>
         </a:xfrm>
         <a:prstGeom prst="rightArrow">
           <a:avLst>
@@ -9825,8 +9847,8 @@
         </a:p>
       </dsp:txBody>
       <dsp:txXfrm>
-        <a:off x="6858877" y="892007"/>
-        <a:ext cx="356710" cy="357671"/>
+        <a:off x="7256717" y="932453"/>
+        <a:ext cx="276034" cy="276779"/>
       </dsp:txXfrm>
     </dsp:sp>
     <dsp:sp modelId="{0A3803AD-9BD8-A748-A934-B26E0BD8BAE2}">
@@ -9836,8 +9858,8 @@
       </dsp:nvSpPr>
       <dsp:spPr>
         <a:xfrm>
-          <a:off x="7579989" y="349731"/>
-          <a:ext cx="2403706" cy="1442223"/>
+          <a:off x="7814737" y="122816"/>
+          <a:ext cx="2168189" cy="1896053"/>
         </a:xfrm>
         <a:prstGeom prst="roundRect">
           <a:avLst>
@@ -9898,14 +9920,15 @@
             <a:buNone/>
           </a:pPr>
           <a:r>
-            <a:rPr lang="en-US" sz="1700" kern="1200" dirty="0"/>
-            <a:t>Output information</a:t>
+            <a:rPr lang="en-US" sz="1700" kern="1200" dirty="0" err="1"/>
+            <a:t>Output_info</a:t>
           </a:r>
+          <a:endParaRPr lang="en-US" sz="1700" kern="1200" dirty="0"/>
         </a:p>
       </dsp:txBody>
       <dsp:txXfrm>
-        <a:off x="7622230" y="391972"/>
-        <a:ext cx="2319224" cy="1357741"/>
+        <a:off x="7870270" y="178349"/>
+        <a:ext cx="2057123" cy="1784987"/>
       </dsp:txXfrm>
     </dsp:sp>
   </dsp:spTree>
@@ -18711,7 +18734,7 @@
           <a:p>
             <a:fld id="{4AAD347D-5ACD-4C99-B74B-A9C85AD731AF}" type="datetimeFigureOut">
               <a:rPr lang="en-US" dirty="0"/>
-              <a:t>12/20/21</a:t>
+              <a:t>3/15/22</a:t>
             </a:fld>
             <a:endParaRPr lang="en-US" dirty="0"/>
           </a:p>
@@ -18981,7 +19004,7 @@
           <a:p>
             <a:fld id="{4509A250-FF31-4206-8172-F9D3106AACB1}" type="datetimeFigureOut">
               <a:rPr lang="en-US" dirty="0"/>
-              <a:t>12/20/21</a:t>
+              <a:t>3/15/22</a:t>
             </a:fld>
             <a:endParaRPr lang="en-US" dirty="0"/>
           </a:p>
@@ -19170,7 +19193,7 @@
           <a:p>
             <a:fld id="{4509A250-FF31-4206-8172-F9D3106AACB1}" type="datetimeFigureOut">
               <a:rPr lang="en-US" dirty="0"/>
-              <a:t>12/20/21</a:t>
+              <a:t>3/15/22</a:t>
             </a:fld>
             <a:endParaRPr lang="en-US" dirty="0"/>
           </a:p>
@@ -19438,7 +19461,7 @@
           <a:p>
             <a:fld id="{4509A250-FF31-4206-8172-F9D3106AACB1}" type="datetimeFigureOut">
               <a:rPr lang="en-US" dirty="0"/>
-              <a:t>12/20/21</a:t>
+              <a:t>3/15/22</a:t>
             </a:fld>
             <a:endParaRPr lang="en-US" dirty="0"/>
           </a:p>
@@ -19774,7 +19797,7 @@
           <a:p>
             <a:fld id="{4509A250-FF31-4206-8172-F9D3106AACB1}" type="datetimeFigureOut">
               <a:rPr lang="en-US" dirty="0"/>
-              <a:t>12/20/21</a:t>
+              <a:t>3/15/22</a:t>
             </a:fld>
             <a:endParaRPr lang="en-US" dirty="0"/>
           </a:p>
@@ -20392,7 +20415,7 @@
           <a:p>
             <a:fld id="{4509A250-FF31-4206-8172-F9D3106AACB1}" type="datetimeFigureOut">
               <a:rPr lang="en-US" dirty="0"/>
-              <a:t>12/20/21</a:t>
+              <a:t>3/15/22</a:t>
             </a:fld>
             <a:endParaRPr lang="en-US" dirty="0"/>
           </a:p>
@@ -21247,7 +21270,7 @@
           <a:p>
             <a:fld id="{4509A250-FF31-4206-8172-F9D3106AACB1}" type="datetimeFigureOut">
               <a:rPr lang="en-US" dirty="0"/>
-              <a:t>12/20/21</a:t>
+              <a:t>3/15/22</a:t>
             </a:fld>
             <a:endParaRPr lang="en-US" dirty="0"/>
           </a:p>
@@ -21412,7 +21435,7 @@
           <a:p>
             <a:fld id="{4509A250-FF31-4206-8172-F9D3106AACB1}" type="datetimeFigureOut">
               <a:rPr lang="en-US" dirty="0"/>
-              <a:t>12/20/21</a:t>
+              <a:t>3/15/22</a:t>
             </a:fld>
             <a:endParaRPr lang="en-US" dirty="0"/>
           </a:p>
@@ -21587,7 +21610,7 @@
           <a:p>
             <a:fld id="{4509A250-FF31-4206-8172-F9D3106AACB1}" type="datetimeFigureOut">
               <a:rPr lang="en-US" dirty="0"/>
-              <a:t>12/20/21</a:t>
+              <a:t>3/15/22</a:t>
             </a:fld>
             <a:endParaRPr lang="en-US" dirty="0"/>
           </a:p>
@@ -21752,7 +21775,7 @@
           <a:p>
             <a:fld id="{4509A250-FF31-4206-8172-F9D3106AACB1}" type="datetimeFigureOut">
               <a:rPr lang="en-US" dirty="0"/>
-              <a:t>12/20/21</a:t>
+              <a:t>3/15/22</a:t>
             </a:fld>
             <a:endParaRPr lang="en-US" dirty="0"/>
           </a:p>
@@ -21994,7 +22017,7 @@
           <a:p>
             <a:fld id="{9796027F-7875-4030-9381-8BD8C4F21935}" type="datetimeFigureOut">
               <a:rPr lang="en-US" dirty="0"/>
-              <a:t>12/20/21</a:t>
+              <a:t>3/15/22</a:t>
             </a:fld>
             <a:endParaRPr lang="en-US" dirty="0"/>
           </a:p>
@@ -22281,7 +22304,7 @@
           <a:p>
             <a:fld id="{9796027F-7875-4030-9381-8BD8C4F21935}" type="datetimeFigureOut">
               <a:rPr lang="en-US" dirty="0"/>
-              <a:t>12/20/21</a:t>
+              <a:t>3/15/22</a:t>
             </a:fld>
             <a:endParaRPr lang="en-US" dirty="0"/>
           </a:p>
@@ -22720,7 +22743,7 @@
           <a:p>
             <a:fld id="{9796027F-7875-4030-9381-8BD8C4F21935}" type="datetimeFigureOut">
               <a:rPr lang="en-US" dirty="0"/>
-              <a:t>12/20/21</a:t>
+              <a:t>3/15/22</a:t>
             </a:fld>
             <a:endParaRPr lang="en-US" dirty="0"/>
           </a:p>
@@ -22833,7 +22856,7 @@
           <a:p>
             <a:fld id="{4509A250-FF31-4206-8172-F9D3106AACB1}" type="datetimeFigureOut">
               <a:rPr lang="en-US" dirty="0"/>
-              <a:t>12/20/21</a:t>
+              <a:t>3/15/22</a:t>
             </a:fld>
             <a:endParaRPr lang="en-US" dirty="0"/>
           </a:p>
@@ -22923,7 +22946,7 @@
           <a:p>
             <a:fld id="{4509A250-FF31-4206-8172-F9D3106AACB1}" type="datetimeFigureOut">
               <a:rPr lang="en-US" dirty="0"/>
-              <a:t>12/20/21</a:t>
+              <a:t>3/15/22</a:t>
             </a:fld>
             <a:endParaRPr lang="en-US" dirty="0"/>
           </a:p>
@@ -23197,7 +23220,7 @@
           <a:p>
             <a:fld id="{4509A250-FF31-4206-8172-F9D3106AACB1}" type="datetimeFigureOut">
               <a:rPr lang="en-US" dirty="0"/>
-              <a:t>12/20/21</a:t>
+              <a:t>3/15/22</a:t>
             </a:fld>
             <a:endParaRPr lang="en-US" dirty="0"/>
           </a:p>
@@ -23467,7 +23490,7 @@
           <a:p>
             <a:fld id="{4509A250-FF31-4206-8172-F9D3106AACB1}" type="datetimeFigureOut">
               <a:rPr lang="en-US" dirty="0"/>
-              <a:t>12/20/21</a:t>
+              <a:t>3/15/22</a:t>
             </a:fld>
             <a:endParaRPr lang="en-US" dirty="0"/>
           </a:p>
@@ -23891,7 +23914,7 @@
           <a:p>
             <a:fld id="{4AAD347D-5ACD-4C99-B74B-A9C85AD731AF}" type="datetimeFigureOut">
               <a:rPr lang="en-US" dirty="0"/>
-              <a:t>12/20/21</a:t>
+              <a:t>3/15/22</a:t>
             </a:fld>
             <a:endParaRPr lang="en-US" dirty="0"/>
           </a:p>
@@ -24478,472 +24501,6 @@
           <p:cNvPr id="2" name="Title 1">
             <a:extLst>
               <a:ext uri="{FF2B5EF4-FFF2-40B4-BE49-F238E27FC236}">
-                <a16:creationId xmlns:a16="http://schemas.microsoft.com/office/drawing/2014/main" id="{6750910B-1AB8-DF4C-B1D4-AEE2F222C074}"/>
-              </a:ext>
-            </a:extLst>
-          </p:cNvPr>
-          <p:cNvSpPr>
-            <a:spLocks noGrp="1"/>
-          </p:cNvSpPr>
-          <p:nvPr>
-            <p:ph type="title"/>
-          </p:nvPr>
-        </p:nvSpPr>
-        <p:spPr/>
-        <p:txBody>
-          <a:bodyPr/>
-          <a:lstStyle/>
-          <a:p>
-            <a:r>
-              <a:rPr lang="en-US" dirty="0"/>
-              <a:t>Python Introduction Recap</a:t>
-            </a:r>
-          </a:p>
-        </p:txBody>
-      </p:sp>
-      <p:sp>
-        <p:nvSpPr>
-          <p:cNvPr id="3" name="Content Placeholder 2">
-            <a:extLst>
-              <a:ext uri="{FF2B5EF4-FFF2-40B4-BE49-F238E27FC236}">
-                <a16:creationId xmlns:a16="http://schemas.microsoft.com/office/drawing/2014/main" id="{9699C4EC-9625-8A4D-8185-795F43879192}"/>
-              </a:ext>
-            </a:extLst>
-          </p:cNvPr>
-          <p:cNvSpPr>
-            <a:spLocks noGrp="1"/>
-          </p:cNvSpPr>
-          <p:nvPr>
-            <p:ph idx="1"/>
-          </p:nvPr>
-        </p:nvSpPr>
-        <p:spPr/>
-        <p:txBody>
-          <a:bodyPr/>
-          <a:lstStyle/>
-          <a:p>
-            <a:r>
-              <a:rPr lang="en-US" dirty="0"/>
-              <a:t>Now that we have downloaded Python let’s do a recap of the last workshop</a:t>
-            </a:r>
-          </a:p>
-          <a:p>
-            <a:r>
-              <a:rPr lang="en-US" dirty="0"/>
-              <a:t>This recap should take the majority of the morning session, followed by the bot creation in the afternoon</a:t>
-            </a:r>
-          </a:p>
-          <a:p>
-            <a:r>
-              <a:rPr lang="en-US" dirty="0"/>
-              <a:t>Let’s start with variables</a:t>
-            </a:r>
-          </a:p>
-          <a:p>
-            <a:pPr lvl="1"/>
-            <a:r>
-              <a:rPr lang="en-US" dirty="0"/>
-              <a:t>How to use them</a:t>
-            </a:r>
-          </a:p>
-          <a:p>
-            <a:pPr lvl="1"/>
-            <a:r>
-              <a:rPr lang="en-US" dirty="0"/>
-              <a:t>How to name them</a:t>
-            </a:r>
-          </a:p>
-          <a:p>
-            <a:pPr lvl="1"/>
-            <a:r>
-              <a:rPr lang="en-US" dirty="0"/>
-              <a:t>How to output them</a:t>
-            </a:r>
-          </a:p>
-        </p:txBody>
-      </p:sp>
-    </p:spTree>
-    <p:extLst>
-      <p:ext uri="{BB962C8B-B14F-4D97-AF65-F5344CB8AC3E}">
-        <p14:creationId xmlns:p14="http://schemas.microsoft.com/office/powerpoint/2010/main" val="1604548121"/>
-      </p:ext>
-    </p:extLst>
-  </p:cSld>
-  <p:clrMapOvr>
-    <a:masterClrMapping/>
-  </p:clrMapOvr>
-</p:sld>
-</file>
-
-<file path=ppt/slides/slide11.xml><?xml version="1.0" encoding="utf-8"?>
-<p:sld xmlns:a="http://schemas.openxmlformats.org/drawingml/2006/main" xmlns:r="http://schemas.openxmlformats.org/officeDocument/2006/relationships" xmlns:p="http://schemas.openxmlformats.org/presentationml/2006/main">
-  <p:cSld>
-    <p:spTree>
-      <p:nvGrpSpPr>
-        <p:cNvPr id="1" name=""/>
-        <p:cNvGrpSpPr/>
-        <p:nvPr/>
-      </p:nvGrpSpPr>
-      <p:grpSpPr>
-        <a:xfrm>
-          <a:off x="0" y="0"/>
-          <a:ext cx="0" cy="0"/>
-          <a:chOff x="0" y="0"/>
-          <a:chExt cx="0" cy="0"/>
-        </a:xfrm>
-      </p:grpSpPr>
-      <p:sp>
-        <p:nvSpPr>
-          <p:cNvPr id="2" name="Title 1">
-            <a:extLst>
-              <a:ext uri="{FF2B5EF4-FFF2-40B4-BE49-F238E27FC236}">
-                <a16:creationId xmlns:a16="http://schemas.microsoft.com/office/drawing/2014/main" id="{481F5036-A162-FA4A-BC3B-9B8F285BA70C}"/>
-              </a:ext>
-            </a:extLst>
-          </p:cNvPr>
-          <p:cNvSpPr>
-            <a:spLocks noGrp="1"/>
-          </p:cNvSpPr>
-          <p:nvPr>
-            <p:ph type="title"/>
-          </p:nvPr>
-        </p:nvSpPr>
-        <p:spPr/>
-        <p:txBody>
-          <a:bodyPr/>
-          <a:lstStyle/>
-          <a:p>
-            <a:r>
-              <a:rPr lang="en-US" dirty="0"/>
-              <a:t>Variables Recap	</a:t>
-            </a:r>
-          </a:p>
-        </p:txBody>
-      </p:sp>
-      <p:sp>
-        <p:nvSpPr>
-          <p:cNvPr id="3" name="Content Placeholder 2">
-            <a:extLst>
-              <a:ext uri="{FF2B5EF4-FFF2-40B4-BE49-F238E27FC236}">
-                <a16:creationId xmlns:a16="http://schemas.microsoft.com/office/drawing/2014/main" id="{48054FC5-2BB4-3D4D-A3D3-704AFD591218}"/>
-              </a:ext>
-            </a:extLst>
-          </p:cNvPr>
-          <p:cNvSpPr>
-            <a:spLocks noGrp="1"/>
-          </p:cNvSpPr>
-          <p:nvPr>
-            <p:ph idx="1"/>
-          </p:nvPr>
-        </p:nvSpPr>
-        <p:spPr/>
-        <p:txBody>
-          <a:bodyPr/>
-          <a:lstStyle/>
-          <a:p>
-            <a:r>
-              <a:rPr lang="en-US" dirty="0"/>
-              <a:t>Variables are the building block for python</a:t>
-            </a:r>
-          </a:p>
-          <a:p>
-            <a:pPr lvl="1"/>
-            <a:r>
-              <a:rPr lang="en-US" dirty="0"/>
-              <a:t>You can use them to store and manipulate data</a:t>
-            </a:r>
-          </a:p>
-          <a:p>
-            <a:r>
-              <a:rPr lang="en-US" dirty="0"/>
-              <a:t>Since Python is “dynamically typed” we can initialize variables without explicitly telling the program what type they are</a:t>
-            </a:r>
-          </a:p>
-          <a:p>
-            <a:endParaRPr lang="en-US" dirty="0"/>
-          </a:p>
-          <a:p>
-            <a:endParaRPr lang="en-US" dirty="0"/>
-          </a:p>
-          <a:p>
-            <a:endParaRPr lang="en-US" dirty="0"/>
-          </a:p>
-          <a:p>
-            <a:r>
-              <a:rPr lang="en-US" dirty="0"/>
-              <a:t>As show above, x is an integer, y is a string and z is a float</a:t>
-            </a:r>
-          </a:p>
-          <a:p>
-            <a:pPr marL="0" indent="0">
-              <a:buNone/>
-            </a:pPr>
-            <a:endParaRPr lang="en-US" dirty="0"/>
-          </a:p>
-          <a:p>
-            <a:pPr lvl="1"/>
-            <a:endParaRPr lang="en-US" dirty="0"/>
-          </a:p>
-        </p:txBody>
-      </p:sp>
-      <p:pic>
-        <p:nvPicPr>
-          <p:cNvPr id="5" name="Picture 4">
-            <a:extLst>
-              <a:ext uri="{FF2B5EF4-FFF2-40B4-BE49-F238E27FC236}">
-                <a16:creationId xmlns:a16="http://schemas.microsoft.com/office/drawing/2014/main" id="{42903CAF-563D-DD4F-AB3A-826FF8BFBC20}"/>
-              </a:ext>
-            </a:extLst>
-          </p:cNvPr>
-          <p:cNvPicPr>
-            <a:picLocks noChangeAspect="1"/>
-          </p:cNvPicPr>
-          <p:nvPr/>
-        </p:nvPicPr>
-        <p:blipFill>
-          <a:blip r:embed="rId2"/>
-          <a:stretch>
-            <a:fillRect/>
-          </a:stretch>
-        </p:blipFill>
-        <p:spPr>
-          <a:xfrm>
-            <a:off x="1752528" y="3795230"/>
-            <a:ext cx="2501900" cy="952500"/>
-          </a:xfrm>
-          <a:prstGeom prst="rect">
-            <a:avLst/>
-          </a:prstGeom>
-        </p:spPr>
-      </p:pic>
-    </p:spTree>
-    <p:extLst>
-      <p:ext uri="{BB962C8B-B14F-4D97-AF65-F5344CB8AC3E}">
-        <p14:creationId xmlns:p14="http://schemas.microsoft.com/office/powerpoint/2010/main" val="1458737219"/>
-      </p:ext>
-    </p:extLst>
-  </p:cSld>
-  <p:clrMapOvr>
-    <a:masterClrMapping/>
-  </p:clrMapOvr>
-</p:sld>
-</file>
-
-<file path=ppt/slides/slide12.xml><?xml version="1.0" encoding="utf-8"?>
-<p:sld xmlns:a="http://schemas.openxmlformats.org/drawingml/2006/main" xmlns:r="http://schemas.openxmlformats.org/officeDocument/2006/relationships" xmlns:p="http://schemas.openxmlformats.org/presentationml/2006/main">
-  <p:cSld>
-    <p:spTree>
-      <p:nvGrpSpPr>
-        <p:cNvPr id="1" name=""/>
-        <p:cNvGrpSpPr/>
-        <p:nvPr/>
-      </p:nvGrpSpPr>
-      <p:grpSpPr>
-        <a:xfrm>
-          <a:off x="0" y="0"/>
-          <a:ext cx="0" cy="0"/>
-          <a:chOff x="0" y="0"/>
-          <a:chExt cx="0" cy="0"/>
-        </a:xfrm>
-      </p:grpSpPr>
-      <p:sp>
-        <p:nvSpPr>
-          <p:cNvPr id="2" name="Title 1">
-            <a:extLst>
-              <a:ext uri="{FF2B5EF4-FFF2-40B4-BE49-F238E27FC236}">
-                <a16:creationId xmlns:a16="http://schemas.microsoft.com/office/drawing/2014/main" id="{062BC1E7-2E43-154D-8773-5340C09711D3}"/>
-              </a:ext>
-            </a:extLst>
-          </p:cNvPr>
-          <p:cNvSpPr>
-            <a:spLocks noGrp="1"/>
-          </p:cNvSpPr>
-          <p:nvPr>
-            <p:ph type="title"/>
-          </p:nvPr>
-        </p:nvSpPr>
-        <p:spPr/>
-        <p:txBody>
-          <a:bodyPr/>
-          <a:lstStyle/>
-          <a:p>
-            <a:r>
-              <a:rPr lang="en-US" dirty="0"/>
-              <a:t>Python Data types</a:t>
-            </a:r>
-          </a:p>
-        </p:txBody>
-      </p:sp>
-      <p:sp>
-        <p:nvSpPr>
-          <p:cNvPr id="3" name="Content Placeholder 2">
-            <a:extLst>
-              <a:ext uri="{FF2B5EF4-FFF2-40B4-BE49-F238E27FC236}">
-                <a16:creationId xmlns:a16="http://schemas.microsoft.com/office/drawing/2014/main" id="{38577CBB-DBB8-B64F-B5CA-A1F282E0BCD5}"/>
-              </a:ext>
-            </a:extLst>
-          </p:cNvPr>
-          <p:cNvSpPr>
-            <a:spLocks noGrp="1"/>
-          </p:cNvSpPr>
-          <p:nvPr>
-            <p:ph idx="1"/>
-          </p:nvPr>
-        </p:nvSpPr>
-        <p:spPr/>
-        <p:txBody>
-          <a:bodyPr>
-            <a:normAutofit lnSpcReduction="10000"/>
-          </a:bodyPr>
-          <a:lstStyle/>
-          <a:p>
-            <a:r>
-              <a:rPr lang="en-US" dirty="0"/>
-              <a:t>We have seen a few data types but let’s go through all of the important ones here</a:t>
-            </a:r>
-          </a:p>
-          <a:p>
-            <a:pPr marL="457200" indent="-457200">
-              <a:buFont typeface="+mj-lt"/>
-              <a:buAutoNum type="arabicPeriod"/>
-            </a:pPr>
-            <a:r>
-              <a:rPr lang="en-US" dirty="0"/>
-              <a:t>Text: string (“hi”)</a:t>
-            </a:r>
-          </a:p>
-          <a:p>
-            <a:pPr marL="457200" indent="-457200">
-              <a:buFont typeface="+mj-lt"/>
-              <a:buAutoNum type="arabicPeriod"/>
-            </a:pPr>
-            <a:r>
-              <a:rPr lang="en-US" dirty="0"/>
-              <a:t>Numeric: int (5), or float (5.0)</a:t>
-            </a:r>
-          </a:p>
-          <a:p>
-            <a:pPr marL="457200" indent="-457200">
-              <a:buFont typeface="+mj-lt"/>
-              <a:buAutoNum type="arabicPeriod"/>
-            </a:pPr>
-            <a:r>
-              <a:rPr lang="en-US" dirty="0"/>
-              <a:t>Sequences:</a:t>
-            </a:r>
-          </a:p>
-          <a:p>
-            <a:pPr marL="857250" lvl="1" indent="-457200">
-              <a:buFont typeface="+mj-lt"/>
-              <a:buAutoNum type="arabicPeriod"/>
-            </a:pPr>
-            <a:r>
-              <a:rPr lang="en-US" dirty="0"/>
-              <a:t>List: [1,2,3]</a:t>
-            </a:r>
-          </a:p>
-          <a:p>
-            <a:pPr marL="857250" lvl="1" indent="-457200">
-              <a:buFont typeface="+mj-lt"/>
-              <a:buAutoNum type="arabicPeriod"/>
-            </a:pPr>
-            <a:r>
-              <a:rPr lang="en-US" dirty="0"/>
-              <a:t>Tuple: (1,2,3)</a:t>
-            </a:r>
-          </a:p>
-          <a:p>
-            <a:pPr marL="457200" indent="-457200">
-              <a:buFont typeface="+mj-lt"/>
-              <a:buAutoNum type="arabicPeriod"/>
-            </a:pPr>
-            <a:r>
-              <a:rPr lang="en-US" dirty="0"/>
-              <a:t>Mapping:</a:t>
-            </a:r>
-          </a:p>
-          <a:p>
-            <a:pPr marL="857250" lvl="1" indent="-457200">
-              <a:buFont typeface="+mj-lt"/>
-              <a:buAutoNum type="arabicPeriod"/>
-            </a:pPr>
-            <a:r>
-              <a:rPr lang="en-US" dirty="0"/>
-              <a:t>Dictionary: {“name”: “</a:t>
-            </a:r>
-            <a:r>
-              <a:rPr lang="en-US" dirty="0" err="1"/>
-              <a:t>Sidd</a:t>
-            </a:r>
-            <a:r>
-              <a:rPr lang="en-US" dirty="0"/>
-              <a:t> Bose”, “rank”: ”CPL”}</a:t>
-            </a:r>
-          </a:p>
-          <a:p>
-            <a:pPr marL="457200" indent="-457200">
-              <a:buFont typeface="+mj-lt"/>
-              <a:buAutoNum type="arabicPeriod"/>
-            </a:pPr>
-            <a:r>
-              <a:rPr lang="en-US" dirty="0"/>
-              <a:t>Boolean:</a:t>
-            </a:r>
-          </a:p>
-          <a:p>
-            <a:pPr marL="857250" lvl="1" indent="-457200">
-              <a:buFont typeface="+mj-lt"/>
-              <a:buAutoNum type="arabicPeriod"/>
-            </a:pPr>
-            <a:r>
-              <a:rPr lang="en-US" dirty="0"/>
-              <a:t>True, False (capitalization matters here!)</a:t>
-            </a:r>
-          </a:p>
-          <a:p>
-            <a:pPr marL="457200" indent="-457200">
-              <a:buFont typeface="+mj-lt"/>
-              <a:buAutoNum type="arabicPeriod"/>
-            </a:pPr>
-            <a:endParaRPr lang="en-US" dirty="0"/>
-          </a:p>
-        </p:txBody>
-      </p:sp>
-    </p:spTree>
-    <p:extLst>
-      <p:ext uri="{BB962C8B-B14F-4D97-AF65-F5344CB8AC3E}">
-        <p14:creationId xmlns:p14="http://schemas.microsoft.com/office/powerpoint/2010/main" val="1268832366"/>
-      </p:ext>
-    </p:extLst>
-  </p:cSld>
-  <p:clrMapOvr>
-    <a:masterClrMapping/>
-  </p:clrMapOvr>
-</p:sld>
-</file>
-
-<file path=ppt/slides/slide13.xml><?xml version="1.0" encoding="utf-8"?>
-<p:sld xmlns:a="http://schemas.openxmlformats.org/drawingml/2006/main" xmlns:r="http://schemas.openxmlformats.org/officeDocument/2006/relationships" xmlns:p="http://schemas.openxmlformats.org/presentationml/2006/main">
-  <p:cSld>
-    <p:spTree>
-      <p:nvGrpSpPr>
-        <p:cNvPr id="1" name=""/>
-        <p:cNvGrpSpPr/>
-        <p:nvPr/>
-      </p:nvGrpSpPr>
-      <p:grpSpPr>
-        <a:xfrm>
-          <a:off x="0" y="0"/>
-          <a:ext cx="0" cy="0"/>
-          <a:chOff x="0" y="0"/>
-          <a:chExt cx="0" cy="0"/>
-        </a:xfrm>
-      </p:grpSpPr>
-      <p:sp>
-        <p:nvSpPr>
-          <p:cNvPr id="2" name="Title 1">
-            <a:extLst>
-              <a:ext uri="{FF2B5EF4-FFF2-40B4-BE49-F238E27FC236}">
                 <a16:creationId xmlns:a16="http://schemas.microsoft.com/office/drawing/2014/main" id="{9016C7A2-CE80-3542-A2F9-75DD15B23476}"/>
               </a:ext>
             </a:extLst>
@@ -25062,7 +24619,7 @@
 </p:sld>
 </file>
 
-<file path=ppt/slides/slide14.xml><?xml version="1.0" encoding="utf-8"?>
+<file path=ppt/slides/slide11.xml><?xml version="1.0" encoding="utf-8"?>
 <p:sld xmlns:a="http://schemas.openxmlformats.org/drawingml/2006/main" xmlns:r="http://schemas.openxmlformats.org/officeDocument/2006/relationships" xmlns:p="http://schemas.openxmlformats.org/presentationml/2006/main">
   <p:cSld>
     <p:spTree>
@@ -25151,8 +24708,14 @@
             <a:pPr lvl="1"/>
             <a:r>
               <a:rPr lang="en-US" dirty="0"/>
-              <a:t>Capital letters and lowercase letters refer to different variable</a:t>
-            </a:r>
+              <a:t>Capital letters and lowercase letters refer to different variables</a:t>
+            </a:r>
+          </a:p>
+          <a:p>
+            <a:pPr marL="457200" lvl="1" indent="0">
+              <a:buNone/>
+            </a:pPr>
+            <a:endParaRPr lang="en-US" dirty="0"/>
           </a:p>
           <a:p>
             <a:endParaRPr lang="en-US" dirty="0"/>
@@ -25172,7 +24735,7 @@
 </p:sld>
 </file>
 
-<file path=ppt/slides/slide15.xml><?xml version="1.0" encoding="utf-8"?>
+<file path=ppt/slides/slide12.xml><?xml version="1.0" encoding="utf-8"?>
 <p:sld xmlns:a="http://schemas.openxmlformats.org/drawingml/2006/main" xmlns:r="http://schemas.openxmlformats.org/officeDocument/2006/relationships" xmlns:p="http://schemas.openxmlformats.org/presentationml/2006/main">
   <p:cSld>
     <p:spTree>
@@ -25348,7 +24911,7 @@
 </p:sld>
 </file>
 
-<file path=ppt/slides/slide16.xml><?xml version="1.0" encoding="utf-8"?>
+<file path=ppt/slides/slide13.xml><?xml version="1.0" encoding="utf-8"?>
 <p:sld xmlns:a="http://schemas.openxmlformats.org/drawingml/2006/main" xmlns:r="http://schemas.openxmlformats.org/officeDocument/2006/relationships" xmlns:p="http://schemas.openxmlformats.org/presentationml/2006/main">
   <p:cSld>
     <p:spTree>
@@ -25461,7 +25024,7 @@
 </p:sld>
 </file>
 
-<file path=ppt/slides/slide17.xml><?xml version="1.0" encoding="utf-8"?>
+<file path=ppt/slides/slide14.xml><?xml version="1.0" encoding="utf-8"?>
 <p:sld xmlns:a="http://schemas.openxmlformats.org/drawingml/2006/main" xmlns:r="http://schemas.openxmlformats.org/officeDocument/2006/relationships" xmlns:p="http://schemas.openxmlformats.org/presentationml/2006/main">
   <p:cSld>
     <p:spTree>
@@ -25604,7 +25167,7 @@
 </p:sld>
 </file>
 
-<file path=ppt/slides/slide18.xml><?xml version="1.0" encoding="utf-8"?>
+<file path=ppt/slides/slide15.xml><?xml version="1.0" encoding="utf-8"?>
 <p:sld xmlns:a="http://schemas.openxmlformats.org/drawingml/2006/main" xmlns:r="http://schemas.openxmlformats.org/officeDocument/2006/relationships" xmlns:p="http://schemas.openxmlformats.org/presentationml/2006/main">
   <p:cSld>
     <p:spTree>
@@ -25755,7 +25318,7 @@
 </p:sld>
 </file>
 
-<file path=ppt/slides/slide19.xml><?xml version="1.0" encoding="utf-8"?>
+<file path=ppt/slides/slide16.xml><?xml version="1.0" encoding="utf-8"?>
 <p:sld xmlns:a="http://schemas.openxmlformats.org/drawingml/2006/main" xmlns:r="http://schemas.openxmlformats.org/officeDocument/2006/relationships" xmlns:p="http://schemas.openxmlformats.org/presentationml/2006/main">
   <p:cSld>
     <p:spTree>
@@ -25945,6 +25508,477 @@
     <p:extLst>
       <p:ext uri="{BB962C8B-B14F-4D97-AF65-F5344CB8AC3E}">
         <p14:creationId xmlns:p14="http://schemas.microsoft.com/office/powerpoint/2010/main" val="644625168"/>
+      </p:ext>
+    </p:extLst>
+  </p:cSld>
+  <p:clrMapOvr>
+    <a:masterClrMapping/>
+  </p:clrMapOvr>
+</p:sld>
+</file>
+
+<file path=ppt/slides/slide17.xml><?xml version="1.0" encoding="utf-8"?>
+<p:sld xmlns:a="http://schemas.openxmlformats.org/drawingml/2006/main" xmlns:r="http://schemas.openxmlformats.org/officeDocument/2006/relationships" xmlns:p="http://schemas.openxmlformats.org/presentationml/2006/main">
+  <p:cSld>
+    <p:spTree>
+      <p:nvGrpSpPr>
+        <p:cNvPr id="1" name=""/>
+        <p:cNvGrpSpPr/>
+        <p:nvPr/>
+      </p:nvGrpSpPr>
+      <p:grpSpPr>
+        <a:xfrm>
+          <a:off x="0" y="0"/>
+          <a:ext cx="0" cy="0"/>
+          <a:chOff x="0" y="0"/>
+          <a:chExt cx="0" cy="0"/>
+        </a:xfrm>
+      </p:grpSpPr>
+      <p:sp>
+        <p:nvSpPr>
+          <p:cNvPr id="2" name="Title 1">
+            <a:extLst>
+              <a:ext uri="{FF2B5EF4-FFF2-40B4-BE49-F238E27FC236}">
+                <a16:creationId xmlns:a16="http://schemas.microsoft.com/office/drawing/2014/main" id="{B86D3F67-E22C-0041-B725-48C66FC4EAA5}"/>
+              </a:ext>
+            </a:extLst>
+          </p:cNvPr>
+          <p:cNvSpPr>
+            <a:spLocks noGrp="1"/>
+          </p:cNvSpPr>
+          <p:nvPr>
+            <p:ph type="title"/>
+          </p:nvPr>
+        </p:nvSpPr>
+        <p:spPr/>
+        <p:txBody>
+          <a:bodyPr/>
+          <a:lstStyle/>
+          <a:p>
+            <a:r>
+              <a:rPr lang="en-US" dirty="0"/>
+              <a:t>Strings Recap</a:t>
+            </a:r>
+          </a:p>
+        </p:txBody>
+      </p:sp>
+      <p:sp>
+        <p:nvSpPr>
+          <p:cNvPr id="3" name="Content Placeholder 2">
+            <a:extLst>
+              <a:ext uri="{FF2B5EF4-FFF2-40B4-BE49-F238E27FC236}">
+                <a16:creationId xmlns:a16="http://schemas.microsoft.com/office/drawing/2014/main" id="{87D2334B-F614-2343-8361-E035E6C3A609}"/>
+              </a:ext>
+            </a:extLst>
+          </p:cNvPr>
+          <p:cNvSpPr>
+            <a:spLocks noGrp="1"/>
+          </p:cNvSpPr>
+          <p:nvPr>
+            <p:ph idx="1"/>
+          </p:nvPr>
+        </p:nvSpPr>
+        <p:spPr/>
+        <p:txBody>
+          <a:bodyPr/>
+          <a:lstStyle/>
+          <a:p>
+            <a:r>
+              <a:rPr lang="en-US" dirty="0"/>
+              <a:t>As we know, a string is a word or character encapsulated in quotations: “var” like this</a:t>
+            </a:r>
+          </a:p>
+          <a:p>
+            <a:r>
+              <a:rPr lang="en-US" dirty="0"/>
+              <a:t>Since a string is an array/list of characters, we can access elements by indexing as shown below</a:t>
+            </a:r>
+          </a:p>
+          <a:p>
+            <a:endParaRPr lang="en-US" dirty="0"/>
+          </a:p>
+          <a:p>
+            <a:r>
+              <a:rPr lang="en-US" dirty="0"/>
+              <a:t>For example, if x = “hello”, then x[0] is “h”</a:t>
+            </a:r>
+          </a:p>
+          <a:p>
+            <a:endParaRPr lang="en-US" dirty="0"/>
+          </a:p>
+        </p:txBody>
+      </p:sp>
+      <p:pic>
+        <p:nvPicPr>
+          <p:cNvPr id="4" name="Picture 3">
+            <a:extLst>
+              <a:ext uri="{FF2B5EF4-FFF2-40B4-BE49-F238E27FC236}">
+                <a16:creationId xmlns:a16="http://schemas.microsoft.com/office/drawing/2014/main" id="{7AB7C77F-A0A6-9945-A294-1FFAB9995B75}"/>
+              </a:ext>
+            </a:extLst>
+          </p:cNvPr>
+          <p:cNvPicPr>
+            <a:picLocks noChangeAspect="1"/>
+          </p:cNvPicPr>
+          <p:nvPr/>
+        </p:nvPicPr>
+        <p:blipFill>
+          <a:blip r:embed="rId2"/>
+          <a:stretch>
+            <a:fillRect/>
+          </a:stretch>
+        </p:blipFill>
+        <p:spPr>
+          <a:xfrm>
+            <a:off x="2322512" y="4679136"/>
+            <a:ext cx="3773488" cy="1569263"/>
+          </a:xfrm>
+          <a:prstGeom prst="rect">
+            <a:avLst/>
+          </a:prstGeom>
+        </p:spPr>
+      </p:pic>
+    </p:spTree>
+    <p:extLst>
+      <p:ext uri="{BB962C8B-B14F-4D97-AF65-F5344CB8AC3E}">
+        <p14:creationId xmlns:p14="http://schemas.microsoft.com/office/powerpoint/2010/main" val="3607773905"/>
+      </p:ext>
+    </p:extLst>
+  </p:cSld>
+  <p:clrMapOvr>
+    <a:masterClrMapping/>
+  </p:clrMapOvr>
+</p:sld>
+</file>
+
+<file path=ppt/slides/slide18.xml><?xml version="1.0" encoding="utf-8"?>
+<p:sld xmlns:a="http://schemas.openxmlformats.org/drawingml/2006/main" xmlns:r="http://schemas.openxmlformats.org/officeDocument/2006/relationships" xmlns:p="http://schemas.openxmlformats.org/presentationml/2006/main">
+  <p:cSld>
+    <p:spTree>
+      <p:nvGrpSpPr>
+        <p:cNvPr id="1" name=""/>
+        <p:cNvGrpSpPr/>
+        <p:nvPr/>
+      </p:nvGrpSpPr>
+      <p:grpSpPr>
+        <a:xfrm>
+          <a:off x="0" y="0"/>
+          <a:ext cx="0" cy="0"/>
+          <a:chOff x="0" y="0"/>
+          <a:chExt cx="0" cy="0"/>
+        </a:xfrm>
+      </p:grpSpPr>
+      <p:sp>
+        <p:nvSpPr>
+          <p:cNvPr id="2" name="Title 1">
+            <a:extLst>
+              <a:ext uri="{FF2B5EF4-FFF2-40B4-BE49-F238E27FC236}">
+                <a16:creationId xmlns:a16="http://schemas.microsoft.com/office/drawing/2014/main" id="{224D744D-1A93-1149-AF3F-6F1DEC6EED4C}"/>
+              </a:ext>
+            </a:extLst>
+          </p:cNvPr>
+          <p:cNvSpPr>
+            <a:spLocks noGrp="1"/>
+          </p:cNvSpPr>
+          <p:nvPr>
+            <p:ph type="title"/>
+          </p:nvPr>
+        </p:nvSpPr>
+        <p:spPr/>
+        <p:txBody>
+          <a:bodyPr/>
+          <a:lstStyle/>
+          <a:p>
+            <a:r>
+              <a:rPr lang="en-US" dirty="0"/>
+              <a:t>String Methods	</a:t>
+            </a:r>
+          </a:p>
+        </p:txBody>
+      </p:sp>
+      <p:sp>
+        <p:nvSpPr>
+          <p:cNvPr id="3" name="Content Placeholder 2">
+            <a:extLst>
+              <a:ext uri="{FF2B5EF4-FFF2-40B4-BE49-F238E27FC236}">
+                <a16:creationId xmlns:a16="http://schemas.microsoft.com/office/drawing/2014/main" id="{B0F0C906-646B-2146-9850-5167CD61C0C2}"/>
+              </a:ext>
+            </a:extLst>
+          </p:cNvPr>
+          <p:cNvSpPr>
+            <a:spLocks noGrp="1"/>
+          </p:cNvSpPr>
+          <p:nvPr>
+            <p:ph idx="1"/>
+          </p:nvPr>
+        </p:nvSpPr>
+        <p:spPr/>
+        <p:txBody>
+          <a:bodyPr/>
+          <a:lstStyle/>
+          <a:p>
+            <a:r>
+              <a:rPr lang="en-US" dirty="0"/>
+              <a:t>The most important string methods are as follows (using x = “</a:t>
+            </a:r>
+            <a:r>
+              <a:rPr lang="en-US" dirty="0" err="1"/>
+              <a:t>abc</a:t>
+            </a:r>
+            <a:r>
+              <a:rPr lang="en-US" dirty="0"/>
+              <a:t>” and y = “</a:t>
+            </a:r>
+            <a:r>
+              <a:rPr lang="en-US" dirty="0" err="1"/>
+              <a:t>defg</a:t>
+            </a:r>
+            <a:r>
+              <a:rPr lang="en-US" dirty="0"/>
+              <a:t>” as examples):</a:t>
+            </a:r>
+          </a:p>
+          <a:p>
+            <a:pPr lvl="1"/>
+            <a:r>
+              <a:rPr lang="en-US" dirty="0" err="1"/>
+              <a:t>len</a:t>
+            </a:r>
+            <a:r>
+              <a:rPr lang="en-US" dirty="0"/>
+              <a:t>(x)-&gt; will return the length of x, or 3</a:t>
+            </a:r>
+          </a:p>
+          <a:p>
+            <a:pPr lvl="1"/>
+            <a:r>
+              <a:rPr lang="en-US" dirty="0"/>
+              <a:t>x[1:3] -&gt; will return “</a:t>
+            </a:r>
+            <a:r>
+              <a:rPr lang="en-US" dirty="0" err="1"/>
+              <a:t>bc</a:t>
+            </a:r>
+            <a:r>
+              <a:rPr lang="en-US" dirty="0"/>
+              <a:t>” as a sliced string </a:t>
+            </a:r>
+            <a:r>
+              <a:rPr lang="en-US" sz="1400" dirty="0"/>
+              <a:t>(format is [first index: last index +1])</a:t>
+            </a:r>
+          </a:p>
+          <a:p>
+            <a:pPr lvl="1"/>
+            <a:r>
+              <a:rPr lang="en-US" dirty="0" err="1"/>
+              <a:t>x+y</a:t>
+            </a:r>
+            <a:r>
+              <a:rPr lang="en-US" dirty="0"/>
+              <a:t>-&gt; will return “</a:t>
+            </a:r>
+            <a:r>
+              <a:rPr lang="en-US" dirty="0" err="1"/>
+              <a:t>abcdefg</a:t>
+            </a:r>
+            <a:r>
+              <a:rPr lang="en-US" dirty="0"/>
+              <a:t>”</a:t>
+            </a:r>
+          </a:p>
+          <a:p>
+            <a:r>
+              <a:rPr lang="en-US" sz="1800" dirty="0"/>
+              <a:t>For more string methods, visit:</a:t>
+            </a:r>
+          </a:p>
+          <a:p>
+            <a:pPr lvl="1"/>
+            <a:r>
+              <a:rPr lang="en-US" sz="1600" dirty="0"/>
+              <a:t>https://www.w3schools.com/python/</a:t>
+            </a:r>
+            <a:r>
+              <a:rPr lang="en-US" sz="1600" dirty="0" err="1"/>
+              <a:t>python_strings_methods.asp</a:t>
+            </a:r>
+            <a:endParaRPr lang="en-US" sz="1600" dirty="0"/>
+          </a:p>
+          <a:p>
+            <a:pPr marL="457200" lvl="1" indent="0">
+              <a:buNone/>
+            </a:pPr>
+            <a:endParaRPr lang="en-US" sz="1600" dirty="0"/>
+          </a:p>
+          <a:p>
+            <a:pPr lvl="1"/>
+            <a:endParaRPr lang="en-US" dirty="0"/>
+          </a:p>
+          <a:p>
+            <a:pPr lvl="1"/>
+            <a:endParaRPr lang="en-US" dirty="0"/>
+          </a:p>
+        </p:txBody>
+      </p:sp>
+    </p:spTree>
+    <p:extLst>
+      <p:ext uri="{BB962C8B-B14F-4D97-AF65-F5344CB8AC3E}">
+        <p14:creationId xmlns:p14="http://schemas.microsoft.com/office/powerpoint/2010/main" val="4273589465"/>
+      </p:ext>
+    </p:extLst>
+  </p:cSld>
+  <p:clrMapOvr>
+    <a:masterClrMapping/>
+  </p:clrMapOvr>
+</p:sld>
+</file>
+
+<file path=ppt/slides/slide19.xml><?xml version="1.0" encoding="utf-8"?>
+<p:sld xmlns:a="http://schemas.openxmlformats.org/drawingml/2006/main" xmlns:r="http://schemas.openxmlformats.org/officeDocument/2006/relationships" xmlns:p="http://schemas.openxmlformats.org/presentationml/2006/main">
+  <p:cSld>
+    <p:spTree>
+      <p:nvGrpSpPr>
+        <p:cNvPr id="1" name=""/>
+        <p:cNvGrpSpPr/>
+        <p:nvPr/>
+      </p:nvGrpSpPr>
+      <p:grpSpPr>
+        <a:xfrm>
+          <a:off x="0" y="0"/>
+          <a:ext cx="0" cy="0"/>
+          <a:chOff x="0" y="0"/>
+          <a:chExt cx="0" cy="0"/>
+        </a:xfrm>
+      </p:grpSpPr>
+      <p:sp>
+        <p:nvSpPr>
+          <p:cNvPr id="2" name="Title 1">
+            <a:extLst>
+              <a:ext uri="{FF2B5EF4-FFF2-40B4-BE49-F238E27FC236}">
+                <a16:creationId xmlns:a16="http://schemas.microsoft.com/office/drawing/2014/main" id="{1987E332-A399-5845-85A1-1867FAA4EC5E}"/>
+              </a:ext>
+            </a:extLst>
+          </p:cNvPr>
+          <p:cNvSpPr>
+            <a:spLocks noGrp="1"/>
+          </p:cNvSpPr>
+          <p:nvPr>
+            <p:ph type="title"/>
+          </p:nvPr>
+        </p:nvSpPr>
+        <p:spPr/>
+        <p:txBody>
+          <a:bodyPr/>
+          <a:lstStyle/>
+          <a:p>
+            <a:r>
+              <a:rPr lang="en-US" dirty="0"/>
+              <a:t>F Strings	</a:t>
+            </a:r>
+          </a:p>
+        </p:txBody>
+      </p:sp>
+      <p:sp>
+        <p:nvSpPr>
+          <p:cNvPr id="3" name="Content Placeholder 2">
+            <a:extLst>
+              <a:ext uri="{FF2B5EF4-FFF2-40B4-BE49-F238E27FC236}">
+                <a16:creationId xmlns:a16="http://schemas.microsoft.com/office/drawing/2014/main" id="{52DEC351-C8BC-134D-A36F-847D99C3B971}"/>
+              </a:ext>
+            </a:extLst>
+          </p:cNvPr>
+          <p:cNvSpPr>
+            <a:spLocks noGrp="1"/>
+          </p:cNvSpPr>
+          <p:nvPr>
+            <p:ph idx="1"/>
+          </p:nvPr>
+        </p:nvSpPr>
+        <p:spPr/>
+        <p:txBody>
+          <a:bodyPr/>
+          <a:lstStyle/>
+          <a:p>
+            <a:r>
+              <a:rPr lang="en-US" dirty="0"/>
+              <a:t>In Python F Strings allow us to insert variables into a string</a:t>
+            </a:r>
+          </a:p>
+          <a:p>
+            <a:r>
+              <a:rPr lang="en-US" dirty="0"/>
+              <a:t>The syntax is as follows: </a:t>
+            </a:r>
+            <a:r>
+              <a:rPr lang="en-US" dirty="0" err="1"/>
+              <a:t>f”string</a:t>
+            </a:r>
+            <a:r>
+              <a:rPr lang="en-US" dirty="0"/>
+              <a:t> {var} string”</a:t>
+            </a:r>
+          </a:p>
+          <a:p>
+            <a:endParaRPr lang="en-US" dirty="0"/>
+          </a:p>
+          <a:p>
+            <a:endParaRPr lang="en-US" dirty="0"/>
+          </a:p>
+          <a:p>
+            <a:endParaRPr lang="en-US" dirty="0"/>
+          </a:p>
+          <a:p>
+            <a:endParaRPr lang="en-US" dirty="0"/>
+          </a:p>
+          <a:p>
+            <a:r>
+              <a:rPr lang="en-US" dirty="0"/>
+              <a:t>This allows us to concatenate a string more naturally</a:t>
+            </a:r>
+          </a:p>
+          <a:p>
+            <a:endParaRPr lang="en-US" dirty="0"/>
+          </a:p>
+          <a:p>
+            <a:endParaRPr lang="en-US" dirty="0"/>
+          </a:p>
+        </p:txBody>
+      </p:sp>
+      <p:pic>
+        <p:nvPicPr>
+          <p:cNvPr id="4" name="Picture 3">
+            <a:extLst>
+              <a:ext uri="{FF2B5EF4-FFF2-40B4-BE49-F238E27FC236}">
+                <a16:creationId xmlns:a16="http://schemas.microsoft.com/office/drawing/2014/main" id="{DFEED222-626D-A240-9F76-069991F00B4B}"/>
+              </a:ext>
+            </a:extLst>
+          </p:cNvPr>
+          <p:cNvPicPr>
+            <a:picLocks noChangeAspect="1"/>
+          </p:cNvPicPr>
+          <p:nvPr/>
+        </p:nvPicPr>
+        <p:blipFill>
+          <a:blip r:embed="rId2"/>
+          <a:stretch>
+            <a:fillRect/>
+          </a:stretch>
+        </p:blipFill>
+        <p:spPr>
+          <a:xfrm>
+            <a:off x="1189163" y="3097373"/>
+            <a:ext cx="6464300" cy="1320800"/>
+          </a:xfrm>
+          <a:prstGeom prst="rect">
+            <a:avLst/>
+          </a:prstGeom>
+        </p:spPr>
+      </p:pic>
+    </p:spTree>
+    <p:extLst>
+      <p:ext uri="{BB962C8B-B14F-4D97-AF65-F5344CB8AC3E}">
+        <p14:creationId xmlns:p14="http://schemas.microsoft.com/office/powerpoint/2010/main" val="1086188802"/>
       </p:ext>
     </p:extLst>
   </p:cSld>
@@ -26086,477 +26120,6 @@
           <p:cNvPr id="2" name="Title 1">
             <a:extLst>
               <a:ext uri="{FF2B5EF4-FFF2-40B4-BE49-F238E27FC236}">
-                <a16:creationId xmlns:a16="http://schemas.microsoft.com/office/drawing/2014/main" id="{B86D3F67-E22C-0041-B725-48C66FC4EAA5}"/>
-              </a:ext>
-            </a:extLst>
-          </p:cNvPr>
-          <p:cNvSpPr>
-            <a:spLocks noGrp="1"/>
-          </p:cNvSpPr>
-          <p:nvPr>
-            <p:ph type="title"/>
-          </p:nvPr>
-        </p:nvSpPr>
-        <p:spPr/>
-        <p:txBody>
-          <a:bodyPr/>
-          <a:lstStyle/>
-          <a:p>
-            <a:r>
-              <a:rPr lang="en-US" dirty="0"/>
-              <a:t>Strings Recap</a:t>
-            </a:r>
-          </a:p>
-        </p:txBody>
-      </p:sp>
-      <p:sp>
-        <p:nvSpPr>
-          <p:cNvPr id="3" name="Content Placeholder 2">
-            <a:extLst>
-              <a:ext uri="{FF2B5EF4-FFF2-40B4-BE49-F238E27FC236}">
-                <a16:creationId xmlns:a16="http://schemas.microsoft.com/office/drawing/2014/main" id="{87D2334B-F614-2343-8361-E035E6C3A609}"/>
-              </a:ext>
-            </a:extLst>
-          </p:cNvPr>
-          <p:cNvSpPr>
-            <a:spLocks noGrp="1"/>
-          </p:cNvSpPr>
-          <p:nvPr>
-            <p:ph idx="1"/>
-          </p:nvPr>
-        </p:nvSpPr>
-        <p:spPr/>
-        <p:txBody>
-          <a:bodyPr/>
-          <a:lstStyle/>
-          <a:p>
-            <a:r>
-              <a:rPr lang="en-US" dirty="0"/>
-              <a:t>As we know, a string is a word or character encapsulated in quotations: “var” like this</a:t>
-            </a:r>
-          </a:p>
-          <a:p>
-            <a:r>
-              <a:rPr lang="en-US" dirty="0"/>
-              <a:t>Since a string is an array of characters, we can access elements by indexing as shown below</a:t>
-            </a:r>
-          </a:p>
-          <a:p>
-            <a:endParaRPr lang="en-US" dirty="0"/>
-          </a:p>
-          <a:p>
-            <a:r>
-              <a:rPr lang="en-US" dirty="0"/>
-              <a:t>For example, if x = “hello”, then x[0] is “h”</a:t>
-            </a:r>
-          </a:p>
-          <a:p>
-            <a:endParaRPr lang="en-US" dirty="0"/>
-          </a:p>
-        </p:txBody>
-      </p:sp>
-      <p:pic>
-        <p:nvPicPr>
-          <p:cNvPr id="4" name="Picture 3">
-            <a:extLst>
-              <a:ext uri="{FF2B5EF4-FFF2-40B4-BE49-F238E27FC236}">
-                <a16:creationId xmlns:a16="http://schemas.microsoft.com/office/drawing/2014/main" id="{7AB7C77F-A0A6-9945-A294-1FFAB9995B75}"/>
-              </a:ext>
-            </a:extLst>
-          </p:cNvPr>
-          <p:cNvPicPr>
-            <a:picLocks noChangeAspect="1"/>
-          </p:cNvPicPr>
-          <p:nvPr/>
-        </p:nvPicPr>
-        <p:blipFill>
-          <a:blip r:embed="rId2"/>
-          <a:stretch>
-            <a:fillRect/>
-          </a:stretch>
-        </p:blipFill>
-        <p:spPr>
-          <a:xfrm>
-            <a:off x="2322512" y="4679136"/>
-            <a:ext cx="3773488" cy="1569263"/>
-          </a:xfrm>
-          <a:prstGeom prst="rect">
-            <a:avLst/>
-          </a:prstGeom>
-        </p:spPr>
-      </p:pic>
-    </p:spTree>
-    <p:extLst>
-      <p:ext uri="{BB962C8B-B14F-4D97-AF65-F5344CB8AC3E}">
-        <p14:creationId xmlns:p14="http://schemas.microsoft.com/office/powerpoint/2010/main" val="3607773905"/>
-      </p:ext>
-    </p:extLst>
-  </p:cSld>
-  <p:clrMapOvr>
-    <a:masterClrMapping/>
-  </p:clrMapOvr>
-</p:sld>
-</file>
-
-<file path=ppt/slides/slide21.xml><?xml version="1.0" encoding="utf-8"?>
-<p:sld xmlns:a="http://schemas.openxmlformats.org/drawingml/2006/main" xmlns:r="http://schemas.openxmlformats.org/officeDocument/2006/relationships" xmlns:p="http://schemas.openxmlformats.org/presentationml/2006/main">
-  <p:cSld>
-    <p:spTree>
-      <p:nvGrpSpPr>
-        <p:cNvPr id="1" name=""/>
-        <p:cNvGrpSpPr/>
-        <p:nvPr/>
-      </p:nvGrpSpPr>
-      <p:grpSpPr>
-        <a:xfrm>
-          <a:off x="0" y="0"/>
-          <a:ext cx="0" cy="0"/>
-          <a:chOff x="0" y="0"/>
-          <a:chExt cx="0" cy="0"/>
-        </a:xfrm>
-      </p:grpSpPr>
-      <p:sp>
-        <p:nvSpPr>
-          <p:cNvPr id="2" name="Title 1">
-            <a:extLst>
-              <a:ext uri="{FF2B5EF4-FFF2-40B4-BE49-F238E27FC236}">
-                <a16:creationId xmlns:a16="http://schemas.microsoft.com/office/drawing/2014/main" id="{224D744D-1A93-1149-AF3F-6F1DEC6EED4C}"/>
-              </a:ext>
-            </a:extLst>
-          </p:cNvPr>
-          <p:cNvSpPr>
-            <a:spLocks noGrp="1"/>
-          </p:cNvSpPr>
-          <p:nvPr>
-            <p:ph type="title"/>
-          </p:nvPr>
-        </p:nvSpPr>
-        <p:spPr/>
-        <p:txBody>
-          <a:bodyPr/>
-          <a:lstStyle/>
-          <a:p>
-            <a:r>
-              <a:rPr lang="en-US" dirty="0"/>
-              <a:t>String Methods	</a:t>
-            </a:r>
-          </a:p>
-        </p:txBody>
-      </p:sp>
-      <p:sp>
-        <p:nvSpPr>
-          <p:cNvPr id="3" name="Content Placeholder 2">
-            <a:extLst>
-              <a:ext uri="{FF2B5EF4-FFF2-40B4-BE49-F238E27FC236}">
-                <a16:creationId xmlns:a16="http://schemas.microsoft.com/office/drawing/2014/main" id="{B0F0C906-646B-2146-9850-5167CD61C0C2}"/>
-              </a:ext>
-            </a:extLst>
-          </p:cNvPr>
-          <p:cNvSpPr>
-            <a:spLocks noGrp="1"/>
-          </p:cNvSpPr>
-          <p:nvPr>
-            <p:ph idx="1"/>
-          </p:nvPr>
-        </p:nvSpPr>
-        <p:spPr/>
-        <p:txBody>
-          <a:bodyPr/>
-          <a:lstStyle/>
-          <a:p>
-            <a:r>
-              <a:rPr lang="en-US" dirty="0"/>
-              <a:t>The most important string methods are as follows (using x = “</a:t>
-            </a:r>
-            <a:r>
-              <a:rPr lang="en-US" dirty="0" err="1"/>
-              <a:t>abc</a:t>
-            </a:r>
-            <a:r>
-              <a:rPr lang="en-US" dirty="0"/>
-              <a:t>” and y = “</a:t>
-            </a:r>
-            <a:r>
-              <a:rPr lang="en-US" dirty="0" err="1"/>
-              <a:t>defg</a:t>
-            </a:r>
-            <a:r>
-              <a:rPr lang="en-US" dirty="0"/>
-              <a:t>” as examples):</a:t>
-            </a:r>
-          </a:p>
-          <a:p>
-            <a:pPr lvl="1"/>
-            <a:r>
-              <a:rPr lang="en-US" dirty="0" err="1"/>
-              <a:t>len</a:t>
-            </a:r>
-            <a:r>
-              <a:rPr lang="en-US" dirty="0"/>
-              <a:t>(x)-&gt; will return the length of x, or 3</a:t>
-            </a:r>
-          </a:p>
-          <a:p>
-            <a:pPr lvl="1"/>
-            <a:r>
-              <a:rPr lang="en-US" dirty="0"/>
-              <a:t>x[1:3] -&gt; will return “</a:t>
-            </a:r>
-            <a:r>
-              <a:rPr lang="en-US" dirty="0" err="1"/>
-              <a:t>bc</a:t>
-            </a:r>
-            <a:r>
-              <a:rPr lang="en-US" dirty="0"/>
-              <a:t>” as a sliced string </a:t>
-            </a:r>
-            <a:r>
-              <a:rPr lang="en-US" sz="1400" dirty="0"/>
-              <a:t>(format is [first index: last index +1])</a:t>
-            </a:r>
-          </a:p>
-          <a:p>
-            <a:pPr lvl="1"/>
-            <a:r>
-              <a:rPr lang="en-US" dirty="0" err="1"/>
-              <a:t>x+y</a:t>
-            </a:r>
-            <a:r>
-              <a:rPr lang="en-US" dirty="0"/>
-              <a:t>-&gt; will return “</a:t>
-            </a:r>
-            <a:r>
-              <a:rPr lang="en-US" dirty="0" err="1"/>
-              <a:t>abcdefg</a:t>
-            </a:r>
-            <a:r>
-              <a:rPr lang="en-US" dirty="0"/>
-              <a:t>”</a:t>
-            </a:r>
-          </a:p>
-          <a:p>
-            <a:r>
-              <a:rPr lang="en-US" sz="1800" dirty="0"/>
-              <a:t>For more string methods, visit:</a:t>
-            </a:r>
-          </a:p>
-          <a:p>
-            <a:pPr lvl="1"/>
-            <a:r>
-              <a:rPr lang="en-US" sz="1600" dirty="0"/>
-              <a:t>https://www.w3schools.com/python/</a:t>
-            </a:r>
-            <a:r>
-              <a:rPr lang="en-US" sz="1600" dirty="0" err="1"/>
-              <a:t>python_strings_methods.asp</a:t>
-            </a:r>
-            <a:endParaRPr lang="en-US" sz="1600" dirty="0"/>
-          </a:p>
-          <a:p>
-            <a:pPr marL="457200" lvl="1" indent="0">
-              <a:buNone/>
-            </a:pPr>
-            <a:endParaRPr lang="en-US" sz="1600" dirty="0"/>
-          </a:p>
-          <a:p>
-            <a:pPr lvl="1"/>
-            <a:endParaRPr lang="en-US" dirty="0"/>
-          </a:p>
-          <a:p>
-            <a:pPr lvl="1"/>
-            <a:endParaRPr lang="en-US" dirty="0"/>
-          </a:p>
-        </p:txBody>
-      </p:sp>
-    </p:spTree>
-    <p:extLst>
-      <p:ext uri="{BB962C8B-B14F-4D97-AF65-F5344CB8AC3E}">
-        <p14:creationId xmlns:p14="http://schemas.microsoft.com/office/powerpoint/2010/main" val="4273589465"/>
-      </p:ext>
-    </p:extLst>
-  </p:cSld>
-  <p:clrMapOvr>
-    <a:masterClrMapping/>
-  </p:clrMapOvr>
-</p:sld>
-</file>
-
-<file path=ppt/slides/slide22.xml><?xml version="1.0" encoding="utf-8"?>
-<p:sld xmlns:a="http://schemas.openxmlformats.org/drawingml/2006/main" xmlns:r="http://schemas.openxmlformats.org/officeDocument/2006/relationships" xmlns:p="http://schemas.openxmlformats.org/presentationml/2006/main">
-  <p:cSld>
-    <p:spTree>
-      <p:nvGrpSpPr>
-        <p:cNvPr id="1" name=""/>
-        <p:cNvGrpSpPr/>
-        <p:nvPr/>
-      </p:nvGrpSpPr>
-      <p:grpSpPr>
-        <a:xfrm>
-          <a:off x="0" y="0"/>
-          <a:ext cx="0" cy="0"/>
-          <a:chOff x="0" y="0"/>
-          <a:chExt cx="0" cy="0"/>
-        </a:xfrm>
-      </p:grpSpPr>
-      <p:sp>
-        <p:nvSpPr>
-          <p:cNvPr id="2" name="Title 1">
-            <a:extLst>
-              <a:ext uri="{FF2B5EF4-FFF2-40B4-BE49-F238E27FC236}">
-                <a16:creationId xmlns:a16="http://schemas.microsoft.com/office/drawing/2014/main" id="{1987E332-A399-5845-85A1-1867FAA4EC5E}"/>
-              </a:ext>
-            </a:extLst>
-          </p:cNvPr>
-          <p:cNvSpPr>
-            <a:spLocks noGrp="1"/>
-          </p:cNvSpPr>
-          <p:nvPr>
-            <p:ph type="title"/>
-          </p:nvPr>
-        </p:nvSpPr>
-        <p:spPr/>
-        <p:txBody>
-          <a:bodyPr/>
-          <a:lstStyle/>
-          <a:p>
-            <a:r>
-              <a:rPr lang="en-US" dirty="0"/>
-              <a:t>F Strings	</a:t>
-            </a:r>
-          </a:p>
-        </p:txBody>
-      </p:sp>
-      <p:sp>
-        <p:nvSpPr>
-          <p:cNvPr id="3" name="Content Placeholder 2">
-            <a:extLst>
-              <a:ext uri="{FF2B5EF4-FFF2-40B4-BE49-F238E27FC236}">
-                <a16:creationId xmlns:a16="http://schemas.microsoft.com/office/drawing/2014/main" id="{52DEC351-C8BC-134D-A36F-847D99C3B971}"/>
-              </a:ext>
-            </a:extLst>
-          </p:cNvPr>
-          <p:cNvSpPr>
-            <a:spLocks noGrp="1"/>
-          </p:cNvSpPr>
-          <p:nvPr>
-            <p:ph idx="1"/>
-          </p:nvPr>
-        </p:nvSpPr>
-        <p:spPr/>
-        <p:txBody>
-          <a:bodyPr/>
-          <a:lstStyle/>
-          <a:p>
-            <a:r>
-              <a:rPr lang="en-US" dirty="0"/>
-              <a:t>In Python F Strings allow us to insert variables into a string</a:t>
-            </a:r>
-          </a:p>
-          <a:p>
-            <a:r>
-              <a:rPr lang="en-US" dirty="0"/>
-              <a:t>The syntax is as follows: </a:t>
-            </a:r>
-            <a:r>
-              <a:rPr lang="en-US" dirty="0" err="1"/>
-              <a:t>f”string</a:t>
-            </a:r>
-            <a:r>
-              <a:rPr lang="en-US" dirty="0"/>
-              <a:t> {var} string”</a:t>
-            </a:r>
-          </a:p>
-          <a:p>
-            <a:endParaRPr lang="en-US" dirty="0"/>
-          </a:p>
-          <a:p>
-            <a:endParaRPr lang="en-US" dirty="0"/>
-          </a:p>
-          <a:p>
-            <a:endParaRPr lang="en-US" dirty="0"/>
-          </a:p>
-          <a:p>
-            <a:endParaRPr lang="en-US" dirty="0"/>
-          </a:p>
-          <a:p>
-            <a:r>
-              <a:rPr lang="en-US" dirty="0"/>
-              <a:t>This allows us to concatenate a string more naturally</a:t>
-            </a:r>
-          </a:p>
-          <a:p>
-            <a:endParaRPr lang="en-US" dirty="0"/>
-          </a:p>
-          <a:p>
-            <a:endParaRPr lang="en-US" dirty="0"/>
-          </a:p>
-        </p:txBody>
-      </p:sp>
-      <p:pic>
-        <p:nvPicPr>
-          <p:cNvPr id="4" name="Picture 3">
-            <a:extLst>
-              <a:ext uri="{FF2B5EF4-FFF2-40B4-BE49-F238E27FC236}">
-                <a16:creationId xmlns:a16="http://schemas.microsoft.com/office/drawing/2014/main" id="{DFEED222-626D-A240-9F76-069991F00B4B}"/>
-              </a:ext>
-            </a:extLst>
-          </p:cNvPr>
-          <p:cNvPicPr>
-            <a:picLocks noChangeAspect="1"/>
-          </p:cNvPicPr>
-          <p:nvPr/>
-        </p:nvPicPr>
-        <p:blipFill>
-          <a:blip r:embed="rId2"/>
-          <a:stretch>
-            <a:fillRect/>
-          </a:stretch>
-        </p:blipFill>
-        <p:spPr>
-          <a:xfrm>
-            <a:off x="1189163" y="3097373"/>
-            <a:ext cx="6464300" cy="1320800"/>
-          </a:xfrm>
-          <a:prstGeom prst="rect">
-            <a:avLst/>
-          </a:prstGeom>
-        </p:spPr>
-      </p:pic>
-    </p:spTree>
-    <p:extLst>
-      <p:ext uri="{BB962C8B-B14F-4D97-AF65-F5344CB8AC3E}">
-        <p14:creationId xmlns:p14="http://schemas.microsoft.com/office/powerpoint/2010/main" val="1086188802"/>
-      </p:ext>
-    </p:extLst>
-  </p:cSld>
-  <p:clrMapOvr>
-    <a:masterClrMapping/>
-  </p:clrMapOvr>
-</p:sld>
-</file>
-
-<file path=ppt/slides/slide23.xml><?xml version="1.0" encoding="utf-8"?>
-<p:sld xmlns:a="http://schemas.openxmlformats.org/drawingml/2006/main" xmlns:r="http://schemas.openxmlformats.org/officeDocument/2006/relationships" xmlns:p="http://schemas.openxmlformats.org/presentationml/2006/main">
-  <p:cSld>
-    <p:spTree>
-      <p:nvGrpSpPr>
-        <p:cNvPr id="1" name=""/>
-        <p:cNvGrpSpPr/>
-        <p:nvPr/>
-      </p:nvGrpSpPr>
-      <p:grpSpPr>
-        <a:xfrm>
-          <a:off x="0" y="0"/>
-          <a:ext cx="0" cy="0"/>
-          <a:chOff x="0" y="0"/>
-          <a:chExt cx="0" cy="0"/>
-        </a:xfrm>
-      </p:grpSpPr>
-      <p:sp>
-        <p:nvSpPr>
-          <p:cNvPr id="2" name="Title 1">
-            <a:extLst>
-              <a:ext uri="{FF2B5EF4-FFF2-40B4-BE49-F238E27FC236}">
                 <a16:creationId xmlns:a16="http://schemas.microsoft.com/office/drawing/2014/main" id="{3453C27A-09DB-D041-96F1-C333CD7A406C}"/>
               </a:ext>
             </a:extLst>
@@ -26668,7 +26231,7 @@
 </p:sld>
 </file>
 
-<file path=ppt/slides/slide24.xml><?xml version="1.0" encoding="utf-8"?>
+<file path=ppt/slides/slide21.xml><?xml version="1.0" encoding="utf-8"?>
 <p:sld xmlns:a="http://schemas.openxmlformats.org/drawingml/2006/main" xmlns:r="http://schemas.openxmlformats.org/officeDocument/2006/relationships" xmlns:p="http://schemas.openxmlformats.org/presentationml/2006/main">
   <p:cSld>
     <p:spTree>
@@ -26713,7 +26276,7 @@
           <a:p>
             <a:r>
               <a:rPr lang="en-US" dirty="0"/>
-              <a:t>Lists, Sets and Tuples</a:t>
+              <a:t>Lists, Sets and Tuples (Lists are most important)</a:t>
             </a:r>
           </a:p>
         </p:txBody>
@@ -26789,7 +26352,7 @@
           <a:p>
             <a:pPr lvl="1"/>
             <a:r>
-              <a:rPr lang="en-US" dirty="0"/>
+              <a:rPr lang="en-US" b="1" dirty="0"/>
               <a:t>List: [1,1,2,3,4], we can add and remove values</a:t>
             </a:r>
           </a:p>
@@ -26873,7 +26436,7 @@
 </p:sld>
 </file>
 
-<file path=ppt/slides/slide25.xml><?xml version="1.0" encoding="utf-8"?>
+<file path=ppt/slides/slide22.xml><?xml version="1.0" encoding="utf-8"?>
 <p:sld xmlns:a="http://schemas.openxmlformats.org/drawingml/2006/main" xmlns:r="http://schemas.openxmlformats.org/officeDocument/2006/relationships" xmlns:p="http://schemas.openxmlformats.org/presentationml/2006/main">
   <p:cSld>
     <p:spTree>
@@ -27034,7 +26597,7 @@
 </p:sld>
 </file>
 
-<file path=ppt/slides/slide26.xml><?xml version="1.0" encoding="utf-8"?>
+<file path=ppt/slides/slide23.xml><?xml version="1.0" encoding="utf-8"?>
 <p:sld xmlns:a="http://schemas.openxmlformats.org/drawingml/2006/main" xmlns:r="http://schemas.openxmlformats.org/officeDocument/2006/relationships" xmlns:p="http://schemas.openxmlformats.org/presentationml/2006/main">
   <p:cSld>
     <p:spTree>
@@ -27213,7 +26776,7 @@
 </p:sld>
 </file>
 
-<file path=ppt/slides/slide27.xml><?xml version="1.0" encoding="utf-8"?>
+<file path=ppt/slides/slide24.xml><?xml version="1.0" encoding="utf-8"?>
 <p:sld xmlns:a="http://schemas.openxmlformats.org/drawingml/2006/main" xmlns:r="http://schemas.openxmlformats.org/officeDocument/2006/relationships" xmlns:p="http://schemas.openxmlformats.org/presentationml/2006/main">
   <p:cSld>
     <p:spTree>
@@ -27311,7 +26874,7 @@
 </p:sld>
 </file>
 
-<file path=ppt/slides/slide28.xml><?xml version="1.0" encoding="utf-8"?>
+<file path=ppt/slides/slide25.xml><?xml version="1.0" encoding="utf-8"?>
 <p:sld xmlns:a="http://schemas.openxmlformats.org/drawingml/2006/main" xmlns:r="http://schemas.openxmlformats.org/officeDocument/2006/relationships" xmlns:p="http://schemas.openxmlformats.org/presentationml/2006/main">
   <p:cSld>
     <p:spTree>
@@ -27419,10 +26982,10 @@
       </p:sp>
       <p:pic>
         <p:nvPicPr>
-          <p:cNvPr id="5" name="Picture 4">
+          <p:cNvPr id="4" name="Picture 3">
             <a:extLst>
               <a:ext uri="{FF2B5EF4-FFF2-40B4-BE49-F238E27FC236}">
-                <a16:creationId xmlns:a16="http://schemas.microsoft.com/office/drawing/2014/main" id="{EE35C1AC-AF26-A048-B0E2-C9281F6E315B}"/>
+                <a16:creationId xmlns:a16="http://schemas.microsoft.com/office/drawing/2014/main" id="{122C37A2-F11C-294C-9659-1111DE669C9B}"/>
               </a:ext>
             </a:extLst>
           </p:cNvPr>
@@ -27439,8 +27002,8 @@
         </p:blipFill>
         <p:spPr>
           <a:xfrm>
-            <a:off x="1977659" y="4841021"/>
-            <a:ext cx="2602726" cy="1885308"/>
+            <a:off x="3336325" y="4912496"/>
+            <a:ext cx="5060994" cy="1630224"/>
           </a:xfrm>
           <a:prstGeom prst="rect">
             <a:avLst/>
@@ -27460,7 +27023,7 @@
 </p:sld>
 </file>
 
-<file path=ppt/slides/slide29.xml><?xml version="1.0" encoding="utf-8"?>
+<file path=ppt/slides/slide26.xml><?xml version="1.0" encoding="utf-8"?>
 <p:sld xmlns:a="http://schemas.openxmlformats.org/drawingml/2006/main" xmlns:r="http://schemas.openxmlformats.org/officeDocument/2006/relationships" xmlns:p="http://schemas.openxmlformats.org/presentationml/2006/main">
   <p:cSld>
     <p:spTree>
@@ -27627,6 +27190,372 @@
 </p:sld>
 </file>
 
+<file path=ppt/slides/slide27.xml><?xml version="1.0" encoding="utf-8"?>
+<p:sld xmlns:a="http://schemas.openxmlformats.org/drawingml/2006/main" xmlns:r="http://schemas.openxmlformats.org/officeDocument/2006/relationships" xmlns:p="http://schemas.openxmlformats.org/presentationml/2006/main">
+  <p:cSld>
+    <p:spTree>
+      <p:nvGrpSpPr>
+        <p:cNvPr id="1" name=""/>
+        <p:cNvGrpSpPr/>
+        <p:nvPr/>
+      </p:nvGrpSpPr>
+      <p:grpSpPr>
+        <a:xfrm>
+          <a:off x="0" y="0"/>
+          <a:ext cx="0" cy="0"/>
+          <a:chOff x="0" y="0"/>
+          <a:chExt cx="0" cy="0"/>
+        </a:xfrm>
+      </p:grpSpPr>
+      <p:sp>
+        <p:nvSpPr>
+          <p:cNvPr id="2" name="Title 1">
+            <a:extLst>
+              <a:ext uri="{FF2B5EF4-FFF2-40B4-BE49-F238E27FC236}">
+                <a16:creationId xmlns:a16="http://schemas.microsoft.com/office/drawing/2014/main" id="{8EC624DA-4907-9140-BFB3-960BD042EAEE}"/>
+              </a:ext>
+            </a:extLst>
+          </p:cNvPr>
+          <p:cNvSpPr>
+            <a:spLocks noGrp="1"/>
+          </p:cNvSpPr>
+          <p:nvPr>
+            <p:ph type="title"/>
+          </p:nvPr>
+        </p:nvSpPr>
+        <p:spPr/>
+        <p:txBody>
+          <a:bodyPr/>
+          <a:lstStyle/>
+          <a:p>
+            <a:r>
+              <a:rPr lang="en-US" dirty="0"/>
+              <a:t>Functions</a:t>
+            </a:r>
+          </a:p>
+        </p:txBody>
+      </p:sp>
+      <p:sp>
+        <p:nvSpPr>
+          <p:cNvPr id="3" name="Content Placeholder 2">
+            <a:extLst>
+              <a:ext uri="{FF2B5EF4-FFF2-40B4-BE49-F238E27FC236}">
+                <a16:creationId xmlns:a16="http://schemas.microsoft.com/office/drawing/2014/main" id="{C8B7391B-C471-054C-9480-06AB4C8749F7}"/>
+              </a:ext>
+            </a:extLst>
+          </p:cNvPr>
+          <p:cNvSpPr>
+            <a:spLocks noGrp="1"/>
+          </p:cNvSpPr>
+          <p:nvPr>
+            <p:ph idx="1"/>
+          </p:nvPr>
+        </p:nvSpPr>
+        <p:spPr/>
+        <p:txBody>
+          <a:bodyPr/>
+          <a:lstStyle/>
+          <a:p>
+            <a:r>
+              <a:rPr lang="en-US" dirty="0"/>
+              <a:t>The last part of today’s recap is functions</a:t>
+            </a:r>
+          </a:p>
+          <a:p>
+            <a:r>
+              <a:rPr lang="en-US" dirty="0"/>
+              <a:t>Functions allow for a task, or a block of code to be encapsulated </a:t>
+            </a:r>
+          </a:p>
+          <a:p>
+            <a:r>
+              <a:rPr lang="en-US" dirty="0"/>
+              <a:t>This code is only run when it is ”called”</a:t>
+            </a:r>
+          </a:p>
+          <a:p>
+            <a:r>
+              <a:rPr lang="en-US" dirty="0"/>
+              <a:t>Functions can take inputs, usually as ”parameters” and can output either as print statements or as return values as we mentioned earlier</a:t>
+            </a:r>
+          </a:p>
+          <a:p>
+            <a:pPr marL="0" indent="0">
+              <a:buNone/>
+            </a:pPr>
+            <a:endParaRPr lang="en-US" dirty="0"/>
+          </a:p>
+          <a:p>
+            <a:endParaRPr lang="en-US" dirty="0"/>
+          </a:p>
+        </p:txBody>
+      </p:sp>
+    </p:spTree>
+    <p:extLst>
+      <p:ext uri="{BB962C8B-B14F-4D97-AF65-F5344CB8AC3E}">
+        <p14:creationId xmlns:p14="http://schemas.microsoft.com/office/powerpoint/2010/main" val="1722708222"/>
+      </p:ext>
+    </p:extLst>
+  </p:cSld>
+  <p:clrMapOvr>
+    <a:masterClrMapping/>
+  </p:clrMapOvr>
+</p:sld>
+</file>
+
+<file path=ppt/slides/slide28.xml><?xml version="1.0" encoding="utf-8"?>
+<p:sld xmlns:a="http://schemas.openxmlformats.org/drawingml/2006/main" xmlns:r="http://schemas.openxmlformats.org/officeDocument/2006/relationships" xmlns:p="http://schemas.openxmlformats.org/presentationml/2006/main">
+  <p:cSld>
+    <p:spTree>
+      <p:nvGrpSpPr>
+        <p:cNvPr id="1" name=""/>
+        <p:cNvGrpSpPr/>
+        <p:nvPr/>
+      </p:nvGrpSpPr>
+      <p:grpSpPr>
+        <a:xfrm>
+          <a:off x="0" y="0"/>
+          <a:ext cx="0" cy="0"/>
+          <a:chOff x="0" y="0"/>
+          <a:chExt cx="0" cy="0"/>
+        </a:xfrm>
+      </p:grpSpPr>
+      <p:sp>
+        <p:nvSpPr>
+          <p:cNvPr id="2" name="Title 1">
+            <a:extLst>
+              <a:ext uri="{FF2B5EF4-FFF2-40B4-BE49-F238E27FC236}">
+                <a16:creationId xmlns:a16="http://schemas.microsoft.com/office/drawing/2014/main" id="{9A2EF83A-A192-5C4D-8BAC-1D4F4C186F6E}"/>
+              </a:ext>
+            </a:extLst>
+          </p:cNvPr>
+          <p:cNvSpPr>
+            <a:spLocks noGrp="1"/>
+          </p:cNvSpPr>
+          <p:nvPr>
+            <p:ph type="title"/>
+          </p:nvPr>
+        </p:nvSpPr>
+        <p:spPr/>
+        <p:txBody>
+          <a:bodyPr/>
+          <a:lstStyle/>
+          <a:p>
+            <a:r>
+              <a:rPr lang="en-US" dirty="0"/>
+              <a:t>Functions Contd.</a:t>
+            </a:r>
+          </a:p>
+        </p:txBody>
+      </p:sp>
+      <p:sp>
+        <p:nvSpPr>
+          <p:cNvPr id="3" name="Content Placeholder 2">
+            <a:extLst>
+              <a:ext uri="{FF2B5EF4-FFF2-40B4-BE49-F238E27FC236}">
+                <a16:creationId xmlns:a16="http://schemas.microsoft.com/office/drawing/2014/main" id="{FFF5D9B6-F3E0-FF47-A7EC-4B4E6624E524}"/>
+              </a:ext>
+            </a:extLst>
+          </p:cNvPr>
+          <p:cNvSpPr>
+            <a:spLocks noGrp="1"/>
+          </p:cNvSpPr>
+          <p:nvPr>
+            <p:ph idx="1"/>
+          </p:nvPr>
+        </p:nvSpPr>
+        <p:spPr/>
+        <p:txBody>
+          <a:bodyPr/>
+          <a:lstStyle/>
+          <a:p>
+            <a:r>
+              <a:rPr lang="en-US" dirty="0"/>
+              <a:t>In order to declare a function the syntax is as follows:</a:t>
+            </a:r>
+          </a:p>
+          <a:p>
+            <a:endParaRPr lang="en-US" dirty="0"/>
+          </a:p>
+          <a:p>
+            <a:endParaRPr lang="en-US" dirty="0"/>
+          </a:p>
+          <a:p>
+            <a:endParaRPr lang="en-US" dirty="0"/>
+          </a:p>
+          <a:p>
+            <a:pPr marL="0" indent="0">
+              <a:buNone/>
+            </a:pPr>
+            <a:endParaRPr lang="en-US" dirty="0"/>
+          </a:p>
+          <a:p>
+            <a:r>
+              <a:rPr lang="en-US" dirty="0"/>
+              <a:t>A function can have zero or more arguments/parameters</a:t>
+            </a:r>
+          </a:p>
+          <a:p>
+            <a:r>
+              <a:rPr lang="en-US" dirty="0"/>
+              <a:t>This information can then be used or manipulated and then returned</a:t>
+            </a:r>
+          </a:p>
+          <a:p>
+            <a:r>
+              <a:rPr lang="en-US" dirty="0"/>
+              <a:t>In order to ”call” a function, we simply type the name of the function with the relevant parameters as shown above</a:t>
+            </a:r>
+          </a:p>
+          <a:p>
+            <a:pPr marL="0" indent="0">
+              <a:buNone/>
+            </a:pPr>
+            <a:endParaRPr lang="en-US" dirty="0"/>
+          </a:p>
+        </p:txBody>
+      </p:sp>
+      <p:pic>
+        <p:nvPicPr>
+          <p:cNvPr id="4" name="Picture 3">
+            <a:extLst>
+              <a:ext uri="{FF2B5EF4-FFF2-40B4-BE49-F238E27FC236}">
+                <a16:creationId xmlns:a16="http://schemas.microsoft.com/office/drawing/2014/main" id="{5FBA293D-0706-EF48-B605-C5E34B213A69}"/>
+              </a:ext>
+            </a:extLst>
+          </p:cNvPr>
+          <p:cNvPicPr>
+            <a:picLocks noChangeAspect="1"/>
+          </p:cNvPicPr>
+          <p:nvPr/>
+        </p:nvPicPr>
+        <p:blipFill>
+          <a:blip r:embed="rId2"/>
+          <a:stretch>
+            <a:fillRect/>
+          </a:stretch>
+        </p:blipFill>
+        <p:spPr>
+          <a:xfrm>
+            <a:off x="2576248" y="2577842"/>
+            <a:ext cx="4020543" cy="1702315"/>
+          </a:xfrm>
+          <a:prstGeom prst="rect">
+            <a:avLst/>
+          </a:prstGeom>
+        </p:spPr>
+      </p:pic>
+    </p:spTree>
+    <p:extLst>
+      <p:ext uri="{BB962C8B-B14F-4D97-AF65-F5344CB8AC3E}">
+        <p14:creationId xmlns:p14="http://schemas.microsoft.com/office/powerpoint/2010/main" val="3504400524"/>
+      </p:ext>
+    </p:extLst>
+  </p:cSld>
+  <p:clrMapOvr>
+    <a:masterClrMapping/>
+  </p:clrMapOvr>
+</p:sld>
+</file>
+
+<file path=ppt/slides/slide29.xml><?xml version="1.0" encoding="utf-8"?>
+<p:sld xmlns:a="http://schemas.openxmlformats.org/drawingml/2006/main" xmlns:r="http://schemas.openxmlformats.org/officeDocument/2006/relationships" xmlns:p="http://schemas.openxmlformats.org/presentationml/2006/main">
+  <p:cSld>
+    <p:spTree>
+      <p:nvGrpSpPr>
+        <p:cNvPr id="1" name=""/>
+        <p:cNvGrpSpPr/>
+        <p:nvPr/>
+      </p:nvGrpSpPr>
+      <p:grpSpPr>
+        <a:xfrm>
+          <a:off x="0" y="0"/>
+          <a:ext cx="0" cy="0"/>
+          <a:chOff x="0" y="0"/>
+          <a:chExt cx="0" cy="0"/>
+        </a:xfrm>
+      </p:grpSpPr>
+      <p:sp>
+        <p:nvSpPr>
+          <p:cNvPr id="2" name="Title 1">
+            <a:extLst>
+              <a:ext uri="{FF2B5EF4-FFF2-40B4-BE49-F238E27FC236}">
+                <a16:creationId xmlns:a16="http://schemas.microsoft.com/office/drawing/2014/main" id="{DC886A6F-F594-424B-B618-9BC9F2A63011}"/>
+              </a:ext>
+            </a:extLst>
+          </p:cNvPr>
+          <p:cNvSpPr>
+            <a:spLocks noGrp="1"/>
+          </p:cNvSpPr>
+          <p:nvPr>
+            <p:ph type="title"/>
+          </p:nvPr>
+        </p:nvSpPr>
+        <p:spPr/>
+        <p:txBody>
+          <a:bodyPr/>
+          <a:lstStyle/>
+          <a:p>
+            <a:r>
+              <a:rPr lang="en-US" dirty="0"/>
+              <a:t>Recap Over!</a:t>
+            </a:r>
+          </a:p>
+        </p:txBody>
+      </p:sp>
+      <p:sp>
+        <p:nvSpPr>
+          <p:cNvPr id="3" name="Content Placeholder 2">
+            <a:extLst>
+              <a:ext uri="{FF2B5EF4-FFF2-40B4-BE49-F238E27FC236}">
+                <a16:creationId xmlns:a16="http://schemas.microsoft.com/office/drawing/2014/main" id="{40EF88E2-6F1F-174F-8478-397C2BF1ACCB}"/>
+              </a:ext>
+            </a:extLst>
+          </p:cNvPr>
+          <p:cNvSpPr>
+            <a:spLocks noGrp="1"/>
+          </p:cNvSpPr>
+          <p:nvPr>
+            <p:ph idx="1"/>
+          </p:nvPr>
+        </p:nvSpPr>
+        <p:spPr/>
+        <p:txBody>
+          <a:bodyPr/>
+          <a:lstStyle/>
+          <a:p>
+            <a:r>
+              <a:rPr lang="en-US" dirty="0"/>
+              <a:t>Okay, recap was a lot of information but it will be crucial for the next part of the day</a:t>
+            </a:r>
+          </a:p>
+          <a:p>
+            <a:r>
+              <a:rPr lang="en-US" dirty="0"/>
+              <a:t>For the second half of the workshop we will first work on first creating a simple bot that we can interact with </a:t>
+            </a:r>
+          </a:p>
+          <a:p>
+            <a:r>
+              <a:rPr lang="en-US" dirty="0"/>
+              <a:t>Hopefully by the end you will have the tools to use code from our last workshop to build a slightly more useful bot</a:t>
+            </a:r>
+          </a:p>
+        </p:txBody>
+      </p:sp>
+    </p:spTree>
+    <p:extLst>
+      <p:ext uri="{BB962C8B-B14F-4D97-AF65-F5344CB8AC3E}">
+        <p14:creationId xmlns:p14="http://schemas.microsoft.com/office/powerpoint/2010/main" val="3371240516"/>
+      </p:ext>
+    </p:extLst>
+  </p:cSld>
+  <p:clrMapOvr>
+    <a:masterClrMapping/>
+  </p:clrMapOvr>
+</p:sld>
+</file>
+
 <file path=ppt/slides/slide3.xml><?xml version="1.0" encoding="utf-8"?>
 <p:sld xmlns:a="http://schemas.openxmlformats.org/drawingml/2006/main" xmlns:r="http://schemas.openxmlformats.org/officeDocument/2006/relationships" xmlns:p="http://schemas.openxmlformats.org/presentationml/2006/main">
   <p:cSld>
@@ -27695,7 +27624,7 @@
           <a:p>
             <a:r>
               <a:rPr lang="en-US" dirty="0"/>
-              <a:t>By the end of today we will have created 2 telegram bots!</a:t>
+              <a:t>By the end of today we will have created a fully functional telegram bot!</a:t>
             </a:r>
           </a:p>
           <a:p>
@@ -27707,7 +27636,7 @@
           <a:p>
             <a:r>
               <a:rPr lang="en-US" dirty="0"/>
-              <a:t>We’ll go through a recap of the introduction course before creating a dummy bot and then hopefully we can create a bot which can be more useful in your lives</a:t>
+              <a:t>We’ll go through a recap of the introduction course before creating a dummy bot and then hopefully you can create a bot which can be more useful in your lives</a:t>
             </a:r>
           </a:p>
         </p:txBody>
@@ -27747,372 +27676,6 @@
           <p:cNvPr id="2" name="Title 1">
             <a:extLst>
               <a:ext uri="{FF2B5EF4-FFF2-40B4-BE49-F238E27FC236}">
-                <a16:creationId xmlns:a16="http://schemas.microsoft.com/office/drawing/2014/main" id="{8EC624DA-4907-9140-BFB3-960BD042EAEE}"/>
-              </a:ext>
-            </a:extLst>
-          </p:cNvPr>
-          <p:cNvSpPr>
-            <a:spLocks noGrp="1"/>
-          </p:cNvSpPr>
-          <p:nvPr>
-            <p:ph type="title"/>
-          </p:nvPr>
-        </p:nvSpPr>
-        <p:spPr/>
-        <p:txBody>
-          <a:bodyPr/>
-          <a:lstStyle/>
-          <a:p>
-            <a:r>
-              <a:rPr lang="en-US" dirty="0"/>
-              <a:t>Functions</a:t>
-            </a:r>
-          </a:p>
-        </p:txBody>
-      </p:sp>
-      <p:sp>
-        <p:nvSpPr>
-          <p:cNvPr id="3" name="Content Placeholder 2">
-            <a:extLst>
-              <a:ext uri="{FF2B5EF4-FFF2-40B4-BE49-F238E27FC236}">
-                <a16:creationId xmlns:a16="http://schemas.microsoft.com/office/drawing/2014/main" id="{C8B7391B-C471-054C-9480-06AB4C8749F7}"/>
-              </a:ext>
-            </a:extLst>
-          </p:cNvPr>
-          <p:cNvSpPr>
-            <a:spLocks noGrp="1"/>
-          </p:cNvSpPr>
-          <p:nvPr>
-            <p:ph idx="1"/>
-          </p:nvPr>
-        </p:nvSpPr>
-        <p:spPr/>
-        <p:txBody>
-          <a:bodyPr/>
-          <a:lstStyle/>
-          <a:p>
-            <a:r>
-              <a:rPr lang="en-US" dirty="0"/>
-              <a:t>The last part of today’s recap is functions</a:t>
-            </a:r>
-          </a:p>
-          <a:p>
-            <a:r>
-              <a:rPr lang="en-US" dirty="0"/>
-              <a:t>Functions allow for a task, or a block of code to be encapsulated </a:t>
-            </a:r>
-          </a:p>
-          <a:p>
-            <a:r>
-              <a:rPr lang="en-US" dirty="0"/>
-              <a:t>This code is only run when it is ”called”</a:t>
-            </a:r>
-          </a:p>
-          <a:p>
-            <a:r>
-              <a:rPr lang="en-US" dirty="0"/>
-              <a:t>Functions can take inputs, usually as ”parameters” and can output either as print statements or as return values as we mentioned earlier</a:t>
-            </a:r>
-          </a:p>
-          <a:p>
-            <a:pPr marL="0" indent="0">
-              <a:buNone/>
-            </a:pPr>
-            <a:endParaRPr lang="en-US" dirty="0"/>
-          </a:p>
-          <a:p>
-            <a:endParaRPr lang="en-US" dirty="0"/>
-          </a:p>
-        </p:txBody>
-      </p:sp>
-    </p:spTree>
-    <p:extLst>
-      <p:ext uri="{BB962C8B-B14F-4D97-AF65-F5344CB8AC3E}">
-        <p14:creationId xmlns:p14="http://schemas.microsoft.com/office/powerpoint/2010/main" val="1722708222"/>
-      </p:ext>
-    </p:extLst>
-  </p:cSld>
-  <p:clrMapOvr>
-    <a:masterClrMapping/>
-  </p:clrMapOvr>
-</p:sld>
-</file>
-
-<file path=ppt/slides/slide31.xml><?xml version="1.0" encoding="utf-8"?>
-<p:sld xmlns:a="http://schemas.openxmlformats.org/drawingml/2006/main" xmlns:r="http://schemas.openxmlformats.org/officeDocument/2006/relationships" xmlns:p="http://schemas.openxmlformats.org/presentationml/2006/main">
-  <p:cSld>
-    <p:spTree>
-      <p:nvGrpSpPr>
-        <p:cNvPr id="1" name=""/>
-        <p:cNvGrpSpPr/>
-        <p:nvPr/>
-      </p:nvGrpSpPr>
-      <p:grpSpPr>
-        <a:xfrm>
-          <a:off x="0" y="0"/>
-          <a:ext cx="0" cy="0"/>
-          <a:chOff x="0" y="0"/>
-          <a:chExt cx="0" cy="0"/>
-        </a:xfrm>
-      </p:grpSpPr>
-      <p:sp>
-        <p:nvSpPr>
-          <p:cNvPr id="2" name="Title 1">
-            <a:extLst>
-              <a:ext uri="{FF2B5EF4-FFF2-40B4-BE49-F238E27FC236}">
-                <a16:creationId xmlns:a16="http://schemas.microsoft.com/office/drawing/2014/main" id="{9A2EF83A-A192-5C4D-8BAC-1D4F4C186F6E}"/>
-              </a:ext>
-            </a:extLst>
-          </p:cNvPr>
-          <p:cNvSpPr>
-            <a:spLocks noGrp="1"/>
-          </p:cNvSpPr>
-          <p:nvPr>
-            <p:ph type="title"/>
-          </p:nvPr>
-        </p:nvSpPr>
-        <p:spPr/>
-        <p:txBody>
-          <a:bodyPr/>
-          <a:lstStyle/>
-          <a:p>
-            <a:r>
-              <a:rPr lang="en-US" dirty="0"/>
-              <a:t>Functions Contd.</a:t>
-            </a:r>
-          </a:p>
-        </p:txBody>
-      </p:sp>
-      <p:sp>
-        <p:nvSpPr>
-          <p:cNvPr id="3" name="Content Placeholder 2">
-            <a:extLst>
-              <a:ext uri="{FF2B5EF4-FFF2-40B4-BE49-F238E27FC236}">
-                <a16:creationId xmlns:a16="http://schemas.microsoft.com/office/drawing/2014/main" id="{FFF5D9B6-F3E0-FF47-A7EC-4B4E6624E524}"/>
-              </a:ext>
-            </a:extLst>
-          </p:cNvPr>
-          <p:cNvSpPr>
-            <a:spLocks noGrp="1"/>
-          </p:cNvSpPr>
-          <p:nvPr>
-            <p:ph idx="1"/>
-          </p:nvPr>
-        </p:nvSpPr>
-        <p:spPr/>
-        <p:txBody>
-          <a:bodyPr/>
-          <a:lstStyle/>
-          <a:p>
-            <a:r>
-              <a:rPr lang="en-US" dirty="0"/>
-              <a:t>In order to declare a function the syntax is as follows:</a:t>
-            </a:r>
-          </a:p>
-          <a:p>
-            <a:endParaRPr lang="en-US" dirty="0"/>
-          </a:p>
-          <a:p>
-            <a:endParaRPr lang="en-US" dirty="0"/>
-          </a:p>
-          <a:p>
-            <a:endParaRPr lang="en-US" dirty="0"/>
-          </a:p>
-          <a:p>
-            <a:pPr marL="0" indent="0">
-              <a:buNone/>
-            </a:pPr>
-            <a:endParaRPr lang="en-US" dirty="0"/>
-          </a:p>
-          <a:p>
-            <a:r>
-              <a:rPr lang="en-US" dirty="0"/>
-              <a:t>A function can have zero or more arguments/parameters</a:t>
-            </a:r>
-          </a:p>
-          <a:p>
-            <a:r>
-              <a:rPr lang="en-US" dirty="0"/>
-              <a:t>This information can then be used or manipulated and then returned</a:t>
-            </a:r>
-          </a:p>
-          <a:p>
-            <a:r>
-              <a:rPr lang="en-US" dirty="0"/>
-              <a:t>In order to ”call” a function, we simply type the name of the function with the relevant parameters as shown above</a:t>
-            </a:r>
-          </a:p>
-          <a:p>
-            <a:pPr marL="0" indent="0">
-              <a:buNone/>
-            </a:pPr>
-            <a:endParaRPr lang="en-US" dirty="0"/>
-          </a:p>
-        </p:txBody>
-      </p:sp>
-      <p:pic>
-        <p:nvPicPr>
-          <p:cNvPr id="5" name="Picture 4">
-            <a:extLst>
-              <a:ext uri="{FF2B5EF4-FFF2-40B4-BE49-F238E27FC236}">
-                <a16:creationId xmlns:a16="http://schemas.microsoft.com/office/drawing/2014/main" id="{0639CF3F-7E84-FA43-91BD-5FBC84EEC858}"/>
-              </a:ext>
-            </a:extLst>
-          </p:cNvPr>
-          <p:cNvPicPr>
-            <a:picLocks noChangeAspect="1"/>
-          </p:cNvPicPr>
-          <p:nvPr/>
-        </p:nvPicPr>
-        <p:blipFill>
-          <a:blip r:embed="rId2"/>
-          <a:stretch>
-            <a:fillRect/>
-          </a:stretch>
-        </p:blipFill>
-        <p:spPr>
-          <a:xfrm>
-            <a:off x="1422329" y="2619910"/>
-            <a:ext cx="3143223" cy="1383658"/>
-          </a:xfrm>
-          <a:prstGeom prst="rect">
-            <a:avLst/>
-          </a:prstGeom>
-        </p:spPr>
-      </p:pic>
-    </p:spTree>
-    <p:extLst>
-      <p:ext uri="{BB962C8B-B14F-4D97-AF65-F5344CB8AC3E}">
-        <p14:creationId xmlns:p14="http://schemas.microsoft.com/office/powerpoint/2010/main" val="3504400524"/>
-      </p:ext>
-    </p:extLst>
-  </p:cSld>
-  <p:clrMapOvr>
-    <a:masterClrMapping/>
-  </p:clrMapOvr>
-</p:sld>
-</file>
-
-<file path=ppt/slides/slide32.xml><?xml version="1.0" encoding="utf-8"?>
-<p:sld xmlns:a="http://schemas.openxmlformats.org/drawingml/2006/main" xmlns:r="http://schemas.openxmlformats.org/officeDocument/2006/relationships" xmlns:p="http://schemas.openxmlformats.org/presentationml/2006/main">
-  <p:cSld>
-    <p:spTree>
-      <p:nvGrpSpPr>
-        <p:cNvPr id="1" name=""/>
-        <p:cNvGrpSpPr/>
-        <p:nvPr/>
-      </p:nvGrpSpPr>
-      <p:grpSpPr>
-        <a:xfrm>
-          <a:off x="0" y="0"/>
-          <a:ext cx="0" cy="0"/>
-          <a:chOff x="0" y="0"/>
-          <a:chExt cx="0" cy="0"/>
-        </a:xfrm>
-      </p:grpSpPr>
-      <p:sp>
-        <p:nvSpPr>
-          <p:cNvPr id="2" name="Title 1">
-            <a:extLst>
-              <a:ext uri="{FF2B5EF4-FFF2-40B4-BE49-F238E27FC236}">
-                <a16:creationId xmlns:a16="http://schemas.microsoft.com/office/drawing/2014/main" id="{DC886A6F-F594-424B-B618-9BC9F2A63011}"/>
-              </a:ext>
-            </a:extLst>
-          </p:cNvPr>
-          <p:cNvSpPr>
-            <a:spLocks noGrp="1"/>
-          </p:cNvSpPr>
-          <p:nvPr>
-            <p:ph type="title"/>
-          </p:nvPr>
-        </p:nvSpPr>
-        <p:spPr/>
-        <p:txBody>
-          <a:bodyPr/>
-          <a:lstStyle/>
-          <a:p>
-            <a:r>
-              <a:rPr lang="en-US" dirty="0"/>
-              <a:t>Recap Over!</a:t>
-            </a:r>
-          </a:p>
-        </p:txBody>
-      </p:sp>
-      <p:sp>
-        <p:nvSpPr>
-          <p:cNvPr id="3" name="Content Placeholder 2">
-            <a:extLst>
-              <a:ext uri="{FF2B5EF4-FFF2-40B4-BE49-F238E27FC236}">
-                <a16:creationId xmlns:a16="http://schemas.microsoft.com/office/drawing/2014/main" id="{40EF88E2-6F1F-174F-8478-397C2BF1ACCB}"/>
-              </a:ext>
-            </a:extLst>
-          </p:cNvPr>
-          <p:cNvSpPr>
-            <a:spLocks noGrp="1"/>
-          </p:cNvSpPr>
-          <p:nvPr>
-            <p:ph idx="1"/>
-          </p:nvPr>
-        </p:nvSpPr>
-        <p:spPr/>
-        <p:txBody>
-          <a:bodyPr/>
-          <a:lstStyle/>
-          <a:p>
-            <a:r>
-              <a:rPr lang="en-US" dirty="0"/>
-              <a:t>Okay, recap was a lot of information but it will be crucial for the next part of the day</a:t>
-            </a:r>
-          </a:p>
-          <a:p>
-            <a:r>
-              <a:rPr lang="en-US" dirty="0"/>
-              <a:t>For the second half of the workshop we will first work on first creating a simple bot that we can interact with </a:t>
-            </a:r>
-          </a:p>
-          <a:p>
-            <a:r>
-              <a:rPr lang="en-US" dirty="0"/>
-              <a:t>Hopefully by the end you will have the tools to use code from our last workshop to build a slightly more useful bot</a:t>
-            </a:r>
-          </a:p>
-        </p:txBody>
-      </p:sp>
-    </p:spTree>
-    <p:extLst>
-      <p:ext uri="{BB962C8B-B14F-4D97-AF65-F5344CB8AC3E}">
-        <p14:creationId xmlns:p14="http://schemas.microsoft.com/office/powerpoint/2010/main" val="3371240516"/>
-      </p:ext>
-    </p:extLst>
-  </p:cSld>
-  <p:clrMapOvr>
-    <a:masterClrMapping/>
-  </p:clrMapOvr>
-</p:sld>
-</file>
-
-<file path=ppt/slides/slide33.xml><?xml version="1.0" encoding="utf-8"?>
-<p:sld xmlns:a="http://schemas.openxmlformats.org/drawingml/2006/main" xmlns:r="http://schemas.openxmlformats.org/officeDocument/2006/relationships" xmlns:p="http://schemas.openxmlformats.org/presentationml/2006/main">
-  <p:cSld>
-    <p:spTree>
-      <p:nvGrpSpPr>
-        <p:cNvPr id="1" name=""/>
-        <p:cNvGrpSpPr/>
-        <p:nvPr/>
-      </p:nvGrpSpPr>
-      <p:grpSpPr>
-        <a:xfrm>
-          <a:off x="0" y="0"/>
-          <a:ext cx="0" cy="0"/>
-          <a:chOff x="0" y="0"/>
-          <a:chExt cx="0" cy="0"/>
-        </a:xfrm>
-      </p:grpSpPr>
-      <p:sp>
-        <p:nvSpPr>
-          <p:cNvPr id="2" name="Title 1">
-            <a:extLst>
-              <a:ext uri="{FF2B5EF4-FFF2-40B4-BE49-F238E27FC236}">
                 <a16:creationId xmlns:a16="http://schemas.microsoft.com/office/drawing/2014/main" id="{8A18D827-CF18-ED4D-A420-CFF9E03BC9BA}"/>
               </a:ext>
             </a:extLst>
@@ -28241,7 +27804,7 @@
     </p:spTree>
     <p:extLst>
       <p:ext uri="{BB962C8B-B14F-4D97-AF65-F5344CB8AC3E}">
-        <p14:creationId xmlns:p14="http://schemas.microsoft.com/office/powerpoint/2010/main" val="3935034338"/>
+        <p14:creationId xmlns:p14="http://schemas.microsoft.com/office/powerpoint/2010/main" val="444004504"/>
       </p:ext>
     </p:extLst>
   </p:cSld>
@@ -28251,7 +27814,7 @@
 </p:sld>
 </file>
 
-<file path=ppt/slides/slide34.xml><?xml version="1.0" encoding="utf-8"?>
+<file path=ppt/slides/slide31.xml><?xml version="1.0" encoding="utf-8"?>
 <p:sld xmlns:a="http://schemas.openxmlformats.org/drawingml/2006/main" xmlns:r="http://schemas.openxmlformats.org/officeDocument/2006/relationships" xmlns:p="http://schemas.openxmlformats.org/presentationml/2006/main">
   <p:cSld>
     <p:spTree>
@@ -28291,7 +27854,7 @@
           <a:p>
             <a:r>
               <a:rPr lang="en-US" dirty="0"/>
-              <a:t>Classed </a:t>
+              <a:t>Classes </a:t>
             </a:r>
             <a:r>
               <a:rPr lang="en-US" dirty="0" err="1"/>
@@ -28426,7 +27989,7 @@
 </p:sld>
 </file>
 
-<file path=ppt/slides/slide35.xml><?xml version="1.0" encoding="utf-8"?>
+<file path=ppt/slides/slide32.xml><?xml version="1.0" encoding="utf-8"?>
 <p:sld xmlns:a="http://schemas.openxmlformats.org/drawingml/2006/main" xmlns:r="http://schemas.openxmlformats.org/officeDocument/2006/relationships" xmlns:p="http://schemas.openxmlformats.org/presentationml/2006/main">
   <p:cSld>
     <p:spTree>
@@ -28535,7 +28098,7 @@
 </p:sld>
 </file>
 
-<file path=ppt/slides/slide36.xml><?xml version="1.0" encoding="utf-8"?>
+<file path=ppt/slides/slide33.xml><?xml version="1.0" encoding="utf-8"?>
 <p:sld xmlns:a="http://schemas.openxmlformats.org/drawingml/2006/main" xmlns:r="http://schemas.openxmlformats.org/officeDocument/2006/relationships" xmlns:p="http://schemas.openxmlformats.org/presentationml/2006/main">
   <p:cSld>
     <p:spTree>
@@ -28700,7 +28263,7 @@
 </p:sld>
 </file>
 
-<file path=ppt/slides/slide37.xml><?xml version="1.0" encoding="utf-8"?>
+<file path=ppt/slides/slide34.xml><?xml version="1.0" encoding="utf-8"?>
 <p:sld xmlns:a="http://schemas.openxmlformats.org/drawingml/2006/main" xmlns:r="http://schemas.openxmlformats.org/officeDocument/2006/relationships" xmlns:p="http://schemas.openxmlformats.org/presentationml/2006/main">
   <p:cSld>
     <p:spTree>
@@ -28798,7 +28361,7 @@
 </p:sld>
 </file>
 
-<file path=ppt/slides/slide38.xml><?xml version="1.0" encoding="utf-8"?>
+<file path=ppt/slides/slide35.xml><?xml version="1.0" encoding="utf-8"?>
 <p:sld xmlns:a="http://schemas.openxmlformats.org/drawingml/2006/main" xmlns:r="http://schemas.openxmlformats.org/officeDocument/2006/relationships" xmlns:p="http://schemas.openxmlformats.org/presentationml/2006/main">
   <p:cSld>
     <p:spTree>
@@ -28920,10 +28483,10 @@
       </p:sp>
       <p:pic>
         <p:nvPicPr>
-          <p:cNvPr id="4" name="Picture 3">
+          <p:cNvPr id="5" name="Picture 4">
             <a:extLst>
               <a:ext uri="{FF2B5EF4-FFF2-40B4-BE49-F238E27FC236}">
-                <a16:creationId xmlns:a16="http://schemas.microsoft.com/office/drawing/2014/main" id="{949621DA-B26E-EB46-BE1C-31A86FAB2251}"/>
+                <a16:creationId xmlns:a16="http://schemas.microsoft.com/office/drawing/2014/main" id="{EDC3DE2B-C06A-BF41-8E19-DB44440DB2D3}"/>
               </a:ext>
             </a:extLst>
           </p:cNvPr>
@@ -28940,8 +28503,8 @@
         </p:blipFill>
         <p:spPr>
           <a:xfrm>
-            <a:off x="1103312" y="5562599"/>
-            <a:ext cx="9804400" cy="685800"/>
+            <a:off x="609600" y="5565168"/>
+            <a:ext cx="10972800" cy="762000"/>
           </a:xfrm>
           <a:prstGeom prst="rect">
             <a:avLst/>
@@ -28961,7 +28524,7 @@
 </p:sld>
 </file>
 
-<file path=ppt/slides/slide39.xml><?xml version="1.0" encoding="utf-8"?>
+<file path=ppt/slides/slide36.xml><?xml version="1.0" encoding="utf-8"?>
 <p:sld xmlns:a="http://schemas.openxmlformats.org/drawingml/2006/main" xmlns:r="http://schemas.openxmlformats.org/officeDocument/2006/relationships" xmlns:p="http://schemas.openxmlformats.org/presentationml/2006/main">
   <p:cSld>
     <p:spTree>
@@ -29111,6 +28674,442 @@
     <p:extLst>
       <p:ext uri="{BB962C8B-B14F-4D97-AF65-F5344CB8AC3E}">
         <p14:creationId xmlns:p14="http://schemas.microsoft.com/office/powerpoint/2010/main" val="2195980100"/>
+      </p:ext>
+    </p:extLst>
+  </p:cSld>
+  <p:clrMapOvr>
+    <a:masterClrMapping/>
+  </p:clrMapOvr>
+</p:sld>
+</file>
+
+<file path=ppt/slides/slide37.xml><?xml version="1.0" encoding="utf-8"?>
+<p:sld xmlns:a="http://schemas.openxmlformats.org/drawingml/2006/main" xmlns:r="http://schemas.openxmlformats.org/officeDocument/2006/relationships" xmlns:p="http://schemas.openxmlformats.org/presentationml/2006/main">
+  <p:cSld>
+    <p:spTree>
+      <p:nvGrpSpPr>
+        <p:cNvPr id="1" name=""/>
+        <p:cNvGrpSpPr/>
+        <p:nvPr/>
+      </p:nvGrpSpPr>
+      <p:grpSpPr>
+        <a:xfrm>
+          <a:off x="0" y="0"/>
+          <a:ext cx="0" cy="0"/>
+          <a:chOff x="0" y="0"/>
+          <a:chExt cx="0" cy="0"/>
+        </a:xfrm>
+      </p:grpSpPr>
+      <p:sp>
+        <p:nvSpPr>
+          <p:cNvPr id="2" name="Title 1">
+            <a:extLst>
+              <a:ext uri="{FF2B5EF4-FFF2-40B4-BE49-F238E27FC236}">
+                <a16:creationId xmlns:a16="http://schemas.microsoft.com/office/drawing/2014/main" id="{165863AC-983E-9C45-81C1-69497FF89B3A}"/>
+              </a:ext>
+            </a:extLst>
+          </p:cNvPr>
+          <p:cNvSpPr>
+            <a:spLocks noGrp="1"/>
+          </p:cNvSpPr>
+          <p:nvPr>
+            <p:ph type="title"/>
+          </p:nvPr>
+        </p:nvSpPr>
+        <p:spPr/>
+        <p:txBody>
+          <a:bodyPr/>
+          <a:lstStyle/>
+          <a:p>
+            <a:r>
+              <a:rPr lang="en-US" dirty="0"/>
+              <a:t>Message Handler</a:t>
+            </a:r>
+          </a:p>
+        </p:txBody>
+      </p:sp>
+      <p:sp>
+        <p:nvSpPr>
+          <p:cNvPr id="3" name="Content Placeholder 2">
+            <a:extLst>
+              <a:ext uri="{FF2B5EF4-FFF2-40B4-BE49-F238E27FC236}">
+                <a16:creationId xmlns:a16="http://schemas.microsoft.com/office/drawing/2014/main" id="{69DB23F0-B1DB-BC45-83FE-9D4EBF8A3B03}"/>
+              </a:ext>
+            </a:extLst>
+          </p:cNvPr>
+          <p:cNvSpPr>
+            <a:spLocks noGrp="1"/>
+          </p:cNvSpPr>
+          <p:nvPr>
+            <p:ph idx="1"/>
+          </p:nvPr>
+        </p:nvSpPr>
+        <p:spPr/>
+        <p:txBody>
+          <a:bodyPr/>
+          <a:lstStyle/>
+          <a:p>
+            <a:r>
+              <a:rPr lang="en-US" dirty="0"/>
+              <a:t>Before we get into the crucial stuff, we need to talk about message handlers</a:t>
+            </a:r>
+          </a:p>
+          <a:p>
+            <a:r>
+              <a:rPr lang="en-US" dirty="0"/>
+              <a:t>Essentially these are objects that allow us to:</a:t>
+            </a:r>
+          </a:p>
+          <a:p>
+            <a:pPr lvl="1"/>
+            <a:r>
+              <a:rPr lang="en-US" dirty="0"/>
+              <a:t>1. choose what kind of information we want our functions to accept (images, locations, text)</a:t>
+            </a:r>
+          </a:p>
+          <a:p>
+            <a:pPr lvl="1"/>
+            <a:r>
+              <a:rPr lang="en-US" dirty="0"/>
+              <a:t>2. Define which function will trigger based on a given input</a:t>
+            </a:r>
+          </a:p>
+          <a:p>
+            <a:endParaRPr lang="en-US" dirty="0"/>
+          </a:p>
+          <a:p>
+            <a:r>
+              <a:rPr lang="en-US" dirty="0"/>
+              <a:t>A Message handler looks like this:</a:t>
+            </a:r>
+          </a:p>
+        </p:txBody>
+      </p:sp>
+      <p:pic>
+        <p:nvPicPr>
+          <p:cNvPr id="4" name="Picture 3">
+            <a:extLst>
+              <a:ext uri="{FF2B5EF4-FFF2-40B4-BE49-F238E27FC236}">
+                <a16:creationId xmlns:a16="http://schemas.microsoft.com/office/drawing/2014/main" id="{5C9233BD-ABCC-0D43-8B9B-E40CBE741521}"/>
+              </a:ext>
+            </a:extLst>
+          </p:cNvPr>
+          <p:cNvPicPr>
+            <a:picLocks noChangeAspect="1"/>
+          </p:cNvPicPr>
+          <p:nvPr/>
+        </p:nvPicPr>
+        <p:blipFill>
+          <a:blip r:embed="rId2"/>
+          <a:stretch>
+            <a:fillRect/>
+          </a:stretch>
+        </p:blipFill>
+        <p:spPr>
+          <a:xfrm>
+            <a:off x="2036923" y="5366393"/>
+            <a:ext cx="5118100" cy="584200"/>
+          </a:xfrm>
+          <a:prstGeom prst="rect">
+            <a:avLst/>
+          </a:prstGeom>
+        </p:spPr>
+      </p:pic>
+    </p:spTree>
+    <p:extLst>
+      <p:ext uri="{BB962C8B-B14F-4D97-AF65-F5344CB8AC3E}">
+        <p14:creationId xmlns:p14="http://schemas.microsoft.com/office/powerpoint/2010/main" val="2187673222"/>
+      </p:ext>
+    </p:extLst>
+  </p:cSld>
+  <p:clrMapOvr>
+    <a:masterClrMapping/>
+  </p:clrMapOvr>
+</p:sld>
+</file>
+
+<file path=ppt/slides/slide38.xml><?xml version="1.0" encoding="utf-8"?>
+<p:sld xmlns:a="http://schemas.openxmlformats.org/drawingml/2006/main" xmlns:r="http://schemas.openxmlformats.org/officeDocument/2006/relationships" xmlns:p="http://schemas.openxmlformats.org/presentationml/2006/main">
+  <p:cSld>
+    <p:spTree>
+      <p:nvGrpSpPr>
+        <p:cNvPr id="1" name=""/>
+        <p:cNvGrpSpPr/>
+        <p:nvPr/>
+      </p:nvGrpSpPr>
+      <p:grpSpPr>
+        <a:xfrm>
+          <a:off x="0" y="0"/>
+          <a:ext cx="0" cy="0"/>
+          <a:chOff x="0" y="0"/>
+          <a:chExt cx="0" cy="0"/>
+        </a:xfrm>
+      </p:grpSpPr>
+      <p:sp>
+        <p:nvSpPr>
+          <p:cNvPr id="2" name="Title 1">
+            <a:extLst>
+              <a:ext uri="{FF2B5EF4-FFF2-40B4-BE49-F238E27FC236}">
+                <a16:creationId xmlns:a16="http://schemas.microsoft.com/office/drawing/2014/main" id="{6E1C45C8-7502-9D42-AFC7-B6BB53C4535F}"/>
+              </a:ext>
+            </a:extLst>
+          </p:cNvPr>
+          <p:cNvSpPr>
+            <a:spLocks noGrp="1"/>
+          </p:cNvSpPr>
+          <p:nvPr>
+            <p:ph type="title"/>
+          </p:nvPr>
+        </p:nvSpPr>
+        <p:spPr/>
+        <p:txBody>
+          <a:bodyPr/>
+          <a:lstStyle/>
+          <a:p>
+            <a:r>
+              <a:rPr lang="en-US" dirty="0"/>
+              <a:t>Command Handler	</a:t>
+            </a:r>
+          </a:p>
+        </p:txBody>
+      </p:sp>
+      <p:sp>
+        <p:nvSpPr>
+          <p:cNvPr id="3" name="Content Placeholder 2">
+            <a:extLst>
+              <a:ext uri="{FF2B5EF4-FFF2-40B4-BE49-F238E27FC236}">
+                <a16:creationId xmlns:a16="http://schemas.microsoft.com/office/drawing/2014/main" id="{19A930ED-19FF-564C-8032-0E31344020BB}"/>
+              </a:ext>
+            </a:extLst>
+          </p:cNvPr>
+          <p:cNvSpPr>
+            <a:spLocks noGrp="1"/>
+          </p:cNvSpPr>
+          <p:nvPr>
+            <p:ph idx="1"/>
+          </p:nvPr>
+        </p:nvSpPr>
+        <p:spPr/>
+        <p:txBody>
+          <a:bodyPr/>
+          <a:lstStyle/>
+          <a:p>
+            <a:r>
+              <a:rPr lang="en-US" dirty="0"/>
+              <a:t>Much like the message handler, the command handler allows us to create functions that trigger when a telegram command is used</a:t>
+            </a:r>
+          </a:p>
+          <a:p>
+            <a:r>
+              <a:rPr lang="en-US" dirty="0"/>
+              <a:t>Commands in telegram are usually in the /command format</a:t>
+            </a:r>
+          </a:p>
+          <a:p>
+            <a:r>
+              <a:rPr lang="en-US" dirty="0"/>
+              <a:t>To create a command handler we can do the following:</a:t>
+            </a:r>
+          </a:p>
+          <a:p>
+            <a:pPr lvl="1"/>
+            <a:endParaRPr lang="en-US" dirty="0"/>
+          </a:p>
+          <a:p>
+            <a:pPr lvl="1"/>
+            <a:endParaRPr lang="en-US" dirty="0"/>
+          </a:p>
+          <a:p>
+            <a:pPr lvl="1"/>
+            <a:r>
+              <a:rPr lang="en-US" dirty="0"/>
+              <a:t>Where ‘start’ is the command, and </a:t>
+            </a:r>
+            <a:r>
+              <a:rPr lang="en-US" dirty="0" err="1"/>
+              <a:t>function_name</a:t>
+            </a:r>
+            <a:r>
+              <a:rPr lang="en-US" dirty="0"/>
+              <a:t> is the function</a:t>
+            </a:r>
+          </a:p>
+        </p:txBody>
+      </p:sp>
+      <p:pic>
+        <p:nvPicPr>
+          <p:cNvPr id="5" name="Picture 4">
+            <a:extLst>
+              <a:ext uri="{FF2B5EF4-FFF2-40B4-BE49-F238E27FC236}">
+                <a16:creationId xmlns:a16="http://schemas.microsoft.com/office/drawing/2014/main" id="{71DEE3E1-C5E2-824F-A5D6-E873A340FD45}"/>
+              </a:ext>
+            </a:extLst>
+          </p:cNvPr>
+          <p:cNvPicPr>
+            <a:picLocks noChangeAspect="1"/>
+          </p:cNvPicPr>
+          <p:nvPr/>
+        </p:nvPicPr>
+        <p:blipFill>
+          <a:blip r:embed="rId2"/>
+          <a:stretch>
+            <a:fillRect/>
+          </a:stretch>
+        </p:blipFill>
+        <p:spPr>
+          <a:xfrm>
+            <a:off x="1552468" y="3717675"/>
+            <a:ext cx="4381500" cy="635000"/>
+          </a:xfrm>
+          <a:prstGeom prst="rect">
+            <a:avLst/>
+          </a:prstGeom>
+        </p:spPr>
+      </p:pic>
+    </p:spTree>
+    <p:extLst>
+      <p:ext uri="{BB962C8B-B14F-4D97-AF65-F5344CB8AC3E}">
+        <p14:creationId xmlns:p14="http://schemas.microsoft.com/office/powerpoint/2010/main" val="4239948339"/>
+      </p:ext>
+    </p:extLst>
+  </p:cSld>
+  <p:clrMapOvr>
+    <a:masterClrMapping/>
+  </p:clrMapOvr>
+</p:sld>
+</file>
+
+<file path=ppt/slides/slide39.xml><?xml version="1.0" encoding="utf-8"?>
+<p:sld xmlns:a="http://schemas.openxmlformats.org/drawingml/2006/main" xmlns:r="http://schemas.openxmlformats.org/officeDocument/2006/relationships" xmlns:p="http://schemas.openxmlformats.org/presentationml/2006/main">
+  <p:cSld>
+    <p:spTree>
+      <p:nvGrpSpPr>
+        <p:cNvPr id="1" name=""/>
+        <p:cNvGrpSpPr/>
+        <p:nvPr/>
+      </p:nvGrpSpPr>
+      <p:grpSpPr>
+        <a:xfrm>
+          <a:off x="0" y="0"/>
+          <a:ext cx="0" cy="0"/>
+          <a:chOff x="0" y="0"/>
+          <a:chExt cx="0" cy="0"/>
+        </a:xfrm>
+      </p:grpSpPr>
+      <p:sp>
+        <p:nvSpPr>
+          <p:cNvPr id="2" name="Title 1">
+            <a:extLst>
+              <a:ext uri="{FF2B5EF4-FFF2-40B4-BE49-F238E27FC236}">
+                <a16:creationId xmlns:a16="http://schemas.microsoft.com/office/drawing/2014/main" id="{4CE1F928-D49B-774A-AAB2-CFBFDF6E7F06}"/>
+              </a:ext>
+            </a:extLst>
+          </p:cNvPr>
+          <p:cNvSpPr>
+            <a:spLocks noGrp="1"/>
+          </p:cNvSpPr>
+          <p:nvPr>
+            <p:ph type="title"/>
+          </p:nvPr>
+        </p:nvSpPr>
+        <p:spPr/>
+        <p:txBody>
+          <a:bodyPr/>
+          <a:lstStyle/>
+          <a:p>
+            <a:r>
+              <a:rPr lang="en-US" dirty="0"/>
+              <a:t>Conversation Handler</a:t>
+            </a:r>
+          </a:p>
+        </p:txBody>
+      </p:sp>
+      <p:sp>
+        <p:nvSpPr>
+          <p:cNvPr id="3" name="Content Placeholder 2">
+            <a:extLst>
+              <a:ext uri="{FF2B5EF4-FFF2-40B4-BE49-F238E27FC236}">
+                <a16:creationId xmlns:a16="http://schemas.microsoft.com/office/drawing/2014/main" id="{89FDA591-7B4A-4A42-BF22-F9441D7AC61A}"/>
+              </a:ext>
+            </a:extLst>
+          </p:cNvPr>
+          <p:cNvSpPr>
+            <a:spLocks noGrp="1"/>
+          </p:cNvSpPr>
+          <p:nvPr>
+            <p:ph idx="1"/>
+          </p:nvPr>
+        </p:nvSpPr>
+        <p:spPr/>
+        <p:txBody>
+          <a:bodyPr/>
+          <a:lstStyle/>
+          <a:p>
+            <a:r>
+              <a:rPr lang="en-US" dirty="0"/>
+              <a:t>To build the bot we need to understand one fundamental concept: the conversation handler</a:t>
+            </a:r>
+          </a:p>
+          <a:p>
+            <a:endParaRPr lang="en-US" dirty="0"/>
+          </a:p>
+          <a:p>
+            <a:r>
+              <a:rPr lang="en-US" dirty="0"/>
+              <a:t>Essentially, it is an object (like the class we created earlier) that holds the following information</a:t>
+            </a:r>
+          </a:p>
+          <a:p>
+            <a:pPr lvl="1"/>
+            <a:r>
+              <a:rPr lang="en-US" dirty="0"/>
+              <a:t>Entry points: how we can access the bot (</a:t>
+            </a:r>
+            <a:r>
+              <a:rPr lang="en-US" dirty="0" err="1"/>
+              <a:t>CommandHandler</a:t>
+            </a:r>
+            <a:r>
+              <a:rPr lang="en-US" dirty="0"/>
+              <a:t>)</a:t>
+            </a:r>
+          </a:p>
+          <a:p>
+            <a:pPr lvl="1"/>
+            <a:r>
+              <a:rPr lang="en-US" dirty="0"/>
+              <a:t>States: steps within a bot’s functions (</a:t>
+            </a:r>
+            <a:r>
+              <a:rPr lang="en-US" dirty="0" err="1"/>
+              <a:t>MessageHandler</a:t>
+            </a:r>
+            <a:r>
+              <a:rPr lang="en-US" dirty="0"/>
+              <a:t>)</a:t>
+            </a:r>
+          </a:p>
+          <a:p>
+            <a:pPr lvl="1"/>
+            <a:r>
+              <a:rPr lang="en-US" dirty="0"/>
+              <a:t>Fallbacks: what to do when things go wrong (</a:t>
+            </a:r>
+            <a:r>
+              <a:rPr lang="en-US" dirty="0" err="1"/>
+              <a:t>CommandHandler</a:t>
+            </a:r>
+            <a:r>
+              <a:rPr lang="en-US" dirty="0"/>
+              <a:t>)</a:t>
+            </a:r>
+          </a:p>
+        </p:txBody>
+      </p:sp>
+    </p:spTree>
+    <p:extLst>
+      <p:ext uri="{BB962C8B-B14F-4D97-AF65-F5344CB8AC3E}">
+        <p14:creationId xmlns:p14="http://schemas.microsoft.com/office/powerpoint/2010/main" val="2448121901"/>
       </p:ext>
     </p:extLst>
   </p:cSld>
@@ -29329,442 +29328,6 @@
           <p:cNvPr id="2" name="Title 1">
             <a:extLst>
               <a:ext uri="{FF2B5EF4-FFF2-40B4-BE49-F238E27FC236}">
-                <a16:creationId xmlns:a16="http://schemas.microsoft.com/office/drawing/2014/main" id="{165863AC-983E-9C45-81C1-69497FF89B3A}"/>
-              </a:ext>
-            </a:extLst>
-          </p:cNvPr>
-          <p:cNvSpPr>
-            <a:spLocks noGrp="1"/>
-          </p:cNvSpPr>
-          <p:nvPr>
-            <p:ph type="title"/>
-          </p:nvPr>
-        </p:nvSpPr>
-        <p:spPr/>
-        <p:txBody>
-          <a:bodyPr/>
-          <a:lstStyle/>
-          <a:p>
-            <a:r>
-              <a:rPr lang="en-US" dirty="0"/>
-              <a:t>Message Handler</a:t>
-            </a:r>
-          </a:p>
-        </p:txBody>
-      </p:sp>
-      <p:sp>
-        <p:nvSpPr>
-          <p:cNvPr id="3" name="Content Placeholder 2">
-            <a:extLst>
-              <a:ext uri="{FF2B5EF4-FFF2-40B4-BE49-F238E27FC236}">
-                <a16:creationId xmlns:a16="http://schemas.microsoft.com/office/drawing/2014/main" id="{69DB23F0-B1DB-BC45-83FE-9D4EBF8A3B03}"/>
-              </a:ext>
-            </a:extLst>
-          </p:cNvPr>
-          <p:cNvSpPr>
-            <a:spLocks noGrp="1"/>
-          </p:cNvSpPr>
-          <p:nvPr>
-            <p:ph idx="1"/>
-          </p:nvPr>
-        </p:nvSpPr>
-        <p:spPr/>
-        <p:txBody>
-          <a:bodyPr/>
-          <a:lstStyle/>
-          <a:p>
-            <a:r>
-              <a:rPr lang="en-US" dirty="0"/>
-              <a:t>Before we get into the crucial stuff, we need to talk about message handlers</a:t>
-            </a:r>
-          </a:p>
-          <a:p>
-            <a:r>
-              <a:rPr lang="en-US" dirty="0"/>
-              <a:t>Essentially these are objects that allow us to:</a:t>
-            </a:r>
-          </a:p>
-          <a:p>
-            <a:pPr lvl="1"/>
-            <a:r>
-              <a:rPr lang="en-US" dirty="0"/>
-              <a:t>1. choose what kind of information we want our functions to accept (images, locations, text)</a:t>
-            </a:r>
-          </a:p>
-          <a:p>
-            <a:pPr lvl="1"/>
-            <a:r>
-              <a:rPr lang="en-US" dirty="0"/>
-              <a:t>2. Define which function will trigger based on a given input</a:t>
-            </a:r>
-          </a:p>
-          <a:p>
-            <a:endParaRPr lang="en-US" dirty="0"/>
-          </a:p>
-          <a:p>
-            <a:r>
-              <a:rPr lang="en-US" dirty="0"/>
-              <a:t>A Message handler looks like this:</a:t>
-            </a:r>
-          </a:p>
-        </p:txBody>
-      </p:sp>
-      <p:pic>
-        <p:nvPicPr>
-          <p:cNvPr id="4" name="Picture 3">
-            <a:extLst>
-              <a:ext uri="{FF2B5EF4-FFF2-40B4-BE49-F238E27FC236}">
-                <a16:creationId xmlns:a16="http://schemas.microsoft.com/office/drawing/2014/main" id="{5C9233BD-ABCC-0D43-8B9B-E40CBE741521}"/>
-              </a:ext>
-            </a:extLst>
-          </p:cNvPr>
-          <p:cNvPicPr>
-            <a:picLocks noChangeAspect="1"/>
-          </p:cNvPicPr>
-          <p:nvPr/>
-        </p:nvPicPr>
-        <p:blipFill>
-          <a:blip r:embed="rId2"/>
-          <a:stretch>
-            <a:fillRect/>
-          </a:stretch>
-        </p:blipFill>
-        <p:spPr>
-          <a:xfrm>
-            <a:off x="2036923" y="5366393"/>
-            <a:ext cx="5118100" cy="584200"/>
-          </a:xfrm>
-          <a:prstGeom prst="rect">
-            <a:avLst/>
-          </a:prstGeom>
-        </p:spPr>
-      </p:pic>
-    </p:spTree>
-    <p:extLst>
-      <p:ext uri="{BB962C8B-B14F-4D97-AF65-F5344CB8AC3E}">
-        <p14:creationId xmlns:p14="http://schemas.microsoft.com/office/powerpoint/2010/main" val="2187673222"/>
-      </p:ext>
-    </p:extLst>
-  </p:cSld>
-  <p:clrMapOvr>
-    <a:masterClrMapping/>
-  </p:clrMapOvr>
-</p:sld>
-</file>
-
-<file path=ppt/slides/slide41.xml><?xml version="1.0" encoding="utf-8"?>
-<p:sld xmlns:a="http://schemas.openxmlformats.org/drawingml/2006/main" xmlns:r="http://schemas.openxmlformats.org/officeDocument/2006/relationships" xmlns:p="http://schemas.openxmlformats.org/presentationml/2006/main">
-  <p:cSld>
-    <p:spTree>
-      <p:nvGrpSpPr>
-        <p:cNvPr id="1" name=""/>
-        <p:cNvGrpSpPr/>
-        <p:nvPr/>
-      </p:nvGrpSpPr>
-      <p:grpSpPr>
-        <a:xfrm>
-          <a:off x="0" y="0"/>
-          <a:ext cx="0" cy="0"/>
-          <a:chOff x="0" y="0"/>
-          <a:chExt cx="0" cy="0"/>
-        </a:xfrm>
-      </p:grpSpPr>
-      <p:sp>
-        <p:nvSpPr>
-          <p:cNvPr id="2" name="Title 1">
-            <a:extLst>
-              <a:ext uri="{FF2B5EF4-FFF2-40B4-BE49-F238E27FC236}">
-                <a16:creationId xmlns:a16="http://schemas.microsoft.com/office/drawing/2014/main" id="{6E1C45C8-7502-9D42-AFC7-B6BB53C4535F}"/>
-              </a:ext>
-            </a:extLst>
-          </p:cNvPr>
-          <p:cNvSpPr>
-            <a:spLocks noGrp="1"/>
-          </p:cNvSpPr>
-          <p:nvPr>
-            <p:ph type="title"/>
-          </p:nvPr>
-        </p:nvSpPr>
-        <p:spPr/>
-        <p:txBody>
-          <a:bodyPr/>
-          <a:lstStyle/>
-          <a:p>
-            <a:r>
-              <a:rPr lang="en-US" dirty="0"/>
-              <a:t>Command Handler	</a:t>
-            </a:r>
-          </a:p>
-        </p:txBody>
-      </p:sp>
-      <p:sp>
-        <p:nvSpPr>
-          <p:cNvPr id="3" name="Content Placeholder 2">
-            <a:extLst>
-              <a:ext uri="{FF2B5EF4-FFF2-40B4-BE49-F238E27FC236}">
-                <a16:creationId xmlns:a16="http://schemas.microsoft.com/office/drawing/2014/main" id="{19A930ED-19FF-564C-8032-0E31344020BB}"/>
-              </a:ext>
-            </a:extLst>
-          </p:cNvPr>
-          <p:cNvSpPr>
-            <a:spLocks noGrp="1"/>
-          </p:cNvSpPr>
-          <p:nvPr>
-            <p:ph idx="1"/>
-          </p:nvPr>
-        </p:nvSpPr>
-        <p:spPr/>
-        <p:txBody>
-          <a:bodyPr/>
-          <a:lstStyle/>
-          <a:p>
-            <a:r>
-              <a:rPr lang="en-US" dirty="0"/>
-              <a:t>Much like the message handler, the command handler allows us to create functions that trigger when a telegram command is used</a:t>
-            </a:r>
-          </a:p>
-          <a:p>
-            <a:r>
-              <a:rPr lang="en-US" dirty="0"/>
-              <a:t>Commands in telegram are usually in the /command format</a:t>
-            </a:r>
-          </a:p>
-          <a:p>
-            <a:r>
-              <a:rPr lang="en-US" dirty="0"/>
-              <a:t>To create a command handler we can do the following:</a:t>
-            </a:r>
-          </a:p>
-          <a:p>
-            <a:pPr lvl="1"/>
-            <a:endParaRPr lang="en-US" dirty="0"/>
-          </a:p>
-          <a:p>
-            <a:pPr lvl="1"/>
-            <a:endParaRPr lang="en-US" dirty="0"/>
-          </a:p>
-          <a:p>
-            <a:pPr lvl="1"/>
-            <a:r>
-              <a:rPr lang="en-US" dirty="0"/>
-              <a:t>Where ‘start’ is the command, and </a:t>
-            </a:r>
-            <a:r>
-              <a:rPr lang="en-US" dirty="0" err="1"/>
-              <a:t>function_name</a:t>
-            </a:r>
-            <a:r>
-              <a:rPr lang="en-US" dirty="0"/>
-              <a:t> is the function</a:t>
-            </a:r>
-          </a:p>
-        </p:txBody>
-      </p:sp>
-      <p:pic>
-        <p:nvPicPr>
-          <p:cNvPr id="5" name="Picture 4">
-            <a:extLst>
-              <a:ext uri="{FF2B5EF4-FFF2-40B4-BE49-F238E27FC236}">
-                <a16:creationId xmlns:a16="http://schemas.microsoft.com/office/drawing/2014/main" id="{71DEE3E1-C5E2-824F-A5D6-E873A340FD45}"/>
-              </a:ext>
-            </a:extLst>
-          </p:cNvPr>
-          <p:cNvPicPr>
-            <a:picLocks noChangeAspect="1"/>
-          </p:cNvPicPr>
-          <p:nvPr/>
-        </p:nvPicPr>
-        <p:blipFill>
-          <a:blip r:embed="rId2"/>
-          <a:stretch>
-            <a:fillRect/>
-          </a:stretch>
-        </p:blipFill>
-        <p:spPr>
-          <a:xfrm>
-            <a:off x="1552468" y="3717675"/>
-            <a:ext cx="4381500" cy="635000"/>
-          </a:xfrm>
-          <a:prstGeom prst="rect">
-            <a:avLst/>
-          </a:prstGeom>
-        </p:spPr>
-      </p:pic>
-    </p:spTree>
-    <p:extLst>
-      <p:ext uri="{BB962C8B-B14F-4D97-AF65-F5344CB8AC3E}">
-        <p14:creationId xmlns:p14="http://schemas.microsoft.com/office/powerpoint/2010/main" val="4239948339"/>
-      </p:ext>
-    </p:extLst>
-  </p:cSld>
-  <p:clrMapOvr>
-    <a:masterClrMapping/>
-  </p:clrMapOvr>
-</p:sld>
-</file>
-
-<file path=ppt/slides/slide42.xml><?xml version="1.0" encoding="utf-8"?>
-<p:sld xmlns:a="http://schemas.openxmlformats.org/drawingml/2006/main" xmlns:r="http://schemas.openxmlformats.org/officeDocument/2006/relationships" xmlns:p="http://schemas.openxmlformats.org/presentationml/2006/main">
-  <p:cSld>
-    <p:spTree>
-      <p:nvGrpSpPr>
-        <p:cNvPr id="1" name=""/>
-        <p:cNvGrpSpPr/>
-        <p:nvPr/>
-      </p:nvGrpSpPr>
-      <p:grpSpPr>
-        <a:xfrm>
-          <a:off x="0" y="0"/>
-          <a:ext cx="0" cy="0"/>
-          <a:chOff x="0" y="0"/>
-          <a:chExt cx="0" cy="0"/>
-        </a:xfrm>
-      </p:grpSpPr>
-      <p:sp>
-        <p:nvSpPr>
-          <p:cNvPr id="2" name="Title 1">
-            <a:extLst>
-              <a:ext uri="{FF2B5EF4-FFF2-40B4-BE49-F238E27FC236}">
-                <a16:creationId xmlns:a16="http://schemas.microsoft.com/office/drawing/2014/main" id="{4CE1F928-D49B-774A-AAB2-CFBFDF6E7F06}"/>
-              </a:ext>
-            </a:extLst>
-          </p:cNvPr>
-          <p:cNvSpPr>
-            <a:spLocks noGrp="1"/>
-          </p:cNvSpPr>
-          <p:nvPr>
-            <p:ph type="title"/>
-          </p:nvPr>
-        </p:nvSpPr>
-        <p:spPr/>
-        <p:txBody>
-          <a:bodyPr/>
-          <a:lstStyle/>
-          <a:p>
-            <a:r>
-              <a:rPr lang="en-US" dirty="0"/>
-              <a:t>Conversation Handler</a:t>
-            </a:r>
-          </a:p>
-        </p:txBody>
-      </p:sp>
-      <p:sp>
-        <p:nvSpPr>
-          <p:cNvPr id="3" name="Content Placeholder 2">
-            <a:extLst>
-              <a:ext uri="{FF2B5EF4-FFF2-40B4-BE49-F238E27FC236}">
-                <a16:creationId xmlns:a16="http://schemas.microsoft.com/office/drawing/2014/main" id="{89FDA591-7B4A-4A42-BF22-F9441D7AC61A}"/>
-              </a:ext>
-            </a:extLst>
-          </p:cNvPr>
-          <p:cNvSpPr>
-            <a:spLocks noGrp="1"/>
-          </p:cNvSpPr>
-          <p:nvPr>
-            <p:ph idx="1"/>
-          </p:nvPr>
-        </p:nvSpPr>
-        <p:spPr/>
-        <p:txBody>
-          <a:bodyPr/>
-          <a:lstStyle/>
-          <a:p>
-            <a:r>
-              <a:rPr lang="en-US" dirty="0"/>
-              <a:t>To build the bot we need to understand one fundamental concept: the conversation handler</a:t>
-            </a:r>
-          </a:p>
-          <a:p>
-            <a:endParaRPr lang="en-US" dirty="0"/>
-          </a:p>
-          <a:p>
-            <a:r>
-              <a:rPr lang="en-US" dirty="0"/>
-              <a:t>Essentially, it is an object (like the class we created earlier) that holds the following information</a:t>
-            </a:r>
-          </a:p>
-          <a:p>
-            <a:pPr lvl="1"/>
-            <a:r>
-              <a:rPr lang="en-US" dirty="0"/>
-              <a:t>Entry points: how we can access the bot (</a:t>
-            </a:r>
-            <a:r>
-              <a:rPr lang="en-US" dirty="0" err="1"/>
-              <a:t>CommandHandler</a:t>
-            </a:r>
-            <a:r>
-              <a:rPr lang="en-US" dirty="0"/>
-              <a:t>)</a:t>
-            </a:r>
-          </a:p>
-          <a:p>
-            <a:pPr lvl="1"/>
-            <a:r>
-              <a:rPr lang="en-US" dirty="0"/>
-              <a:t>States: steps within a bot’s functions (</a:t>
-            </a:r>
-            <a:r>
-              <a:rPr lang="en-US" dirty="0" err="1"/>
-              <a:t>MessageHandler</a:t>
-            </a:r>
-            <a:r>
-              <a:rPr lang="en-US" dirty="0"/>
-              <a:t>)</a:t>
-            </a:r>
-          </a:p>
-          <a:p>
-            <a:pPr lvl="1"/>
-            <a:r>
-              <a:rPr lang="en-US" dirty="0"/>
-              <a:t>Fallbacks: what to do when things go wrong (</a:t>
-            </a:r>
-            <a:r>
-              <a:rPr lang="en-US" dirty="0" err="1"/>
-              <a:t>CommandHandler</a:t>
-            </a:r>
-            <a:r>
-              <a:rPr lang="en-US" dirty="0"/>
-              <a:t>)</a:t>
-            </a:r>
-          </a:p>
-        </p:txBody>
-      </p:sp>
-    </p:spTree>
-    <p:extLst>
-      <p:ext uri="{BB962C8B-B14F-4D97-AF65-F5344CB8AC3E}">
-        <p14:creationId xmlns:p14="http://schemas.microsoft.com/office/powerpoint/2010/main" val="2448121901"/>
-      </p:ext>
-    </p:extLst>
-  </p:cSld>
-  <p:clrMapOvr>
-    <a:masterClrMapping/>
-  </p:clrMapOvr>
-</p:sld>
-</file>
-
-<file path=ppt/slides/slide43.xml><?xml version="1.0" encoding="utf-8"?>
-<p:sld xmlns:a="http://schemas.openxmlformats.org/drawingml/2006/main" xmlns:r="http://schemas.openxmlformats.org/officeDocument/2006/relationships" xmlns:p="http://schemas.openxmlformats.org/presentationml/2006/main">
-  <p:cSld>
-    <p:spTree>
-      <p:nvGrpSpPr>
-        <p:cNvPr id="1" name=""/>
-        <p:cNvGrpSpPr/>
-        <p:nvPr/>
-      </p:nvGrpSpPr>
-      <p:grpSpPr>
-        <a:xfrm>
-          <a:off x="0" y="0"/>
-          <a:ext cx="0" cy="0"/>
-          <a:chOff x="0" y="0"/>
-          <a:chExt cx="0" cy="0"/>
-        </a:xfrm>
-      </p:grpSpPr>
-      <p:sp>
-        <p:nvSpPr>
-          <p:cNvPr id="2" name="Title 1">
-            <a:extLst>
-              <a:ext uri="{FF2B5EF4-FFF2-40B4-BE49-F238E27FC236}">
                 <a16:creationId xmlns:a16="http://schemas.microsoft.com/office/drawing/2014/main" id="{EE3E4C51-E4BF-D648-BDFF-950F52635CA5}"/>
               </a:ext>
             </a:extLst>
@@ -29870,7 +29433,7 @@
 </p:sld>
 </file>
 
-<file path=ppt/slides/slide44.xml><?xml version="1.0" encoding="utf-8"?>
+<file path=ppt/slides/slide41.xml><?xml version="1.0" encoding="utf-8"?>
 <p:sld xmlns:a="http://schemas.openxmlformats.org/drawingml/2006/main" xmlns:r="http://schemas.openxmlformats.org/officeDocument/2006/relationships" xmlns:p="http://schemas.openxmlformats.org/presentationml/2006/main">
   <p:cSld>
     <p:spTree>
@@ -29967,20 +29530,14 @@
           <a:p>
             <a:endParaRPr lang="en-US" dirty="0"/>
           </a:p>
-          <a:p>
-            <a:r>
-              <a:rPr lang="en-US" dirty="0"/>
-              <a:t>Where FIRSTEP, SECONDSTEP and THIRDSTEP are simply mapped to 0,1,2 using the range function</a:t>
-            </a:r>
-          </a:p>
         </p:txBody>
       </p:sp>
       <p:pic>
         <p:nvPicPr>
-          <p:cNvPr id="4" name="Picture 3">
+          <p:cNvPr id="5" name="Picture 4">
             <a:extLst>
               <a:ext uri="{FF2B5EF4-FFF2-40B4-BE49-F238E27FC236}">
-                <a16:creationId xmlns:a16="http://schemas.microsoft.com/office/drawing/2014/main" id="{A5950649-0D6F-1C49-ACC5-BC7FBE4577D5}"/>
+                <a16:creationId xmlns:a16="http://schemas.microsoft.com/office/drawing/2014/main" id="{AE9D3FE6-636A-2445-8DCD-AE68A7D2D637}"/>
               </a:ext>
             </a:extLst>
           </p:cNvPr>
@@ -29997,8 +29554,8 @@
         </p:blipFill>
         <p:spPr>
           <a:xfrm>
-            <a:off x="987532" y="2635250"/>
-            <a:ext cx="7211246" cy="2610801"/>
+            <a:off x="1541123" y="2595659"/>
+            <a:ext cx="5969785" cy="2695745"/>
           </a:xfrm>
           <a:prstGeom prst="rect">
             <a:avLst/>
@@ -30018,7 +29575,7 @@
 </p:sld>
 </file>
 
-<file path=ppt/slides/slide45.xml><?xml version="1.0" encoding="utf-8"?>
+<file path=ppt/slides/slide42.xml><?xml version="1.0" encoding="utf-8"?>
 <p:sld xmlns:a="http://schemas.openxmlformats.org/drawingml/2006/main" xmlns:r="http://schemas.openxmlformats.org/officeDocument/2006/relationships" xmlns:p="http://schemas.openxmlformats.org/presentationml/2006/main">
   <p:cSld>
     <p:spTree>
@@ -30170,7 +29727,7 @@
 </p:sld>
 </file>
 
-<file path=ppt/slides/slide46.xml><?xml version="1.0" encoding="utf-8"?>
+<file path=ppt/slides/slide43.xml><?xml version="1.0" encoding="utf-8"?>
 <p:sld xmlns:a="http://schemas.openxmlformats.org/drawingml/2006/main" xmlns:r="http://schemas.openxmlformats.org/officeDocument/2006/relationships" xmlns:p="http://schemas.openxmlformats.org/presentationml/2006/main">
   <p:cSld>
     <p:spTree>
@@ -30210,7 +29767,7 @@
           <a:p>
             <a:r>
               <a:rPr lang="en-US" dirty="0"/>
-              <a:t>Humans dictionary</a:t>
+              <a:t>Humans dictionary </a:t>
             </a:r>
           </a:p>
         </p:txBody>
@@ -30283,10 +29840,10 @@
       </p:sp>
       <p:pic>
         <p:nvPicPr>
-          <p:cNvPr id="4" name="Picture 3">
+          <p:cNvPr id="5" name="Picture 4">
             <a:extLst>
               <a:ext uri="{FF2B5EF4-FFF2-40B4-BE49-F238E27FC236}">
-                <a16:creationId xmlns:a16="http://schemas.microsoft.com/office/drawing/2014/main" id="{56318E2E-37DB-6142-85AF-DA1EA43F26B9}"/>
+                <a16:creationId xmlns:a16="http://schemas.microsoft.com/office/drawing/2014/main" id="{7874149B-C878-C14F-ACDF-ED9E34F86066}"/>
               </a:ext>
             </a:extLst>
           </p:cNvPr>
@@ -30303,8 +29860,8 @@
         </p:blipFill>
         <p:spPr>
           <a:xfrm>
-            <a:off x="1303947" y="4374294"/>
-            <a:ext cx="1676400" cy="698500"/>
+            <a:off x="1170597" y="4509142"/>
+            <a:ext cx="1943100" cy="469900"/>
           </a:xfrm>
           <a:prstGeom prst="rect">
             <a:avLst/>
@@ -30324,7 +29881,7 @@
 </p:sld>
 </file>
 
-<file path=ppt/slides/slide47.xml><?xml version="1.0" encoding="utf-8"?>
+<file path=ppt/slides/slide44.xml><?xml version="1.0" encoding="utf-8"?>
 <p:sld xmlns:a="http://schemas.openxmlformats.org/drawingml/2006/main" xmlns:r="http://schemas.openxmlformats.org/officeDocument/2006/relationships" xmlns:p="http://schemas.openxmlformats.org/presentationml/2006/main">
   <p:cSld>
     <p:spTree>
@@ -30473,7 +30030,7 @@
 </p:sld>
 </file>
 
-<file path=ppt/slides/slide48.xml><?xml version="1.0" encoding="utf-8"?>
+<file path=ppt/slides/slide45.xml><?xml version="1.0" encoding="utf-8"?>
 <p:sld xmlns:a="http://schemas.openxmlformats.org/drawingml/2006/main" xmlns:r="http://schemas.openxmlformats.org/officeDocument/2006/relationships" xmlns:p="http://schemas.openxmlformats.org/presentationml/2006/main">
   <p:cSld>
     <p:spTree>
@@ -30579,7 +30136,7 @@
 </p:sld>
 </file>
 
-<file path=ppt/slides/slide49.xml><?xml version="1.0" encoding="utf-8"?>
+<file path=ppt/slides/slide46.xml><?xml version="1.0" encoding="utf-8"?>
 <p:sld xmlns:a="http://schemas.openxmlformats.org/drawingml/2006/main" xmlns:r="http://schemas.openxmlformats.org/officeDocument/2006/relationships" xmlns:p="http://schemas.openxmlformats.org/presentationml/2006/main">
   <p:cSld>
     <p:spTree>
@@ -30654,7 +30211,7 @@
             <a:pPr lvl="1"/>
             <a:r>
               <a:rPr lang="en-US" dirty="0"/>
-              <a:t>Def </a:t>
+              <a:t>def </a:t>
             </a:r>
             <a:r>
               <a:rPr lang="en-US" dirty="0" err="1"/>
@@ -30773,107 +30330,7 @@
 </p:sld>
 </file>
 
-<file path=ppt/slides/slide5.xml><?xml version="1.0" encoding="utf-8"?>
-<p:sld xmlns:a="http://schemas.openxmlformats.org/drawingml/2006/main" xmlns:r="http://schemas.openxmlformats.org/officeDocument/2006/relationships" xmlns:p="http://schemas.openxmlformats.org/presentationml/2006/main">
-  <p:cSld>
-    <p:spTree>
-      <p:nvGrpSpPr>
-        <p:cNvPr id="1" name=""/>
-        <p:cNvGrpSpPr/>
-        <p:nvPr/>
-      </p:nvGrpSpPr>
-      <p:grpSpPr>
-        <a:xfrm>
-          <a:off x="0" y="0"/>
-          <a:ext cx="0" cy="0"/>
-          <a:chOff x="0" y="0"/>
-          <a:chExt cx="0" cy="0"/>
-        </a:xfrm>
-      </p:grpSpPr>
-      <p:sp>
-        <p:nvSpPr>
-          <p:cNvPr id="2" name="Title 1">
-            <a:extLst>
-              <a:ext uri="{FF2B5EF4-FFF2-40B4-BE49-F238E27FC236}">
-                <a16:creationId xmlns:a16="http://schemas.microsoft.com/office/drawing/2014/main" id="{53654066-DD8B-034C-8B67-BBB40300A078}"/>
-              </a:ext>
-            </a:extLst>
-          </p:cNvPr>
-          <p:cNvSpPr>
-            <a:spLocks noGrp="1"/>
-          </p:cNvSpPr>
-          <p:nvPr>
-            <p:ph type="title"/>
-          </p:nvPr>
-        </p:nvSpPr>
-        <p:spPr/>
-        <p:txBody>
-          <a:bodyPr/>
-          <a:lstStyle/>
-          <a:p>
-            <a:r>
-              <a:rPr lang="en-US" dirty="0"/>
-              <a:t>How to Download Python		</a:t>
-            </a:r>
-          </a:p>
-        </p:txBody>
-      </p:sp>
-      <p:sp>
-        <p:nvSpPr>
-          <p:cNvPr id="3" name="Content Placeholder 2">
-            <a:extLst>
-              <a:ext uri="{FF2B5EF4-FFF2-40B4-BE49-F238E27FC236}">
-                <a16:creationId xmlns:a16="http://schemas.microsoft.com/office/drawing/2014/main" id="{BD2C6966-506D-C74B-BABF-3C3F531349DF}"/>
-              </a:ext>
-            </a:extLst>
-          </p:cNvPr>
-          <p:cNvSpPr>
-            <a:spLocks noGrp="1"/>
-          </p:cNvSpPr>
-          <p:nvPr>
-            <p:ph idx="1"/>
-          </p:nvPr>
-        </p:nvSpPr>
-        <p:spPr/>
-        <p:txBody>
-          <a:bodyPr>
-            <a:normAutofit/>
-          </a:bodyPr>
-          <a:lstStyle/>
-          <a:p>
-            <a:r>
-              <a:rPr lang="en-US" dirty="0"/>
-              <a:t>Unlike the first course, today we will have to download python!</a:t>
-            </a:r>
-          </a:p>
-          <a:p>
-            <a:endParaRPr lang="en-US" dirty="0"/>
-          </a:p>
-          <a:p>
-            <a:r>
-              <a:rPr lang="en-US" dirty="0"/>
-              <a:t>The steps are pretty simple but need to be followed precisely for your given operating system</a:t>
-            </a:r>
-          </a:p>
-          <a:p>
-            <a:endParaRPr lang="en-US" dirty="0"/>
-          </a:p>
-        </p:txBody>
-      </p:sp>
-    </p:spTree>
-    <p:extLst>
-      <p:ext uri="{BB962C8B-B14F-4D97-AF65-F5344CB8AC3E}">
-        <p14:creationId xmlns:p14="http://schemas.microsoft.com/office/powerpoint/2010/main" val="1763611976"/>
-      </p:ext>
-    </p:extLst>
-  </p:cSld>
-  <p:clrMapOvr>
-    <a:masterClrMapping/>
-  </p:clrMapOvr>
-</p:sld>
-</file>
-
-<file path=ppt/slides/slide50.xml><?xml version="1.0" encoding="utf-8"?>
+<file path=ppt/slides/slide47.xml><?xml version="1.0" encoding="utf-8"?>
 <p:sld xmlns:a="http://schemas.openxmlformats.org/drawingml/2006/main" xmlns:r="http://schemas.openxmlformats.org/officeDocument/2006/relationships" xmlns:p="http://schemas.openxmlformats.org/presentationml/2006/main">
   <p:cSld>
     <p:spTree>
@@ -31020,10 +30477,10 @@
       </p:sp>
       <p:pic>
         <p:nvPicPr>
-          <p:cNvPr id="4" name="Picture 3">
+          <p:cNvPr id="5" name="Picture 4">
             <a:extLst>
               <a:ext uri="{FF2B5EF4-FFF2-40B4-BE49-F238E27FC236}">
-                <a16:creationId xmlns:a16="http://schemas.microsoft.com/office/drawing/2014/main" id="{16C5EEC3-4ACD-2840-8451-B1B08DE5D77B}"/>
+                <a16:creationId xmlns:a16="http://schemas.microsoft.com/office/drawing/2014/main" id="{88AC378C-78E9-F140-B5B0-91E993702711}"/>
               </a:ext>
             </a:extLst>
           </p:cNvPr>
@@ -31040,8 +30497,8 @@
         </p:blipFill>
         <p:spPr>
           <a:xfrm>
-            <a:off x="6989851" y="2893883"/>
-            <a:ext cx="4285097" cy="3511399"/>
+            <a:off x="7518626" y="3209603"/>
+            <a:ext cx="3896461" cy="3038796"/>
           </a:xfrm>
           <a:prstGeom prst="rect">
             <a:avLst/>
@@ -31061,7 +30518,7 @@
 </p:sld>
 </file>
 
-<file path=ppt/slides/slide51.xml><?xml version="1.0" encoding="utf-8"?>
+<file path=ppt/slides/slide48.xml><?xml version="1.0" encoding="utf-8"?>
 <p:sld xmlns:a="http://schemas.openxmlformats.org/drawingml/2006/main" xmlns:r="http://schemas.openxmlformats.org/officeDocument/2006/relationships" xmlns:p="http://schemas.openxmlformats.org/presentationml/2006/main">
   <p:cSld>
     <p:spTree>
@@ -31212,10 +30669,10 @@
       </p:sp>
       <p:pic>
         <p:nvPicPr>
-          <p:cNvPr id="4" name="Picture 3">
+          <p:cNvPr id="5" name="Picture 4">
             <a:extLst>
               <a:ext uri="{FF2B5EF4-FFF2-40B4-BE49-F238E27FC236}">
-                <a16:creationId xmlns:a16="http://schemas.microsoft.com/office/drawing/2014/main" id="{D9213A12-AD9E-2448-AE64-D17608E3C3BA}"/>
+                <a16:creationId xmlns:a16="http://schemas.microsoft.com/office/drawing/2014/main" id="{942093CF-2C61-514B-A947-2F263FA8D6B8}"/>
               </a:ext>
             </a:extLst>
           </p:cNvPr>
@@ -31232,8 +30689,8 @@
         </p:blipFill>
         <p:spPr>
           <a:xfrm>
-            <a:off x="7906903" y="2737000"/>
-            <a:ext cx="4285097" cy="3511399"/>
+            <a:off x="7623425" y="2762497"/>
+            <a:ext cx="4469758" cy="3485902"/>
           </a:xfrm>
           <a:prstGeom prst="rect">
             <a:avLst/>
@@ -31253,7 +30710,7 @@
 </p:sld>
 </file>
 
-<file path=ppt/slides/slide52.xml><?xml version="1.0" encoding="utf-8"?>
+<file path=ppt/slides/slide49.xml><?xml version="1.0" encoding="utf-8"?>
 <p:sld xmlns:a="http://schemas.openxmlformats.org/drawingml/2006/main" xmlns:r="http://schemas.openxmlformats.org/officeDocument/2006/relationships" xmlns:p="http://schemas.openxmlformats.org/presentationml/2006/main">
   <p:cSld>
     <p:spTree>
@@ -31365,7 +30822,126 @@
 </p:sld>
 </file>
 
-<file path=ppt/slides/slide53.xml><?xml version="1.0" encoding="utf-8"?>
+<file path=ppt/slides/slide5.xml><?xml version="1.0" encoding="utf-8"?>
+<p:sld xmlns:a="http://schemas.openxmlformats.org/drawingml/2006/main" xmlns:r="http://schemas.openxmlformats.org/officeDocument/2006/relationships" xmlns:p="http://schemas.openxmlformats.org/presentationml/2006/main">
+  <p:cSld>
+    <p:spTree>
+      <p:nvGrpSpPr>
+        <p:cNvPr id="1" name=""/>
+        <p:cNvGrpSpPr/>
+        <p:nvPr/>
+      </p:nvGrpSpPr>
+      <p:grpSpPr>
+        <a:xfrm>
+          <a:off x="0" y="0"/>
+          <a:ext cx="0" cy="0"/>
+          <a:chOff x="0" y="0"/>
+          <a:chExt cx="0" cy="0"/>
+        </a:xfrm>
+      </p:grpSpPr>
+      <p:sp>
+        <p:nvSpPr>
+          <p:cNvPr id="2" name="Title 1">
+            <a:extLst>
+              <a:ext uri="{FF2B5EF4-FFF2-40B4-BE49-F238E27FC236}">
+                <a16:creationId xmlns:a16="http://schemas.microsoft.com/office/drawing/2014/main" id="{6750910B-1AB8-DF4C-B1D4-AEE2F222C074}"/>
+              </a:ext>
+            </a:extLst>
+          </p:cNvPr>
+          <p:cNvSpPr>
+            <a:spLocks noGrp="1"/>
+          </p:cNvSpPr>
+          <p:nvPr>
+            <p:ph type="title"/>
+          </p:nvPr>
+        </p:nvSpPr>
+        <p:spPr/>
+        <p:txBody>
+          <a:bodyPr/>
+          <a:lstStyle/>
+          <a:p>
+            <a:r>
+              <a:rPr lang="en-US" dirty="0"/>
+              <a:t>Python Introduction Recap</a:t>
+            </a:r>
+          </a:p>
+        </p:txBody>
+      </p:sp>
+      <p:sp>
+        <p:nvSpPr>
+          <p:cNvPr id="3" name="Content Placeholder 2">
+            <a:extLst>
+              <a:ext uri="{FF2B5EF4-FFF2-40B4-BE49-F238E27FC236}">
+                <a16:creationId xmlns:a16="http://schemas.microsoft.com/office/drawing/2014/main" id="{9699C4EC-9625-8A4D-8185-795F43879192}"/>
+              </a:ext>
+            </a:extLst>
+          </p:cNvPr>
+          <p:cNvSpPr>
+            <a:spLocks noGrp="1"/>
+          </p:cNvSpPr>
+          <p:nvPr>
+            <p:ph idx="1"/>
+          </p:nvPr>
+        </p:nvSpPr>
+        <p:spPr/>
+        <p:txBody>
+          <a:bodyPr/>
+          <a:lstStyle/>
+          <a:p>
+            <a:r>
+              <a:rPr lang="en-US" dirty="0"/>
+              <a:t>Now that we have downloaded Python let’s do a recap of the last workshop</a:t>
+            </a:r>
+          </a:p>
+          <a:p>
+            <a:r>
+              <a:rPr lang="en-US" dirty="0"/>
+              <a:t>This recap should take the majority of the morning session, followed by the bot creation in the afternoon</a:t>
+            </a:r>
+          </a:p>
+          <a:p>
+            <a:r>
+              <a:rPr lang="en-US" dirty="0"/>
+              <a:t>Let’s start with variables</a:t>
+            </a:r>
+          </a:p>
+          <a:p>
+            <a:pPr lvl="1"/>
+            <a:r>
+              <a:rPr lang="en-US" dirty="0"/>
+              <a:t>How to use them</a:t>
+            </a:r>
+          </a:p>
+          <a:p>
+            <a:pPr lvl="1"/>
+            <a:r>
+              <a:rPr lang="en-US" dirty="0"/>
+              <a:t>How to name them</a:t>
+            </a:r>
+          </a:p>
+          <a:p>
+            <a:pPr lvl="1"/>
+            <a:r>
+              <a:rPr lang="en-US" dirty="0"/>
+              <a:t>How to output them</a:t>
+            </a:r>
+          </a:p>
+        </p:txBody>
+      </p:sp>
+    </p:spTree>
+    <p:extLst>
+      <p:ext uri="{BB962C8B-B14F-4D97-AF65-F5344CB8AC3E}">
+        <p14:creationId xmlns:p14="http://schemas.microsoft.com/office/powerpoint/2010/main" val="1604548121"/>
+      </p:ext>
+    </p:extLst>
+  </p:cSld>
+  <p:clrMapOvr>
+    <a:masterClrMapping/>
+  </p:clrMapOvr>
+</p:sld>
+</file>
+
+<file path=ppt/slides/slide50.xml><?xml version="1.0" encoding="utf-8"?>
 <p:sld xmlns:a="http://schemas.openxmlformats.org/drawingml/2006/main" xmlns:r="http://schemas.openxmlformats.org/officeDocument/2006/relationships" xmlns:p="http://schemas.openxmlformats.org/presentationml/2006/main">
   <p:cSld>
     <p:spTree>
@@ -31466,7 +31042,7 @@
           <p:nvPr>
             <p:extLst>
               <p:ext uri="{D42A27DB-BD31-4B8C-83A1-F6EECF244321}">
-                <p14:modId xmlns:p14="http://schemas.microsoft.com/office/powerpoint/2010/main" val="1075423979"/>
+                <p14:modId xmlns:p14="http://schemas.microsoft.com/office/powerpoint/2010/main" val="548880433"/>
               </p:ext>
             </p:extLst>
           </p:nvPr>
@@ -31494,7 +31070,7 @@
 </p:sld>
 </file>
 
-<file path=ppt/slides/slide54.xml><?xml version="1.0" encoding="utf-8"?>
+<file path=ppt/slides/slide51.xml><?xml version="1.0" encoding="utf-8"?>
 <p:sld xmlns:a="http://schemas.openxmlformats.org/drawingml/2006/main" xmlns:r="http://schemas.openxmlformats.org/officeDocument/2006/relationships" xmlns:p="http://schemas.openxmlformats.org/presentationml/2006/main">
   <p:cSld>
     <p:spTree>
@@ -31595,22 +31171,16 @@
             <a:endParaRPr lang="en-US" dirty="0"/>
           </a:p>
           <a:p>
-            <a:r>
-              <a:rPr lang="en-US" dirty="0"/>
-              <a:t>This line is the same as </a:t>
-            </a:r>
-          </a:p>
-          <a:p>
             <a:endParaRPr lang="en-US" dirty="0"/>
           </a:p>
         </p:txBody>
       </p:sp>
       <p:pic>
         <p:nvPicPr>
-          <p:cNvPr id="4" name="Picture 3">
+          <p:cNvPr id="5" name="Picture 4">
             <a:extLst>
               <a:ext uri="{FF2B5EF4-FFF2-40B4-BE49-F238E27FC236}">
-                <a16:creationId xmlns:a16="http://schemas.microsoft.com/office/drawing/2014/main" id="{68C5C942-3DDB-0348-85A7-C34FA9C1A980}"/>
+                <a16:creationId xmlns:a16="http://schemas.microsoft.com/office/drawing/2014/main" id="{BE2663F9-DB37-8F49-AB71-8EAF69A29F81}"/>
               </a:ext>
             </a:extLst>
           </p:cNvPr>
@@ -31627,37 +31197,7 @@
         </p:blipFill>
         <p:spPr>
           <a:xfrm>
-            <a:off x="1396572" y="4408113"/>
-            <a:ext cx="5207000" cy="774700"/>
-          </a:xfrm>
-          <a:prstGeom prst="rect">
-            <a:avLst/>
-          </a:prstGeom>
-        </p:spPr>
-      </p:pic>
-      <p:pic>
-        <p:nvPicPr>
-          <p:cNvPr id="5" name="Picture 4">
-            <a:extLst>
-              <a:ext uri="{FF2B5EF4-FFF2-40B4-BE49-F238E27FC236}">
-                <a16:creationId xmlns:a16="http://schemas.microsoft.com/office/drawing/2014/main" id="{BE2663F9-DB37-8F49-AB71-8EAF69A29F81}"/>
-              </a:ext>
-            </a:extLst>
-          </p:cNvPr>
-          <p:cNvPicPr>
-            <a:picLocks noChangeAspect="1"/>
-          </p:cNvPicPr>
-          <p:nvPr/>
-        </p:nvPicPr>
-        <p:blipFill>
-          <a:blip r:embed="rId3"/>
-          <a:stretch>
-            <a:fillRect/>
-          </a:stretch>
-        </p:blipFill>
-        <p:spPr>
-          <a:xfrm>
-            <a:off x="4330272" y="5417263"/>
+            <a:off x="3950128" y="4513137"/>
             <a:ext cx="2273300" cy="1181100"/>
           </a:xfrm>
           <a:prstGeom prst="rect">
@@ -31678,7 +31218,7 @@
 </p:sld>
 </file>
 
-<file path=ppt/slides/slide55.xml><?xml version="1.0" encoding="utf-8"?>
+<file path=ppt/slides/slide52.xml><?xml version="1.0" encoding="utf-8"?>
 <p:sld xmlns:a="http://schemas.openxmlformats.org/drawingml/2006/main" xmlns:r="http://schemas.openxmlformats.org/officeDocument/2006/relationships" xmlns:p="http://schemas.openxmlformats.org/presentationml/2006/main">
   <p:cSld>
     <p:spTree>
@@ -31790,10 +31330,10 @@
       </p:sp>
       <p:pic>
         <p:nvPicPr>
-          <p:cNvPr id="4" name="Picture 3">
+          <p:cNvPr id="5" name="Picture 4">
             <a:extLst>
               <a:ext uri="{FF2B5EF4-FFF2-40B4-BE49-F238E27FC236}">
-                <a16:creationId xmlns:a16="http://schemas.microsoft.com/office/drawing/2014/main" id="{4A2DA9D7-9AA9-6440-B2B4-30F77736DBBE}"/>
+                <a16:creationId xmlns:a16="http://schemas.microsoft.com/office/drawing/2014/main" id="{637AC60B-CA65-FC44-B608-E17B30B73391}"/>
               </a:ext>
             </a:extLst>
           </p:cNvPr>
@@ -31810,8 +31350,8 @@
         </p:blipFill>
         <p:spPr>
           <a:xfrm>
-            <a:off x="1103312" y="4005209"/>
-            <a:ext cx="7048500" cy="1066800"/>
+            <a:off x="1389794" y="4150658"/>
+            <a:ext cx="6515100" cy="1079500"/>
           </a:xfrm>
           <a:prstGeom prst="rect">
             <a:avLst/>
@@ -31831,7 +31371,7 @@
 </p:sld>
 </file>
 
-<file path=ppt/slides/slide56.xml><?xml version="1.0" encoding="utf-8"?>
+<file path=ppt/slides/slide53.xml><?xml version="1.0" encoding="utf-8"?>
 <p:sld xmlns:a="http://schemas.openxmlformats.org/drawingml/2006/main" xmlns:r="http://schemas.openxmlformats.org/officeDocument/2006/relationships" xmlns:p="http://schemas.openxmlformats.org/presentationml/2006/main">
   <p:cSld>
     <p:spTree>
@@ -31957,10 +31497,10 @@
       </p:sp>
       <p:pic>
         <p:nvPicPr>
-          <p:cNvPr id="4" name="Picture 3">
+          <p:cNvPr id="5" name="Picture 4">
             <a:extLst>
               <a:ext uri="{FF2B5EF4-FFF2-40B4-BE49-F238E27FC236}">
-                <a16:creationId xmlns:a16="http://schemas.microsoft.com/office/drawing/2014/main" id="{3C92089A-3D0D-824B-80DF-C9B656A5603E}"/>
+                <a16:creationId xmlns:a16="http://schemas.microsoft.com/office/drawing/2014/main" id="{68B45A64-0CF1-F54B-89DB-D404E93AA4AD}"/>
               </a:ext>
             </a:extLst>
           </p:cNvPr>
@@ -31977,8 +31517,8 @@
         </p:blipFill>
         <p:spPr>
           <a:xfrm>
-            <a:off x="1103312" y="3542230"/>
-            <a:ext cx="7226300" cy="2095500"/>
+            <a:off x="1223053" y="3500919"/>
+            <a:ext cx="7239000" cy="2159000"/>
           </a:xfrm>
           <a:prstGeom prst="rect">
             <a:avLst/>
@@ -31998,7 +31538,7 @@
 </p:sld>
 </file>
 
-<file path=ppt/slides/slide57.xml><?xml version="1.0" encoding="utf-8"?>
+<file path=ppt/slides/slide54.xml><?xml version="1.0" encoding="utf-8"?>
 <p:sld xmlns:a="http://schemas.openxmlformats.org/drawingml/2006/main" xmlns:r="http://schemas.openxmlformats.org/officeDocument/2006/relationships" xmlns:p="http://schemas.openxmlformats.org/presentationml/2006/main">
   <p:cSld>
     <p:spTree>
@@ -32127,7 +31667,7 @@
             </a:r>
             <a:r>
               <a:rPr lang="en-US" dirty="0" err="1"/>
-              <a:t>name_step</a:t>
+              <a:t>ask_age_step</a:t>
             </a:r>
             <a:r>
               <a:rPr lang="en-US" dirty="0"/>
@@ -32145,10 +31685,10 @@
       </p:sp>
       <p:pic>
         <p:nvPicPr>
-          <p:cNvPr id="4" name="Picture 3">
+          <p:cNvPr id="7" name="Picture 6">
             <a:extLst>
               <a:ext uri="{FF2B5EF4-FFF2-40B4-BE49-F238E27FC236}">
-                <a16:creationId xmlns:a16="http://schemas.microsoft.com/office/drawing/2014/main" id="{2E84908F-4A84-C14D-9279-E106727ADDD9}"/>
+                <a16:creationId xmlns:a16="http://schemas.microsoft.com/office/drawing/2014/main" id="{9B87FFA6-7776-F641-835E-88D7343A7E08}"/>
               </a:ext>
             </a:extLst>
           </p:cNvPr>
@@ -32165,8 +31705,8 @@
         </p:blipFill>
         <p:spPr>
           <a:xfrm>
-            <a:off x="2565400" y="2584068"/>
-            <a:ext cx="7061200" cy="1041400"/>
+            <a:off x="2565400" y="4242872"/>
+            <a:ext cx="1854200" cy="558800"/>
           </a:xfrm>
           <a:prstGeom prst="rect">
             <a:avLst/>
@@ -32178,7 +31718,7 @@
           <p:cNvPr id="5" name="Picture 4">
             <a:extLst>
               <a:ext uri="{FF2B5EF4-FFF2-40B4-BE49-F238E27FC236}">
-                <a16:creationId xmlns:a16="http://schemas.microsoft.com/office/drawing/2014/main" id="{E4A7D50A-110E-E44C-9803-02A4594EBB98}"/>
+                <a16:creationId xmlns:a16="http://schemas.microsoft.com/office/drawing/2014/main" id="{81390237-A329-1F4F-80BE-F53270EFE51F}"/>
               </a:ext>
             </a:extLst>
           </p:cNvPr>
@@ -32195,8 +31735,8 @@
         </p:blipFill>
         <p:spPr>
           <a:xfrm>
-            <a:off x="3512550" y="4305924"/>
-            <a:ext cx="2146300" cy="444500"/>
+            <a:off x="2800350" y="2615128"/>
+            <a:ext cx="6591300" cy="1206500"/>
           </a:xfrm>
           <a:prstGeom prst="rect">
             <a:avLst/>
@@ -32205,10 +31745,10 @@
       </p:pic>
       <p:pic>
         <p:nvPicPr>
-          <p:cNvPr id="6" name="Picture 5">
+          <p:cNvPr id="8" name="Picture 7">
             <a:extLst>
               <a:ext uri="{FF2B5EF4-FFF2-40B4-BE49-F238E27FC236}">
-                <a16:creationId xmlns:a16="http://schemas.microsoft.com/office/drawing/2014/main" id="{6DF066BC-3CB2-8646-A5AC-761E7911B926}"/>
+                <a16:creationId xmlns:a16="http://schemas.microsoft.com/office/drawing/2014/main" id="{BBE48E4D-C0F0-7C46-A2F9-0244CC9960C4}"/>
               </a:ext>
             </a:extLst>
           </p:cNvPr>
@@ -32225,8 +31765,8 @@
         </p:blipFill>
         <p:spPr>
           <a:xfrm>
-            <a:off x="7187208" y="4356288"/>
-            <a:ext cx="4097948" cy="1488874"/>
+            <a:off x="7093434" y="4143043"/>
+            <a:ext cx="5066332" cy="1723419"/>
           </a:xfrm>
           <a:prstGeom prst="rect">
             <a:avLst/>
@@ -32246,7 +31786,7 @@
 </p:sld>
 </file>
 
-<file path=ppt/slides/slide58.xml><?xml version="1.0" encoding="utf-8"?>
+<file path=ppt/slides/slide55.xml><?xml version="1.0" encoding="utf-8"?>
 <p:sld xmlns:a="http://schemas.openxmlformats.org/drawingml/2006/main" xmlns:r="http://schemas.openxmlformats.org/officeDocument/2006/relationships" xmlns:p="http://schemas.openxmlformats.org/presentationml/2006/main">
   <p:cSld>
     <p:spTree>
@@ -32338,7 +31878,7 @@
 </p:sld>
 </file>
 
-<file path=ppt/slides/slide59.xml><?xml version="1.0" encoding="utf-8"?>
+<file path=ppt/slides/slide56.xml><?xml version="1.0" encoding="utf-8"?>
 <p:sld xmlns:a="http://schemas.openxmlformats.org/drawingml/2006/main" xmlns:r="http://schemas.openxmlformats.org/officeDocument/2006/relationships" xmlns:p="http://schemas.openxmlformats.org/presentationml/2006/main">
   <p:cSld>
     <p:spTree>
@@ -32425,8 +31965,12 @@
           <a:p>
             <a:pPr lvl="1"/>
             <a:r>
-              <a:rPr lang="en-US" dirty="0"/>
-              <a:t>humans = {}</a:t>
+              <a:rPr lang="en-US" dirty="0" err="1"/>
+              <a:t>Humans_dict</a:t>
+            </a:r>
+            <a:r>
+              <a:rPr lang="en-US" dirty="0"/>
+              <a:t> = {}</a:t>
             </a:r>
           </a:p>
           <a:p>
@@ -32447,243 +31991,7 @@
 </p:sld>
 </file>
 
-<file path=ppt/slides/slide6.xml><?xml version="1.0" encoding="utf-8"?>
-<p:sld xmlns:a="http://schemas.openxmlformats.org/drawingml/2006/main" xmlns:r="http://schemas.openxmlformats.org/officeDocument/2006/relationships" xmlns:p="http://schemas.openxmlformats.org/presentationml/2006/main">
-  <p:cSld>
-    <p:spTree>
-      <p:nvGrpSpPr>
-        <p:cNvPr id="1" name=""/>
-        <p:cNvGrpSpPr/>
-        <p:nvPr/>
-      </p:nvGrpSpPr>
-      <p:grpSpPr>
-        <a:xfrm>
-          <a:off x="0" y="0"/>
-          <a:ext cx="0" cy="0"/>
-          <a:chOff x="0" y="0"/>
-          <a:chExt cx="0" cy="0"/>
-        </a:xfrm>
-      </p:grpSpPr>
-      <p:sp>
-        <p:nvSpPr>
-          <p:cNvPr id="2" name="Title 1">
-            <a:extLst>
-              <a:ext uri="{FF2B5EF4-FFF2-40B4-BE49-F238E27FC236}">
-                <a16:creationId xmlns:a16="http://schemas.microsoft.com/office/drawing/2014/main" id="{E61C4D0F-5D23-A74C-98E0-754B456D4530}"/>
-              </a:ext>
-            </a:extLst>
-          </p:cNvPr>
-          <p:cNvSpPr>
-            <a:spLocks noGrp="1"/>
-          </p:cNvSpPr>
-          <p:nvPr>
-            <p:ph type="title"/>
-          </p:nvPr>
-        </p:nvSpPr>
-        <p:spPr/>
-        <p:txBody>
-          <a:bodyPr/>
-          <a:lstStyle/>
-          <a:p>
-            <a:r>
-              <a:rPr lang="en-US" dirty="0"/>
-              <a:t>Downloading Python </a:t>
-            </a:r>
-            <a:r>
-              <a:rPr lang="en-US" dirty="0" err="1"/>
-              <a:t>contd</a:t>
-            </a:r>
-            <a:r>
-              <a:rPr lang="en-US" dirty="0"/>
-              <a:t>	</a:t>
-            </a:r>
-          </a:p>
-        </p:txBody>
-      </p:sp>
-      <p:sp>
-        <p:nvSpPr>
-          <p:cNvPr id="3" name="Content Placeholder 2">
-            <a:extLst>
-              <a:ext uri="{FF2B5EF4-FFF2-40B4-BE49-F238E27FC236}">
-                <a16:creationId xmlns:a16="http://schemas.microsoft.com/office/drawing/2014/main" id="{0F7C3D82-04DC-3F4F-9B62-C6B2BC0939B1}"/>
-              </a:ext>
-            </a:extLst>
-          </p:cNvPr>
-          <p:cNvSpPr>
-            <a:spLocks noGrp="1"/>
-          </p:cNvSpPr>
-          <p:nvPr>
-            <p:ph idx="1"/>
-          </p:nvPr>
-        </p:nvSpPr>
-        <p:spPr/>
-        <p:txBody>
-          <a:bodyPr>
-            <a:normAutofit fontScale="92500" lnSpcReduction="20000"/>
-          </a:bodyPr>
-          <a:lstStyle/>
-          <a:p>
-            <a:pPr marL="457200" indent="-457200">
-              <a:buFont typeface="+mj-lt"/>
-              <a:buAutoNum type="arabicPeriod"/>
-            </a:pPr>
-            <a:r>
-              <a:rPr lang="en-US" dirty="0"/>
-              <a:t>Visit https://</a:t>
-            </a:r>
-            <a:r>
-              <a:rPr lang="en-US" dirty="0" err="1"/>
-              <a:t>www.python.org</a:t>
-            </a:r>
-            <a:r>
-              <a:rPr lang="en-US" dirty="0"/>
-              <a:t>/downloads/</a:t>
-            </a:r>
-          </a:p>
-          <a:p>
-            <a:pPr marL="457200" indent="-457200">
-              <a:buFont typeface="+mj-lt"/>
-              <a:buAutoNum type="arabicPeriod"/>
-            </a:pPr>
-            <a:r>
-              <a:rPr lang="en-US" dirty="0"/>
-              <a:t>Download and install Python 3.9.7 for your given operating system </a:t>
-            </a:r>
-          </a:p>
-          <a:p>
-            <a:pPr marL="457200" indent="-457200">
-              <a:buFont typeface="+mj-lt"/>
-              <a:buAutoNum type="arabicPeriod"/>
-            </a:pPr>
-            <a:endParaRPr lang="en-US" dirty="0"/>
-          </a:p>
-          <a:p>
-            <a:pPr marL="0" indent="0">
-              <a:buNone/>
-            </a:pPr>
-            <a:r>
-              <a:rPr lang="en-US" dirty="0"/>
-              <a:t>Windows: </a:t>
-            </a:r>
-          </a:p>
-          <a:p>
-            <a:pPr marL="400050" lvl="1" indent="0">
-              <a:buNone/>
-            </a:pPr>
-            <a:r>
-              <a:rPr lang="en-US" dirty="0"/>
-              <a:t>		Click the option that asks if you want to add Python to path</a:t>
-            </a:r>
-          </a:p>
-          <a:p>
-            <a:pPr marL="0" indent="0">
-              <a:buNone/>
-            </a:pPr>
-            <a:r>
-              <a:rPr lang="en-US" dirty="0"/>
-              <a:t> Mac: </a:t>
-            </a:r>
-          </a:p>
-          <a:p>
-            <a:pPr marL="857250" lvl="1" indent="-457200">
-              <a:buFont typeface="+mj-lt"/>
-              <a:buAutoNum type="arabicPeriod"/>
-            </a:pPr>
-            <a:r>
-              <a:rPr lang="en-US" dirty="0"/>
-              <a:t> If you are using a Mac, open up Terminal using finder</a:t>
-            </a:r>
-          </a:p>
-          <a:p>
-            <a:pPr marL="857250" lvl="1" indent="-457200">
-              <a:buFont typeface="+mj-lt"/>
-              <a:buAutoNum type="arabicPeriod"/>
-            </a:pPr>
-            <a:r>
-              <a:rPr lang="en-US" dirty="0"/>
-              <a:t>	type in '</a:t>
-            </a:r>
-            <a:r>
-              <a:rPr lang="en-US" dirty="0" err="1"/>
-              <a:t>sudo</a:t>
-            </a:r>
-            <a:r>
-              <a:rPr lang="en-US" dirty="0"/>
-              <a:t> nano /</a:t>
-            </a:r>
-            <a:r>
-              <a:rPr lang="en-US" dirty="0" err="1"/>
-              <a:t>etc</a:t>
-            </a:r>
-            <a:r>
-              <a:rPr lang="en-US" dirty="0"/>
-              <a:t>/paths’ </a:t>
-            </a:r>
-          </a:p>
-          <a:p>
-            <a:pPr marL="857250" lvl="1" indent="-457200">
-              <a:buFont typeface="+mj-lt"/>
-              <a:buAutoNum type="arabicPeriod"/>
-            </a:pPr>
-            <a:r>
-              <a:rPr lang="en-US" dirty="0"/>
-              <a:t> type in your password</a:t>
-            </a:r>
-          </a:p>
-          <a:p>
-            <a:pPr marL="857250" lvl="1" indent="-457200">
-              <a:buFont typeface="+mj-lt"/>
-              <a:buAutoNum type="arabicPeriod"/>
-            </a:pPr>
-            <a:r>
-              <a:rPr lang="en-US" dirty="0"/>
-              <a:t> go to the bottom of the file using arrow keys</a:t>
-            </a:r>
-          </a:p>
-          <a:p>
-            <a:pPr marL="857250" lvl="1" indent="-457200">
-              <a:buFont typeface="+mj-lt"/>
-              <a:buAutoNum type="arabicPeriod"/>
-            </a:pPr>
-            <a:r>
-              <a:rPr lang="en-US" dirty="0"/>
-              <a:t> Add the line '/</a:t>
-            </a:r>
-            <a:r>
-              <a:rPr lang="en-US" dirty="0" err="1"/>
-              <a:t>usr</a:t>
-            </a:r>
-            <a:r>
-              <a:rPr lang="en-US" dirty="0"/>
-              <a:t>/local/bin/python3'</a:t>
-            </a:r>
-          </a:p>
-          <a:p>
-            <a:pPr marL="857250" lvl="1" indent="-457200">
-              <a:buFont typeface="+mj-lt"/>
-              <a:buAutoNum type="arabicPeriod"/>
-            </a:pPr>
-            <a:r>
-              <a:rPr lang="en-US" dirty="0"/>
-              <a:t> Press control-x and then 'Y' to exit </a:t>
-            </a:r>
-          </a:p>
-        </p:txBody>
-      </p:sp>
-    </p:spTree>
-    <p:extLst>
-      <p:ext uri="{BB962C8B-B14F-4D97-AF65-F5344CB8AC3E}">
-        <p14:creationId xmlns:p14="http://schemas.microsoft.com/office/powerpoint/2010/main" val="2016995215"/>
-      </p:ext>
-    </p:extLst>
-  </p:cSld>
-  <p:clrMapOvr>
-    <a:masterClrMapping/>
-  </p:clrMapOvr>
-</p:sld>
-</file>
-
-<file path=ppt/slides/slide60.xml><?xml version="1.0" encoding="utf-8"?>
+<file path=ppt/slides/slide57.xml><?xml version="1.0" encoding="utf-8"?>
 <p:sld xmlns:a="http://schemas.openxmlformats.org/drawingml/2006/main" xmlns:r="http://schemas.openxmlformats.org/officeDocument/2006/relationships" xmlns:p="http://schemas.openxmlformats.org/presentationml/2006/main">
   <p:cSld>
     <p:spTree>
@@ -32803,7 +32111,7 @@
 </p:sld>
 </file>
 
-<file path=ppt/slides/slide61.xml><?xml version="1.0" encoding="utf-8"?>
+<file path=ppt/slides/slide58.xml><?xml version="1.0" encoding="utf-8"?>
 <p:sld xmlns:a="http://schemas.openxmlformats.org/drawingml/2006/main" xmlns:r="http://schemas.openxmlformats.org/officeDocument/2006/relationships" xmlns:p="http://schemas.openxmlformats.org/presentationml/2006/main">
   <p:cSld>
     <p:spTree>
@@ -32920,10 +32228,10 @@
       </p:sp>
       <p:graphicFrame>
         <p:nvGraphicFramePr>
-          <p:cNvPr id="7" name="Diagram 6">
+          <p:cNvPr id="6" name="Diagram 5">
             <a:extLst>
               <a:ext uri="{FF2B5EF4-FFF2-40B4-BE49-F238E27FC236}">
-                <a16:creationId xmlns:a16="http://schemas.microsoft.com/office/drawing/2014/main" id="{AF49FE5E-0293-BC4F-8DDC-2C25E1E2B7D2}"/>
+                <a16:creationId xmlns:a16="http://schemas.microsoft.com/office/drawing/2014/main" id="{259A3D58-30B3-4E49-8BD3-1BC103F9D4C1}"/>
               </a:ext>
             </a:extLst>
           </p:cNvPr>
@@ -32931,13 +32239,13 @@
           <p:nvPr>
             <p:extLst>
               <p:ext uri="{D42A27DB-BD31-4B8C-83A1-F6EECF244321}">
-                <p14:modId xmlns:p14="http://schemas.microsoft.com/office/powerpoint/2010/main" val="99949360"/>
+                <p14:modId xmlns:p14="http://schemas.microsoft.com/office/powerpoint/2010/main" val="1214363154"/>
               </p:ext>
             </p:extLst>
           </p:nvPr>
         </p:nvGraphicFramePr>
         <p:xfrm>
-          <a:off x="1103312" y="3164339"/>
+          <a:off x="1103312" y="3256807"/>
           <a:ext cx="9985376" cy="2141686"/>
         </p:xfrm>
         <a:graphic>
@@ -32948,10 +32256,10 @@
       </p:graphicFrame>
       <p:pic>
         <p:nvPicPr>
-          <p:cNvPr id="8" name="Picture 7">
+          <p:cNvPr id="4" name="Picture 3">
             <a:extLst>
               <a:ext uri="{FF2B5EF4-FFF2-40B4-BE49-F238E27FC236}">
-                <a16:creationId xmlns:a16="http://schemas.microsoft.com/office/drawing/2014/main" id="{7DD45FCF-5C1F-7548-A076-7D2CB5BDA26C}"/>
+                <a16:creationId xmlns:a16="http://schemas.microsoft.com/office/drawing/2014/main" id="{7E03265E-4DA2-724F-9233-7893090889AD}"/>
               </a:ext>
             </a:extLst>
           </p:cNvPr>
@@ -32968,8 +32276,8 @@
         </p:blipFill>
         <p:spPr>
           <a:xfrm>
-            <a:off x="3133618" y="5743994"/>
-            <a:ext cx="5772578" cy="1114006"/>
+            <a:off x="3941177" y="5826844"/>
+            <a:ext cx="5825193" cy="969410"/>
           </a:xfrm>
           <a:prstGeom prst="rect">
             <a:avLst/>
@@ -32989,7 +32297,7 @@
 </p:sld>
 </file>
 
-<file path=ppt/slides/slide62.xml><?xml version="1.0" encoding="utf-8"?>
+<file path=ppt/slides/slide59.xml><?xml version="1.0" encoding="utf-8"?>
 <p:sld xmlns:a="http://schemas.openxmlformats.org/drawingml/2006/main" xmlns:r="http://schemas.openxmlformats.org/officeDocument/2006/relationships" xmlns:p="http://schemas.openxmlformats.org/presentationml/2006/main">
   <p:cSld>
     <p:spTree>
@@ -33116,10 +32424,10 @@
       </p:sp>
       <p:graphicFrame>
         <p:nvGraphicFramePr>
-          <p:cNvPr id="4" name="Diagram 3">
+          <p:cNvPr id="5" name="Diagram 4">
             <a:extLst>
               <a:ext uri="{FF2B5EF4-FFF2-40B4-BE49-F238E27FC236}">
-                <a16:creationId xmlns:a16="http://schemas.microsoft.com/office/drawing/2014/main" id="{1433E024-D5F8-1F47-8935-7979F7443B50}"/>
+                <a16:creationId xmlns:a16="http://schemas.microsoft.com/office/drawing/2014/main" id="{59B72C1C-A0EF-E643-8D15-C96639327D4B}"/>
               </a:ext>
             </a:extLst>
           </p:cNvPr>
@@ -33127,14 +32435,14 @@
           <p:nvPr>
             <p:extLst>
               <p:ext uri="{D42A27DB-BD31-4B8C-83A1-F6EECF244321}">
-                <p14:modId xmlns:p14="http://schemas.microsoft.com/office/powerpoint/2010/main" val="400543954"/>
+                <p14:modId xmlns:p14="http://schemas.microsoft.com/office/powerpoint/2010/main" val="3359536796"/>
               </p:ext>
             </p:extLst>
           </p:nvPr>
         </p:nvGraphicFramePr>
         <p:xfrm>
-          <a:off x="4808304" y="5793310"/>
-          <a:ext cx="6691349" cy="949782"/>
+          <a:off x="4049015" y="5620543"/>
+          <a:ext cx="7879282" cy="1237457"/>
         </p:xfrm>
         <a:graphic>
           <a:graphicData uri="http://schemas.openxmlformats.org/drawingml/2006/diagram">
@@ -33155,7 +32463,129 @@
 </p:sld>
 </file>
 
-<file path=ppt/slides/slide63.xml><?xml version="1.0" encoding="utf-8"?>
+<file path=ppt/slides/slide6.xml><?xml version="1.0" encoding="utf-8"?>
+<p:sld xmlns:a="http://schemas.openxmlformats.org/drawingml/2006/main" xmlns:r="http://schemas.openxmlformats.org/officeDocument/2006/relationships" xmlns:p="http://schemas.openxmlformats.org/presentationml/2006/main">
+  <p:cSld>
+    <p:spTree>
+      <p:nvGrpSpPr>
+        <p:cNvPr id="1" name=""/>
+        <p:cNvGrpSpPr/>
+        <p:nvPr/>
+      </p:nvGrpSpPr>
+      <p:grpSpPr>
+        <a:xfrm>
+          <a:off x="0" y="0"/>
+          <a:ext cx="0" cy="0"/>
+          <a:chOff x="0" y="0"/>
+          <a:chExt cx="0" cy="0"/>
+        </a:xfrm>
+      </p:grpSpPr>
+      <p:sp>
+        <p:nvSpPr>
+          <p:cNvPr id="2" name="Title 1">
+            <a:extLst>
+              <a:ext uri="{FF2B5EF4-FFF2-40B4-BE49-F238E27FC236}">
+                <a16:creationId xmlns:a16="http://schemas.microsoft.com/office/drawing/2014/main" id="{8F2E5502-19E9-9143-A11E-92D0E79F9C58}"/>
+              </a:ext>
+            </a:extLst>
+          </p:cNvPr>
+          <p:cNvSpPr>
+            <a:spLocks noGrp="1"/>
+          </p:cNvSpPr>
+          <p:nvPr>
+            <p:ph type="title"/>
+          </p:nvPr>
+        </p:nvSpPr>
+        <p:spPr/>
+        <p:txBody>
+          <a:bodyPr/>
+          <a:lstStyle/>
+          <a:p>
+            <a:r>
+              <a:rPr lang="en-US" dirty="0"/>
+              <a:t>Using </a:t>
+            </a:r>
+            <a:r>
+              <a:rPr lang="en-US" dirty="0" err="1"/>
+              <a:t>Replit</a:t>
+            </a:r>
+            <a:r>
+              <a:rPr lang="en-US" dirty="0"/>
+              <a:t>	</a:t>
+            </a:r>
+          </a:p>
+        </p:txBody>
+      </p:sp>
+      <p:sp>
+        <p:nvSpPr>
+          <p:cNvPr id="3" name="Content Placeholder 2">
+            <a:extLst>
+              <a:ext uri="{FF2B5EF4-FFF2-40B4-BE49-F238E27FC236}">
+                <a16:creationId xmlns:a16="http://schemas.microsoft.com/office/drawing/2014/main" id="{BD151031-3BB9-054E-83A8-DDDA83CE6BEC}"/>
+              </a:ext>
+            </a:extLst>
+          </p:cNvPr>
+          <p:cNvSpPr>
+            <a:spLocks noGrp="1"/>
+          </p:cNvSpPr>
+          <p:nvPr>
+            <p:ph idx="1"/>
+          </p:nvPr>
+        </p:nvSpPr>
+        <p:spPr/>
+        <p:txBody>
+          <a:bodyPr/>
+          <a:lstStyle/>
+          <a:p>
+            <a:r>
+              <a:rPr lang="en-US" dirty="0"/>
+              <a:t>Although the original plan was to use the built in terminal, it is probably more reasonable to use an online compiler for this course</a:t>
+            </a:r>
+          </a:p>
+          <a:p>
+            <a:r>
+              <a:rPr lang="en-US" dirty="0"/>
+              <a:t>We will be using </a:t>
+            </a:r>
+            <a:r>
+              <a:rPr lang="en-US" dirty="0" err="1"/>
+              <a:t>Replit</a:t>
+            </a:r>
+            <a:r>
+              <a:rPr lang="en-US" dirty="0"/>
+              <a:t> (https://</a:t>
+            </a:r>
+            <a:r>
+              <a:rPr lang="en-US" dirty="0" err="1"/>
+              <a:t>replit.com</a:t>
+            </a:r>
+            <a:r>
+              <a:rPr lang="en-US" dirty="0"/>
+              <a:t>/)</a:t>
+            </a:r>
+          </a:p>
+          <a:p>
+            <a:r>
+              <a:rPr lang="en-US" dirty="0"/>
+              <a:t>The prior content slide deck still contains the instructions on how to download python</a:t>
+            </a:r>
+          </a:p>
+        </p:txBody>
+      </p:sp>
+    </p:spTree>
+    <p:extLst>
+      <p:ext uri="{BB962C8B-B14F-4D97-AF65-F5344CB8AC3E}">
+        <p14:creationId xmlns:p14="http://schemas.microsoft.com/office/powerpoint/2010/main" val="2858743127"/>
+      </p:ext>
+    </p:extLst>
+  </p:cSld>
+  <p:clrMapOvr>
+    <a:masterClrMapping/>
+  </p:clrMapOvr>
+</p:sld>
+</file>
+
+<file path=ppt/slides/slide60.xml><?xml version="1.0" encoding="utf-8"?>
 <p:sld xmlns:a="http://schemas.openxmlformats.org/drawingml/2006/main" xmlns:r="http://schemas.openxmlformats.org/officeDocument/2006/relationships" xmlns:p="http://schemas.openxmlformats.org/presentationml/2006/main">
   <p:cSld>
     <p:spTree>
@@ -33272,10 +32702,10 @@
       </p:sp>
       <p:pic>
         <p:nvPicPr>
-          <p:cNvPr id="4" name="Picture 3">
+          <p:cNvPr id="6" name="Picture 5">
             <a:extLst>
               <a:ext uri="{FF2B5EF4-FFF2-40B4-BE49-F238E27FC236}">
-                <a16:creationId xmlns:a16="http://schemas.microsoft.com/office/drawing/2014/main" id="{768EC902-6291-C743-9ECA-7CB7F1BD52FF}"/>
+                <a16:creationId xmlns:a16="http://schemas.microsoft.com/office/drawing/2014/main" id="{6788F468-41C2-AD4C-B6ED-AAA57C211D45}"/>
               </a:ext>
             </a:extLst>
           </p:cNvPr>
@@ -33292,8 +32722,8 @@
         </p:blipFill>
         <p:spPr>
           <a:xfrm>
-            <a:off x="1549400" y="3274948"/>
-            <a:ext cx="4546600" cy="1079500"/>
+            <a:off x="2469722" y="3211459"/>
+            <a:ext cx="4178300" cy="825500"/>
           </a:xfrm>
           <a:prstGeom prst="rect">
             <a:avLst/>
@@ -33302,10 +32732,10 @@
       </p:pic>
       <p:pic>
         <p:nvPicPr>
-          <p:cNvPr id="5" name="Picture 4">
+          <p:cNvPr id="7" name="Picture 6">
             <a:extLst>
               <a:ext uri="{FF2B5EF4-FFF2-40B4-BE49-F238E27FC236}">
-                <a16:creationId xmlns:a16="http://schemas.microsoft.com/office/drawing/2014/main" id="{D8EDDFB3-439B-4244-BBF7-DFF7FC4D4FCB}"/>
+                <a16:creationId xmlns:a16="http://schemas.microsoft.com/office/drawing/2014/main" id="{699DDE2C-5BF8-6248-B617-AA078CB3C30F}"/>
               </a:ext>
             </a:extLst>
           </p:cNvPr>
@@ -33322,8 +32752,8 @@
         </p:blipFill>
         <p:spPr>
           <a:xfrm>
-            <a:off x="1726772" y="5689494"/>
-            <a:ext cx="5664200" cy="838200"/>
+            <a:off x="2319522" y="5732182"/>
+            <a:ext cx="6057900" cy="673100"/>
           </a:xfrm>
           <a:prstGeom prst="rect">
             <a:avLst/>
@@ -33343,7 +32773,7 @@
 </p:sld>
 </file>
 
-<file path=ppt/slides/slide64.xml><?xml version="1.0" encoding="utf-8"?>
+<file path=ppt/slides/slide61.xml><?xml version="1.0" encoding="utf-8"?>
 <p:sld xmlns:a="http://schemas.openxmlformats.org/drawingml/2006/main" xmlns:r="http://schemas.openxmlformats.org/officeDocument/2006/relationships" xmlns:p="http://schemas.openxmlformats.org/presentationml/2006/main">
   <p:cSld>
     <p:spTree>
@@ -33442,10 +32872,10 @@
       </p:sp>
       <p:graphicFrame>
         <p:nvGraphicFramePr>
-          <p:cNvPr id="4" name="Diagram 3">
+          <p:cNvPr id="6" name="Diagram 5">
             <a:extLst>
               <a:ext uri="{FF2B5EF4-FFF2-40B4-BE49-F238E27FC236}">
-                <a16:creationId xmlns:a16="http://schemas.microsoft.com/office/drawing/2014/main" id="{82B747F2-0FAF-7F42-B14D-A8C1CF6BE13E}"/>
+                <a16:creationId xmlns:a16="http://schemas.microsoft.com/office/drawing/2014/main" id="{B0C0B7BD-4978-CA43-BE67-7D710A2A5FB7}"/>
               </a:ext>
             </a:extLst>
           </p:cNvPr>
@@ -33453,13 +32883,13 @@
           <p:nvPr>
             <p:extLst>
               <p:ext uri="{D42A27DB-BD31-4B8C-83A1-F6EECF244321}">
-                <p14:modId xmlns:p14="http://schemas.microsoft.com/office/powerpoint/2010/main" val="888659528"/>
+                <p14:modId xmlns:p14="http://schemas.microsoft.com/office/powerpoint/2010/main" val="411816330"/>
               </p:ext>
             </p:extLst>
           </p:nvPr>
         </p:nvGraphicFramePr>
         <p:xfrm>
-          <a:off x="836184" y="2568438"/>
+          <a:off x="1103312" y="2671179"/>
           <a:ext cx="9985376" cy="2141686"/>
         </p:xfrm>
         <a:graphic>
@@ -33481,7 +32911,7 @@
 </p:sld>
 </file>
 
-<file path=ppt/slides/slide65.xml><?xml version="1.0" encoding="utf-8"?>
+<file path=ppt/slides/slide62.xml><?xml version="1.0" encoding="utf-8"?>
 <p:sld xmlns:a="http://schemas.openxmlformats.org/drawingml/2006/main" xmlns:r="http://schemas.openxmlformats.org/officeDocument/2006/relationships" xmlns:p="http://schemas.openxmlformats.org/presentationml/2006/main">
   <p:cSld>
     <p:spTree>
@@ -33595,10 +33025,10 @@
       </p:sp>
       <p:pic>
         <p:nvPicPr>
-          <p:cNvPr id="4" name="Picture 3">
+          <p:cNvPr id="5" name="Picture 4">
             <a:extLst>
               <a:ext uri="{FF2B5EF4-FFF2-40B4-BE49-F238E27FC236}">
-                <a16:creationId xmlns:a16="http://schemas.microsoft.com/office/drawing/2014/main" id="{D65C2E5B-7A5E-C642-A415-FFD3C63E4C39}"/>
+                <a16:creationId xmlns:a16="http://schemas.microsoft.com/office/drawing/2014/main" id="{C3304867-9F83-5449-A052-B35EFEEFE74E}"/>
               </a:ext>
             </a:extLst>
           </p:cNvPr>
@@ -33615,8 +33045,8 @@
         </p:blipFill>
         <p:spPr>
           <a:xfrm>
-            <a:off x="949647" y="4306253"/>
-            <a:ext cx="9779000" cy="698500"/>
+            <a:off x="1202147" y="4508740"/>
+            <a:ext cx="9232900" cy="431800"/>
           </a:xfrm>
           <a:prstGeom prst="rect">
             <a:avLst/>
@@ -33636,7 +33066,7 @@
 </p:sld>
 </file>
 
-<file path=ppt/slides/slide66.xml><?xml version="1.0" encoding="utf-8"?>
+<file path=ppt/slides/slide63.xml><?xml version="1.0" encoding="utf-8"?>
 <p:sld xmlns:a="http://schemas.openxmlformats.org/drawingml/2006/main" xmlns:r="http://schemas.openxmlformats.org/officeDocument/2006/relationships" xmlns:p="http://schemas.openxmlformats.org/presentationml/2006/main">
   <p:cSld>
     <p:spTree>
@@ -33756,10 +33186,10 @@
       </p:sp>
       <p:pic>
         <p:nvPicPr>
-          <p:cNvPr id="4" name="Picture 3">
+          <p:cNvPr id="5" name="Picture 4">
             <a:extLst>
               <a:ext uri="{FF2B5EF4-FFF2-40B4-BE49-F238E27FC236}">
-                <a16:creationId xmlns:a16="http://schemas.microsoft.com/office/drawing/2014/main" id="{7E52B59E-1486-D94A-B56E-0F110DCCF4CC}"/>
+                <a16:creationId xmlns:a16="http://schemas.microsoft.com/office/drawing/2014/main" id="{07FB18FF-34BE-6546-97F3-708E7C638ECC}"/>
               </a:ext>
             </a:extLst>
           </p:cNvPr>
@@ -33776,8 +33206,8 @@
         </p:blipFill>
         <p:spPr>
           <a:xfrm>
-            <a:off x="1106488" y="2870200"/>
-            <a:ext cx="9982200" cy="558800"/>
+            <a:off x="1055688" y="2856144"/>
+            <a:ext cx="10033000" cy="673100"/>
           </a:xfrm>
           <a:prstGeom prst="rect">
             <a:avLst/>
@@ -33786,10 +33216,10 @@
       </p:pic>
       <p:pic>
         <p:nvPicPr>
-          <p:cNvPr id="6" name="Picture 5">
+          <p:cNvPr id="8" name="Picture 7">
             <a:extLst>
               <a:ext uri="{FF2B5EF4-FFF2-40B4-BE49-F238E27FC236}">
-                <a16:creationId xmlns:a16="http://schemas.microsoft.com/office/drawing/2014/main" id="{37AC99D3-D0FA-B343-B186-7B8950666C4F}"/>
+                <a16:creationId xmlns:a16="http://schemas.microsoft.com/office/drawing/2014/main" id="{1D79C110-241D-BE49-AF5C-D05DB2F14699}"/>
               </a:ext>
             </a:extLst>
           </p:cNvPr>
@@ -33806,8 +33236,8 @@
         </p:blipFill>
         <p:spPr>
           <a:xfrm>
-            <a:off x="1103312" y="4150658"/>
-            <a:ext cx="10108610" cy="514790"/>
+            <a:off x="801688" y="4150658"/>
+            <a:ext cx="10541000" cy="444500"/>
           </a:xfrm>
           <a:prstGeom prst="rect">
             <a:avLst/>
@@ -33816,10 +33246,10 @@
       </p:pic>
       <p:pic>
         <p:nvPicPr>
-          <p:cNvPr id="7" name="Picture 6">
+          <p:cNvPr id="9" name="Picture 8">
             <a:extLst>
               <a:ext uri="{FF2B5EF4-FFF2-40B4-BE49-F238E27FC236}">
-                <a16:creationId xmlns:a16="http://schemas.microsoft.com/office/drawing/2014/main" id="{E564E75D-299F-9144-91ED-4CD569349462}"/>
+                <a16:creationId xmlns:a16="http://schemas.microsoft.com/office/drawing/2014/main" id="{66EC2750-BF97-634D-93D8-E12BE914D0B3}"/>
               </a:ext>
             </a:extLst>
           </p:cNvPr>
@@ -33836,8 +33266,8 @@
         </p:blipFill>
         <p:spPr>
           <a:xfrm>
-            <a:off x="1103312" y="5526740"/>
-            <a:ext cx="7835900" cy="673100"/>
+            <a:off x="1309955" y="5598560"/>
+            <a:ext cx="7620000" cy="304800"/>
           </a:xfrm>
           <a:prstGeom prst="rect">
             <a:avLst/>
@@ -33857,7 +33287,7 @@
 </p:sld>
 </file>
 
-<file path=ppt/slides/slide67.xml><?xml version="1.0" encoding="utf-8"?>
+<file path=ppt/slides/slide64.xml><?xml version="1.0" encoding="utf-8"?>
 <p:sld xmlns:a="http://schemas.openxmlformats.org/drawingml/2006/main" xmlns:r="http://schemas.openxmlformats.org/officeDocument/2006/relationships" xmlns:p="http://schemas.openxmlformats.org/presentationml/2006/main">
   <p:cSld>
     <p:spTree>
@@ -33988,7 +33418,7 @@
 </p:sld>
 </file>
 
-<file path=ppt/slides/slide68.xml><?xml version="1.0" encoding="utf-8"?>
+<file path=ppt/slides/slide65.xml><?xml version="1.0" encoding="utf-8"?>
 <p:sld xmlns:a="http://schemas.openxmlformats.org/drawingml/2006/main" xmlns:r="http://schemas.openxmlformats.org/officeDocument/2006/relationships" xmlns:p="http://schemas.openxmlformats.org/presentationml/2006/main">
   <p:cSld>
     <p:spTree>
@@ -34110,36 +33540,6 @@
       </p:sp>
       <p:pic>
         <p:nvPicPr>
-          <p:cNvPr id="4" name="Picture 3">
-            <a:extLst>
-              <a:ext uri="{FF2B5EF4-FFF2-40B4-BE49-F238E27FC236}">
-                <a16:creationId xmlns:a16="http://schemas.microsoft.com/office/drawing/2014/main" id="{E896164C-8560-D04F-8895-A0A9B9E6CA3A}"/>
-              </a:ext>
-            </a:extLst>
-          </p:cNvPr>
-          <p:cNvPicPr>
-            <a:picLocks noChangeAspect="1"/>
-          </p:cNvPicPr>
-          <p:nvPr/>
-        </p:nvPicPr>
-        <p:blipFill>
-          <a:blip r:embed="rId2"/>
-          <a:stretch>
-            <a:fillRect/>
-          </a:stretch>
-        </p:blipFill>
-        <p:spPr>
-          <a:xfrm>
-            <a:off x="1765300" y="2425700"/>
-            <a:ext cx="4330700" cy="1003300"/>
-          </a:xfrm>
-          <a:prstGeom prst="rect">
-            <a:avLst/>
-          </a:prstGeom>
-        </p:spPr>
-      </p:pic>
-      <p:pic>
-        <p:nvPicPr>
           <p:cNvPr id="5" name="Picture 4">
             <a:extLst>
               <a:ext uri="{FF2B5EF4-FFF2-40B4-BE49-F238E27FC236}">
@@ -34153,7 +33553,7 @@
           <p:nvPr/>
         </p:nvPicPr>
         <p:blipFill>
-          <a:blip r:embed="rId3"/>
+          <a:blip r:embed="rId2"/>
           <a:stretch>
             <a:fillRect/>
           </a:stretch>
@@ -34183,7 +33583,7 @@
           <p:nvPr/>
         </p:nvPicPr>
         <p:blipFill>
-          <a:blip r:embed="rId4"/>
+          <a:blip r:embed="rId3"/>
           <a:stretch>
             <a:fillRect/>
           </a:stretch>
@@ -34192,6 +33592,36 @@
           <a:xfrm>
             <a:off x="953642" y="5868592"/>
             <a:ext cx="8242300" cy="647700"/>
+          </a:xfrm>
+          <a:prstGeom prst="rect">
+            <a:avLst/>
+          </a:prstGeom>
+        </p:spPr>
+      </p:pic>
+      <p:pic>
+        <p:nvPicPr>
+          <p:cNvPr id="6" name="Picture 5">
+            <a:extLst>
+              <a:ext uri="{FF2B5EF4-FFF2-40B4-BE49-F238E27FC236}">
+                <a16:creationId xmlns:a16="http://schemas.microsoft.com/office/drawing/2014/main" id="{2974DE85-678C-0949-9914-94693E7041C4}"/>
+              </a:ext>
+            </a:extLst>
+          </p:cNvPr>
+          <p:cNvPicPr>
+            <a:picLocks noChangeAspect="1"/>
+          </p:cNvPicPr>
+          <p:nvPr/>
+        </p:nvPicPr>
+        <p:blipFill>
+          <a:blip r:embed="rId4"/>
+          <a:stretch>
+            <a:fillRect/>
+          </a:stretch>
+        </p:blipFill>
+        <p:spPr>
+          <a:xfrm>
+            <a:off x="2845942" y="2260375"/>
+            <a:ext cx="4457700" cy="1193800"/>
           </a:xfrm>
           <a:prstGeom prst="rect">
             <a:avLst/>
@@ -34211,7 +33641,7 @@
 </p:sld>
 </file>
 
-<file path=ppt/slides/slide69.xml><?xml version="1.0" encoding="utf-8"?>
+<file path=ppt/slides/slide66.xml><?xml version="1.0" encoding="utf-8"?>
 <p:sld xmlns:a="http://schemas.openxmlformats.org/drawingml/2006/main" xmlns:r="http://schemas.openxmlformats.org/officeDocument/2006/relationships" xmlns:p="http://schemas.openxmlformats.org/presentationml/2006/main">
   <p:cSld>
     <p:spTree>
@@ -34251,7 +33681,7 @@
           <a:p>
             <a:r>
               <a:rPr lang="en-US" dirty="0"/>
-              <a:t>The End Function</a:t>
+              <a:t>The Output Function</a:t>
             </a:r>
           </a:p>
         </p:txBody>
@@ -34313,12 +33743,40 @@
           </a:p>
         </p:txBody>
       </p:sp>
+      <p:graphicFrame>
+        <p:nvGraphicFramePr>
+          <p:cNvPr id="6" name="Diagram 5">
+            <a:extLst>
+              <a:ext uri="{FF2B5EF4-FFF2-40B4-BE49-F238E27FC236}">
+                <a16:creationId xmlns:a16="http://schemas.microsoft.com/office/drawing/2014/main" id="{3AE5194C-5EEE-9D46-95FC-AC992A933901}"/>
+              </a:ext>
+            </a:extLst>
+          </p:cNvPr>
+          <p:cNvGraphicFramePr/>
+          <p:nvPr>
+            <p:extLst>
+              <p:ext uri="{D42A27DB-BD31-4B8C-83A1-F6EECF244321}">
+                <p14:modId xmlns:p14="http://schemas.microsoft.com/office/powerpoint/2010/main" val="384917248"/>
+              </p:ext>
+            </p:extLst>
+          </p:nvPr>
+        </p:nvGraphicFramePr>
+        <p:xfrm>
+          <a:off x="1103312" y="4716314"/>
+          <a:ext cx="9985376" cy="2141686"/>
+        </p:xfrm>
+        <a:graphic>
+          <a:graphicData uri="http://schemas.openxmlformats.org/drawingml/2006/diagram">
+            <dgm:relIds xmlns:dgm="http://schemas.openxmlformats.org/drawingml/2006/diagram" xmlns:r="http://schemas.openxmlformats.org/officeDocument/2006/relationships" r:dm="rId2" r:lo="rId3" r:qs="rId4" r:cs="rId5"/>
+          </a:graphicData>
+        </a:graphic>
+      </p:graphicFrame>
       <p:pic>
         <p:nvPicPr>
-          <p:cNvPr id="4" name="Picture 3">
+          <p:cNvPr id="7" name="Picture 6">
             <a:extLst>
               <a:ext uri="{FF2B5EF4-FFF2-40B4-BE49-F238E27FC236}">
-                <a16:creationId xmlns:a16="http://schemas.microsoft.com/office/drawing/2014/main" id="{34F2C989-3715-B740-AEEF-CD827A4296F5}"/>
+                <a16:creationId xmlns:a16="http://schemas.microsoft.com/office/drawing/2014/main" id="{BFE8B84A-D4CD-6744-845F-2940C964212A}"/>
               </a:ext>
             </a:extLst>
           </p:cNvPr>
@@ -34328,49 +33786,21 @@
           <p:nvPr/>
         </p:nvPicPr>
         <p:blipFill>
-          <a:blip r:embed="rId2"/>
+          <a:blip r:embed="rId7"/>
           <a:stretch>
             <a:fillRect/>
           </a:stretch>
         </p:blipFill>
         <p:spPr>
           <a:xfrm>
-            <a:off x="1401637" y="4634287"/>
-            <a:ext cx="5422900" cy="342900"/>
+            <a:off x="1261653" y="4516644"/>
+            <a:ext cx="6565900" cy="381000"/>
           </a:xfrm>
           <a:prstGeom prst="rect">
             <a:avLst/>
           </a:prstGeom>
         </p:spPr>
       </p:pic>
-      <p:graphicFrame>
-        <p:nvGraphicFramePr>
-          <p:cNvPr id="5" name="Diagram 4">
-            <a:extLst>
-              <a:ext uri="{FF2B5EF4-FFF2-40B4-BE49-F238E27FC236}">
-                <a16:creationId xmlns:a16="http://schemas.microsoft.com/office/drawing/2014/main" id="{472F58BE-8083-F74A-9CD6-FFC12ADD7DEA}"/>
-              </a:ext>
-            </a:extLst>
-          </p:cNvPr>
-          <p:cNvGraphicFramePr/>
-          <p:nvPr>
-            <p:extLst>
-              <p:ext uri="{D42A27DB-BD31-4B8C-83A1-F6EECF244321}">
-                <p14:modId xmlns:p14="http://schemas.microsoft.com/office/powerpoint/2010/main" val="1797454190"/>
-              </p:ext>
-            </p:extLst>
-          </p:nvPr>
-        </p:nvGraphicFramePr>
-        <p:xfrm>
-          <a:off x="804987" y="4805737"/>
-          <a:ext cx="9985376" cy="2141686"/>
-        </p:xfrm>
-        <a:graphic>
-          <a:graphicData uri="http://schemas.openxmlformats.org/drawingml/2006/diagram">
-            <dgm:relIds xmlns:dgm="http://schemas.openxmlformats.org/drawingml/2006/diagram" xmlns:r="http://schemas.openxmlformats.org/officeDocument/2006/relationships" r:dm="rId3" r:lo="rId4" r:qs="rId5" r:cs="rId6"/>
-          </a:graphicData>
-        </a:graphic>
-      </p:graphicFrame>
     </p:spTree>
     <p:extLst>
       <p:ext uri="{BB962C8B-B14F-4D97-AF65-F5344CB8AC3E}">
@@ -34384,138 +33814,7 @@
 </p:sld>
 </file>
 
-<file path=ppt/slides/slide7.xml><?xml version="1.0" encoding="utf-8"?>
-<p:sld xmlns:a="http://schemas.openxmlformats.org/drawingml/2006/main" xmlns:r="http://schemas.openxmlformats.org/officeDocument/2006/relationships" xmlns:p="http://schemas.openxmlformats.org/presentationml/2006/main">
-  <p:cSld>
-    <p:spTree>
-      <p:nvGrpSpPr>
-        <p:cNvPr id="1" name=""/>
-        <p:cNvGrpSpPr/>
-        <p:nvPr/>
-      </p:nvGrpSpPr>
-      <p:grpSpPr>
-        <a:xfrm>
-          <a:off x="0" y="0"/>
-          <a:ext cx="0" cy="0"/>
-          <a:chOff x="0" y="0"/>
-          <a:chExt cx="0" cy="0"/>
-        </a:xfrm>
-      </p:grpSpPr>
-      <p:sp>
-        <p:nvSpPr>
-          <p:cNvPr id="2" name="Title 1">
-            <a:extLst>
-              <a:ext uri="{FF2B5EF4-FFF2-40B4-BE49-F238E27FC236}">
-                <a16:creationId xmlns:a16="http://schemas.microsoft.com/office/drawing/2014/main" id="{E4AFFE4F-452B-8748-AF3C-2862999D05F5}"/>
-              </a:ext>
-            </a:extLst>
-          </p:cNvPr>
-          <p:cNvSpPr>
-            <a:spLocks noGrp="1"/>
-          </p:cNvSpPr>
-          <p:nvPr>
-            <p:ph type="title"/>
-          </p:nvPr>
-        </p:nvSpPr>
-        <p:spPr/>
-        <p:txBody>
-          <a:bodyPr/>
-          <a:lstStyle/>
-          <a:p>
-            <a:r>
-              <a:rPr lang="en-US" dirty="0"/>
-              <a:t>Hello World</a:t>
-            </a:r>
-          </a:p>
-        </p:txBody>
-      </p:sp>
-      <p:sp>
-        <p:nvSpPr>
-          <p:cNvPr id="3" name="Content Placeholder 2">
-            <a:extLst>
-              <a:ext uri="{FF2B5EF4-FFF2-40B4-BE49-F238E27FC236}">
-                <a16:creationId xmlns:a16="http://schemas.microsoft.com/office/drawing/2014/main" id="{093E9495-F4C2-5E44-AC2B-E507DDED3734}"/>
-              </a:ext>
-            </a:extLst>
-          </p:cNvPr>
-          <p:cNvSpPr>
-            <a:spLocks noGrp="1"/>
-          </p:cNvSpPr>
-          <p:nvPr>
-            <p:ph idx="1"/>
-          </p:nvPr>
-        </p:nvSpPr>
-        <p:spPr/>
-        <p:txBody>
-          <a:bodyPr/>
-          <a:lstStyle/>
-          <a:p>
-            <a:r>
-              <a:rPr lang="en-US" dirty="0"/>
-              <a:t>So, to start we will create a “hello world” program in python</a:t>
-            </a:r>
-          </a:p>
-          <a:p>
-            <a:r>
-              <a:rPr lang="en-US" dirty="0"/>
-              <a:t>Type in “python” into your CLI </a:t>
-            </a:r>
-          </a:p>
-          <a:p>
-            <a:r>
-              <a:rPr lang="en-US" dirty="0"/>
-              <a:t>Then type in print(“hello world”)</a:t>
-            </a:r>
-          </a:p>
-          <a:p>
-            <a:endParaRPr lang="en-US" dirty="0"/>
-          </a:p>
-        </p:txBody>
-      </p:sp>
-      <p:pic>
-        <p:nvPicPr>
-          <p:cNvPr id="4" name="Picture 3">
-            <a:extLst>
-              <a:ext uri="{FF2B5EF4-FFF2-40B4-BE49-F238E27FC236}">
-                <a16:creationId xmlns:a16="http://schemas.microsoft.com/office/drawing/2014/main" id="{98C21BD2-B0A3-EC4E-85B5-C2606D9F0C3D}"/>
-              </a:ext>
-            </a:extLst>
-          </p:cNvPr>
-          <p:cNvPicPr>
-            <a:picLocks noChangeAspect="1"/>
-          </p:cNvPicPr>
-          <p:nvPr/>
-        </p:nvPicPr>
-        <p:blipFill>
-          <a:blip r:embed="rId2"/>
-          <a:stretch>
-            <a:fillRect/>
-          </a:stretch>
-        </p:blipFill>
-        <p:spPr>
-          <a:xfrm>
-            <a:off x="2038564" y="3429000"/>
-            <a:ext cx="8382000" cy="2324100"/>
-          </a:xfrm>
-          <a:prstGeom prst="rect">
-            <a:avLst/>
-          </a:prstGeom>
-        </p:spPr>
-      </p:pic>
-    </p:spTree>
-    <p:extLst>
-      <p:ext uri="{BB962C8B-B14F-4D97-AF65-F5344CB8AC3E}">
-        <p14:creationId xmlns:p14="http://schemas.microsoft.com/office/powerpoint/2010/main" val="18699786"/>
-      </p:ext>
-    </p:extLst>
-  </p:cSld>
-  <p:clrMapOvr>
-    <a:masterClrMapping/>
-  </p:clrMapOvr>
-</p:sld>
-</file>
-
-<file path=ppt/slides/slide70.xml><?xml version="1.0" encoding="utf-8"?>
+<file path=ppt/slides/slide67.xml><?xml version="1.0" encoding="utf-8"?>
 <p:sld xmlns:a="http://schemas.openxmlformats.org/drawingml/2006/main" xmlns:r="http://schemas.openxmlformats.org/officeDocument/2006/relationships" xmlns:p="http://schemas.openxmlformats.org/presentationml/2006/main">
   <p:cSld>
     <p:spTree>
@@ -34555,7 +33854,7 @@
           <a:p>
             <a:r>
               <a:rPr lang="en-US" dirty="0"/>
-              <a:t>The End Function </a:t>
+              <a:t>The Output Function </a:t>
             </a:r>
             <a:r>
               <a:rPr lang="en-US" dirty="0" err="1"/>
@@ -34634,10 +33933,10 @@
       </p:sp>
       <p:pic>
         <p:nvPicPr>
-          <p:cNvPr id="5" name="Picture 4">
+          <p:cNvPr id="6" name="Picture 5">
             <a:extLst>
               <a:ext uri="{FF2B5EF4-FFF2-40B4-BE49-F238E27FC236}">
-                <a16:creationId xmlns:a16="http://schemas.microsoft.com/office/drawing/2014/main" id="{87E2C762-530B-6F40-8DB9-D5C9F43C73F6}"/>
+                <a16:creationId xmlns:a16="http://schemas.microsoft.com/office/drawing/2014/main" id="{E8D0526F-DC31-1E46-BCDF-6820D77B0F59}"/>
               </a:ext>
             </a:extLst>
           </p:cNvPr>
@@ -34654,8 +33953,8 @@
         </p:blipFill>
         <p:spPr>
           <a:xfrm>
-            <a:off x="1103312" y="3585265"/>
-            <a:ext cx="7856306" cy="1686987"/>
+            <a:off x="1103312" y="6074939"/>
+            <a:ext cx="3581400" cy="317500"/>
           </a:xfrm>
           <a:prstGeom prst="rect">
             <a:avLst/>
@@ -34664,10 +33963,10 @@
       </p:pic>
       <p:pic>
         <p:nvPicPr>
-          <p:cNvPr id="6" name="Picture 5">
+          <p:cNvPr id="7" name="Picture 6">
             <a:extLst>
               <a:ext uri="{FF2B5EF4-FFF2-40B4-BE49-F238E27FC236}">
-                <a16:creationId xmlns:a16="http://schemas.microsoft.com/office/drawing/2014/main" id="{E8D0526F-DC31-1E46-BCDF-6820D77B0F59}"/>
+                <a16:creationId xmlns:a16="http://schemas.microsoft.com/office/drawing/2014/main" id="{B03986DC-70EB-B24E-AECB-4823047DB1BC}"/>
               </a:ext>
             </a:extLst>
           </p:cNvPr>
@@ -34684,8 +33983,8 @@
         </p:blipFill>
         <p:spPr>
           <a:xfrm>
-            <a:off x="1103312" y="6074939"/>
-            <a:ext cx="3581400" cy="317500"/>
+            <a:off x="1191499" y="3290502"/>
+            <a:ext cx="5862638" cy="1789735"/>
           </a:xfrm>
           <a:prstGeom prst="rect">
             <a:avLst/>
@@ -34705,451 +34004,7 @@
 </p:sld>
 </file>
 
-<file path=ppt/slides/slide71.xml><?xml version="1.0" encoding="utf-8"?>
-<p:sld xmlns:a="http://schemas.openxmlformats.org/drawingml/2006/main" xmlns:r="http://schemas.openxmlformats.org/officeDocument/2006/relationships" xmlns:p="http://schemas.openxmlformats.org/presentationml/2006/main">
-  <p:cSld>
-    <p:spTree>
-      <p:nvGrpSpPr>
-        <p:cNvPr id="1" name=""/>
-        <p:cNvGrpSpPr/>
-        <p:nvPr/>
-      </p:nvGrpSpPr>
-      <p:grpSpPr>
-        <a:xfrm>
-          <a:off x="0" y="0"/>
-          <a:ext cx="0" cy="0"/>
-          <a:chOff x="0" y="0"/>
-          <a:chExt cx="0" cy="0"/>
-        </a:xfrm>
-      </p:grpSpPr>
-      <p:sp>
-        <p:nvSpPr>
-          <p:cNvPr id="2" name="Title 1">
-            <a:extLst>
-              <a:ext uri="{FF2B5EF4-FFF2-40B4-BE49-F238E27FC236}">
-                <a16:creationId xmlns:a16="http://schemas.microsoft.com/office/drawing/2014/main" id="{AB8FD04E-C819-5846-BED7-C284F5CBDDF5}"/>
-              </a:ext>
-            </a:extLst>
-          </p:cNvPr>
-          <p:cNvSpPr>
-            <a:spLocks noGrp="1"/>
-          </p:cNvSpPr>
-          <p:nvPr>
-            <p:ph type="title"/>
-          </p:nvPr>
-        </p:nvSpPr>
-        <p:spPr/>
-        <p:txBody>
-          <a:bodyPr/>
-          <a:lstStyle/>
-          <a:p>
-            <a:r>
-              <a:rPr lang="en-US" dirty="0"/>
-              <a:t>Are We done?</a:t>
-            </a:r>
-          </a:p>
-        </p:txBody>
-      </p:sp>
-      <p:sp>
-        <p:nvSpPr>
-          <p:cNvPr id="3" name="Content Placeholder 2">
-            <a:extLst>
-              <a:ext uri="{FF2B5EF4-FFF2-40B4-BE49-F238E27FC236}">
-                <a16:creationId xmlns:a16="http://schemas.microsoft.com/office/drawing/2014/main" id="{5CFBB92C-B413-E641-B541-BB8866600DE2}"/>
-              </a:ext>
-            </a:extLst>
-          </p:cNvPr>
-          <p:cNvSpPr>
-            <a:spLocks noGrp="1"/>
-          </p:cNvSpPr>
-          <p:nvPr>
-            <p:ph idx="1"/>
-          </p:nvPr>
-        </p:nvSpPr>
-        <p:spPr/>
-        <p:txBody>
-          <a:bodyPr/>
-          <a:lstStyle/>
-          <a:p>
-            <a:r>
-              <a:rPr lang="en-US" dirty="0"/>
-              <a:t>Yes and no</a:t>
-            </a:r>
-          </a:p>
-          <a:p>
-            <a:r>
-              <a:rPr lang="en-US" dirty="0"/>
-              <a:t>So when it comes to applications where users are inputting information, we always want a backup plan</a:t>
-            </a:r>
-          </a:p>
-          <a:p>
-            <a:r>
-              <a:rPr lang="en-US" dirty="0"/>
-              <a:t>This is where try/except blocks come into play</a:t>
-            </a:r>
-          </a:p>
-          <a:p>
-            <a:r>
-              <a:rPr lang="en-US" dirty="0"/>
-              <a:t>Essentially at every function we want to “try” the code and if something unexpected happens we have to handle it in a predefined way</a:t>
-            </a:r>
-          </a:p>
-          <a:p>
-            <a:pPr lvl="1"/>
-            <a:r>
-              <a:rPr lang="en-US" dirty="0"/>
-              <a:t>As I’ve mentioned before, there is nothing worse than undefined behavior! </a:t>
-            </a:r>
-          </a:p>
-        </p:txBody>
-      </p:sp>
-    </p:spTree>
-    <p:extLst>
-      <p:ext uri="{BB962C8B-B14F-4D97-AF65-F5344CB8AC3E}">
-        <p14:creationId xmlns:p14="http://schemas.microsoft.com/office/powerpoint/2010/main" val="2675691803"/>
-      </p:ext>
-    </p:extLst>
-  </p:cSld>
-  <p:clrMapOvr>
-    <a:masterClrMapping/>
-  </p:clrMapOvr>
-</p:sld>
-</file>
-
-<file path=ppt/slides/slide72.xml><?xml version="1.0" encoding="utf-8"?>
-<p:sld xmlns:a="http://schemas.openxmlformats.org/drawingml/2006/main" xmlns:r="http://schemas.openxmlformats.org/officeDocument/2006/relationships" xmlns:p="http://schemas.openxmlformats.org/presentationml/2006/main">
-  <p:cSld>
-    <p:spTree>
-      <p:nvGrpSpPr>
-        <p:cNvPr id="1" name=""/>
-        <p:cNvGrpSpPr/>
-        <p:nvPr/>
-      </p:nvGrpSpPr>
-      <p:grpSpPr>
-        <a:xfrm>
-          <a:off x="0" y="0"/>
-          <a:ext cx="0" cy="0"/>
-          <a:chOff x="0" y="0"/>
-          <a:chExt cx="0" cy="0"/>
-        </a:xfrm>
-      </p:grpSpPr>
-      <p:sp>
-        <p:nvSpPr>
-          <p:cNvPr id="2" name="Title 1">
-            <a:extLst>
-              <a:ext uri="{FF2B5EF4-FFF2-40B4-BE49-F238E27FC236}">
-                <a16:creationId xmlns:a16="http://schemas.microsoft.com/office/drawing/2014/main" id="{C49184F7-01C2-4C41-BFEF-39522FA19959}"/>
-              </a:ext>
-            </a:extLst>
-          </p:cNvPr>
-          <p:cNvSpPr>
-            <a:spLocks noGrp="1"/>
-          </p:cNvSpPr>
-          <p:nvPr>
-            <p:ph type="title"/>
-          </p:nvPr>
-        </p:nvSpPr>
-        <p:spPr/>
-        <p:txBody>
-          <a:bodyPr/>
-          <a:lstStyle/>
-          <a:p>
-            <a:r>
-              <a:rPr lang="en-US" dirty="0"/>
-              <a:t>Except Function</a:t>
-            </a:r>
-          </a:p>
-        </p:txBody>
-      </p:sp>
-      <p:sp>
-        <p:nvSpPr>
-          <p:cNvPr id="3" name="Content Placeholder 2">
-            <a:extLst>
-              <a:ext uri="{FF2B5EF4-FFF2-40B4-BE49-F238E27FC236}">
-                <a16:creationId xmlns:a16="http://schemas.microsoft.com/office/drawing/2014/main" id="{C86224FF-9956-8747-8ED1-FD604C96F3CA}"/>
-              </a:ext>
-            </a:extLst>
-          </p:cNvPr>
-          <p:cNvSpPr>
-            <a:spLocks noGrp="1"/>
-          </p:cNvSpPr>
-          <p:nvPr>
-            <p:ph idx="1"/>
-          </p:nvPr>
-        </p:nvSpPr>
-        <p:spPr/>
-        <p:txBody>
-          <a:bodyPr/>
-          <a:lstStyle/>
-          <a:p>
-            <a:r>
-              <a:rPr lang="en-US" dirty="0"/>
-              <a:t>We will just create a quick function called “Error” which will trigger if something goes wrong.</a:t>
-            </a:r>
-          </a:p>
-          <a:p>
-            <a:r>
-              <a:rPr lang="en-US" dirty="0"/>
-              <a:t>All this function will do is reply “there was a problem, press /start to start again!” and then end the conversation</a:t>
-            </a:r>
-          </a:p>
-          <a:p>
-            <a:r>
-              <a:rPr lang="en-US" dirty="0"/>
-              <a:t>In more complex fallback functions we can tell the user the actual issue but for now this is good enough</a:t>
-            </a:r>
-          </a:p>
-        </p:txBody>
-      </p:sp>
-    </p:spTree>
-    <p:extLst>
-      <p:ext uri="{BB962C8B-B14F-4D97-AF65-F5344CB8AC3E}">
-        <p14:creationId xmlns:p14="http://schemas.microsoft.com/office/powerpoint/2010/main" val="2416043083"/>
-      </p:ext>
-    </p:extLst>
-  </p:cSld>
-  <p:clrMapOvr>
-    <a:masterClrMapping/>
-  </p:clrMapOvr>
-</p:sld>
-</file>
-
-<file path=ppt/slides/slide73.xml><?xml version="1.0" encoding="utf-8"?>
-<p:sld xmlns:a="http://schemas.openxmlformats.org/drawingml/2006/main" xmlns:r="http://schemas.openxmlformats.org/officeDocument/2006/relationships" xmlns:p="http://schemas.openxmlformats.org/presentationml/2006/main">
-  <p:cSld>
-    <p:spTree>
-      <p:nvGrpSpPr>
-        <p:cNvPr id="1" name=""/>
-        <p:cNvGrpSpPr/>
-        <p:nvPr/>
-      </p:nvGrpSpPr>
-      <p:grpSpPr>
-        <a:xfrm>
-          <a:off x="0" y="0"/>
-          <a:ext cx="0" cy="0"/>
-          <a:chOff x="0" y="0"/>
-          <a:chExt cx="0" cy="0"/>
-        </a:xfrm>
-      </p:grpSpPr>
-      <p:sp>
-        <p:nvSpPr>
-          <p:cNvPr id="2" name="Title 1">
-            <a:extLst>
-              <a:ext uri="{FF2B5EF4-FFF2-40B4-BE49-F238E27FC236}">
-                <a16:creationId xmlns:a16="http://schemas.microsoft.com/office/drawing/2014/main" id="{074B4B88-D01B-724F-8A5C-23397407D0B0}"/>
-              </a:ext>
-            </a:extLst>
-          </p:cNvPr>
-          <p:cNvSpPr>
-            <a:spLocks noGrp="1"/>
-          </p:cNvSpPr>
-          <p:nvPr>
-            <p:ph type="title"/>
-          </p:nvPr>
-        </p:nvSpPr>
-        <p:spPr/>
-        <p:txBody>
-          <a:bodyPr/>
-          <a:lstStyle/>
-          <a:p>
-            <a:r>
-              <a:rPr lang="en-US" dirty="0"/>
-              <a:t>Coding the Except function</a:t>
-            </a:r>
-          </a:p>
-        </p:txBody>
-      </p:sp>
-      <p:sp>
-        <p:nvSpPr>
-          <p:cNvPr id="3" name="Content Placeholder 2">
-            <a:extLst>
-              <a:ext uri="{FF2B5EF4-FFF2-40B4-BE49-F238E27FC236}">
-                <a16:creationId xmlns:a16="http://schemas.microsoft.com/office/drawing/2014/main" id="{281E8D23-1489-4E4F-BC3E-29C53A157567}"/>
-              </a:ext>
-            </a:extLst>
-          </p:cNvPr>
-          <p:cNvSpPr>
-            <a:spLocks noGrp="1"/>
-          </p:cNvSpPr>
-          <p:nvPr>
-            <p:ph idx="1"/>
-          </p:nvPr>
-        </p:nvSpPr>
-        <p:spPr/>
-        <p:txBody>
-          <a:bodyPr/>
-          <a:lstStyle/>
-          <a:p>
-            <a:endParaRPr lang="en-US" dirty="0"/>
-          </a:p>
-        </p:txBody>
-      </p:sp>
-      <p:pic>
-        <p:nvPicPr>
-          <p:cNvPr id="4" name="Picture 3">
-            <a:extLst>
-              <a:ext uri="{FF2B5EF4-FFF2-40B4-BE49-F238E27FC236}">
-                <a16:creationId xmlns:a16="http://schemas.microsoft.com/office/drawing/2014/main" id="{BF79647D-655E-A146-A2EF-5CB5956A3DB2}"/>
-              </a:ext>
-            </a:extLst>
-          </p:cNvPr>
-          <p:cNvPicPr>
-            <a:picLocks noChangeAspect="1"/>
-          </p:cNvPicPr>
-          <p:nvPr/>
-        </p:nvPicPr>
-        <p:blipFill>
-          <a:blip r:embed="rId2"/>
-          <a:stretch>
-            <a:fillRect/>
-          </a:stretch>
-        </p:blipFill>
-        <p:spPr>
-          <a:xfrm>
-            <a:off x="1103312" y="2956858"/>
-            <a:ext cx="9639300" cy="1193800"/>
-          </a:xfrm>
-          <a:prstGeom prst="rect">
-            <a:avLst/>
-          </a:prstGeom>
-        </p:spPr>
-      </p:pic>
-    </p:spTree>
-    <p:extLst>
-      <p:ext uri="{BB962C8B-B14F-4D97-AF65-F5344CB8AC3E}">
-        <p14:creationId xmlns:p14="http://schemas.microsoft.com/office/powerpoint/2010/main" val="3019829022"/>
-      </p:ext>
-    </p:extLst>
-  </p:cSld>
-  <p:clrMapOvr>
-    <a:masterClrMapping/>
-  </p:clrMapOvr>
-</p:sld>
-</file>
-
-<file path=ppt/slides/slide74.xml><?xml version="1.0" encoding="utf-8"?>
-<p:sld xmlns:a="http://schemas.openxmlformats.org/drawingml/2006/main" xmlns:r="http://schemas.openxmlformats.org/officeDocument/2006/relationships" xmlns:p="http://schemas.openxmlformats.org/presentationml/2006/main">
-  <p:cSld>
-    <p:spTree>
-      <p:nvGrpSpPr>
-        <p:cNvPr id="1" name=""/>
-        <p:cNvGrpSpPr/>
-        <p:nvPr/>
-      </p:nvGrpSpPr>
-      <p:grpSpPr>
-        <a:xfrm>
-          <a:off x="0" y="0"/>
-          <a:ext cx="0" cy="0"/>
-          <a:chOff x="0" y="0"/>
-          <a:chExt cx="0" cy="0"/>
-        </a:xfrm>
-      </p:grpSpPr>
-      <p:sp>
-        <p:nvSpPr>
-          <p:cNvPr id="2" name="Title 1">
-            <a:extLst>
-              <a:ext uri="{FF2B5EF4-FFF2-40B4-BE49-F238E27FC236}">
-                <a16:creationId xmlns:a16="http://schemas.microsoft.com/office/drawing/2014/main" id="{5D30973C-DD0A-BB41-8090-2BBFEB4E9537}"/>
-              </a:ext>
-            </a:extLst>
-          </p:cNvPr>
-          <p:cNvSpPr>
-            <a:spLocks noGrp="1"/>
-          </p:cNvSpPr>
-          <p:nvPr>
-            <p:ph type="title"/>
-          </p:nvPr>
-        </p:nvSpPr>
-        <p:spPr/>
-        <p:txBody>
-          <a:bodyPr/>
-          <a:lstStyle/>
-          <a:p>
-            <a:r>
-              <a:rPr lang="en-US" dirty="0"/>
-              <a:t>How to use try/except blocks</a:t>
-            </a:r>
-          </a:p>
-        </p:txBody>
-      </p:sp>
-      <p:sp>
-        <p:nvSpPr>
-          <p:cNvPr id="3" name="Content Placeholder 2">
-            <a:extLst>
-              <a:ext uri="{FF2B5EF4-FFF2-40B4-BE49-F238E27FC236}">
-                <a16:creationId xmlns:a16="http://schemas.microsoft.com/office/drawing/2014/main" id="{C8361794-4700-3C4B-8F8E-652F06AE57E0}"/>
-              </a:ext>
-            </a:extLst>
-          </p:cNvPr>
-          <p:cNvSpPr>
-            <a:spLocks noGrp="1"/>
-          </p:cNvSpPr>
-          <p:nvPr>
-            <p:ph idx="1"/>
-          </p:nvPr>
-        </p:nvSpPr>
-        <p:spPr/>
-        <p:txBody>
-          <a:bodyPr/>
-          <a:lstStyle/>
-          <a:p>
-            <a:r>
-              <a:rPr lang="en-US" dirty="0"/>
-              <a:t>For every function we will put a ”try:” as the first line, and then after the code an except line</a:t>
-            </a:r>
-          </a:p>
-          <a:p>
-            <a:r>
-              <a:rPr lang="en-US" dirty="0"/>
-              <a:t>For example here is the start function</a:t>
-            </a:r>
-          </a:p>
-        </p:txBody>
-      </p:sp>
-      <p:pic>
-        <p:nvPicPr>
-          <p:cNvPr id="4" name="Picture 3">
-            <a:extLst>
-              <a:ext uri="{FF2B5EF4-FFF2-40B4-BE49-F238E27FC236}">
-                <a16:creationId xmlns:a16="http://schemas.microsoft.com/office/drawing/2014/main" id="{51DE0296-7EB1-F944-90E5-C48223945097}"/>
-              </a:ext>
-            </a:extLst>
-          </p:cNvPr>
-          <p:cNvPicPr>
-            <a:picLocks noChangeAspect="1"/>
-          </p:cNvPicPr>
-          <p:nvPr/>
-        </p:nvPicPr>
-        <p:blipFill>
-          <a:blip r:embed="rId2"/>
-          <a:stretch>
-            <a:fillRect/>
-          </a:stretch>
-        </p:blipFill>
-        <p:spPr>
-          <a:xfrm>
-            <a:off x="1227322" y="3429000"/>
-            <a:ext cx="8242300" cy="2146300"/>
-          </a:xfrm>
-          <a:prstGeom prst="rect">
-            <a:avLst/>
-          </a:prstGeom>
-        </p:spPr>
-      </p:pic>
-    </p:spTree>
-    <p:extLst>
-      <p:ext uri="{BB962C8B-B14F-4D97-AF65-F5344CB8AC3E}">
-        <p14:creationId xmlns:p14="http://schemas.microsoft.com/office/powerpoint/2010/main" val="407214773"/>
-      </p:ext>
-    </p:extLst>
-  </p:cSld>
-  <p:clrMapOvr>
-    <a:masterClrMapping/>
-  </p:clrMapOvr>
-</p:sld>
-</file>
-
-<file path=ppt/slides/slide75.xml><?xml version="1.0" encoding="utf-8"?>
+<file path=ppt/slides/slide68.xml><?xml version="1.0" encoding="utf-8"?>
 <p:sld xmlns:a="http://schemas.openxmlformats.org/drawingml/2006/main" xmlns:r="http://schemas.openxmlformats.org/officeDocument/2006/relationships" xmlns:p="http://schemas.openxmlformats.org/presentationml/2006/main">
   <p:cSld>
     <p:spTree>
@@ -35223,8 +34078,13 @@
           <a:p>
             <a:r>
               <a:rPr lang="en-US" dirty="0"/>
-              <a:t>I will give you all a copy of the Savings Calculator code from the first workshop and a format for how the bot should flow</a:t>
-            </a:r>
+              <a:t>I will give you all a copy of a Savings Calculator bot and if you are interested you can try </a:t>
+            </a:r>
+            <a:r>
+              <a:rPr lang="en-US"/>
+              <a:t>and make it into your own bot!</a:t>
+            </a:r>
+            <a:endParaRPr lang="en-US" dirty="0"/>
           </a:p>
           <a:p>
             <a:pPr lvl="1"/>
@@ -35309,7 +34169,7 @@
 </p:sld>
 </file>
 
-<file path=ppt/slides/slide76.xml><?xml version="1.0" encoding="utf-8"?>
+<file path=ppt/slides/slide69.xml><?xml version="1.0" encoding="utf-8"?>
 <p:sld xmlns:a="http://schemas.openxmlformats.org/drawingml/2006/main" xmlns:r="http://schemas.openxmlformats.org/officeDocument/2006/relationships" xmlns:p="http://schemas.openxmlformats.org/presentationml/2006/main">
   <p:cSld>
     <p:spTree>
@@ -35398,7 +34258,126 @@
 </p:sld>
 </file>
 
-<file path=ppt/slides/slide77.xml><?xml version="1.0" encoding="utf-8"?>
+<file path=ppt/slides/slide7.xml><?xml version="1.0" encoding="utf-8"?>
+<p:sld xmlns:a="http://schemas.openxmlformats.org/drawingml/2006/main" xmlns:r="http://schemas.openxmlformats.org/officeDocument/2006/relationships" xmlns:p="http://schemas.openxmlformats.org/presentationml/2006/main">
+  <p:cSld>
+    <p:spTree>
+      <p:nvGrpSpPr>
+        <p:cNvPr id="1" name=""/>
+        <p:cNvGrpSpPr/>
+        <p:nvPr/>
+      </p:nvGrpSpPr>
+      <p:grpSpPr>
+        <a:xfrm>
+          <a:off x="0" y="0"/>
+          <a:ext cx="0" cy="0"/>
+          <a:chOff x="0" y="0"/>
+          <a:chExt cx="0" cy="0"/>
+        </a:xfrm>
+      </p:grpSpPr>
+      <p:sp>
+        <p:nvSpPr>
+          <p:cNvPr id="2" name="Title 1">
+            <a:extLst>
+              <a:ext uri="{FF2B5EF4-FFF2-40B4-BE49-F238E27FC236}">
+                <a16:creationId xmlns:a16="http://schemas.microsoft.com/office/drawing/2014/main" id="{6750910B-1AB8-DF4C-B1D4-AEE2F222C074}"/>
+              </a:ext>
+            </a:extLst>
+          </p:cNvPr>
+          <p:cNvSpPr>
+            <a:spLocks noGrp="1"/>
+          </p:cNvSpPr>
+          <p:nvPr>
+            <p:ph type="title"/>
+          </p:nvPr>
+        </p:nvSpPr>
+        <p:spPr/>
+        <p:txBody>
+          <a:bodyPr/>
+          <a:lstStyle/>
+          <a:p>
+            <a:r>
+              <a:rPr lang="en-US" dirty="0"/>
+              <a:t>Python Introduction Recap</a:t>
+            </a:r>
+          </a:p>
+        </p:txBody>
+      </p:sp>
+      <p:sp>
+        <p:nvSpPr>
+          <p:cNvPr id="3" name="Content Placeholder 2">
+            <a:extLst>
+              <a:ext uri="{FF2B5EF4-FFF2-40B4-BE49-F238E27FC236}">
+                <a16:creationId xmlns:a16="http://schemas.microsoft.com/office/drawing/2014/main" id="{9699C4EC-9625-8A4D-8185-795F43879192}"/>
+              </a:ext>
+            </a:extLst>
+          </p:cNvPr>
+          <p:cNvSpPr>
+            <a:spLocks noGrp="1"/>
+          </p:cNvSpPr>
+          <p:nvPr>
+            <p:ph idx="1"/>
+          </p:nvPr>
+        </p:nvSpPr>
+        <p:spPr/>
+        <p:txBody>
+          <a:bodyPr/>
+          <a:lstStyle/>
+          <a:p>
+            <a:r>
+              <a:rPr lang="en-US" dirty="0"/>
+              <a:t>Now that we have downloaded Python let’s do a recap of the last workshop</a:t>
+            </a:r>
+          </a:p>
+          <a:p>
+            <a:r>
+              <a:rPr lang="en-US" dirty="0"/>
+              <a:t>This recap should take the majority of the morning session, followed by the bot creation in the afternoon</a:t>
+            </a:r>
+          </a:p>
+          <a:p>
+            <a:r>
+              <a:rPr lang="en-US" dirty="0"/>
+              <a:t>Let’s start with variables</a:t>
+            </a:r>
+          </a:p>
+          <a:p>
+            <a:pPr lvl="1"/>
+            <a:r>
+              <a:rPr lang="en-US" dirty="0"/>
+              <a:t>How to use them</a:t>
+            </a:r>
+          </a:p>
+          <a:p>
+            <a:pPr lvl="1"/>
+            <a:r>
+              <a:rPr lang="en-US" dirty="0"/>
+              <a:t>How to name them</a:t>
+            </a:r>
+          </a:p>
+          <a:p>
+            <a:pPr lvl="1"/>
+            <a:r>
+              <a:rPr lang="en-US" dirty="0"/>
+              <a:t>How to output them</a:t>
+            </a:r>
+          </a:p>
+        </p:txBody>
+      </p:sp>
+    </p:spTree>
+    <p:extLst>
+      <p:ext uri="{BB962C8B-B14F-4D97-AF65-F5344CB8AC3E}">
+        <p14:creationId xmlns:p14="http://schemas.microsoft.com/office/powerpoint/2010/main" val="2784870813"/>
+      </p:ext>
+    </p:extLst>
+  </p:cSld>
+  <p:clrMapOvr>
+    <a:masterClrMapping/>
+  </p:clrMapOvr>
+</p:sld>
+</file>
+
+<file path=ppt/slides/slide70.xml><?xml version="1.0" encoding="utf-8"?>
 <p:sld xmlns:a="http://schemas.openxmlformats.org/drawingml/2006/main" xmlns:r="http://schemas.openxmlformats.org/officeDocument/2006/relationships" xmlns:p="http://schemas.openxmlformats.org/presentationml/2006/main">
   <p:cSld>
     <p:spTree>
@@ -35533,7 +34512,7 @@
           <p:cNvPr id="2" name="Title 1">
             <a:extLst>
               <a:ext uri="{FF2B5EF4-FFF2-40B4-BE49-F238E27FC236}">
-                <a16:creationId xmlns:a16="http://schemas.microsoft.com/office/drawing/2014/main" id="{8FE8D5C4-680E-274F-9F9E-DEE8BAAF9DBE}"/>
+                <a16:creationId xmlns:a16="http://schemas.microsoft.com/office/drawing/2014/main" id="{481F5036-A162-FA4A-BC3B-9B8F285BA70C}"/>
               </a:ext>
             </a:extLst>
           </p:cNvPr>
@@ -35551,7 +34530,7 @@
           <a:p>
             <a:r>
               <a:rPr lang="en-US" dirty="0"/>
-              <a:t>Downloading Visual Studio Code	</a:t>
+              <a:t>Variables Recap	</a:t>
             </a:r>
           </a:p>
         </p:txBody>
@@ -35561,7 +34540,7 @@
           <p:cNvPr id="3" name="Content Placeholder 2">
             <a:extLst>
               <a:ext uri="{FF2B5EF4-FFF2-40B4-BE49-F238E27FC236}">
-                <a16:creationId xmlns:a16="http://schemas.microsoft.com/office/drawing/2014/main" id="{B4035E50-B64D-0842-A812-DE1B67A4524B}"/>
+                <a16:creationId xmlns:a16="http://schemas.microsoft.com/office/drawing/2014/main" id="{48054FC5-2BB4-3D4D-A3D3-704AFD591218}"/>
               </a:ext>
             </a:extLst>
           </p:cNvPr>
@@ -35579,48 +34558,83 @@
           <a:p>
             <a:r>
               <a:rPr lang="en-US" dirty="0"/>
-              <a:t>In order to write our code, today we will be using program called Visual Studio Code (created by Microsoft)</a:t>
-            </a:r>
-          </a:p>
-          <a:p>
-            <a:r>
-              <a:rPr lang="en-US" dirty="0"/>
-              <a:t>Visit this link to download the appropriate version for your computer</a:t>
+              <a:t>Variables are the building block for python</a:t>
             </a:r>
           </a:p>
           <a:p>
             <a:pPr lvl="1"/>
             <a:r>
-              <a:rPr lang="en-US" dirty="0">
-                <a:hlinkClick r:id="rId2"/>
-              </a:rPr>
-              <a:t>https://code.visualstudio.com/download</a:t>
-            </a:r>
+              <a:rPr lang="en-US" dirty="0"/>
+              <a:t>You can use them to store and manipulate data</a:t>
+            </a:r>
+          </a:p>
+          <a:p>
+            <a:r>
+              <a:rPr lang="en-US" dirty="0"/>
+              <a:t>Since Python is “dynamically typed” we can initialize variables without explicitly telling the program what type they are</a:t>
+            </a:r>
+          </a:p>
+          <a:p>
             <a:endParaRPr lang="en-US" dirty="0"/>
           </a:p>
           <a:p>
-            <a:r>
-              <a:rPr lang="en-US" dirty="0"/>
-              <a:t>Once downloaded let’s install the python extension using the extensions tab on the left </a:t>
-            </a:r>
-            <a:r>
-              <a:rPr lang="en-US"/>
-              <a:t>hand side</a:t>
-            </a:r>
             <a:endParaRPr lang="en-US" dirty="0"/>
           </a:p>
           <a:p>
-            <a:r>
-              <a:rPr lang="en-US" dirty="0"/>
-              <a:t>Lastly, let’s open up a terminal and get started</a:t>
-            </a:r>
+            <a:endParaRPr lang="en-US" dirty="0"/>
+          </a:p>
+          <a:p>
+            <a:r>
+              <a:rPr lang="en-US" dirty="0"/>
+              <a:t>As show above, x is an integer, y is a string and z is a float</a:t>
+            </a:r>
+          </a:p>
+          <a:p>
+            <a:pPr marL="0" indent="0">
+              <a:buNone/>
+            </a:pPr>
+            <a:endParaRPr lang="en-US" dirty="0"/>
+          </a:p>
+          <a:p>
+            <a:pPr lvl="1"/>
+            <a:endParaRPr lang="en-US" dirty="0"/>
           </a:p>
         </p:txBody>
       </p:sp>
+      <p:pic>
+        <p:nvPicPr>
+          <p:cNvPr id="5" name="Picture 4">
+            <a:extLst>
+              <a:ext uri="{FF2B5EF4-FFF2-40B4-BE49-F238E27FC236}">
+                <a16:creationId xmlns:a16="http://schemas.microsoft.com/office/drawing/2014/main" id="{42903CAF-563D-DD4F-AB3A-826FF8BFBC20}"/>
+              </a:ext>
+            </a:extLst>
+          </p:cNvPr>
+          <p:cNvPicPr>
+            <a:picLocks noChangeAspect="1"/>
+          </p:cNvPicPr>
+          <p:nvPr/>
+        </p:nvPicPr>
+        <p:blipFill>
+          <a:blip r:embed="rId2"/>
+          <a:stretch>
+            <a:fillRect/>
+          </a:stretch>
+        </p:blipFill>
+        <p:spPr>
+          <a:xfrm>
+            <a:off x="1752528" y="3795230"/>
+            <a:ext cx="2501900" cy="952500"/>
+          </a:xfrm>
+          <a:prstGeom prst="rect">
+            <a:avLst/>
+          </a:prstGeom>
+        </p:spPr>
+      </p:pic>
     </p:spTree>
     <p:extLst>
       <p:ext uri="{BB962C8B-B14F-4D97-AF65-F5344CB8AC3E}">
-        <p14:creationId xmlns:p14="http://schemas.microsoft.com/office/powerpoint/2010/main" val="3837326573"/>
+        <p14:creationId xmlns:p14="http://schemas.microsoft.com/office/powerpoint/2010/main" val="1458737219"/>
       </p:ext>
     </p:extLst>
   </p:cSld>
@@ -35652,7 +34666,7 @@
           <p:cNvPr id="2" name="Title 1">
             <a:extLst>
               <a:ext uri="{FF2B5EF4-FFF2-40B4-BE49-F238E27FC236}">
-                <a16:creationId xmlns:a16="http://schemas.microsoft.com/office/drawing/2014/main" id="{F776795F-2FEB-C149-9F5F-2F5E9C1C7522}"/>
+                <a16:creationId xmlns:a16="http://schemas.microsoft.com/office/drawing/2014/main" id="{062BC1E7-2E43-154D-8773-5340C09711D3}"/>
               </a:ext>
             </a:extLst>
           </p:cNvPr>
@@ -35670,7 +34684,7 @@
           <a:p>
             <a:r>
               <a:rPr lang="en-US" dirty="0"/>
-              <a:t>Understanding CLI 	</a:t>
+              <a:t>Python Data types</a:t>
             </a:r>
           </a:p>
         </p:txBody>
@@ -35680,7 +34694,7 @@
           <p:cNvPr id="3" name="Content Placeholder 2">
             <a:extLst>
               <a:ext uri="{FF2B5EF4-FFF2-40B4-BE49-F238E27FC236}">
-                <a16:creationId xmlns:a16="http://schemas.microsoft.com/office/drawing/2014/main" id="{0386BDBD-8DA1-0445-8D8F-00A214E3CF7D}"/>
+                <a16:creationId xmlns:a16="http://schemas.microsoft.com/office/drawing/2014/main" id="{38577CBB-DBB8-B64F-B5CA-A1F282E0BCD5}"/>
               </a:ext>
             </a:extLst>
           </p:cNvPr>
@@ -35693,74 +34707,119 @@
         </p:nvSpPr>
         <p:spPr/>
         <p:txBody>
-          <a:bodyPr/>
+          <a:bodyPr>
+            <a:normAutofit lnSpcReduction="10000"/>
+          </a:bodyPr>
           <a:lstStyle/>
           <a:p>
             <a:r>
               <a:rPr lang="en-US" dirty="0"/>
-              <a:t>Command Line Interface is essentially a window into the heart of your computer. It allows you to manipulate files and directories through simple text. </a:t>
-            </a:r>
-          </a:p>
-          <a:p>
-            <a:pPr lvl="1"/>
-            <a:r>
-              <a:rPr lang="en-US" dirty="0"/>
-              <a:t>Some useful commands include:</a:t>
-            </a:r>
-          </a:p>
-          <a:p>
-            <a:pPr lvl="2"/>
-            <a:r>
-              <a:rPr lang="en-US" dirty="0"/>
-              <a:t>cd – change directory: you can move into and out of folders like this</a:t>
-            </a:r>
-          </a:p>
-          <a:p>
-            <a:pPr lvl="3"/>
-            <a:r>
-              <a:rPr lang="en-US" dirty="0"/>
-              <a:t>cd Documents: this will move you into your documents folder</a:t>
-            </a:r>
-          </a:p>
-          <a:p>
-            <a:pPr lvl="2"/>
-            <a:r>
-              <a:rPr lang="en-US" dirty="0"/>
-              <a:t> </a:t>
+              <a:t>We have seen a few data types but let’s go through all of the important ones here</a:t>
+            </a:r>
+          </a:p>
+          <a:p>
+            <a:pPr marL="457200" indent="-457200">
+              <a:buFont typeface="+mj-lt"/>
+              <a:buAutoNum type="arabicPeriod"/>
+            </a:pPr>
+            <a:r>
+              <a:rPr lang="en-US" dirty="0"/>
+              <a:t>Text: string (“hi”)</a:t>
+            </a:r>
+          </a:p>
+          <a:p>
+            <a:pPr marL="457200" indent="-457200">
+              <a:buFont typeface="+mj-lt"/>
+              <a:buAutoNum type="arabicPeriod"/>
+            </a:pPr>
+            <a:r>
+              <a:rPr lang="en-US" dirty="0"/>
+              <a:t>Numeric: int (5), or float (5.0)</a:t>
+            </a:r>
+          </a:p>
+          <a:p>
+            <a:pPr marL="457200" indent="-457200">
+              <a:buFont typeface="+mj-lt"/>
+              <a:buAutoNum type="arabicPeriod"/>
+            </a:pPr>
+            <a:r>
+              <a:rPr lang="en-US" dirty="0"/>
+              <a:t>Sequences:</a:t>
+            </a:r>
+          </a:p>
+          <a:p>
+            <a:pPr marL="857250" lvl="1" indent="-457200">
+              <a:buFont typeface="+mj-lt"/>
+              <a:buAutoNum type="arabicPeriod"/>
+            </a:pPr>
+            <a:r>
+              <a:rPr lang="en-US" dirty="0"/>
+              <a:t>List: [1,2,3]</a:t>
+            </a:r>
+          </a:p>
+          <a:p>
+            <a:pPr marL="857250" lvl="1" indent="-457200">
+              <a:buFont typeface="+mj-lt"/>
+              <a:buAutoNum type="arabicPeriod"/>
+            </a:pPr>
+            <a:r>
+              <a:rPr lang="en-US" dirty="0"/>
+              <a:t>Tuple: (1,2,3)</a:t>
+            </a:r>
+          </a:p>
+          <a:p>
+            <a:pPr marL="457200" indent="-457200">
+              <a:buFont typeface="+mj-lt"/>
+              <a:buAutoNum type="arabicPeriod"/>
+            </a:pPr>
+            <a:r>
+              <a:rPr lang="en-US" dirty="0"/>
+              <a:t>Mapping:</a:t>
+            </a:r>
+          </a:p>
+          <a:p>
+            <a:pPr marL="857250" lvl="1" indent="-457200">
+              <a:buFont typeface="+mj-lt"/>
+              <a:buAutoNum type="arabicPeriod"/>
+            </a:pPr>
+            <a:r>
+              <a:rPr lang="en-US" dirty="0"/>
+              <a:t>Dictionary: {“name”: “</a:t>
             </a:r>
             <a:r>
               <a:rPr lang="en-US" dirty="0" err="1"/>
-              <a:t>mkdir</a:t>
-            </a:r>
-            <a:r>
-              <a:rPr lang="en-US" dirty="0"/>
-              <a:t> – make directory: you can create folders like this</a:t>
-            </a:r>
-          </a:p>
-          <a:p>
-            <a:pPr lvl="2"/>
-            <a:r>
-              <a:rPr lang="en-US" dirty="0"/>
-              <a:t>touch [filename] – you can create files like this</a:t>
-            </a:r>
-          </a:p>
-          <a:p>
-            <a:pPr lvl="2"/>
-            <a:r>
-              <a:rPr lang="en-US" dirty="0"/>
-              <a:t>python3 </a:t>
-            </a:r>
-            <a:r>
-              <a:rPr lang="en-US" dirty="0" err="1"/>
-              <a:t>file.py</a:t>
-            </a:r>
-            <a:r>
-              <a:rPr lang="en-US" dirty="0"/>
-              <a:t> - you can run python files like this</a:t>
-            </a:r>
-          </a:p>
-          <a:p>
-            <a:pPr lvl="3"/>
+              <a:t>Sidd</a:t>
+            </a:r>
+            <a:r>
+              <a:rPr lang="en-US" dirty="0"/>
+              <a:t> Bose”, “rank”: ”CPL”}</a:t>
+            </a:r>
+          </a:p>
+          <a:p>
+            <a:pPr marL="457200" indent="-457200">
+              <a:buFont typeface="+mj-lt"/>
+              <a:buAutoNum type="arabicPeriod"/>
+            </a:pPr>
+            <a:r>
+              <a:rPr lang="en-US" dirty="0"/>
+              <a:t>Boolean:</a:t>
+            </a:r>
+          </a:p>
+          <a:p>
+            <a:pPr marL="857250" lvl="1" indent="-457200">
+              <a:buFont typeface="+mj-lt"/>
+              <a:buAutoNum type="arabicPeriod"/>
+            </a:pPr>
+            <a:r>
+              <a:rPr lang="en-US" dirty="0"/>
+              <a:t>True, False (capitalization matters here!)</a:t>
+            </a:r>
+          </a:p>
+          <a:p>
+            <a:pPr marL="457200" indent="-457200">
+              <a:buFont typeface="+mj-lt"/>
+              <a:buAutoNum type="arabicPeriod"/>
+            </a:pPr>
             <a:endParaRPr lang="en-US" dirty="0"/>
           </a:p>
         </p:txBody>
@@ -35768,7 +34827,7 @@
     </p:spTree>
     <p:extLst>
       <p:ext uri="{BB962C8B-B14F-4D97-AF65-F5344CB8AC3E}">
-        <p14:creationId xmlns:p14="http://schemas.microsoft.com/office/powerpoint/2010/main" val="4038401862"/>
+        <p14:creationId xmlns:p14="http://schemas.microsoft.com/office/powerpoint/2010/main" val="1268832366"/>
       </p:ext>
     </p:extLst>
   </p:cSld>
